--- a/Graduation_Project_Presentation_Seminar2.pptx
+++ b/Graduation_Project_Presentation_Seminar2.pptx
@@ -2001,7 +2001,11 @@
     </dgm:pt>
     <dgm:pt modelId="{EA10A4D8-4027-49E0-A20F-79C557F9AD38}">
       <dgm:prSet phldrT="[Text]" custT="1"/>
-      <dgm:spPr/>
+      <dgm:spPr>
+        <a:solidFill>
+          <a:srgbClr val="00B050"/>
+        </a:solidFill>
+      </dgm:spPr>
       <dgm:t>
         <a:bodyPr/>
         <a:lstStyle/>
@@ -2046,7 +2050,11 @@
     </dgm:pt>
     <dgm:pt modelId="{99B756F5-109C-4B36-AE2E-8629FC300059}">
       <dgm:prSet phldrT="[Text]" custT="1"/>
-      <dgm:spPr/>
+      <dgm:spPr>
+        <a:solidFill>
+          <a:srgbClr val="FF0000"/>
+        </a:solidFill>
+      </dgm:spPr>
       <dgm:t>
         <a:bodyPr/>
         <a:lstStyle/>
@@ -2091,7 +2099,11 @@
     </dgm:pt>
     <dgm:pt modelId="{DED477AB-7B5E-4626-8E55-833993F6331F}">
       <dgm:prSet phldrT="[Text]" custT="1"/>
-      <dgm:spPr/>
+      <dgm:spPr>
+        <a:solidFill>
+          <a:srgbClr val="FF0000"/>
+        </a:solidFill>
+      </dgm:spPr>
       <dgm:t>
         <a:bodyPr/>
         <a:lstStyle/>
@@ -2136,7 +2148,11 @@
     </dgm:pt>
     <dgm:pt modelId="{110380F4-E426-4391-83A8-0FE988CCC649}">
       <dgm:prSet phldrT="[Text]" custT="1"/>
-      <dgm:spPr/>
+      <dgm:spPr>
+        <a:solidFill>
+          <a:srgbClr val="00B050"/>
+        </a:solidFill>
+      </dgm:spPr>
       <dgm:t>
         <a:bodyPr/>
         <a:lstStyle/>
@@ -2181,7 +2197,11 @@
     </dgm:pt>
     <dgm:pt modelId="{254245FE-4AD6-451C-A689-3D99A5D0027F}">
       <dgm:prSet phldrT="[Text]" custT="1"/>
-      <dgm:spPr/>
+      <dgm:spPr>
+        <a:solidFill>
+          <a:srgbClr val="00B050"/>
+        </a:solidFill>
+      </dgm:spPr>
       <dgm:t>
         <a:bodyPr/>
         <a:lstStyle/>
@@ -2226,7 +2246,11 @@
     </dgm:pt>
     <dgm:pt modelId="{9EAD1B7E-DA63-40D5-A27B-AD22B23BA757}">
       <dgm:prSet phldrT="[Text]" custT="1"/>
-      <dgm:spPr/>
+      <dgm:spPr>
+        <a:solidFill>
+          <a:srgbClr val="FF0000"/>
+        </a:solidFill>
+      </dgm:spPr>
       <dgm:t>
         <a:bodyPr/>
         <a:lstStyle/>
@@ -2271,7 +2295,11 @@
     </dgm:pt>
     <dgm:pt modelId="{553A73D3-83FD-4A98-BA14-27E24B4D2B5C}">
       <dgm:prSet phldrT="[Text]" custT="1"/>
-      <dgm:spPr/>
+      <dgm:spPr>
+        <a:solidFill>
+          <a:srgbClr val="00B050"/>
+        </a:solidFill>
+      </dgm:spPr>
       <dgm:t>
         <a:bodyPr/>
         <a:lstStyle/>
@@ -2316,7 +2344,34 @@
     </dgm:pt>
     <dgm:pt modelId="{7AFFA681-11B2-40F5-97EE-9084A6E3A55B}">
       <dgm:prSet phldrT="[Text]" custT="1"/>
-      <dgm:spPr/>
+      <dgm:spPr>
+        <a:gradFill flip="none" rotWithShape="1">
+          <a:gsLst>
+            <a:gs pos="45000">
+              <a:srgbClr val="FF0000"/>
+            </a:gs>
+            <a:gs pos="56000">
+              <a:schemeClr val="accent2">
+                <a:lumMod val="89000"/>
+              </a:schemeClr>
+            </a:gs>
+            <a:gs pos="69000">
+              <a:schemeClr val="accent2">
+                <a:lumMod val="75000"/>
+              </a:schemeClr>
+            </a:gs>
+            <a:gs pos="83000">
+              <a:schemeClr val="accent2">
+                <a:lumMod val="70000"/>
+              </a:schemeClr>
+            </a:gs>
+          </a:gsLst>
+          <a:path path="circle">
+            <a:fillToRect l="100000" t="100000"/>
+          </a:path>
+          <a:tileRect r="-100000" b="-100000"/>
+        </a:gradFill>
+      </dgm:spPr>
       <dgm:t>
         <a:bodyPr/>
         <a:lstStyle/>
@@ -3396,12 +3451,7 @@
           <a:avLst/>
         </a:prstGeom>
         <a:solidFill>
-          <a:schemeClr val="accent1">
-            <a:hueOff val="0"/>
-            <a:satOff val="0"/>
-            <a:lumOff val="0"/>
-            <a:alphaOff val="0"/>
-          </a:schemeClr>
+          <a:srgbClr val="00B050"/>
         </a:solidFill>
         <a:ln w="15875" cap="rnd" cmpd="sng" algn="ctr">
           <a:solidFill>
@@ -3476,12 +3526,7 @@
           <a:avLst/>
         </a:prstGeom>
         <a:solidFill>
-          <a:schemeClr val="accent1">
-            <a:hueOff val="0"/>
-            <a:satOff val="0"/>
-            <a:lumOff val="0"/>
-            <a:alphaOff val="0"/>
-          </a:schemeClr>
+          <a:srgbClr val="FF0000"/>
         </a:solidFill>
         <a:ln w="15875" cap="rnd" cmpd="sng" algn="ctr">
           <a:solidFill>
@@ -3556,12 +3601,7 @@
           <a:avLst/>
         </a:prstGeom>
         <a:solidFill>
-          <a:schemeClr val="accent1">
-            <a:hueOff val="0"/>
-            <a:satOff val="0"/>
-            <a:lumOff val="0"/>
-            <a:alphaOff val="0"/>
-          </a:schemeClr>
+          <a:srgbClr val="FF0000"/>
         </a:solidFill>
         <a:ln w="15875" cap="rnd" cmpd="sng" algn="ctr">
           <a:solidFill>
@@ -3635,14 +3675,32 @@
         <a:prstGeom prst="rect">
           <a:avLst/>
         </a:prstGeom>
-        <a:solidFill>
-          <a:schemeClr val="accent1">
-            <a:hueOff val="0"/>
-            <a:satOff val="0"/>
-            <a:lumOff val="0"/>
-            <a:alphaOff val="0"/>
-          </a:schemeClr>
-        </a:solidFill>
+        <a:gradFill flip="none" rotWithShape="1">
+          <a:gsLst>
+            <a:gs pos="45000">
+              <a:srgbClr val="FF0000"/>
+            </a:gs>
+            <a:gs pos="56000">
+              <a:schemeClr val="accent2">
+                <a:lumMod val="89000"/>
+              </a:schemeClr>
+            </a:gs>
+            <a:gs pos="69000">
+              <a:schemeClr val="accent2">
+                <a:lumMod val="75000"/>
+              </a:schemeClr>
+            </a:gs>
+            <a:gs pos="83000">
+              <a:schemeClr val="accent2">
+                <a:lumMod val="70000"/>
+              </a:schemeClr>
+            </a:gs>
+          </a:gsLst>
+          <a:path path="circle">
+            <a:fillToRect l="100000" t="100000"/>
+          </a:path>
+          <a:tileRect r="-100000" b="-100000"/>
+        </a:gradFill>
         <a:ln w="15875" cap="rnd" cmpd="sng" algn="ctr">
           <a:solidFill>
             <a:schemeClr val="lt1">
@@ -3716,12 +3774,7 @@
           <a:avLst/>
         </a:prstGeom>
         <a:solidFill>
-          <a:schemeClr val="accent1">
-            <a:hueOff val="0"/>
-            <a:satOff val="0"/>
-            <a:lumOff val="0"/>
-            <a:alphaOff val="0"/>
-          </a:schemeClr>
+          <a:srgbClr val="FF0000"/>
         </a:solidFill>
         <a:ln w="15875" cap="rnd" cmpd="sng" algn="ctr">
           <a:solidFill>
@@ -3796,12 +3849,7 @@
           <a:avLst/>
         </a:prstGeom>
         <a:solidFill>
-          <a:schemeClr val="accent1">
-            <a:hueOff val="0"/>
-            <a:satOff val="0"/>
-            <a:lumOff val="0"/>
-            <a:alphaOff val="0"/>
-          </a:schemeClr>
+          <a:srgbClr val="00B050"/>
         </a:solidFill>
         <a:ln w="15875" cap="rnd" cmpd="sng" algn="ctr">
           <a:solidFill>
@@ -3876,12 +3924,7 @@
           <a:avLst/>
         </a:prstGeom>
         <a:solidFill>
-          <a:schemeClr val="accent1">
-            <a:hueOff val="0"/>
-            <a:satOff val="0"/>
-            <a:lumOff val="0"/>
-            <a:alphaOff val="0"/>
-          </a:schemeClr>
+          <a:srgbClr val="00B050"/>
         </a:solidFill>
         <a:ln w="15875" cap="rnd" cmpd="sng" algn="ctr">
           <a:solidFill>
@@ -3956,12 +3999,7 @@
           <a:avLst/>
         </a:prstGeom>
         <a:solidFill>
-          <a:schemeClr val="accent1">
-            <a:hueOff val="0"/>
-            <a:satOff val="0"/>
-            <a:lumOff val="0"/>
-            <a:alphaOff val="0"/>
-          </a:schemeClr>
+          <a:srgbClr val="00B050"/>
         </a:solidFill>
         <a:ln w="15875" cap="rnd" cmpd="sng" algn="ctr">
           <a:solidFill>
@@ -6288,7 +6326,7 @@
           <a:p>
             <a:fld id="{5871CF41-0B09-4798-B670-3C9B0936FF95}" type="datetimeFigureOut">
               <a:rPr lang="en-US" smtClean="0"/>
-              <a:t>3/11/2022</a:t>
+              <a:t>4/12/2022</a:t>
             </a:fld>
             <a:endParaRPr lang="en-US" dirty="0"/>
           </a:p>
@@ -7057,7 +7095,7 @@
           <a:p>
             <a:fld id="{168879B2-7B6B-4ED3-89A7-EFC41AFF6308}" type="datetime1">
               <a:rPr lang="en-US" smtClean="0"/>
-              <a:t>3/11/2022</a:t>
+              <a:t>4/12/2022</a:t>
             </a:fld>
             <a:endParaRPr lang="en-US" dirty="0"/>
           </a:p>
@@ -7352,7 +7390,7 @@
           <a:p>
             <a:fld id="{D13D922E-16C5-45A5-8BD3-0351402718B2}" type="datetime1">
               <a:rPr lang="en-US" smtClean="0"/>
-              <a:t>3/11/2022</a:t>
+              <a:t>4/12/2022</a:t>
             </a:fld>
             <a:endParaRPr lang="en-US" dirty="0"/>
           </a:p>
@@ -7600,7 +7638,7 @@
           <a:p>
             <a:fld id="{82CD67D3-2395-4FD4-9A98-81AA333F1BD8}" type="datetime1">
               <a:rPr lang="en-US" smtClean="0"/>
-              <a:t>3/11/2022</a:t>
+              <a:t>4/12/2022</a:t>
             </a:fld>
             <a:endParaRPr lang="en-US" dirty="0"/>
           </a:p>
@@ -8140,7 +8178,7 @@
           <a:p>
             <a:fld id="{AF240796-8FD7-4BFC-BCD7-501896528243}" type="datetime1">
               <a:rPr lang="en-US" smtClean="0"/>
-              <a:t>3/11/2022</a:t>
+              <a:t>4/12/2022</a:t>
             </a:fld>
             <a:endParaRPr lang="en-US" dirty="0"/>
           </a:p>
@@ -8388,7 +8426,7 @@
           <a:p>
             <a:fld id="{1A885E88-666E-4E06-9E57-AC6A213392A6}" type="datetime1">
               <a:rPr lang="en-US" smtClean="0"/>
-              <a:t>3/11/2022</a:t>
+              <a:t>4/12/2022</a:t>
             </a:fld>
             <a:endParaRPr lang="en-US" dirty="0"/>
           </a:p>
@@ -8920,7 +8958,7 @@
           <a:p>
             <a:fld id="{A21AFC83-F2B1-4D61-9586-B026885B3BF4}" type="datetime1">
               <a:rPr lang="en-US" smtClean="0"/>
-              <a:t>3/11/2022</a:t>
+              <a:t>4/12/2022</a:t>
             </a:fld>
             <a:endParaRPr lang="en-US" dirty="0"/>
           </a:p>
@@ -9217,7 +9255,7 @@
           <a:p>
             <a:fld id="{83838B35-254D-4861-8B96-99459CF8DC74}" type="datetime1">
               <a:rPr lang="en-US" smtClean="0"/>
-              <a:t>3/11/2022</a:t>
+              <a:t>4/12/2022</a:t>
             </a:fld>
             <a:endParaRPr lang="en-US" dirty="0"/>
           </a:p>
@@ -9391,7 +9429,7 @@
           <a:p>
             <a:fld id="{A6EC469A-12F8-4E89-8CF3-73DBB3285027}" type="datetime1">
               <a:rPr lang="en-US" smtClean="0"/>
-              <a:t>3/11/2022</a:t>
+              <a:t>4/12/2022</a:t>
             </a:fld>
             <a:endParaRPr lang="en-US" dirty="0"/>
           </a:p>
@@ -9571,7 +9609,7 @@
           <a:p>
             <a:fld id="{628059C2-9CCA-4F32-925B-970394FB80E0}" type="datetime1">
               <a:rPr lang="en-US" smtClean="0"/>
-              <a:t>3/11/2022</a:t>
+              <a:t>4/12/2022</a:t>
             </a:fld>
             <a:endParaRPr lang="en-US" dirty="0"/>
           </a:p>
@@ -9741,7 +9779,7 @@
           <a:p>
             <a:fld id="{660C52F5-8048-431E-8482-A0331EA4D228}" type="datetime1">
               <a:rPr lang="en-US" smtClean="0"/>
-              <a:t>3/11/2022</a:t>
+              <a:t>4/12/2022</a:t>
             </a:fld>
             <a:endParaRPr lang="en-US" dirty="0"/>
           </a:p>
@@ -9992,7 +10030,7 @@
           <a:p>
             <a:fld id="{486170AD-F089-4D08-98A6-C8A46549C169}" type="datetime1">
               <a:rPr lang="en-US" smtClean="0"/>
-              <a:t>3/11/2022</a:t>
+              <a:t>4/12/2022</a:t>
             </a:fld>
             <a:endParaRPr lang="en-US" dirty="0"/>
           </a:p>
@@ -10289,7 +10327,7 @@
           <a:p>
             <a:fld id="{711CB868-61DC-421E-BEB8-F7328E82DFA4}" type="datetime1">
               <a:rPr lang="en-US" smtClean="0"/>
-              <a:t>3/11/2022</a:t>
+              <a:t>4/12/2022</a:t>
             </a:fld>
             <a:endParaRPr lang="en-US" dirty="0"/>
           </a:p>
@@ -10731,7 +10769,7 @@
           <a:p>
             <a:fld id="{7BB28479-CA0A-4649-B8D8-B7190F087862}" type="datetime1">
               <a:rPr lang="en-US" smtClean="0"/>
-              <a:t>3/11/2022</a:t>
+              <a:t>4/12/2022</a:t>
             </a:fld>
             <a:endParaRPr lang="en-US" dirty="0"/>
           </a:p>
@@ -10849,7 +10887,7 @@
           <a:p>
             <a:fld id="{2831BA14-6264-42FF-A13F-963742010587}" type="datetime1">
               <a:rPr lang="en-US" smtClean="0"/>
-              <a:t>3/11/2022</a:t>
+              <a:t>4/12/2022</a:t>
             </a:fld>
             <a:endParaRPr lang="en-US" dirty="0"/>
           </a:p>
@@ -10944,7 +10982,7 @@
           <a:p>
             <a:fld id="{3ACC5F88-4FF1-4E9F-8FBF-4B64ADDE4F04}" type="datetime1">
               <a:rPr lang="en-US" smtClean="0"/>
-              <a:t>3/11/2022</a:t>
+              <a:t>4/12/2022</a:t>
             </a:fld>
             <a:endParaRPr lang="en-US" dirty="0"/>
           </a:p>
@@ -11227,7 +11265,7 @@
           <a:p>
             <a:fld id="{F28D5011-35ED-4083-84E3-4881118724D9}" type="datetime1">
               <a:rPr lang="en-US" smtClean="0"/>
-              <a:t>3/11/2022</a:t>
+              <a:t>4/12/2022</a:t>
             </a:fld>
             <a:endParaRPr lang="en-US" dirty="0"/>
           </a:p>
@@ -11517,7 +11555,7 @@
           <a:p>
             <a:fld id="{5ABB8DBC-6E9A-4258-A085-E422046955A9}" type="datetime1">
               <a:rPr lang="en-US" smtClean="0"/>
-              <a:t>3/11/2022</a:t>
+              <a:t>4/12/2022</a:t>
             </a:fld>
             <a:endParaRPr lang="en-US" dirty="0"/>
           </a:p>
@@ -12047,7 +12085,7 @@
           <a:p>
             <a:fld id="{8A232130-4E83-4A5F-89FE-11C236E74D73}" type="datetime1">
               <a:rPr lang="en-US" smtClean="0"/>
-              <a:t>3/11/2022</a:t>
+              <a:t>4/12/2022</a:t>
             </a:fld>
             <a:endParaRPr lang="en-US" dirty="0"/>
           </a:p>
@@ -15984,13 +16022,13 @@
         </p:nvSpPr>
         <p:spPr>
           <a:xfrm>
-            <a:off x="1484309" y="1757779"/>
-            <a:ext cx="10018713" cy="3233321"/>
+            <a:off x="1484309" y="2238375"/>
+            <a:ext cx="10018713" cy="3543300"/>
           </a:xfrm>
         </p:spPr>
         <p:txBody>
           <a:bodyPr>
-            <a:normAutofit/>
+            <a:normAutofit fontScale="55000" lnSpcReduction="20000"/>
           </a:bodyPr>
           <a:lstStyle/>
           <a:p>
@@ -16011,8 +16049,8 @@
               <a:buChar char="•"/>
             </a:pPr>
             <a:r>
-              <a:rPr lang="en-GB" dirty="0"/>
-              <a:t>-Working prototype first level is done</a:t>
+              <a:rPr lang="en-GB" sz="3300" dirty="0"/>
+              <a:t>Working prototype Game1 &amp; Game2</a:t>
             </a:r>
           </a:p>
           <a:p>
@@ -16021,8 +16059,8 @@
               <a:buChar char="•"/>
             </a:pPr>
             <a:r>
-              <a:rPr lang="en-GB" dirty="0"/>
-              <a:t>-Implementation of Main Menu</a:t>
+              <a:rPr lang="en-GB" sz="3300" dirty="0"/>
+              <a:t>Implementation of Main Menu in Game1</a:t>
             </a:r>
           </a:p>
           <a:p>
@@ -16031,9 +16069,82 @@
               <a:buChar char="•"/>
             </a:pPr>
             <a:r>
-              <a:rPr lang="en-GB" dirty="0"/>
-              <a:t>-Implementation of About section which describes and states information about the game and its different levels</a:t>
+              <a:rPr lang="en-GB" sz="3300" dirty="0"/>
+              <a:t>Implementation of About section in Game1 which describes and states information about the game and its different levels </a:t>
             </a:r>
+          </a:p>
+          <a:p>
+            <a:pPr>
+              <a:buFont typeface="Arial" panose="020B0604020202020204" pitchFamily="34" charset="0"/>
+              <a:buChar char="•"/>
+            </a:pPr>
+            <a:r>
+              <a:rPr lang="en-GB" sz="3300" dirty="0"/>
+              <a:t>Password Levels in Game1</a:t>
+            </a:r>
+          </a:p>
+          <a:p>
+            <a:pPr>
+              <a:buFont typeface="Arial" panose="020B0604020202020204" pitchFamily="34" charset="0"/>
+              <a:buChar char="•"/>
+            </a:pPr>
+            <a:r>
+              <a:rPr lang="en-GB" sz="3300" dirty="0"/>
+              <a:t>Phishing Level in Game1</a:t>
+            </a:r>
+          </a:p>
+          <a:p>
+            <a:pPr>
+              <a:buFont typeface="Arial" panose="020B0604020202020204" pitchFamily="34" charset="0"/>
+              <a:buChar char="•"/>
+            </a:pPr>
+            <a:r>
+              <a:rPr lang="en-GB" sz="3300" dirty="0"/>
+              <a:t>Phishing Level in Game2</a:t>
+            </a:r>
+          </a:p>
+          <a:p>
+            <a:pPr>
+              <a:buFont typeface="Arial" panose="020B0604020202020204" pitchFamily="34" charset="0"/>
+              <a:buChar char="•"/>
+            </a:pPr>
+            <a:r>
+              <a:rPr lang="en-GB" sz="3300" dirty="0"/>
+              <a:t>Password Level in Game2</a:t>
+            </a:r>
+          </a:p>
+          <a:p>
+            <a:pPr marL="0" indent="0">
+              <a:buNone/>
+            </a:pPr>
+            <a:endParaRPr lang="en-GB" dirty="0"/>
+          </a:p>
+          <a:p>
+            <a:pPr>
+              <a:buFont typeface="Arial" panose="020B0604020202020204" pitchFamily="34" charset="0"/>
+              <a:buChar char="•"/>
+            </a:pPr>
+            <a:endParaRPr lang="en-GB" dirty="0"/>
+          </a:p>
+          <a:p>
+            <a:pPr marL="0" indent="0">
+              <a:buNone/>
+            </a:pPr>
+            <a:endParaRPr lang="en-GB" dirty="0"/>
+          </a:p>
+          <a:p>
+            <a:pPr>
+              <a:buFont typeface="Arial" panose="020B0604020202020204" pitchFamily="34" charset="0"/>
+              <a:buChar char="•"/>
+            </a:pPr>
+            <a:endParaRPr lang="en-GB" dirty="0"/>
+          </a:p>
+          <a:p>
+            <a:pPr>
+              <a:buFont typeface="Arial" panose="020B0604020202020204" pitchFamily="34" charset="0"/>
+              <a:buChar char="•"/>
+            </a:pPr>
+            <a:endParaRPr lang="en-GB" dirty="0"/>
           </a:p>
           <a:p>
             <a:pPr>
@@ -16546,7 +16657,7 @@
             <p:ph idx="1"/>
             <p:extLst>
               <p:ext uri="{D42A27DB-BD31-4B8C-83A1-F6EECF244321}">
-                <p14:modId xmlns:p14="http://schemas.microsoft.com/office/powerpoint/2010/main" val="2700977653"/>
+                <p14:modId xmlns:p14="http://schemas.microsoft.com/office/powerpoint/2010/main" val="1105841735"/>
               </p:ext>
             </p:extLst>
           </p:nvPr>
@@ -16731,6 +16842,47 @@
           </a:extLst>
         </p:spPr>
       </p:pic>
+      <p:sp>
+        <p:nvSpPr>
+          <p:cNvPr id="5" name="TextBox 4">
+            <a:extLst>
+              <a:ext uri="{FF2B5EF4-FFF2-40B4-BE49-F238E27FC236}">
+                <a16:creationId xmlns:a16="http://schemas.microsoft.com/office/drawing/2014/main" id="{B0180468-AFB9-430D-B66A-EFF2F362BC27}"/>
+              </a:ext>
+            </a:extLst>
+          </p:cNvPr>
+          <p:cNvSpPr txBox="1"/>
+          <p:nvPr/>
+        </p:nvSpPr>
+        <p:spPr>
+          <a:xfrm>
+            <a:off x="1330603" y="5220800"/>
+            <a:ext cx="2000250" cy="646331"/>
+          </a:xfrm>
+          <a:prstGeom prst="rect">
+            <a:avLst/>
+          </a:prstGeom>
+          <a:noFill/>
+        </p:spPr>
+        <p:txBody>
+          <a:bodyPr wrap="square" rtlCol="0">
+            <a:spAutoFit/>
+          </a:bodyPr>
+          <a:lstStyle/>
+          <a:p>
+            <a:r>
+              <a:rPr lang="en-GB" dirty="0"/>
+              <a:t>Green – Done</a:t>
+            </a:r>
+          </a:p>
+          <a:p>
+            <a:r>
+              <a:rPr lang="en-GB" dirty="0"/>
+              <a:t>Red  – Not done</a:t>
+            </a:r>
+          </a:p>
+        </p:txBody>
+      </p:sp>
     </p:spTree>
     <p:extLst>
       <p:ext uri="{BB962C8B-B14F-4D97-AF65-F5344CB8AC3E}">
@@ -16813,13 +16965,13 @@
         </p:nvSpPr>
         <p:spPr>
           <a:xfrm>
-            <a:off x="1484310" y="2574524"/>
-            <a:ext cx="10018713" cy="3328118"/>
+            <a:off x="1484310" y="2095500"/>
+            <a:ext cx="10018713" cy="3807142"/>
           </a:xfrm>
         </p:spPr>
         <p:txBody>
           <a:bodyPr>
-            <a:normAutofit fontScale="92500" lnSpcReduction="10000"/>
+            <a:normAutofit fontScale="55000" lnSpcReduction="20000"/>
           </a:bodyPr>
           <a:lstStyle/>
           <a:p>
@@ -16842,15 +16994,36 @@
           </a:p>
           <a:p>
             <a:r>
-              <a:rPr lang="en-GB" dirty="0"/>
+              <a:rPr lang="en-GB" sz="3800" dirty="0"/>
               <a:t>Implement more levels</a:t>
             </a:r>
           </a:p>
           <a:p>
             <a:r>
-              <a:rPr lang="en-GB" dirty="0"/>
+              <a:rPr lang="en-GB" sz="3800" dirty="0"/>
               <a:t>Improve the gamification to make it more enjoyable and attractive for the kids</a:t>
             </a:r>
+          </a:p>
+          <a:p>
+            <a:r>
+              <a:rPr lang="en-GB" sz="3800" dirty="0"/>
+              <a:t>Transfer phishing levels from game1 to game2</a:t>
+            </a:r>
+          </a:p>
+          <a:p>
+            <a:r>
+              <a:rPr lang="en-GB" sz="3800" dirty="0"/>
+              <a:t>Create Leadership for Motivation</a:t>
+            </a:r>
+          </a:p>
+          <a:p>
+            <a:r>
+              <a:rPr lang="en-GB" sz="3800" dirty="0"/>
+              <a:t>Implement reward system</a:t>
+            </a:r>
+          </a:p>
+          <a:p>
+            <a:endParaRPr lang="en-GB" dirty="0"/>
           </a:p>
           <a:p>
             <a:endParaRPr lang="en-GB" dirty="0"/>

--- a/Graduation_Project_Presentation_Seminar2.pptx
+++ b/Graduation_Project_Presentation_Seminar2.pptx
@@ -5,7 +5,7 @@
     <p:sldMasterId id="2147483755" r:id="rId1"/>
   </p:sldMasterIdLst>
   <p:notesMasterIdLst>
-    <p:notesMasterId r:id="rId18"/>
+    <p:notesMasterId r:id="rId16"/>
   </p:notesMasterIdLst>
   <p:sldIdLst>
     <p:sldId id="269" r:id="rId2"/>
@@ -13,17 +13,15 @@
     <p:sldId id="271" r:id="rId4"/>
     <p:sldId id="257" r:id="rId5"/>
     <p:sldId id="260" r:id="rId6"/>
-    <p:sldId id="278" r:id="rId7"/>
-    <p:sldId id="261" r:id="rId8"/>
-    <p:sldId id="263" r:id="rId9"/>
-    <p:sldId id="279" r:id="rId10"/>
-    <p:sldId id="268" r:id="rId11"/>
-    <p:sldId id="272" r:id="rId12"/>
-    <p:sldId id="265" r:id="rId13"/>
-    <p:sldId id="274" r:id="rId14"/>
-    <p:sldId id="275" r:id="rId15"/>
-    <p:sldId id="273" r:id="rId16"/>
-    <p:sldId id="276" r:id="rId17"/>
+    <p:sldId id="263" r:id="rId7"/>
+    <p:sldId id="278" r:id="rId8"/>
+    <p:sldId id="279" r:id="rId9"/>
+    <p:sldId id="272" r:id="rId10"/>
+    <p:sldId id="265" r:id="rId11"/>
+    <p:sldId id="274" r:id="rId12"/>
+    <p:sldId id="275" r:id="rId13"/>
+    <p:sldId id="273" r:id="rId14"/>
+    <p:sldId id="276" r:id="rId15"/>
   </p:sldIdLst>
   <p:sldSz cx="12192000" cy="6858000"/>
   <p:notesSz cx="6858000" cy="9144000"/>
@@ -271,6 +269,32 @@
             </a:sp3d>
           </c:spPr>
           <c:invertIfNegative val="0"/>
+          <c:dPt>
+            <c:idx val="3"/>
+            <c:invertIfNegative val="0"/>
+            <c:bubble3D val="0"/>
+            <c:spPr>
+              <a:solidFill>
+                <a:srgbClr val="00B050"/>
+              </a:solidFill>
+              <a:ln>
+                <a:noFill/>
+              </a:ln>
+              <a:effectLst/>
+              <a:scene3d>
+                <a:camera prst="orthographicFront"/>
+                <a:lightRig rig="threePt" dir="t"/>
+              </a:scene3d>
+              <a:sp3d>
+                <a:bevelT w="190500" h="38100"/>
+              </a:sp3d>
+            </c:spPr>
+            <c:extLst>
+              <c:ext xmlns:c16="http://schemas.microsoft.com/office/drawing/2014/chart" uri="{C3380CC4-5D6E-409C-BE32-E72D297353CC}">
+                <c16:uniqueId val="{00000000-B024-4673-829B-C2142EBBA17D}"/>
+              </c:ext>
+            </c:extLst>
+          </c:dPt>
           <c:cat>
             <c:strRef>
               <c:f>Sheet1!$A$2:$A$8</c:f>
@@ -585,6 +609,16 @@
         <c:idx val="0"/>
         <c:delete val="1"/>
       </c:legendEntry>
+      <c:layout>
+        <c:manualLayout>
+          <c:xMode val="edge"/>
+          <c:yMode val="edge"/>
+          <c:x val="0.44799800613092783"/>
+          <c:y val="0.93254493266195748"/>
+          <c:w val="0.1242859361562644"/>
+          <c:h val="4.9762026275791321E-2"/>
+        </c:manualLayout>
+      </c:layout>
       <c:overlay val="0"/>
       <c:spPr>
         <a:noFill/>
@@ -6326,7 +6360,7 @@
           <a:p>
             <a:fld id="{5871CF41-0B09-4798-B670-3C9B0936FF95}" type="datetimeFigureOut">
               <a:rPr lang="en-US" smtClean="0"/>
-              <a:t>4/12/2022</a:t>
+              <a:t>4/19/2022</a:t>
             </a:fld>
             <a:endParaRPr lang="en-US" dirty="0"/>
           </a:p>
@@ -7095,7 +7129,7 @@
           <a:p>
             <a:fld id="{168879B2-7B6B-4ED3-89A7-EFC41AFF6308}" type="datetime1">
               <a:rPr lang="en-US" smtClean="0"/>
-              <a:t>4/12/2022</a:t>
+              <a:t>4/19/2022</a:t>
             </a:fld>
             <a:endParaRPr lang="en-US" dirty="0"/>
           </a:p>
@@ -7390,7 +7424,7 @@
           <a:p>
             <a:fld id="{D13D922E-16C5-45A5-8BD3-0351402718B2}" type="datetime1">
               <a:rPr lang="en-US" smtClean="0"/>
-              <a:t>4/12/2022</a:t>
+              <a:t>4/19/2022</a:t>
             </a:fld>
             <a:endParaRPr lang="en-US" dirty="0"/>
           </a:p>
@@ -7638,7 +7672,7 @@
           <a:p>
             <a:fld id="{82CD67D3-2395-4FD4-9A98-81AA333F1BD8}" type="datetime1">
               <a:rPr lang="en-US" smtClean="0"/>
-              <a:t>4/12/2022</a:t>
+              <a:t>4/19/2022</a:t>
             </a:fld>
             <a:endParaRPr lang="en-US" dirty="0"/>
           </a:p>
@@ -8178,7 +8212,7 @@
           <a:p>
             <a:fld id="{AF240796-8FD7-4BFC-BCD7-501896528243}" type="datetime1">
               <a:rPr lang="en-US" smtClean="0"/>
-              <a:t>4/12/2022</a:t>
+              <a:t>4/19/2022</a:t>
             </a:fld>
             <a:endParaRPr lang="en-US" dirty="0"/>
           </a:p>
@@ -8426,7 +8460,7 @@
           <a:p>
             <a:fld id="{1A885E88-666E-4E06-9E57-AC6A213392A6}" type="datetime1">
               <a:rPr lang="en-US" smtClean="0"/>
-              <a:t>4/12/2022</a:t>
+              <a:t>4/19/2022</a:t>
             </a:fld>
             <a:endParaRPr lang="en-US" dirty="0"/>
           </a:p>
@@ -8958,7 +8992,7 @@
           <a:p>
             <a:fld id="{A21AFC83-F2B1-4D61-9586-B026885B3BF4}" type="datetime1">
               <a:rPr lang="en-US" smtClean="0"/>
-              <a:t>4/12/2022</a:t>
+              <a:t>4/19/2022</a:t>
             </a:fld>
             <a:endParaRPr lang="en-US" dirty="0"/>
           </a:p>
@@ -9255,7 +9289,7 @@
           <a:p>
             <a:fld id="{83838B35-254D-4861-8B96-99459CF8DC74}" type="datetime1">
               <a:rPr lang="en-US" smtClean="0"/>
-              <a:t>4/12/2022</a:t>
+              <a:t>4/19/2022</a:t>
             </a:fld>
             <a:endParaRPr lang="en-US" dirty="0"/>
           </a:p>
@@ -9429,7 +9463,7 @@
           <a:p>
             <a:fld id="{A6EC469A-12F8-4E89-8CF3-73DBB3285027}" type="datetime1">
               <a:rPr lang="en-US" smtClean="0"/>
-              <a:t>4/12/2022</a:t>
+              <a:t>4/19/2022</a:t>
             </a:fld>
             <a:endParaRPr lang="en-US" dirty="0"/>
           </a:p>
@@ -9609,7 +9643,7 @@
           <a:p>
             <a:fld id="{628059C2-9CCA-4F32-925B-970394FB80E0}" type="datetime1">
               <a:rPr lang="en-US" smtClean="0"/>
-              <a:t>4/12/2022</a:t>
+              <a:t>4/19/2022</a:t>
             </a:fld>
             <a:endParaRPr lang="en-US" dirty="0"/>
           </a:p>
@@ -9779,7 +9813,7 @@
           <a:p>
             <a:fld id="{660C52F5-8048-431E-8482-A0331EA4D228}" type="datetime1">
               <a:rPr lang="en-US" smtClean="0"/>
-              <a:t>4/12/2022</a:t>
+              <a:t>4/19/2022</a:t>
             </a:fld>
             <a:endParaRPr lang="en-US" dirty="0"/>
           </a:p>
@@ -10030,7 +10064,7 @@
           <a:p>
             <a:fld id="{486170AD-F089-4D08-98A6-C8A46549C169}" type="datetime1">
               <a:rPr lang="en-US" smtClean="0"/>
-              <a:t>4/12/2022</a:t>
+              <a:t>4/19/2022</a:t>
             </a:fld>
             <a:endParaRPr lang="en-US" dirty="0"/>
           </a:p>
@@ -10327,7 +10361,7 @@
           <a:p>
             <a:fld id="{711CB868-61DC-421E-BEB8-F7328E82DFA4}" type="datetime1">
               <a:rPr lang="en-US" smtClean="0"/>
-              <a:t>4/12/2022</a:t>
+              <a:t>4/19/2022</a:t>
             </a:fld>
             <a:endParaRPr lang="en-US" dirty="0"/>
           </a:p>
@@ -10769,7 +10803,7 @@
           <a:p>
             <a:fld id="{7BB28479-CA0A-4649-B8D8-B7190F087862}" type="datetime1">
               <a:rPr lang="en-US" smtClean="0"/>
-              <a:t>4/12/2022</a:t>
+              <a:t>4/19/2022</a:t>
             </a:fld>
             <a:endParaRPr lang="en-US" dirty="0"/>
           </a:p>
@@ -10887,7 +10921,7 @@
           <a:p>
             <a:fld id="{2831BA14-6264-42FF-A13F-963742010587}" type="datetime1">
               <a:rPr lang="en-US" smtClean="0"/>
-              <a:t>4/12/2022</a:t>
+              <a:t>4/19/2022</a:t>
             </a:fld>
             <a:endParaRPr lang="en-US" dirty="0"/>
           </a:p>
@@ -10982,7 +11016,7 @@
           <a:p>
             <a:fld id="{3ACC5F88-4FF1-4E9F-8FBF-4B64ADDE4F04}" type="datetime1">
               <a:rPr lang="en-US" smtClean="0"/>
-              <a:t>4/12/2022</a:t>
+              <a:t>4/19/2022</a:t>
             </a:fld>
             <a:endParaRPr lang="en-US" dirty="0"/>
           </a:p>
@@ -11265,7 +11299,7 @@
           <a:p>
             <a:fld id="{F28D5011-35ED-4083-84E3-4881118724D9}" type="datetime1">
               <a:rPr lang="en-US" smtClean="0"/>
-              <a:t>4/12/2022</a:t>
+              <a:t>4/19/2022</a:t>
             </a:fld>
             <a:endParaRPr lang="en-US" dirty="0"/>
           </a:p>
@@ -11555,7 +11589,7 @@
           <a:p>
             <a:fld id="{5ABB8DBC-6E9A-4258-A085-E422046955A9}" type="datetime1">
               <a:rPr lang="en-US" smtClean="0"/>
-              <a:t>4/12/2022</a:t>
+              <a:t>4/19/2022</a:t>
             </a:fld>
             <a:endParaRPr lang="en-US" dirty="0"/>
           </a:p>
@@ -12085,7 +12119,7 @@
           <a:p>
             <a:fld id="{8A232130-4E83-4A5F-89FE-11C236E74D73}" type="datetime1">
               <a:rPr lang="en-US" smtClean="0"/>
-              <a:t>4/12/2022</a:t>
+              <a:t>4/19/2022</a:t>
             </a:fld>
             <a:endParaRPr lang="en-US" dirty="0"/>
           </a:p>
@@ -12991,7 +13025,7 @@
                 <a:latin typeface="Times New Roman" panose="02020603050405020304" pitchFamily="18" charset="0"/>
                 <a:cs typeface="Times New Roman" panose="02020603050405020304" pitchFamily="18" charset="0"/>
               </a:rPr>
-              <a:t>Software Used</a:t>
+              <a:t>Reference</a:t>
             </a:r>
           </a:p>
         </p:txBody>
@@ -13014,266 +13048,95 @@
         </p:nvSpPr>
         <p:spPr>
           <a:xfrm>
-            <a:off x="1484310" y="1699404"/>
-            <a:ext cx="10018713" cy="4287328"/>
+            <a:off x="1484310" y="1544129"/>
+            <a:ext cx="10018713" cy="5072331"/>
           </a:xfrm>
         </p:spPr>
         <p:txBody>
           <a:bodyPr>
-            <a:normAutofit/>
+            <a:noAutofit/>
           </a:bodyPr>
           <a:lstStyle/>
           <a:p>
             <a:r>
-              <a:rPr lang="en-US" sz="2600" dirty="0">
+              <a:rPr lang="en-US" sz="2000" dirty="0">
                 <a:latin typeface="Times New Roman" panose="02020603050405020304" pitchFamily="18" charset="0"/>
                 <a:cs typeface="Times New Roman" panose="02020603050405020304" pitchFamily="18" charset="0"/>
               </a:rPr>
-              <a:t>Game Engine</a:t>
+              <a:t>[1]"Screen time 'may harm toddlers'", BBC News, 2019. [Online]. Available: https://www.bbc.com/news/health-47026834. [Accessed: 06- Dec- 2021].</a:t>
             </a:r>
           </a:p>
           <a:p>
-            <a:pPr lvl="1">
-              <a:buSzPct val="100000"/>
-              <a:buFont typeface="Wingdings" panose="05000000000000000000" pitchFamily="2" charset="2"/>
-              <a:buChar char="Ø"/>
-            </a:pPr>
             <a:r>
-              <a:rPr lang="en-US" sz="2400" dirty="0">
+              <a:rPr lang="en-US" sz="2000" dirty="0">
                 <a:latin typeface="Times New Roman" panose="02020603050405020304" pitchFamily="18" charset="0"/>
                 <a:cs typeface="Times New Roman" panose="02020603050405020304" pitchFamily="18" charset="0"/>
               </a:rPr>
-              <a:t>Unity</a:t>
+              <a:t>[2]"Cybersecurity in Education: What Teachers, Parents and Students Should Know | Berkeley Boot Camps", Berkeley Boot Camps, 2021. [Online]. Available: https://bootcamp.berkeley.edu/blog/cybersecurity-in-education-what-teachers-parents-and-students-should-know/. [Accessed: 06- Dec- 2021].</a:t>
             </a:r>
           </a:p>
           <a:p>
             <a:r>
-              <a:rPr lang="en-US" sz="2600" dirty="0">
+              <a:rPr lang="fr-FR" sz="2000" dirty="0">
                 <a:latin typeface="Times New Roman" panose="02020603050405020304" pitchFamily="18" charset="0"/>
                 <a:cs typeface="Times New Roman" panose="02020603050405020304" pitchFamily="18" charset="0"/>
               </a:rPr>
-              <a:t>Programming Language</a:t>
+              <a:t>[3]"Cybertalentskids » CyberTalents", CybertalentKids, 2021. [Online]. Available: https://cybertalentskids.com/. [Accessed: </a:t>
             </a:r>
-          </a:p>
-          <a:p>
-            <a:pPr lvl="1">
-              <a:buSzPct val="100000"/>
-              <a:buFont typeface="Wingdings" panose="05000000000000000000" pitchFamily="2" charset="2"/>
-              <a:buChar char="Ø"/>
-            </a:pPr>
             <a:r>
-              <a:rPr lang="en-US" sz="2400" dirty="0">
+              <a:rPr lang="en-US" sz="2000" dirty="0">
                 <a:latin typeface="Times New Roman" panose="02020603050405020304" pitchFamily="18" charset="0"/>
                 <a:cs typeface="Times New Roman" panose="02020603050405020304" pitchFamily="18" charset="0"/>
               </a:rPr>
-              <a:t>C#</a:t>
+              <a:t>06</a:t>
             </a:r>
-          </a:p>
-          <a:p>
             <a:r>
-              <a:rPr lang="en-US" sz="2600" dirty="0">
+              <a:rPr lang="fr-FR" sz="2000" dirty="0">
                 <a:latin typeface="Times New Roman" panose="02020603050405020304" pitchFamily="18" charset="0"/>
                 <a:cs typeface="Times New Roman" panose="02020603050405020304" pitchFamily="18" charset="0"/>
               </a:rPr>
-              <a:t>Code IDE</a:t>
+              <a:t>- Dec- 2021].</a:t>
             </a:r>
-          </a:p>
-          <a:p>
-            <a:pPr lvl="1">
-              <a:buSzPct val="100000"/>
-              <a:buFont typeface="Wingdings" panose="05000000000000000000" pitchFamily="2" charset="2"/>
-              <a:buChar char="Ø"/>
-            </a:pPr>
+            <a:endParaRPr lang="en-US" sz="2000" dirty="0">
+              <a:latin typeface="Times New Roman" panose="02020603050405020304" pitchFamily="18" charset="0"/>
+              <a:cs typeface="Times New Roman" panose="02020603050405020304" pitchFamily="18" charset="0"/>
+            </a:endParaRPr>
+          </a:p>
+          <a:p>
             <a:r>
-              <a:rPr lang="en-US" sz="2400" dirty="0">
+              <a:rPr lang="en-US" sz="2000" dirty="0">
                 <a:latin typeface="Times New Roman" panose="02020603050405020304" pitchFamily="18" charset="0"/>
                 <a:cs typeface="Times New Roman" panose="02020603050405020304" pitchFamily="18" charset="0"/>
               </a:rPr>
-              <a:t>Visual Studio</a:t>
+              <a:t>[4]2021. [Online]. Available: https://www.esafety.gov.au/educators/classroom-resources/cybersmart-challenge. [Accessed: 06- Dec- 2021].</a:t>
             </a:r>
           </a:p>
           <a:p>
             <a:r>
-              <a:rPr lang="en-US" sz="2600" dirty="0">
+              <a:rPr lang="en-US" sz="2000" dirty="0">
                 <a:latin typeface="Times New Roman" panose="02020603050405020304" pitchFamily="18" charset="0"/>
                 <a:cs typeface="Times New Roman" panose="02020603050405020304" pitchFamily="18" charset="0"/>
               </a:rPr>
-              <a:t>Graphics Tool</a:t>
+              <a:t>[5]H. M. Jawad and S. Tout, "IEEE Xplore," in Introducing a Mobile App to Increase Cybersecurity Awareness in MENA, Dubai, 2021. [Accessed: 06- Dec- 2021].</a:t>
             </a:r>
           </a:p>
           <a:p>
-            <a:pPr lvl="1">
-              <a:buSzPct val="100000"/>
-              <a:buFont typeface="Wingdings" panose="05000000000000000000" pitchFamily="2" charset="2"/>
-              <a:buChar char="Ø"/>
-            </a:pPr>
             <a:r>
-              <a:rPr lang="en-US" sz="2400" dirty="0">
+              <a:rPr lang="en-US" sz="2000" dirty="0">
                 <a:latin typeface="Times New Roman" panose="02020603050405020304" pitchFamily="18" charset="0"/>
                 <a:cs typeface="Times New Roman" panose="02020603050405020304" pitchFamily="18" charset="0"/>
               </a:rPr>
-              <a:t>Gimp</a:t>
+              <a:t>[6]"Hacking Training For The Best", Hack The Box, 2021. [Online]. Available: https://www.hackthebox.com/. [Accessed: 06- Dec- 2021].</a:t>
             </a:r>
           </a:p>
         </p:txBody>
       </p:sp>
-      <p:pic>
-        <p:nvPicPr>
-          <p:cNvPr id="6148" name="Picture 4" descr="Visual Studio 2019 Online Learning Path | Pluralsight">
-            <a:extLst>
-              <a:ext uri="{FF2B5EF4-FFF2-40B4-BE49-F238E27FC236}">
-                <a16:creationId xmlns:a16="http://schemas.microsoft.com/office/drawing/2014/main" id="{DCF8EF2C-BEEA-44B4-BD5A-441E8781CFAA}"/>
-              </a:ext>
-            </a:extLst>
-          </p:cNvPr>
-          <p:cNvPicPr>
-            <a:picLocks noChangeAspect="1" noChangeArrowheads="1"/>
-          </p:cNvPicPr>
-          <p:nvPr/>
-        </p:nvPicPr>
-        <p:blipFill rotWithShape="1">
-          <a:blip r:embed="rId2">
-            <a:extLst>
-              <a:ext uri="{28A0092B-C50C-407E-A947-70E740481C1C}">
-                <a14:useLocalDpi xmlns:a14="http://schemas.microsoft.com/office/drawing/2010/main" val="0"/>
-              </a:ext>
-            </a:extLst>
-          </a:blip>
-          <a:srcRect l="17506" t="16018" r="15866" b="18334"/>
-          <a:stretch/>
-        </p:blipFill>
-        <p:spPr bwMode="auto">
-          <a:xfrm>
-            <a:off x="7477075" y="2522221"/>
-            <a:ext cx="1891209" cy="1863419"/>
-          </a:xfrm>
-          <a:prstGeom prst="rect">
-            <a:avLst/>
-          </a:prstGeom>
-          <a:noFill/>
-          <a:extLst>
-            <a:ext uri="{909E8E84-426E-40DD-AFC4-6F175D3DCCD1}">
-              <a14:hiddenFill xmlns:a14="http://schemas.microsoft.com/office/drawing/2010/main">
-                <a:solidFill>
-                  <a:srgbClr val="FFFFFF"/>
-                </a:solidFill>
-              </a14:hiddenFill>
-            </a:ext>
-          </a:extLst>
-        </p:spPr>
-      </p:pic>
-      <p:pic>
-        <p:nvPicPr>
-          <p:cNvPr id="7" name="Picture 6">
-            <a:extLst>
-              <a:ext uri="{FF2B5EF4-FFF2-40B4-BE49-F238E27FC236}">
-                <a16:creationId xmlns:a16="http://schemas.microsoft.com/office/drawing/2014/main" id="{38406565-8930-4D85-95F2-4327C36BA384}"/>
-              </a:ext>
-            </a:extLst>
-          </p:cNvPr>
-          <p:cNvPicPr>
-            <a:picLocks noChangeAspect="1"/>
-          </p:cNvPicPr>
-          <p:nvPr/>
-        </p:nvPicPr>
-        <p:blipFill>
-          <a:blip r:embed="rId3">
-            <a:extLst>
-              <a:ext uri="{28A0092B-C50C-407E-A947-70E740481C1C}">
-                <a14:useLocalDpi xmlns:a14="http://schemas.microsoft.com/office/drawing/2010/main" val="0"/>
-              </a:ext>
-            </a:extLst>
-          </a:blip>
-          <a:stretch>
-            <a:fillRect/>
-          </a:stretch>
-        </p:blipFill>
-        <p:spPr>
-          <a:xfrm>
-            <a:off x="10099867" y="3585094"/>
-            <a:ext cx="1601091" cy="1601091"/>
-          </a:xfrm>
-          <a:prstGeom prst="rect">
-            <a:avLst/>
-          </a:prstGeom>
-        </p:spPr>
-      </p:pic>
-      <p:pic>
-        <p:nvPicPr>
-          <p:cNvPr id="9" name="Picture 8">
-            <a:extLst>
-              <a:ext uri="{FF2B5EF4-FFF2-40B4-BE49-F238E27FC236}">
-                <a16:creationId xmlns:a16="http://schemas.microsoft.com/office/drawing/2014/main" id="{FDBE8ABD-2842-42E4-AFED-EA13F9809F74}"/>
-              </a:ext>
-            </a:extLst>
-          </p:cNvPr>
-          <p:cNvPicPr>
-            <a:picLocks noChangeAspect="1"/>
-          </p:cNvPicPr>
-          <p:nvPr/>
-        </p:nvPicPr>
-        <p:blipFill rotWithShape="1">
-          <a:blip r:embed="rId4">
-            <a:extLst>
-              <a:ext uri="{28A0092B-C50C-407E-A947-70E740481C1C}">
-                <a14:useLocalDpi xmlns:a14="http://schemas.microsoft.com/office/drawing/2010/main" val="0"/>
-              </a:ext>
-            </a:extLst>
-          </a:blip>
-          <a:srcRect r="67600"/>
-          <a:stretch/>
-        </p:blipFill>
-        <p:spPr>
-          <a:xfrm>
-            <a:off x="10195624" y="1535501"/>
-            <a:ext cx="1409578" cy="1358658"/>
-          </a:xfrm>
-          <a:prstGeom prst="rect">
-            <a:avLst/>
-          </a:prstGeom>
-        </p:spPr>
-      </p:pic>
-      <p:pic>
-        <p:nvPicPr>
-          <p:cNvPr id="11" name="Picture 10">
-            <a:extLst>
-              <a:ext uri="{FF2B5EF4-FFF2-40B4-BE49-F238E27FC236}">
-                <a16:creationId xmlns:a16="http://schemas.microsoft.com/office/drawing/2014/main" id="{E2303D7B-7316-4531-B420-E6123FE79058}"/>
-              </a:ext>
-            </a:extLst>
-          </p:cNvPr>
-          <p:cNvPicPr>
-            <a:picLocks noChangeAspect="1"/>
-          </p:cNvPicPr>
-          <p:nvPr/>
-        </p:nvPicPr>
-        <p:blipFill rotWithShape="1">
-          <a:blip r:embed="rId5">
-            <a:extLst>
-              <a:ext uri="{28A0092B-C50C-407E-A947-70E740481C1C}">
-                <a14:useLocalDpi xmlns:a14="http://schemas.microsoft.com/office/drawing/2010/main" val="0"/>
-              </a:ext>
-            </a:extLst>
-          </a:blip>
-          <a:srcRect l="18299" t="3711" r="17739"/>
-          <a:stretch/>
-        </p:blipFill>
-        <p:spPr>
-          <a:xfrm>
-            <a:off x="7506843" y="4824768"/>
-            <a:ext cx="1831675" cy="1601092"/>
-          </a:xfrm>
-          <a:prstGeom prst="rect">
-            <a:avLst/>
-          </a:prstGeom>
-        </p:spPr>
-      </p:pic>
       <p:sp>
         <p:nvSpPr>
           <p:cNvPr id="2" name="Slide Number Placeholder 1">
             <a:extLst>
               <a:ext uri="{FF2B5EF4-FFF2-40B4-BE49-F238E27FC236}">
-                <a16:creationId xmlns:a16="http://schemas.microsoft.com/office/drawing/2014/main" id="{10D896F7-A11D-402D-8EBE-1D6B91B76972}"/>
+                <a16:creationId xmlns:a16="http://schemas.microsoft.com/office/drawing/2014/main" id="{5C26B243-A9BC-47C7-AD94-14CAC59D52FC}"/>
               </a:ext>
             </a:extLst>
           </p:cNvPr>
@@ -13300,7 +13163,7 @@
     </p:spTree>
     <p:extLst>
       <p:ext uri="{BB962C8B-B14F-4D97-AF65-F5344CB8AC3E}">
-        <p14:creationId xmlns:p14="http://schemas.microsoft.com/office/powerpoint/2010/main" val="4196966936"/>
+        <p14:creationId xmlns:p14="http://schemas.microsoft.com/office/powerpoint/2010/main" val="1778830078"/>
       </p:ext>
     </p:extLst>
   </p:cSld>
@@ -13329,10 +13192,10 @@
       </p:grpSpPr>
       <p:sp>
         <p:nvSpPr>
-          <p:cNvPr id="2" name="Title 1">
+          <p:cNvPr id="4" name="Title 3">
             <a:extLst>
               <a:ext uri="{FF2B5EF4-FFF2-40B4-BE49-F238E27FC236}">
-                <a16:creationId xmlns:a16="http://schemas.microsoft.com/office/drawing/2014/main" id="{CAD74210-2616-41FB-95DB-44B5383AF4BC}"/>
+                <a16:creationId xmlns:a16="http://schemas.microsoft.com/office/drawing/2014/main" id="{D8711200-5F3E-46DD-8D4E-6F6911FD6A0D}"/>
               </a:ext>
             </a:extLst>
           </p:cNvPr>
@@ -13346,7 +13209,7 @@
         <p:spPr>
           <a:xfrm>
             <a:off x="1484311" y="685801"/>
-            <a:ext cx="10018713" cy="874552"/>
+            <a:ext cx="10018713" cy="858328"/>
           </a:xfrm>
         </p:spPr>
         <p:txBody>
@@ -13355,18 +13218,95 @@
           <a:p>
             <a:pPr algn="l"/>
             <a:r>
-              <a:rPr lang="en-US" dirty="0"/>
-              <a:t>Time Plan</a:t>
+              <a:rPr lang="en-US" b="1" dirty="0">
+                <a:latin typeface="Times New Roman" panose="02020603050405020304" pitchFamily="18" charset="0"/>
+                <a:cs typeface="Times New Roman" panose="02020603050405020304" pitchFamily="18" charset="0"/>
+              </a:rPr>
+              <a:t>Reference</a:t>
             </a:r>
           </a:p>
         </p:txBody>
       </p:sp>
       <p:sp>
         <p:nvSpPr>
-          <p:cNvPr id="4" name="Slide Number Placeholder 3">
+          <p:cNvPr id="5" name="Content Placeholder 4">
             <a:extLst>
               <a:ext uri="{FF2B5EF4-FFF2-40B4-BE49-F238E27FC236}">
-                <a16:creationId xmlns:a16="http://schemas.microsoft.com/office/drawing/2014/main" id="{5A8C45F3-018E-4A22-BBF5-8D3566B89132}"/>
+                <a16:creationId xmlns:a16="http://schemas.microsoft.com/office/drawing/2014/main" id="{F2D0C8FE-5D0A-4EF5-B953-9434B0E10AE4}"/>
+              </a:ext>
+            </a:extLst>
+          </p:cNvPr>
+          <p:cNvSpPr>
+            <a:spLocks noGrp="1"/>
+          </p:cNvSpPr>
+          <p:nvPr>
+            <p:ph idx="1"/>
+          </p:nvPr>
+        </p:nvSpPr>
+        <p:spPr>
+          <a:xfrm>
+            <a:off x="1484310" y="1544129"/>
+            <a:ext cx="10018713" cy="5072331"/>
+          </a:xfrm>
+        </p:spPr>
+        <p:txBody>
+          <a:bodyPr>
+            <a:noAutofit/>
+          </a:bodyPr>
+          <a:lstStyle/>
+          <a:p>
+            <a:r>
+              <a:rPr lang="en-US" sz="2000" dirty="0">
+                <a:latin typeface="Times New Roman" panose="02020603050405020304" pitchFamily="18" charset="0"/>
+                <a:cs typeface="Times New Roman" panose="02020603050405020304" pitchFamily="18" charset="0"/>
+              </a:rPr>
+              <a:t>[7]"OWASP Foundation | Open Source Foundation for Application Security", Owasp.org, 2021. [Online]. Available: https://owasp.org/. [Accessed: 06- Dec- 2021].</a:t>
+            </a:r>
+          </a:p>
+          <a:p>
+            <a:r>
+              <a:rPr lang="en-US" sz="2000" dirty="0">
+                <a:latin typeface="Times New Roman" panose="02020603050405020304" pitchFamily="18" charset="0"/>
+                <a:cs typeface="Times New Roman" panose="02020603050405020304" pitchFamily="18" charset="0"/>
+              </a:rPr>
+              <a:t>[8]M. Robb, "Common Sense Media," Common Sense Media, 29 October 2019. [Online]. Available: https://www.commonsensemedia.org/blog/tweens-teens-and-phones-what-our-2019-research-reveals#:~:text=A%20majority%20(53%25)%20of,2019%20from%2011%25%20in%202015.. [Accessed 08 November 2021].</a:t>
+            </a:r>
+          </a:p>
+          <a:p>
+            <a:r>
+              <a:rPr lang="en-US" sz="2000" dirty="0">
+                <a:latin typeface="Times New Roman" panose="02020603050405020304" pitchFamily="18" charset="0"/>
+                <a:cs typeface="Times New Roman" panose="02020603050405020304" pitchFamily="18" charset="0"/>
+              </a:rPr>
+              <a:t>[9]Kaspersky, "Kaspersky," Kaspersky, [Online]. Available: https://usa.kaspersky.com/resource-center/threats/top-seven-dangers-children-face-online. [Accessed 08 November 2021].</a:t>
+            </a:r>
+          </a:p>
+          <a:p>
+            <a:r>
+              <a:rPr lang="en-US" sz="2000" dirty="0">
+                <a:latin typeface="Times New Roman" panose="02020603050405020304" pitchFamily="18" charset="0"/>
+                <a:cs typeface="Times New Roman" panose="02020603050405020304" pitchFamily="18" charset="0"/>
+              </a:rPr>
+              <a:t>[10]DQ Institute, "DQ Institute," DQ Institute, [Online]. Available: https://www.dqinstitute.org/child-online-safety-index/. [Accessed 08 November 2021].</a:t>
+            </a:r>
+          </a:p>
+          <a:p>
+            <a:r>
+              <a:rPr lang="en-US" sz="2000" dirty="0">
+                <a:latin typeface="Times New Roman" panose="02020603050405020304" pitchFamily="18" charset="0"/>
+                <a:cs typeface="Times New Roman" panose="02020603050405020304" pitchFamily="18" charset="0"/>
+              </a:rPr>
+              <a:t>[11]C. Li, "Weforum," World Economic Forum, 29 April 2020. [Online]. Available: https://www.weforum.org/agenda/2020/04/coronavirus-education-global-covid19-online-digital-learning/. [Accessed 08 November 2021].</a:t>
+            </a:r>
+          </a:p>
+        </p:txBody>
+      </p:sp>
+      <p:sp>
+        <p:nvSpPr>
+          <p:cNvPr id="2" name="Slide Number Placeholder 1">
+            <a:extLst>
+              <a:ext uri="{FF2B5EF4-FFF2-40B4-BE49-F238E27FC236}">
+                <a16:creationId xmlns:a16="http://schemas.microsoft.com/office/drawing/2014/main" id="{5C26B243-A9BC-47C7-AD94-14CAC59D52FC}"/>
               </a:ext>
             </a:extLst>
           </p:cNvPr>
@@ -13390,41 +13330,10 @@
           </a:p>
         </p:txBody>
       </p:sp>
-      <p:graphicFrame>
-        <p:nvGraphicFramePr>
-          <p:cNvPr id="6" name="Content Placeholder 5">
-            <a:extLst>
-              <a:ext uri="{FF2B5EF4-FFF2-40B4-BE49-F238E27FC236}">
-                <a16:creationId xmlns:a16="http://schemas.microsoft.com/office/drawing/2014/main" id="{055A0A5E-0AE0-49DE-9462-004ADE7F0C0B}"/>
-              </a:ext>
-            </a:extLst>
-          </p:cNvPr>
-          <p:cNvGraphicFramePr>
-            <a:graphicFrameLocks noGrp="1"/>
-          </p:cNvGraphicFramePr>
-          <p:nvPr>
-            <p:ph idx="1"/>
-            <p:extLst>
-              <p:ext uri="{D42A27DB-BD31-4B8C-83A1-F6EECF244321}">
-                <p14:modId xmlns:p14="http://schemas.microsoft.com/office/powerpoint/2010/main" val="808885722"/>
-              </p:ext>
-            </p:extLst>
-          </p:nvPr>
-        </p:nvGraphicFramePr>
-        <p:xfrm>
-          <a:off x="1484313" y="1560353"/>
-          <a:ext cx="10018712" cy="4230847"/>
-        </p:xfrm>
-        <a:graphic>
-          <a:graphicData uri="http://schemas.openxmlformats.org/drawingml/2006/chart">
-            <c:chart xmlns:c="http://schemas.openxmlformats.org/drawingml/2006/chart" xmlns:r="http://schemas.openxmlformats.org/officeDocument/2006/relationships" r:id="rId2"/>
-          </a:graphicData>
-        </a:graphic>
-      </p:graphicFrame>
     </p:spTree>
     <p:extLst>
       <p:ext uri="{BB962C8B-B14F-4D97-AF65-F5344CB8AC3E}">
-        <p14:creationId xmlns:p14="http://schemas.microsoft.com/office/powerpoint/2010/main" val="2619497775"/>
+        <p14:creationId xmlns:p14="http://schemas.microsoft.com/office/powerpoint/2010/main" val="2771367757"/>
       </p:ext>
     </p:extLst>
   </p:cSld>
@@ -13521,7 +13430,7 @@
                 <a:latin typeface="Times New Roman" panose="02020603050405020304" pitchFamily="18" charset="0"/>
                 <a:cs typeface="Times New Roman" panose="02020603050405020304" pitchFamily="18" charset="0"/>
               </a:rPr>
-              <a:t>[1]"Screen time 'may harm toddlers'", BBC News, 2019. [Online]. Available: https://www.bbc.com/news/health-47026834. [Accessed: 06- Dec- 2021].</a:t>
+              <a:t>[12]J. Johnson, "Statista," 06 May 2021. [Online]. Available: https://www.statista.com/statistics/1189204/us-teens-children-screen-time-daily-coronavirus-before-during/. [Accessed 08 November 2021].</a:t>
             </a:r>
           </a:p>
           <a:p>
@@ -13530,35 +13439,17 @@
                 <a:latin typeface="Times New Roman" panose="02020603050405020304" pitchFamily="18" charset="0"/>
                 <a:cs typeface="Times New Roman" panose="02020603050405020304" pitchFamily="18" charset="0"/>
               </a:rPr>
-              <a:t>[2]"Cybersecurity in Education: What Teachers, Parents and Students Should Know | Berkeley Boot Camps", Berkeley Boot Camps, 2021. [Online]. Available: https://bootcamp.berkeley.edu/blog/cybersecurity-in-education-what-teachers-parents-and-students-should-know/. [Accessed: 06- Dec- 2021].</a:t>
+              <a:t>[13]Unicef, "Unicef," Unicef, 04 February 2021. [Online]. Available: https://www.unicef.org/coronavirus/keep-your-child-safe-online-at-home-covid-19. [Accessed 10 November 2021].</a:t>
             </a:r>
           </a:p>
           <a:p>
-            <a:r>
-              <a:rPr lang="fr-FR" sz="2000" dirty="0">
-                <a:latin typeface="Times New Roman" panose="02020603050405020304" pitchFamily="18" charset="0"/>
-                <a:cs typeface="Times New Roman" panose="02020603050405020304" pitchFamily="18" charset="0"/>
-              </a:rPr>
-              <a:t>[3]"Cybertalentskids » CyberTalents", CybertalentKids, 2021. [Online]. Available: https://cybertalentskids.com/. [Accessed: </a:t>
-            </a:r>
             <a:r>
               <a:rPr lang="en-US" sz="2000" dirty="0">
                 <a:latin typeface="Times New Roman" panose="02020603050405020304" pitchFamily="18" charset="0"/>
                 <a:cs typeface="Times New Roman" panose="02020603050405020304" pitchFamily="18" charset="0"/>
               </a:rPr>
-              <a:t>06</a:t>
+              <a:t>[14]H. M. Jawad and S. Tout, "IEEE Xplore," in Introducing a Mobile App to Increase Cybersecurity Awareness in MENA, Dubai, 2021. </a:t>
             </a:r>
-            <a:r>
-              <a:rPr lang="fr-FR" sz="2000" dirty="0">
-                <a:latin typeface="Times New Roman" panose="02020603050405020304" pitchFamily="18" charset="0"/>
-                <a:cs typeface="Times New Roman" panose="02020603050405020304" pitchFamily="18" charset="0"/>
-              </a:rPr>
-              <a:t>- Dec- 2021].</a:t>
-            </a:r>
-            <a:endParaRPr lang="en-US" sz="2000" dirty="0">
-              <a:latin typeface="Times New Roman" panose="02020603050405020304" pitchFamily="18" charset="0"/>
-              <a:cs typeface="Times New Roman" panose="02020603050405020304" pitchFamily="18" charset="0"/>
-            </a:endParaRPr>
           </a:p>
           <a:p>
             <a:r>
@@ -13566,7 +13457,7 @@
                 <a:latin typeface="Times New Roman" panose="02020603050405020304" pitchFamily="18" charset="0"/>
                 <a:cs typeface="Times New Roman" panose="02020603050405020304" pitchFamily="18" charset="0"/>
               </a:rPr>
-              <a:t>[4]2021. [Online]. Available: https://www.esafety.gov.au/educators/classroom-resources/cybersmart-challenge. [Accessed: 06- Dec- 2021].</a:t>
+              <a:t>[15]I. M.Venter, R. J.Blignaut, K. Renaud and M. A. Venter, "Cyber security education is as essential as “the three R's”," Heliyon, vol. 5, no. 12, 2019. </a:t>
             </a:r>
           </a:p>
           <a:p>
@@ -13575,16 +13466,7 @@
                 <a:latin typeface="Times New Roman" panose="02020603050405020304" pitchFamily="18" charset="0"/>
                 <a:cs typeface="Times New Roman" panose="02020603050405020304" pitchFamily="18" charset="0"/>
               </a:rPr>
-              <a:t>[5]H. M. Jawad and S. Tout, "IEEE Xplore," in Introducing a Mobile App to Increase Cybersecurity Awareness in MENA, Dubai, 2021. [Accessed: 06- Dec- 2021].</a:t>
-            </a:r>
-          </a:p>
-          <a:p>
-            <a:r>
-              <a:rPr lang="en-US" sz="2000" dirty="0">
-                <a:latin typeface="Times New Roman" panose="02020603050405020304" pitchFamily="18" charset="0"/>
-                <a:cs typeface="Times New Roman" panose="02020603050405020304" pitchFamily="18" charset="0"/>
-              </a:rPr>
-              <a:t>[6]"Hacking Training For The Best", Hack The Box, 2021. [Online]. Available: https://www.hackthebox.com/. [Accessed: 06- Dec- 2021].</a:t>
+              <a:t>[16]F. Quayyum, D. S.Cruzes and L. Jaccheri, "Cybersecurity awareness for children: A systematic literature review," International Journal of Child-Computer Interaction, vol. 30, 2021.</a:t>
             </a:r>
           </a:p>
         </p:txBody>
@@ -13621,7 +13503,7 @@
     </p:spTree>
     <p:extLst>
       <p:ext uri="{BB962C8B-B14F-4D97-AF65-F5344CB8AC3E}">
-        <p14:creationId xmlns:p14="http://schemas.microsoft.com/office/powerpoint/2010/main" val="1778830078"/>
+        <p14:creationId xmlns:p14="http://schemas.microsoft.com/office/powerpoint/2010/main" val="3680470133"/>
       </p:ext>
     </p:extLst>
   </p:cSld>
@@ -13632,346 +13514,6 @@
 </file>
 
 <file path=ppt/slides/slide13.xml><?xml version="1.0" encoding="utf-8"?>
-<p:sld xmlns:a="http://schemas.openxmlformats.org/drawingml/2006/main" xmlns:r="http://schemas.openxmlformats.org/officeDocument/2006/relationships" xmlns:p="http://schemas.openxmlformats.org/presentationml/2006/main">
-  <p:cSld>
-    <p:spTree>
-      <p:nvGrpSpPr>
-        <p:cNvPr id="1" name=""/>
-        <p:cNvGrpSpPr/>
-        <p:nvPr/>
-      </p:nvGrpSpPr>
-      <p:grpSpPr>
-        <a:xfrm>
-          <a:off x="0" y="0"/>
-          <a:ext cx="0" cy="0"/>
-          <a:chOff x="0" y="0"/>
-          <a:chExt cx="0" cy="0"/>
-        </a:xfrm>
-      </p:grpSpPr>
-      <p:sp>
-        <p:nvSpPr>
-          <p:cNvPr id="4" name="Title 3">
-            <a:extLst>
-              <a:ext uri="{FF2B5EF4-FFF2-40B4-BE49-F238E27FC236}">
-                <a16:creationId xmlns:a16="http://schemas.microsoft.com/office/drawing/2014/main" id="{D8711200-5F3E-46DD-8D4E-6F6911FD6A0D}"/>
-              </a:ext>
-            </a:extLst>
-          </p:cNvPr>
-          <p:cNvSpPr>
-            <a:spLocks noGrp="1"/>
-          </p:cNvSpPr>
-          <p:nvPr>
-            <p:ph type="title"/>
-          </p:nvPr>
-        </p:nvSpPr>
-        <p:spPr>
-          <a:xfrm>
-            <a:off x="1484311" y="685801"/>
-            <a:ext cx="10018713" cy="858328"/>
-          </a:xfrm>
-        </p:spPr>
-        <p:txBody>
-          <a:bodyPr/>
-          <a:lstStyle/>
-          <a:p>
-            <a:pPr algn="l"/>
-            <a:r>
-              <a:rPr lang="en-US" b="1" dirty="0">
-                <a:latin typeface="Times New Roman" panose="02020603050405020304" pitchFamily="18" charset="0"/>
-                <a:cs typeface="Times New Roman" panose="02020603050405020304" pitchFamily="18" charset="0"/>
-              </a:rPr>
-              <a:t>Reference</a:t>
-            </a:r>
-          </a:p>
-        </p:txBody>
-      </p:sp>
-      <p:sp>
-        <p:nvSpPr>
-          <p:cNvPr id="5" name="Content Placeholder 4">
-            <a:extLst>
-              <a:ext uri="{FF2B5EF4-FFF2-40B4-BE49-F238E27FC236}">
-                <a16:creationId xmlns:a16="http://schemas.microsoft.com/office/drawing/2014/main" id="{F2D0C8FE-5D0A-4EF5-B953-9434B0E10AE4}"/>
-              </a:ext>
-            </a:extLst>
-          </p:cNvPr>
-          <p:cNvSpPr>
-            <a:spLocks noGrp="1"/>
-          </p:cNvSpPr>
-          <p:nvPr>
-            <p:ph idx="1"/>
-          </p:nvPr>
-        </p:nvSpPr>
-        <p:spPr>
-          <a:xfrm>
-            <a:off x="1484310" y="1544129"/>
-            <a:ext cx="10018713" cy="5072331"/>
-          </a:xfrm>
-        </p:spPr>
-        <p:txBody>
-          <a:bodyPr>
-            <a:noAutofit/>
-          </a:bodyPr>
-          <a:lstStyle/>
-          <a:p>
-            <a:r>
-              <a:rPr lang="en-US" sz="2000" dirty="0">
-                <a:latin typeface="Times New Roman" panose="02020603050405020304" pitchFamily="18" charset="0"/>
-                <a:cs typeface="Times New Roman" panose="02020603050405020304" pitchFamily="18" charset="0"/>
-              </a:rPr>
-              <a:t>[7]"OWASP Foundation | Open Source Foundation for Application Security", Owasp.org, 2021. [Online]. Available: https://owasp.org/. [Accessed: 06- Dec- 2021].</a:t>
-            </a:r>
-          </a:p>
-          <a:p>
-            <a:r>
-              <a:rPr lang="en-US" sz="2000" dirty="0">
-                <a:latin typeface="Times New Roman" panose="02020603050405020304" pitchFamily="18" charset="0"/>
-                <a:cs typeface="Times New Roman" panose="02020603050405020304" pitchFamily="18" charset="0"/>
-              </a:rPr>
-              <a:t>[8]M. Robb, "Common Sense Media," Common Sense Media, 29 October 2019. [Online]. Available: https://www.commonsensemedia.org/blog/tweens-teens-and-phones-what-our-2019-research-reveals#:~:text=A%20majority%20(53%25)%20of,2019%20from%2011%25%20in%202015.. [Accessed 08 November 2021].</a:t>
-            </a:r>
-          </a:p>
-          <a:p>
-            <a:r>
-              <a:rPr lang="en-US" sz="2000" dirty="0">
-                <a:latin typeface="Times New Roman" panose="02020603050405020304" pitchFamily="18" charset="0"/>
-                <a:cs typeface="Times New Roman" panose="02020603050405020304" pitchFamily="18" charset="0"/>
-              </a:rPr>
-              <a:t>[9]Kaspersky, "Kaspersky," Kaspersky, [Online]. Available: https://usa.kaspersky.com/resource-center/threats/top-seven-dangers-children-face-online. [Accessed 08 November 2021].</a:t>
-            </a:r>
-          </a:p>
-          <a:p>
-            <a:r>
-              <a:rPr lang="en-US" sz="2000" dirty="0">
-                <a:latin typeface="Times New Roman" panose="02020603050405020304" pitchFamily="18" charset="0"/>
-                <a:cs typeface="Times New Roman" panose="02020603050405020304" pitchFamily="18" charset="0"/>
-              </a:rPr>
-              <a:t>[10]DQ Institute, "DQ Institute," DQ Institute, [Online]. Available: https://www.dqinstitute.org/child-online-safety-index/. [Accessed 08 November 2021].</a:t>
-            </a:r>
-          </a:p>
-          <a:p>
-            <a:r>
-              <a:rPr lang="en-US" sz="2000" dirty="0">
-                <a:latin typeface="Times New Roman" panose="02020603050405020304" pitchFamily="18" charset="0"/>
-                <a:cs typeface="Times New Roman" panose="02020603050405020304" pitchFamily="18" charset="0"/>
-              </a:rPr>
-              <a:t>[11]C. Li, "Weforum," World Economic Forum, 29 April 2020. [Online]. Available: https://www.weforum.org/agenda/2020/04/coronavirus-education-global-covid19-online-digital-learning/. [Accessed 08 November 2021].</a:t>
-            </a:r>
-          </a:p>
-        </p:txBody>
-      </p:sp>
-      <p:sp>
-        <p:nvSpPr>
-          <p:cNvPr id="2" name="Slide Number Placeholder 1">
-            <a:extLst>
-              <a:ext uri="{FF2B5EF4-FFF2-40B4-BE49-F238E27FC236}">
-                <a16:creationId xmlns:a16="http://schemas.microsoft.com/office/drawing/2014/main" id="{5C26B243-A9BC-47C7-AD94-14CAC59D52FC}"/>
-              </a:ext>
-            </a:extLst>
-          </p:cNvPr>
-          <p:cNvSpPr>
-            <a:spLocks noGrp="1"/>
-          </p:cNvSpPr>
-          <p:nvPr>
-            <p:ph type="sldNum" sz="quarter" idx="12"/>
-          </p:nvPr>
-        </p:nvSpPr>
-        <p:spPr/>
-        <p:txBody>
-          <a:bodyPr/>
-          <a:lstStyle/>
-          <a:p>
-            <a:fld id="{AB265669-9768-4162-B261-757C55BCE5B3}" type="slidenum">
-              <a:rPr lang="en-US" smtClean="0"/>
-              <a:t>13</a:t>
-            </a:fld>
-            <a:endParaRPr lang="en-US" dirty="0"/>
-          </a:p>
-        </p:txBody>
-      </p:sp>
-    </p:spTree>
-    <p:extLst>
-      <p:ext uri="{BB962C8B-B14F-4D97-AF65-F5344CB8AC3E}">
-        <p14:creationId xmlns:p14="http://schemas.microsoft.com/office/powerpoint/2010/main" val="2771367757"/>
-      </p:ext>
-    </p:extLst>
-  </p:cSld>
-  <p:clrMapOvr>
-    <a:masterClrMapping/>
-  </p:clrMapOvr>
-</p:sld>
-</file>
-
-<file path=ppt/slides/slide14.xml><?xml version="1.0" encoding="utf-8"?>
-<p:sld xmlns:a="http://schemas.openxmlformats.org/drawingml/2006/main" xmlns:r="http://schemas.openxmlformats.org/officeDocument/2006/relationships" xmlns:p="http://schemas.openxmlformats.org/presentationml/2006/main">
-  <p:cSld>
-    <p:spTree>
-      <p:nvGrpSpPr>
-        <p:cNvPr id="1" name=""/>
-        <p:cNvGrpSpPr/>
-        <p:nvPr/>
-      </p:nvGrpSpPr>
-      <p:grpSpPr>
-        <a:xfrm>
-          <a:off x="0" y="0"/>
-          <a:ext cx="0" cy="0"/>
-          <a:chOff x="0" y="0"/>
-          <a:chExt cx="0" cy="0"/>
-        </a:xfrm>
-      </p:grpSpPr>
-      <p:sp>
-        <p:nvSpPr>
-          <p:cNvPr id="4" name="Title 3">
-            <a:extLst>
-              <a:ext uri="{FF2B5EF4-FFF2-40B4-BE49-F238E27FC236}">
-                <a16:creationId xmlns:a16="http://schemas.microsoft.com/office/drawing/2014/main" id="{D8711200-5F3E-46DD-8D4E-6F6911FD6A0D}"/>
-              </a:ext>
-            </a:extLst>
-          </p:cNvPr>
-          <p:cNvSpPr>
-            <a:spLocks noGrp="1"/>
-          </p:cNvSpPr>
-          <p:nvPr>
-            <p:ph type="title"/>
-          </p:nvPr>
-        </p:nvSpPr>
-        <p:spPr>
-          <a:xfrm>
-            <a:off x="1484311" y="685801"/>
-            <a:ext cx="10018713" cy="858328"/>
-          </a:xfrm>
-        </p:spPr>
-        <p:txBody>
-          <a:bodyPr/>
-          <a:lstStyle/>
-          <a:p>
-            <a:pPr algn="l"/>
-            <a:r>
-              <a:rPr lang="en-US" b="1" dirty="0">
-                <a:latin typeface="Times New Roman" panose="02020603050405020304" pitchFamily="18" charset="0"/>
-                <a:cs typeface="Times New Roman" panose="02020603050405020304" pitchFamily="18" charset="0"/>
-              </a:rPr>
-              <a:t>Reference</a:t>
-            </a:r>
-          </a:p>
-        </p:txBody>
-      </p:sp>
-      <p:sp>
-        <p:nvSpPr>
-          <p:cNvPr id="5" name="Content Placeholder 4">
-            <a:extLst>
-              <a:ext uri="{FF2B5EF4-FFF2-40B4-BE49-F238E27FC236}">
-                <a16:creationId xmlns:a16="http://schemas.microsoft.com/office/drawing/2014/main" id="{F2D0C8FE-5D0A-4EF5-B953-9434B0E10AE4}"/>
-              </a:ext>
-            </a:extLst>
-          </p:cNvPr>
-          <p:cNvSpPr>
-            <a:spLocks noGrp="1"/>
-          </p:cNvSpPr>
-          <p:nvPr>
-            <p:ph idx="1"/>
-          </p:nvPr>
-        </p:nvSpPr>
-        <p:spPr>
-          <a:xfrm>
-            <a:off x="1484310" y="1544129"/>
-            <a:ext cx="10018713" cy="5072331"/>
-          </a:xfrm>
-        </p:spPr>
-        <p:txBody>
-          <a:bodyPr>
-            <a:noAutofit/>
-          </a:bodyPr>
-          <a:lstStyle/>
-          <a:p>
-            <a:r>
-              <a:rPr lang="en-US" sz="2000" dirty="0">
-                <a:latin typeface="Times New Roman" panose="02020603050405020304" pitchFamily="18" charset="0"/>
-                <a:cs typeface="Times New Roman" panose="02020603050405020304" pitchFamily="18" charset="0"/>
-              </a:rPr>
-              <a:t>[12]J. Johnson, "Statista," 06 May 2021. [Online]. Available: https://www.statista.com/statistics/1189204/us-teens-children-screen-time-daily-coronavirus-before-during/. [Accessed 08 November 2021].</a:t>
-            </a:r>
-          </a:p>
-          <a:p>
-            <a:r>
-              <a:rPr lang="en-US" sz="2000" dirty="0">
-                <a:latin typeface="Times New Roman" panose="02020603050405020304" pitchFamily="18" charset="0"/>
-                <a:cs typeface="Times New Roman" panose="02020603050405020304" pitchFamily="18" charset="0"/>
-              </a:rPr>
-              <a:t>[13]Unicef, "Unicef," Unicef, 04 February 2021. [Online]. Available: https://www.unicef.org/coronavirus/keep-your-child-safe-online-at-home-covid-19. [Accessed 10 November 2021].</a:t>
-            </a:r>
-          </a:p>
-          <a:p>
-            <a:r>
-              <a:rPr lang="en-US" sz="2000" dirty="0">
-                <a:latin typeface="Times New Roman" panose="02020603050405020304" pitchFamily="18" charset="0"/>
-                <a:cs typeface="Times New Roman" panose="02020603050405020304" pitchFamily="18" charset="0"/>
-              </a:rPr>
-              <a:t>[14]H. M. Jawad and S. Tout, "IEEE Xplore," in Introducing a Mobile App to Increase Cybersecurity Awareness in MENA, Dubai, 2021. </a:t>
-            </a:r>
-          </a:p>
-          <a:p>
-            <a:r>
-              <a:rPr lang="en-US" sz="2000" dirty="0">
-                <a:latin typeface="Times New Roman" panose="02020603050405020304" pitchFamily="18" charset="0"/>
-                <a:cs typeface="Times New Roman" panose="02020603050405020304" pitchFamily="18" charset="0"/>
-              </a:rPr>
-              <a:t>[15]I. M.Venter, R. J.Blignaut, K. Renaud and M. A. Venter, "Cyber security education is as essential as “the three R's”," Heliyon, vol. 5, no. 12, 2019. </a:t>
-            </a:r>
-          </a:p>
-          <a:p>
-            <a:r>
-              <a:rPr lang="en-US" sz="2000" dirty="0">
-                <a:latin typeface="Times New Roman" panose="02020603050405020304" pitchFamily="18" charset="0"/>
-                <a:cs typeface="Times New Roman" panose="02020603050405020304" pitchFamily="18" charset="0"/>
-              </a:rPr>
-              <a:t>[16]F. Quayyum, D. S.Cruzes and L. Jaccheri, "Cybersecurity awareness for children: A systematic literature review," International Journal of Child-Computer Interaction, vol. 30, 2021.</a:t>
-            </a:r>
-          </a:p>
-        </p:txBody>
-      </p:sp>
-      <p:sp>
-        <p:nvSpPr>
-          <p:cNvPr id="2" name="Slide Number Placeholder 1">
-            <a:extLst>
-              <a:ext uri="{FF2B5EF4-FFF2-40B4-BE49-F238E27FC236}">
-                <a16:creationId xmlns:a16="http://schemas.microsoft.com/office/drawing/2014/main" id="{5C26B243-A9BC-47C7-AD94-14CAC59D52FC}"/>
-              </a:ext>
-            </a:extLst>
-          </p:cNvPr>
-          <p:cNvSpPr>
-            <a:spLocks noGrp="1"/>
-          </p:cNvSpPr>
-          <p:nvPr>
-            <p:ph type="sldNum" sz="quarter" idx="12"/>
-          </p:nvPr>
-        </p:nvSpPr>
-        <p:spPr/>
-        <p:txBody>
-          <a:bodyPr/>
-          <a:lstStyle/>
-          <a:p>
-            <a:fld id="{AB265669-9768-4162-B261-757C55BCE5B3}" type="slidenum">
-              <a:rPr lang="en-US" smtClean="0"/>
-              <a:t>14</a:t>
-            </a:fld>
-            <a:endParaRPr lang="en-US" dirty="0"/>
-          </a:p>
-        </p:txBody>
-      </p:sp>
-    </p:spTree>
-    <p:extLst>
-      <p:ext uri="{BB962C8B-B14F-4D97-AF65-F5344CB8AC3E}">
-        <p14:creationId xmlns:p14="http://schemas.microsoft.com/office/powerpoint/2010/main" val="3680470133"/>
-      </p:ext>
-    </p:extLst>
-  </p:cSld>
-  <p:clrMapOvr>
-    <a:masterClrMapping/>
-  </p:clrMapOvr>
-</p:sld>
-</file>
-
-<file path=ppt/slides/slide15.xml><?xml version="1.0" encoding="utf-8"?>
 <p:sld xmlns:a="http://schemas.openxmlformats.org/drawingml/2006/main" xmlns:r="http://schemas.openxmlformats.org/officeDocument/2006/relationships" xmlns:p="http://schemas.openxmlformats.org/presentationml/2006/main">
   <p:cSld>
     <p:spTree>
@@ -14044,7 +13586,7 @@
           <a:p>
             <a:fld id="{AB265669-9768-4162-B261-757C55BCE5B3}" type="slidenum">
               <a:rPr lang="en-US" smtClean="0"/>
-              <a:t>15</a:t>
+              <a:t>13</a:t>
             </a:fld>
             <a:endParaRPr lang="en-US" dirty="0"/>
           </a:p>
@@ -14063,7 +13605,7 @@
 </p:sld>
 </file>
 
-<file path=ppt/slides/slide16.xml><?xml version="1.0" encoding="utf-8"?>
+<file path=ppt/slides/slide14.xml><?xml version="1.0" encoding="utf-8"?>
 <p:sld xmlns:a="http://schemas.openxmlformats.org/drawingml/2006/main" xmlns:r="http://schemas.openxmlformats.org/officeDocument/2006/relationships" xmlns:p="http://schemas.openxmlformats.org/presentationml/2006/main">
   <p:cSld>
     <p:spTree>
@@ -14136,7 +13678,7 @@
           <a:p>
             <a:fld id="{AB265669-9768-4162-B261-757C55BCE5B3}" type="slidenum">
               <a:rPr lang="en-US" smtClean="0"/>
-              <a:t>16</a:t>
+              <a:t>14</a:t>
             </a:fld>
             <a:endParaRPr lang="en-US" dirty="0"/>
           </a:p>
@@ -15443,7 +14985,7 @@
                 <a:latin typeface="Times New Roman" panose="02020603050405020304" pitchFamily="18" charset="0"/>
                 <a:cs typeface="Times New Roman" panose="02020603050405020304" pitchFamily="18" charset="0"/>
               </a:rPr>
-              <a:t>Progress</a:t>
+              <a:t>System Architecture </a:t>
             </a:r>
           </a:p>
           <a:p>
@@ -15452,7 +14994,7 @@
                 <a:latin typeface="Times New Roman" panose="02020603050405020304" pitchFamily="18" charset="0"/>
                 <a:cs typeface="Times New Roman" panose="02020603050405020304" pitchFamily="18" charset="0"/>
               </a:rPr>
-              <a:t>Related Works</a:t>
+              <a:t>Progress</a:t>
             </a:r>
           </a:p>
           <a:p>
@@ -15461,21 +15003,8 @@
                 <a:latin typeface="Times New Roman" panose="02020603050405020304" pitchFamily="18" charset="0"/>
                 <a:cs typeface="Times New Roman" panose="02020603050405020304" pitchFamily="18" charset="0"/>
               </a:rPr>
-              <a:t>Main Functions</a:t>
+              <a:t>Future Plans</a:t>
             </a:r>
-          </a:p>
-          <a:p>
-            <a:r>
-              <a:rPr lang="en-US" sz="2600">
-                <a:latin typeface="Times New Roman" panose="02020603050405020304" pitchFamily="18" charset="0"/>
-                <a:cs typeface="Times New Roman" panose="02020603050405020304" pitchFamily="18" charset="0"/>
-              </a:rPr>
-              <a:t>TO DO</a:t>
-            </a:r>
-            <a:endParaRPr lang="en-US" sz="2600" dirty="0">
-              <a:latin typeface="Times New Roman" panose="02020603050405020304" pitchFamily="18" charset="0"/>
-              <a:cs typeface="Times New Roman" panose="02020603050405020304" pitchFamily="18" charset="0"/>
-            </a:endParaRPr>
           </a:p>
           <a:p>
             <a:r>
@@ -15483,7 +15012,7 @@
                 <a:latin typeface="Times New Roman" panose="02020603050405020304" pitchFamily="18" charset="0"/>
                 <a:cs typeface="Times New Roman" panose="02020603050405020304" pitchFamily="18" charset="0"/>
               </a:rPr>
-              <a:t>Software Used</a:t>
+              <a:t>Techniques Used</a:t>
             </a:r>
           </a:p>
           <a:p>
@@ -15493,6 +15022,15 @@
                 <a:cs typeface="Times New Roman" panose="02020603050405020304" pitchFamily="18" charset="0"/>
               </a:rPr>
               <a:t>Time Plan</a:t>
+            </a:r>
+          </a:p>
+          <a:p>
+            <a:r>
+              <a:rPr lang="en-US" sz="2600" dirty="0">
+                <a:latin typeface="Times New Roman" panose="02020603050405020304" pitchFamily="18" charset="0"/>
+                <a:cs typeface="Times New Roman" panose="02020603050405020304" pitchFamily="18" charset="0"/>
+              </a:rPr>
+              <a:t>Demo</a:t>
             </a:r>
           </a:p>
         </p:txBody>
@@ -15972,640 +15510,6 @@
       </p:grpSpPr>
       <p:sp>
         <p:nvSpPr>
-          <p:cNvPr id="2" name="Title 1">
-            <a:extLst>
-              <a:ext uri="{FF2B5EF4-FFF2-40B4-BE49-F238E27FC236}">
-                <a16:creationId xmlns:a16="http://schemas.microsoft.com/office/drawing/2014/main" id="{9CC00A13-A9EF-436C-B63E-232CA53A953C}"/>
-              </a:ext>
-            </a:extLst>
-          </p:cNvPr>
-          <p:cNvSpPr>
-            <a:spLocks noGrp="1"/>
-          </p:cNvSpPr>
-          <p:nvPr>
-            <p:ph type="title"/>
-          </p:nvPr>
-        </p:nvSpPr>
-        <p:spPr>
-          <a:xfrm>
-            <a:off x="1484309" y="348448"/>
-            <a:ext cx="10018713" cy="1409331"/>
-          </a:xfrm>
-        </p:spPr>
-        <p:txBody>
-          <a:bodyPr/>
-          <a:lstStyle/>
-          <a:p>
-            <a:pPr algn="l"/>
-            <a:r>
-              <a:rPr lang="en-GB" dirty="0"/>
-              <a:t>Progress</a:t>
-            </a:r>
-          </a:p>
-        </p:txBody>
-      </p:sp>
-      <p:sp>
-        <p:nvSpPr>
-          <p:cNvPr id="3" name="Content Placeholder 2">
-            <a:extLst>
-              <a:ext uri="{FF2B5EF4-FFF2-40B4-BE49-F238E27FC236}">
-                <a16:creationId xmlns:a16="http://schemas.microsoft.com/office/drawing/2014/main" id="{39C94E2C-0FE9-445A-99DA-A7B76C211D2A}"/>
-              </a:ext>
-            </a:extLst>
-          </p:cNvPr>
-          <p:cNvSpPr>
-            <a:spLocks noGrp="1"/>
-          </p:cNvSpPr>
-          <p:nvPr>
-            <p:ph idx="1"/>
-          </p:nvPr>
-        </p:nvSpPr>
-        <p:spPr>
-          <a:xfrm>
-            <a:off x="1484309" y="2238375"/>
-            <a:ext cx="10018713" cy="3543300"/>
-          </a:xfrm>
-        </p:spPr>
-        <p:txBody>
-          <a:bodyPr>
-            <a:normAutofit fontScale="55000" lnSpcReduction="20000"/>
-          </a:bodyPr>
-          <a:lstStyle/>
-          <a:p>
-            <a:pPr marL="0" indent="0">
-              <a:buNone/>
-            </a:pPr>
-            <a:endParaRPr lang="en-GB" dirty="0"/>
-          </a:p>
-          <a:p>
-            <a:pPr marL="0" indent="0">
-              <a:buNone/>
-            </a:pPr>
-            <a:endParaRPr lang="en-GB" dirty="0"/>
-          </a:p>
-          <a:p>
-            <a:pPr>
-              <a:buFont typeface="Arial" panose="020B0604020202020204" pitchFamily="34" charset="0"/>
-              <a:buChar char="•"/>
-            </a:pPr>
-            <a:r>
-              <a:rPr lang="en-GB" sz="3300" dirty="0"/>
-              <a:t>Working prototype Game1 &amp; Game2</a:t>
-            </a:r>
-          </a:p>
-          <a:p>
-            <a:pPr>
-              <a:buFont typeface="Arial" panose="020B0604020202020204" pitchFamily="34" charset="0"/>
-              <a:buChar char="•"/>
-            </a:pPr>
-            <a:r>
-              <a:rPr lang="en-GB" sz="3300" dirty="0"/>
-              <a:t>Implementation of Main Menu in Game1</a:t>
-            </a:r>
-          </a:p>
-          <a:p>
-            <a:pPr>
-              <a:buFont typeface="Arial" panose="020B0604020202020204" pitchFamily="34" charset="0"/>
-              <a:buChar char="•"/>
-            </a:pPr>
-            <a:r>
-              <a:rPr lang="en-GB" sz="3300" dirty="0"/>
-              <a:t>Implementation of About section in Game1 which describes and states information about the game and its different levels </a:t>
-            </a:r>
-          </a:p>
-          <a:p>
-            <a:pPr>
-              <a:buFont typeface="Arial" panose="020B0604020202020204" pitchFamily="34" charset="0"/>
-              <a:buChar char="•"/>
-            </a:pPr>
-            <a:r>
-              <a:rPr lang="en-GB" sz="3300" dirty="0"/>
-              <a:t>Password Levels in Game1</a:t>
-            </a:r>
-          </a:p>
-          <a:p>
-            <a:pPr>
-              <a:buFont typeface="Arial" panose="020B0604020202020204" pitchFamily="34" charset="0"/>
-              <a:buChar char="•"/>
-            </a:pPr>
-            <a:r>
-              <a:rPr lang="en-GB" sz="3300" dirty="0"/>
-              <a:t>Phishing Level in Game1</a:t>
-            </a:r>
-          </a:p>
-          <a:p>
-            <a:pPr>
-              <a:buFont typeface="Arial" panose="020B0604020202020204" pitchFamily="34" charset="0"/>
-              <a:buChar char="•"/>
-            </a:pPr>
-            <a:r>
-              <a:rPr lang="en-GB" sz="3300" dirty="0"/>
-              <a:t>Phishing Level in Game2</a:t>
-            </a:r>
-          </a:p>
-          <a:p>
-            <a:pPr>
-              <a:buFont typeface="Arial" panose="020B0604020202020204" pitchFamily="34" charset="0"/>
-              <a:buChar char="•"/>
-            </a:pPr>
-            <a:r>
-              <a:rPr lang="en-GB" sz="3300" dirty="0"/>
-              <a:t>Password Level in Game2</a:t>
-            </a:r>
-          </a:p>
-          <a:p>
-            <a:pPr marL="0" indent="0">
-              <a:buNone/>
-            </a:pPr>
-            <a:endParaRPr lang="en-GB" dirty="0"/>
-          </a:p>
-          <a:p>
-            <a:pPr>
-              <a:buFont typeface="Arial" panose="020B0604020202020204" pitchFamily="34" charset="0"/>
-              <a:buChar char="•"/>
-            </a:pPr>
-            <a:endParaRPr lang="en-GB" dirty="0"/>
-          </a:p>
-          <a:p>
-            <a:pPr marL="0" indent="0">
-              <a:buNone/>
-            </a:pPr>
-            <a:endParaRPr lang="en-GB" dirty="0"/>
-          </a:p>
-          <a:p>
-            <a:pPr>
-              <a:buFont typeface="Arial" panose="020B0604020202020204" pitchFamily="34" charset="0"/>
-              <a:buChar char="•"/>
-            </a:pPr>
-            <a:endParaRPr lang="en-GB" dirty="0"/>
-          </a:p>
-          <a:p>
-            <a:pPr>
-              <a:buFont typeface="Arial" panose="020B0604020202020204" pitchFamily="34" charset="0"/>
-              <a:buChar char="•"/>
-            </a:pPr>
-            <a:endParaRPr lang="en-GB" dirty="0"/>
-          </a:p>
-          <a:p>
-            <a:pPr>
-              <a:buFont typeface="Arial" panose="020B0604020202020204" pitchFamily="34" charset="0"/>
-              <a:buChar char="•"/>
-            </a:pPr>
-            <a:endParaRPr lang="en-GB" dirty="0"/>
-          </a:p>
-          <a:p>
-            <a:pPr marL="0" indent="0">
-              <a:buNone/>
-            </a:pPr>
-            <a:endParaRPr lang="en-GB" dirty="0"/>
-          </a:p>
-          <a:p>
-            <a:pPr marL="0" indent="0">
-              <a:buNone/>
-            </a:pPr>
-            <a:endParaRPr lang="en-GB" dirty="0"/>
-          </a:p>
-          <a:p>
-            <a:pPr marL="0" indent="0">
-              <a:buNone/>
-            </a:pPr>
-            <a:endParaRPr lang="en-GB" dirty="0"/>
-          </a:p>
-        </p:txBody>
-      </p:sp>
-      <p:sp>
-        <p:nvSpPr>
-          <p:cNvPr id="4" name="Slide Number Placeholder 3">
-            <a:extLst>
-              <a:ext uri="{FF2B5EF4-FFF2-40B4-BE49-F238E27FC236}">
-                <a16:creationId xmlns:a16="http://schemas.microsoft.com/office/drawing/2014/main" id="{6BDFA826-580B-4CF5-B7B0-220A2D19BF2C}"/>
-              </a:ext>
-            </a:extLst>
-          </p:cNvPr>
-          <p:cNvSpPr>
-            <a:spLocks noGrp="1"/>
-          </p:cNvSpPr>
-          <p:nvPr>
-            <p:ph type="sldNum" sz="quarter" idx="12"/>
-          </p:nvPr>
-        </p:nvSpPr>
-        <p:spPr/>
-        <p:txBody>
-          <a:bodyPr/>
-          <a:lstStyle/>
-          <a:p>
-            <a:fld id="{AB265669-9768-4162-B261-757C55BCE5B3}" type="slidenum">
-              <a:rPr lang="en-US" smtClean="0"/>
-              <a:t>6</a:t>
-            </a:fld>
-            <a:endParaRPr lang="en-US" dirty="0"/>
-          </a:p>
-        </p:txBody>
-      </p:sp>
-    </p:spTree>
-    <p:extLst>
-      <p:ext uri="{BB962C8B-B14F-4D97-AF65-F5344CB8AC3E}">
-        <p14:creationId xmlns:p14="http://schemas.microsoft.com/office/powerpoint/2010/main" val="2223426343"/>
-      </p:ext>
-    </p:extLst>
-  </p:cSld>
-  <p:clrMapOvr>
-    <a:masterClrMapping/>
-  </p:clrMapOvr>
-</p:sld>
-</file>
-
-<file path=ppt/slides/slide7.xml><?xml version="1.0" encoding="utf-8"?>
-<p:sld xmlns:a="http://schemas.openxmlformats.org/drawingml/2006/main" xmlns:r="http://schemas.openxmlformats.org/officeDocument/2006/relationships" xmlns:p="http://schemas.openxmlformats.org/presentationml/2006/main">
-  <p:cSld>
-    <p:spTree>
-      <p:nvGrpSpPr>
-        <p:cNvPr id="1" name=""/>
-        <p:cNvGrpSpPr/>
-        <p:nvPr/>
-      </p:nvGrpSpPr>
-      <p:grpSpPr>
-        <a:xfrm>
-          <a:off x="0" y="0"/>
-          <a:ext cx="0" cy="0"/>
-          <a:chOff x="0" y="0"/>
-          <a:chExt cx="0" cy="0"/>
-        </a:xfrm>
-      </p:grpSpPr>
-      <p:sp>
-        <p:nvSpPr>
-          <p:cNvPr id="4" name="Title 3">
-            <a:extLst>
-              <a:ext uri="{FF2B5EF4-FFF2-40B4-BE49-F238E27FC236}">
-                <a16:creationId xmlns:a16="http://schemas.microsoft.com/office/drawing/2014/main" id="{D8711200-5F3E-46DD-8D4E-6F6911FD6A0D}"/>
-              </a:ext>
-            </a:extLst>
-          </p:cNvPr>
-          <p:cNvSpPr>
-            <a:spLocks noGrp="1"/>
-          </p:cNvSpPr>
-          <p:nvPr>
-            <p:ph type="title"/>
-          </p:nvPr>
-        </p:nvSpPr>
-        <p:spPr>
-          <a:xfrm>
-            <a:off x="1484311" y="685801"/>
-            <a:ext cx="10018713" cy="858328"/>
-          </a:xfrm>
-        </p:spPr>
-        <p:txBody>
-          <a:bodyPr/>
-          <a:lstStyle/>
-          <a:p>
-            <a:pPr algn="l"/>
-            <a:r>
-              <a:rPr lang="en-US" b="1" dirty="0">
-                <a:latin typeface="Times New Roman" panose="02020603050405020304" pitchFamily="18" charset="0"/>
-                <a:cs typeface="Times New Roman" panose="02020603050405020304" pitchFamily="18" charset="0"/>
-              </a:rPr>
-              <a:t>Related Work</a:t>
-            </a:r>
-          </a:p>
-        </p:txBody>
-      </p:sp>
-      <p:sp>
-        <p:nvSpPr>
-          <p:cNvPr id="5" name="Content Placeholder 4">
-            <a:extLst>
-              <a:ext uri="{FF2B5EF4-FFF2-40B4-BE49-F238E27FC236}">
-                <a16:creationId xmlns:a16="http://schemas.microsoft.com/office/drawing/2014/main" id="{F2D0C8FE-5D0A-4EF5-B953-9434B0E10AE4}"/>
-              </a:ext>
-            </a:extLst>
-          </p:cNvPr>
-          <p:cNvSpPr>
-            <a:spLocks noGrp="1"/>
-          </p:cNvSpPr>
-          <p:nvPr>
-            <p:ph idx="1"/>
-          </p:nvPr>
-        </p:nvSpPr>
-        <p:spPr>
-          <a:xfrm>
-            <a:off x="1484310" y="1639019"/>
-            <a:ext cx="10018713" cy="4347713"/>
-          </a:xfrm>
-        </p:spPr>
-        <p:txBody>
-          <a:bodyPr>
-            <a:normAutofit/>
-          </a:bodyPr>
-          <a:lstStyle/>
-          <a:p>
-            <a:r>
-              <a:rPr lang="en-US" sz="2600" dirty="0">
-                <a:latin typeface="Times New Roman" panose="02020603050405020304" pitchFamily="18" charset="0"/>
-                <a:cs typeface="Times New Roman" panose="02020603050405020304" pitchFamily="18" charset="0"/>
-              </a:rPr>
-              <a:t>CTFs</a:t>
-            </a:r>
-          </a:p>
-          <a:p>
-            <a:pPr marL="0" indent="0">
-              <a:buNone/>
-            </a:pPr>
-            <a:endParaRPr lang="en-US" sz="2600" i="0" dirty="0">
-              <a:effectLst/>
-              <a:latin typeface="Times New Roman" panose="02020603050405020304" pitchFamily="18" charset="0"/>
-              <a:cs typeface="Times New Roman" panose="02020603050405020304" pitchFamily="18" charset="0"/>
-            </a:endParaRPr>
-          </a:p>
-          <a:p>
-            <a:r>
-              <a:rPr lang="en-US" sz="2600" dirty="0">
-                <a:latin typeface="Times New Roman" panose="02020603050405020304" pitchFamily="18" charset="0"/>
-                <a:cs typeface="Times New Roman" panose="02020603050405020304" pitchFamily="18" charset="0"/>
-              </a:rPr>
-              <a:t>Cyber Talents Kids</a:t>
-            </a:r>
-          </a:p>
-          <a:p>
-            <a:pPr marL="0" indent="0">
-              <a:buNone/>
-            </a:pPr>
-            <a:endParaRPr lang="en-US" sz="2600" dirty="0">
-              <a:latin typeface="Times New Roman" panose="02020603050405020304" pitchFamily="18" charset="0"/>
-              <a:cs typeface="Times New Roman" panose="02020603050405020304" pitchFamily="18" charset="0"/>
-            </a:endParaRPr>
-          </a:p>
-          <a:p>
-            <a:r>
-              <a:rPr lang="en-US" sz="2600" i="0" dirty="0">
-                <a:effectLst/>
-                <a:latin typeface="Times New Roman" panose="02020603050405020304" pitchFamily="18" charset="0"/>
-                <a:cs typeface="Times New Roman" panose="02020603050405020304" pitchFamily="18" charset="0"/>
-              </a:rPr>
-              <a:t>Cybersmart Challenge</a:t>
-            </a:r>
-          </a:p>
-          <a:p>
-            <a:pPr marL="0" indent="0">
-              <a:buNone/>
-            </a:pPr>
-            <a:endParaRPr lang="en-US" sz="2600" i="0" dirty="0">
-              <a:effectLst/>
-              <a:latin typeface="Times New Roman" panose="02020603050405020304" pitchFamily="18" charset="0"/>
-              <a:cs typeface="Times New Roman" panose="02020603050405020304" pitchFamily="18" charset="0"/>
-            </a:endParaRPr>
-          </a:p>
-          <a:p>
-            <a:r>
-              <a:rPr lang="en-US" sz="2600" i="0" dirty="0">
-                <a:effectLst/>
-                <a:latin typeface="Times New Roman" panose="02020603050405020304" pitchFamily="18" charset="0"/>
-                <a:cs typeface="Times New Roman" panose="02020603050405020304" pitchFamily="18" charset="0"/>
-              </a:rPr>
-              <a:t>Introducing a Mobile App to Increase Cybersecurity Awareness in MENA Region</a:t>
-            </a:r>
-          </a:p>
-        </p:txBody>
-      </p:sp>
-      <p:sp>
-        <p:nvSpPr>
-          <p:cNvPr id="2" name="Slide Number Placeholder 1">
-            <a:extLst>
-              <a:ext uri="{FF2B5EF4-FFF2-40B4-BE49-F238E27FC236}">
-                <a16:creationId xmlns:a16="http://schemas.microsoft.com/office/drawing/2014/main" id="{E50A753B-A610-4D5D-B760-05B4794C67A5}"/>
-              </a:ext>
-            </a:extLst>
-          </p:cNvPr>
-          <p:cNvSpPr>
-            <a:spLocks noGrp="1"/>
-          </p:cNvSpPr>
-          <p:nvPr>
-            <p:ph type="sldNum" sz="quarter" idx="12"/>
-          </p:nvPr>
-        </p:nvSpPr>
-        <p:spPr/>
-        <p:txBody>
-          <a:bodyPr/>
-          <a:lstStyle/>
-          <a:p>
-            <a:fld id="{AB265669-9768-4162-B261-757C55BCE5B3}" type="slidenum">
-              <a:rPr lang="en-US" smtClean="0"/>
-              <a:t>7</a:t>
-            </a:fld>
-            <a:endParaRPr lang="en-US" dirty="0"/>
-          </a:p>
-        </p:txBody>
-      </p:sp>
-      <p:pic>
-        <p:nvPicPr>
-          <p:cNvPr id="6" name="Picture 6" descr="Learn » CyberTalents">
-            <a:extLst>
-              <a:ext uri="{FF2B5EF4-FFF2-40B4-BE49-F238E27FC236}">
-                <a16:creationId xmlns:a16="http://schemas.microsoft.com/office/drawing/2014/main" id="{482A4F52-7014-4D46-9CB3-3D0FA74EEC08}"/>
-              </a:ext>
-            </a:extLst>
-          </p:cNvPr>
-          <p:cNvPicPr>
-            <a:picLocks noChangeAspect="1" noChangeArrowheads="1"/>
-          </p:cNvPicPr>
-          <p:nvPr/>
-        </p:nvPicPr>
-        <p:blipFill rotWithShape="1">
-          <a:blip r:embed="rId2">
-            <a:duotone>
-              <a:prstClr val="black"/>
-              <a:schemeClr val="tx1">
-                <a:tint val="45000"/>
-                <a:satMod val="400000"/>
-              </a:schemeClr>
-            </a:duotone>
-            <a:extLst>
-              <a:ext uri="{28A0092B-C50C-407E-A947-70E740481C1C}">
-                <a14:useLocalDpi xmlns:a14="http://schemas.microsoft.com/office/drawing/2010/main" val="0"/>
-              </a:ext>
-            </a:extLst>
-          </a:blip>
-          <a:srcRect t="21437" b="22339"/>
-          <a:stretch/>
-        </p:blipFill>
-        <p:spPr bwMode="auto">
-          <a:xfrm>
-            <a:off x="8231945" y="2508153"/>
-            <a:ext cx="2004188" cy="1126836"/>
-          </a:xfrm>
-          <a:prstGeom prst="rect">
-            <a:avLst/>
-          </a:prstGeom>
-          <a:noFill/>
-          <a:extLst>
-            <a:ext uri="{909E8E84-426E-40DD-AFC4-6F175D3DCCD1}">
-              <a14:hiddenFill xmlns:a14="http://schemas.microsoft.com/office/drawing/2010/main">
-                <a:solidFill>
-                  <a:srgbClr val="FFFFFF"/>
-                </a:solidFill>
-              </a14:hiddenFill>
-            </a:ext>
-          </a:extLst>
-        </p:spPr>
-      </p:pic>
-      <p:pic>
-        <p:nvPicPr>
-          <p:cNvPr id="11" name="Picture 10">
-            <a:extLst>
-              <a:ext uri="{FF2B5EF4-FFF2-40B4-BE49-F238E27FC236}">
-                <a16:creationId xmlns:a16="http://schemas.microsoft.com/office/drawing/2014/main" id="{2FB3FD16-D32F-409E-A9C4-EFDA46D1B9CC}"/>
-              </a:ext>
-            </a:extLst>
-          </p:cNvPr>
-          <p:cNvPicPr>
-            <a:picLocks noChangeAspect="1"/>
-          </p:cNvPicPr>
-          <p:nvPr/>
-        </p:nvPicPr>
-        <p:blipFill>
-          <a:blip r:embed="rId3">
-            <a:extLst>
-              <a:ext uri="{28A0092B-C50C-407E-A947-70E740481C1C}">
-                <a14:useLocalDpi xmlns:a14="http://schemas.microsoft.com/office/drawing/2010/main" val="0"/>
-              </a:ext>
-            </a:extLst>
-          </a:blip>
-          <a:stretch>
-            <a:fillRect/>
-          </a:stretch>
-        </p:blipFill>
-        <p:spPr>
-          <a:xfrm>
-            <a:off x="5999665" y="3813193"/>
-            <a:ext cx="4464560" cy="997667"/>
-          </a:xfrm>
-          <a:prstGeom prst="rect">
-            <a:avLst/>
-          </a:prstGeom>
-        </p:spPr>
-      </p:pic>
-      <p:pic>
-        <p:nvPicPr>
-          <p:cNvPr id="5128" name="Picture 8">
-            <a:extLst>
-              <a:ext uri="{FF2B5EF4-FFF2-40B4-BE49-F238E27FC236}">
-                <a16:creationId xmlns:a16="http://schemas.microsoft.com/office/drawing/2014/main" id="{91025AB8-9518-4488-A2E1-90C781AD1C0D}"/>
-              </a:ext>
-            </a:extLst>
-          </p:cNvPr>
-          <p:cNvPicPr>
-            <a:picLocks noChangeAspect="1" noChangeArrowheads="1"/>
-          </p:cNvPicPr>
-          <p:nvPr/>
-        </p:nvPicPr>
-        <p:blipFill rotWithShape="1">
-          <a:blip r:embed="rId4">
-            <a:extLst>
-              <a:ext uri="{28A0092B-C50C-407E-A947-70E740481C1C}">
-                <a14:useLocalDpi xmlns:a14="http://schemas.microsoft.com/office/drawing/2010/main" val="0"/>
-              </a:ext>
-            </a:extLst>
-          </a:blip>
-          <a:srcRect l="16461" t="14052" r="14648" b="16477"/>
-          <a:stretch/>
-        </p:blipFill>
-        <p:spPr bwMode="auto">
-          <a:xfrm>
-            <a:off x="6096000" y="1510485"/>
-            <a:ext cx="989351" cy="997668"/>
-          </a:xfrm>
-          <a:prstGeom prst="rect">
-            <a:avLst/>
-          </a:prstGeom>
-          <a:noFill/>
-          <a:extLst>
-            <a:ext uri="{909E8E84-426E-40DD-AFC4-6F175D3DCCD1}">
-              <a14:hiddenFill xmlns:a14="http://schemas.microsoft.com/office/drawing/2010/main">
-                <a:solidFill>
-                  <a:srgbClr val="FFFFFF"/>
-                </a:solidFill>
-              </a14:hiddenFill>
-            </a:ext>
-          </a:extLst>
-        </p:spPr>
-      </p:pic>
-      <p:pic>
-        <p:nvPicPr>
-          <p:cNvPr id="5130" name="Picture 10">
-            <a:extLst>
-              <a:ext uri="{FF2B5EF4-FFF2-40B4-BE49-F238E27FC236}">
-                <a16:creationId xmlns:a16="http://schemas.microsoft.com/office/drawing/2014/main" id="{99587FE5-31A9-47F0-BD28-9D062CF17AFD}"/>
-              </a:ext>
-            </a:extLst>
-          </p:cNvPr>
-          <p:cNvPicPr>
-            <a:picLocks noChangeAspect="1" noChangeArrowheads="1"/>
-          </p:cNvPicPr>
-          <p:nvPr/>
-        </p:nvPicPr>
-        <p:blipFill>
-          <a:blip r:embed="rId5">
-            <a:extLst>
-              <a:ext uri="{28A0092B-C50C-407E-A947-70E740481C1C}">
-                <a14:useLocalDpi xmlns:a14="http://schemas.microsoft.com/office/drawing/2010/main" val="0"/>
-              </a:ext>
-            </a:extLst>
-          </a:blip>
-          <a:srcRect/>
-          <a:stretch>
-            <a:fillRect/>
-          </a:stretch>
-        </p:blipFill>
-        <p:spPr bwMode="auto">
-          <a:xfrm>
-            <a:off x="7362890" y="1615657"/>
-            <a:ext cx="1474844" cy="821432"/>
-          </a:xfrm>
-          <a:prstGeom prst="rect">
-            <a:avLst/>
-          </a:prstGeom>
-          <a:noFill/>
-          <a:extLst>
-            <a:ext uri="{909E8E84-426E-40DD-AFC4-6F175D3DCCD1}">
-              <a14:hiddenFill xmlns:a14="http://schemas.microsoft.com/office/drawing/2010/main">
-                <a:solidFill>
-                  <a:srgbClr val="FFFFFF"/>
-                </a:solidFill>
-              </a14:hiddenFill>
-            </a:ext>
-          </a:extLst>
-        </p:spPr>
-      </p:pic>
-    </p:spTree>
-    <p:extLst>
-      <p:ext uri="{BB962C8B-B14F-4D97-AF65-F5344CB8AC3E}">
-        <p14:creationId xmlns:p14="http://schemas.microsoft.com/office/powerpoint/2010/main" val="4022128531"/>
-      </p:ext>
-    </p:extLst>
-  </p:cSld>
-  <p:clrMapOvr>
-    <a:masterClrMapping/>
-  </p:clrMapOvr>
-</p:sld>
-</file>
-
-<file path=ppt/slides/slide8.xml><?xml version="1.0" encoding="utf-8"?>
-<p:sld xmlns:a="http://schemas.openxmlformats.org/drawingml/2006/main" xmlns:r="http://schemas.openxmlformats.org/officeDocument/2006/relationships" xmlns:p="http://schemas.openxmlformats.org/presentationml/2006/main">
-  <p:cSld>
-    <p:spTree>
-      <p:nvGrpSpPr>
-        <p:cNvPr id="1" name=""/>
-        <p:cNvGrpSpPr/>
-        <p:nvPr/>
-      </p:nvGrpSpPr>
-      <p:grpSpPr>
-        <a:xfrm>
-          <a:off x="0" y="0"/>
-          <a:ext cx="0" cy="0"/>
-          <a:chOff x="0" y="0"/>
-          <a:chExt cx="0" cy="0"/>
-        </a:xfrm>
-      </p:grpSpPr>
-      <p:sp>
-        <p:nvSpPr>
           <p:cNvPr id="4" name="Title 3">
             <a:extLst>
               <a:ext uri="{FF2B5EF4-FFF2-40B4-BE49-F238E27FC236}">
@@ -16695,7 +15599,7 @@
           <a:p>
             <a:fld id="{AB265669-9768-4162-B261-757C55BCE5B3}" type="slidenum">
               <a:rPr lang="en-US" smtClean="0"/>
-              <a:t>8</a:t>
+              <a:t>6</a:t>
             </a:fld>
             <a:endParaRPr lang="en-US" dirty="0"/>
           </a:p>
@@ -16896,7 +15800,269 @@
 </p:sld>
 </file>
 
-<file path=ppt/slides/slide9.xml><?xml version="1.0" encoding="utf-8"?>
+<file path=ppt/slides/slide7.xml><?xml version="1.0" encoding="utf-8"?>
+<p:sld xmlns:a="http://schemas.openxmlformats.org/drawingml/2006/main" xmlns:r="http://schemas.openxmlformats.org/officeDocument/2006/relationships" xmlns:p="http://schemas.openxmlformats.org/presentationml/2006/main">
+  <p:cSld>
+    <p:spTree>
+      <p:nvGrpSpPr>
+        <p:cNvPr id="1" name=""/>
+        <p:cNvGrpSpPr/>
+        <p:nvPr/>
+      </p:nvGrpSpPr>
+      <p:grpSpPr>
+        <a:xfrm>
+          <a:off x="0" y="0"/>
+          <a:ext cx="0" cy="0"/>
+          <a:chOff x="0" y="0"/>
+          <a:chExt cx="0" cy="0"/>
+        </a:xfrm>
+      </p:grpSpPr>
+      <p:sp>
+        <p:nvSpPr>
+          <p:cNvPr id="2" name="Title 1">
+            <a:extLst>
+              <a:ext uri="{FF2B5EF4-FFF2-40B4-BE49-F238E27FC236}">
+                <a16:creationId xmlns:a16="http://schemas.microsoft.com/office/drawing/2014/main" id="{9CC00A13-A9EF-436C-B63E-232CA53A953C}"/>
+              </a:ext>
+            </a:extLst>
+          </p:cNvPr>
+          <p:cNvSpPr>
+            <a:spLocks noGrp="1"/>
+          </p:cNvSpPr>
+          <p:nvPr>
+            <p:ph type="title"/>
+          </p:nvPr>
+        </p:nvSpPr>
+        <p:spPr>
+          <a:xfrm>
+            <a:off x="1484309" y="348448"/>
+            <a:ext cx="10018713" cy="1409331"/>
+          </a:xfrm>
+        </p:spPr>
+        <p:txBody>
+          <a:bodyPr/>
+          <a:lstStyle/>
+          <a:p>
+            <a:pPr algn="l"/>
+            <a:r>
+              <a:rPr lang="en-GB" dirty="0"/>
+              <a:t>Progress</a:t>
+            </a:r>
+          </a:p>
+        </p:txBody>
+      </p:sp>
+      <p:sp>
+        <p:nvSpPr>
+          <p:cNvPr id="3" name="Content Placeholder 2">
+            <a:extLst>
+              <a:ext uri="{FF2B5EF4-FFF2-40B4-BE49-F238E27FC236}">
+                <a16:creationId xmlns:a16="http://schemas.microsoft.com/office/drawing/2014/main" id="{39C94E2C-0FE9-445A-99DA-A7B76C211D2A}"/>
+              </a:ext>
+            </a:extLst>
+          </p:cNvPr>
+          <p:cNvSpPr>
+            <a:spLocks noGrp="1"/>
+          </p:cNvSpPr>
+          <p:nvPr>
+            <p:ph idx="1"/>
+          </p:nvPr>
+        </p:nvSpPr>
+        <p:spPr>
+          <a:xfrm>
+            <a:off x="1484309" y="2238375"/>
+            <a:ext cx="10018713" cy="3543300"/>
+          </a:xfrm>
+        </p:spPr>
+        <p:txBody>
+          <a:bodyPr>
+            <a:normAutofit fontScale="55000" lnSpcReduction="20000"/>
+          </a:bodyPr>
+          <a:lstStyle/>
+          <a:p>
+            <a:pPr marL="0" indent="0">
+              <a:buNone/>
+            </a:pPr>
+            <a:endParaRPr lang="en-GB" dirty="0"/>
+          </a:p>
+          <a:p>
+            <a:pPr marL="0" indent="0">
+              <a:buNone/>
+            </a:pPr>
+            <a:endParaRPr lang="en-GB" dirty="0"/>
+          </a:p>
+          <a:p>
+            <a:pPr>
+              <a:buFont typeface="Arial" panose="020B0604020202020204" pitchFamily="34" charset="0"/>
+              <a:buChar char="•"/>
+            </a:pPr>
+            <a:r>
+              <a:rPr lang="en-GB" sz="3300" dirty="0"/>
+              <a:t>Working prototype Game1 &amp; Game2</a:t>
+            </a:r>
+          </a:p>
+          <a:p>
+            <a:pPr>
+              <a:buFont typeface="Arial" panose="020B0604020202020204" pitchFamily="34" charset="0"/>
+              <a:buChar char="•"/>
+            </a:pPr>
+            <a:r>
+              <a:rPr lang="en-GB" sz="3300" dirty="0"/>
+              <a:t>Implementation of Main Menu in Game1</a:t>
+            </a:r>
+          </a:p>
+          <a:p>
+            <a:pPr>
+              <a:buFont typeface="Arial" panose="020B0604020202020204" pitchFamily="34" charset="0"/>
+              <a:buChar char="•"/>
+            </a:pPr>
+            <a:r>
+              <a:rPr lang="en-GB" sz="3300" dirty="0"/>
+              <a:t>Implementation of About section in Game1 which describes and states information about the game and its different levels </a:t>
+            </a:r>
+          </a:p>
+          <a:p>
+            <a:pPr>
+              <a:buFont typeface="Arial" panose="020B0604020202020204" pitchFamily="34" charset="0"/>
+              <a:buChar char="•"/>
+            </a:pPr>
+            <a:r>
+              <a:rPr lang="en-GB" sz="3300" dirty="0"/>
+              <a:t>Password Levels in Game1</a:t>
+            </a:r>
+          </a:p>
+          <a:p>
+            <a:pPr>
+              <a:buFont typeface="Arial" panose="020B0604020202020204" pitchFamily="34" charset="0"/>
+              <a:buChar char="•"/>
+            </a:pPr>
+            <a:r>
+              <a:rPr lang="en-GB" sz="3300" dirty="0"/>
+              <a:t>Phishing Level in Game1</a:t>
+            </a:r>
+          </a:p>
+          <a:p>
+            <a:pPr>
+              <a:buFont typeface="Arial" panose="020B0604020202020204" pitchFamily="34" charset="0"/>
+              <a:buChar char="•"/>
+            </a:pPr>
+            <a:r>
+              <a:rPr lang="en-GB" sz="3300" dirty="0"/>
+              <a:t>Phishing Level in Game2</a:t>
+            </a:r>
+          </a:p>
+          <a:p>
+            <a:pPr>
+              <a:buFont typeface="Arial" panose="020B0604020202020204" pitchFamily="34" charset="0"/>
+              <a:buChar char="•"/>
+            </a:pPr>
+            <a:r>
+              <a:rPr lang="en-GB" sz="3300" dirty="0"/>
+              <a:t>Password Level in Game2</a:t>
+            </a:r>
+          </a:p>
+          <a:p>
+            <a:pPr marL="0" indent="0">
+              <a:buNone/>
+            </a:pPr>
+            <a:endParaRPr lang="en-GB" dirty="0"/>
+          </a:p>
+          <a:p>
+            <a:pPr>
+              <a:buFont typeface="Arial" panose="020B0604020202020204" pitchFamily="34" charset="0"/>
+              <a:buChar char="•"/>
+            </a:pPr>
+            <a:endParaRPr lang="en-GB" dirty="0"/>
+          </a:p>
+          <a:p>
+            <a:pPr marL="0" indent="0">
+              <a:buNone/>
+            </a:pPr>
+            <a:endParaRPr lang="en-GB" dirty="0"/>
+          </a:p>
+          <a:p>
+            <a:pPr>
+              <a:buFont typeface="Arial" panose="020B0604020202020204" pitchFamily="34" charset="0"/>
+              <a:buChar char="•"/>
+            </a:pPr>
+            <a:endParaRPr lang="en-GB" dirty="0"/>
+          </a:p>
+          <a:p>
+            <a:pPr>
+              <a:buFont typeface="Arial" panose="020B0604020202020204" pitchFamily="34" charset="0"/>
+              <a:buChar char="•"/>
+            </a:pPr>
+            <a:endParaRPr lang="en-GB" dirty="0"/>
+          </a:p>
+          <a:p>
+            <a:pPr>
+              <a:buFont typeface="Arial" panose="020B0604020202020204" pitchFamily="34" charset="0"/>
+              <a:buChar char="•"/>
+            </a:pPr>
+            <a:endParaRPr lang="en-GB" dirty="0"/>
+          </a:p>
+          <a:p>
+            <a:pPr marL="0" indent="0">
+              <a:buNone/>
+            </a:pPr>
+            <a:endParaRPr lang="en-GB" dirty="0"/>
+          </a:p>
+          <a:p>
+            <a:pPr marL="0" indent="0">
+              <a:buNone/>
+            </a:pPr>
+            <a:endParaRPr lang="en-GB" dirty="0"/>
+          </a:p>
+          <a:p>
+            <a:pPr marL="0" indent="0">
+              <a:buNone/>
+            </a:pPr>
+            <a:endParaRPr lang="en-GB" dirty="0"/>
+          </a:p>
+        </p:txBody>
+      </p:sp>
+      <p:sp>
+        <p:nvSpPr>
+          <p:cNvPr id="4" name="Slide Number Placeholder 3">
+            <a:extLst>
+              <a:ext uri="{FF2B5EF4-FFF2-40B4-BE49-F238E27FC236}">
+                <a16:creationId xmlns:a16="http://schemas.microsoft.com/office/drawing/2014/main" id="{6BDFA826-580B-4CF5-B7B0-220A2D19BF2C}"/>
+              </a:ext>
+            </a:extLst>
+          </p:cNvPr>
+          <p:cNvSpPr>
+            <a:spLocks noGrp="1"/>
+          </p:cNvSpPr>
+          <p:nvPr>
+            <p:ph type="sldNum" sz="quarter" idx="12"/>
+          </p:nvPr>
+        </p:nvSpPr>
+        <p:spPr/>
+        <p:txBody>
+          <a:bodyPr/>
+          <a:lstStyle/>
+          <a:p>
+            <a:fld id="{AB265669-9768-4162-B261-757C55BCE5B3}" type="slidenum">
+              <a:rPr lang="en-US" smtClean="0"/>
+              <a:t>7</a:t>
+            </a:fld>
+            <a:endParaRPr lang="en-US" dirty="0"/>
+          </a:p>
+        </p:txBody>
+      </p:sp>
+    </p:spTree>
+    <p:extLst>
+      <p:ext uri="{BB962C8B-B14F-4D97-AF65-F5344CB8AC3E}">
+        <p14:creationId xmlns:p14="http://schemas.microsoft.com/office/powerpoint/2010/main" val="2223426343"/>
+      </p:ext>
+    </p:extLst>
+  </p:cSld>
+  <p:clrMapOvr>
+    <a:masterClrMapping/>
+  </p:clrMapOvr>
+</p:sld>
+</file>
+
+<file path=ppt/slides/slide8.xml><?xml version="1.0" encoding="utf-8"?>
 <p:sld xmlns:a="http://schemas.openxmlformats.org/drawingml/2006/main" xmlns:r="http://schemas.openxmlformats.org/officeDocument/2006/relationships" xmlns:p="http://schemas.openxmlformats.org/presentationml/2006/main">
   <p:cSld>
     <p:spTree>
@@ -16942,7 +16108,7 @@
             <a:pPr algn="l"/>
             <a:r>
               <a:rPr lang="en-GB" dirty="0"/>
-              <a:t>TO DO</a:t>
+              <a:t>Future Plans</a:t>
             </a:r>
           </a:p>
         </p:txBody>
@@ -16965,8 +16131,8 @@
         </p:nvSpPr>
         <p:spPr>
           <a:xfrm>
-            <a:off x="1484310" y="2095500"/>
-            <a:ext cx="10018713" cy="3807142"/>
+            <a:off x="1484310" y="2050742"/>
+            <a:ext cx="10018713" cy="3851900"/>
           </a:xfrm>
         </p:spPr>
         <p:txBody>
@@ -16981,6 +16147,9 @@
             <a:endParaRPr lang="en-GB" dirty="0"/>
           </a:p>
           <a:p>
+            <a:pPr marL="0" indent="0">
+              <a:buNone/>
+            </a:pPr>
             <a:endParaRPr lang="en-GB" dirty="0"/>
           </a:p>
           <a:p>
@@ -17013,7 +16182,15 @@
           <a:p>
             <a:r>
               <a:rPr lang="en-GB" sz="3800" dirty="0"/>
-              <a:t>Create Leadership for Motivation</a:t>
+              <a:t>Create </a:t>
+            </a:r>
+            <a:r>
+              <a:rPr lang="en-GB" sz="3800" dirty="0" err="1"/>
+              <a:t>Leaderboard</a:t>
+            </a:r>
+            <a:r>
+              <a:rPr lang="en-GB" sz="3800" dirty="0"/>
+              <a:t> for Motivation</a:t>
             </a:r>
           </a:p>
           <a:p>
@@ -17098,7 +16275,7 @@
           <a:p>
             <a:fld id="{AB265669-9768-4162-B261-757C55BCE5B3}" type="slidenum">
               <a:rPr lang="en-US" smtClean="0"/>
-              <a:t>9</a:t>
+              <a:t>8</a:t>
             </a:fld>
             <a:endParaRPr lang="en-US" dirty="0"/>
           </a:p>
@@ -17108,6 +16285,173 @@
     <p:extLst>
       <p:ext uri="{BB962C8B-B14F-4D97-AF65-F5344CB8AC3E}">
         <p14:creationId xmlns:p14="http://schemas.microsoft.com/office/powerpoint/2010/main" val="547128972"/>
+      </p:ext>
+    </p:extLst>
+  </p:cSld>
+  <p:clrMapOvr>
+    <a:masterClrMapping/>
+  </p:clrMapOvr>
+</p:sld>
+</file>
+
+<file path=ppt/slides/slide9.xml><?xml version="1.0" encoding="utf-8"?>
+<p:sld xmlns:a="http://schemas.openxmlformats.org/drawingml/2006/main" xmlns:r="http://schemas.openxmlformats.org/officeDocument/2006/relationships" xmlns:p="http://schemas.openxmlformats.org/presentationml/2006/main">
+  <p:cSld>
+    <p:spTree>
+      <p:nvGrpSpPr>
+        <p:cNvPr id="1" name=""/>
+        <p:cNvGrpSpPr/>
+        <p:nvPr/>
+      </p:nvGrpSpPr>
+      <p:grpSpPr>
+        <a:xfrm>
+          <a:off x="0" y="0"/>
+          <a:ext cx="0" cy="0"/>
+          <a:chOff x="0" y="0"/>
+          <a:chExt cx="0" cy="0"/>
+        </a:xfrm>
+      </p:grpSpPr>
+      <p:sp>
+        <p:nvSpPr>
+          <p:cNvPr id="2" name="Title 1">
+            <a:extLst>
+              <a:ext uri="{FF2B5EF4-FFF2-40B4-BE49-F238E27FC236}">
+                <a16:creationId xmlns:a16="http://schemas.microsoft.com/office/drawing/2014/main" id="{CAD74210-2616-41FB-95DB-44B5383AF4BC}"/>
+              </a:ext>
+            </a:extLst>
+          </p:cNvPr>
+          <p:cNvSpPr>
+            <a:spLocks noGrp="1"/>
+          </p:cNvSpPr>
+          <p:nvPr>
+            <p:ph type="title"/>
+          </p:nvPr>
+        </p:nvSpPr>
+        <p:spPr>
+          <a:xfrm>
+            <a:off x="1484311" y="685801"/>
+            <a:ext cx="10018713" cy="874552"/>
+          </a:xfrm>
+        </p:spPr>
+        <p:txBody>
+          <a:bodyPr/>
+          <a:lstStyle/>
+          <a:p>
+            <a:pPr algn="l"/>
+            <a:r>
+              <a:rPr lang="en-US" dirty="0"/>
+              <a:t>Time Plan</a:t>
+            </a:r>
+          </a:p>
+        </p:txBody>
+      </p:sp>
+      <p:sp>
+        <p:nvSpPr>
+          <p:cNvPr id="4" name="Slide Number Placeholder 3">
+            <a:extLst>
+              <a:ext uri="{FF2B5EF4-FFF2-40B4-BE49-F238E27FC236}">
+                <a16:creationId xmlns:a16="http://schemas.microsoft.com/office/drawing/2014/main" id="{5A8C45F3-018E-4A22-BBF5-8D3566B89132}"/>
+              </a:ext>
+            </a:extLst>
+          </p:cNvPr>
+          <p:cNvSpPr>
+            <a:spLocks noGrp="1"/>
+          </p:cNvSpPr>
+          <p:nvPr>
+            <p:ph type="sldNum" sz="quarter" idx="12"/>
+          </p:nvPr>
+        </p:nvSpPr>
+        <p:spPr/>
+        <p:txBody>
+          <a:bodyPr/>
+          <a:lstStyle/>
+          <a:p>
+            <a:fld id="{AB265669-9768-4162-B261-757C55BCE5B3}" type="slidenum">
+              <a:rPr lang="en-US" smtClean="0"/>
+              <a:t>9</a:t>
+            </a:fld>
+            <a:endParaRPr lang="en-US" dirty="0"/>
+          </a:p>
+        </p:txBody>
+      </p:sp>
+      <p:graphicFrame>
+        <p:nvGraphicFramePr>
+          <p:cNvPr id="6" name="Content Placeholder 5">
+            <a:extLst>
+              <a:ext uri="{FF2B5EF4-FFF2-40B4-BE49-F238E27FC236}">
+                <a16:creationId xmlns:a16="http://schemas.microsoft.com/office/drawing/2014/main" id="{055A0A5E-0AE0-49DE-9462-004ADE7F0C0B}"/>
+              </a:ext>
+            </a:extLst>
+          </p:cNvPr>
+          <p:cNvGraphicFramePr>
+            <a:graphicFrameLocks noGrp="1"/>
+          </p:cNvGraphicFramePr>
+          <p:nvPr>
+            <p:ph idx="1"/>
+            <p:extLst>
+              <p:ext uri="{D42A27DB-BD31-4B8C-83A1-F6EECF244321}">
+                <p14:modId xmlns:p14="http://schemas.microsoft.com/office/powerpoint/2010/main" val="452959862"/>
+              </p:ext>
+            </p:extLst>
+          </p:nvPr>
+        </p:nvGraphicFramePr>
+        <p:xfrm>
+          <a:off x="1484313" y="1560353"/>
+          <a:ext cx="10018712" cy="4306778"/>
+        </p:xfrm>
+        <a:graphic>
+          <a:graphicData uri="http://schemas.openxmlformats.org/drawingml/2006/chart">
+            <c:chart xmlns:c="http://schemas.openxmlformats.org/drawingml/2006/chart" xmlns:r="http://schemas.openxmlformats.org/officeDocument/2006/relationships" r:id="rId2"/>
+          </a:graphicData>
+        </a:graphic>
+      </p:graphicFrame>
+      <p:sp>
+        <p:nvSpPr>
+          <p:cNvPr id="5" name="TextBox 4">
+            <a:extLst>
+              <a:ext uri="{FF2B5EF4-FFF2-40B4-BE49-F238E27FC236}">
+                <a16:creationId xmlns:a16="http://schemas.microsoft.com/office/drawing/2014/main" id="{508279A9-8EA8-4324-8D09-F1906D9F6EFB}"/>
+              </a:ext>
+            </a:extLst>
+          </p:cNvPr>
+          <p:cNvSpPr txBox="1"/>
+          <p:nvPr/>
+        </p:nvSpPr>
+        <p:spPr>
+          <a:xfrm>
+            <a:off x="5495925" y="5802867"/>
+            <a:ext cx="1771650" cy="369332"/>
+          </a:xfrm>
+          <a:prstGeom prst="rect">
+            <a:avLst/>
+          </a:prstGeom>
+          <a:noFill/>
+        </p:spPr>
+        <p:txBody>
+          <a:bodyPr wrap="square" rtlCol="0">
+            <a:spAutoFit/>
+          </a:bodyPr>
+          <a:lstStyle/>
+          <a:p>
+            <a:pPr marL="285750" indent="-285750">
+              <a:buFont typeface="Wingdings" panose="05000000000000000000" pitchFamily="2" charset="2"/>
+              <a:buChar char="q"/>
+            </a:pPr>
+            <a:r>
+              <a:rPr lang="en-GB" dirty="0">
+                <a:solidFill>
+                  <a:srgbClr val="00B050"/>
+                </a:solidFill>
+              </a:rPr>
+              <a:t>Current State</a:t>
+            </a:r>
+          </a:p>
+        </p:txBody>
+      </p:sp>
+    </p:spTree>
+    <p:extLst>
+      <p:ext uri="{BB962C8B-B14F-4D97-AF65-F5344CB8AC3E}">
+        <p14:creationId xmlns:p14="http://schemas.microsoft.com/office/powerpoint/2010/main" val="2619497775"/>
       </p:ext>
     </p:extLst>
   </p:cSld>

--- a/Graduation_Project_Presentation_Seminar2.pptx
+++ b/Graduation_Project_Presentation_Seminar2.pptx
@@ -5,23 +5,27 @@
     <p:sldMasterId id="2147483755" r:id="rId1"/>
   </p:sldMasterIdLst>
   <p:notesMasterIdLst>
-    <p:notesMasterId r:id="rId16"/>
+    <p:notesMasterId r:id="rId20"/>
   </p:notesMasterIdLst>
   <p:sldIdLst>
     <p:sldId id="269" r:id="rId2"/>
     <p:sldId id="256" r:id="rId3"/>
     <p:sldId id="271" r:id="rId4"/>
     <p:sldId id="257" r:id="rId5"/>
-    <p:sldId id="260" r:id="rId6"/>
-    <p:sldId id="263" r:id="rId7"/>
-    <p:sldId id="278" r:id="rId8"/>
-    <p:sldId id="279" r:id="rId9"/>
-    <p:sldId id="272" r:id="rId10"/>
-    <p:sldId id="265" r:id="rId11"/>
-    <p:sldId id="274" r:id="rId12"/>
-    <p:sldId id="275" r:id="rId13"/>
-    <p:sldId id="273" r:id="rId14"/>
-    <p:sldId id="276" r:id="rId15"/>
+    <p:sldId id="263" r:id="rId6"/>
+    <p:sldId id="281" r:id="rId7"/>
+    <p:sldId id="283" r:id="rId8"/>
+    <p:sldId id="278" r:id="rId9"/>
+    <p:sldId id="279" r:id="rId10"/>
+    <p:sldId id="260" r:id="rId11"/>
+    <p:sldId id="282" r:id="rId12"/>
+    <p:sldId id="272" r:id="rId13"/>
+    <p:sldId id="265" r:id="rId14"/>
+    <p:sldId id="274" r:id="rId15"/>
+    <p:sldId id="275" r:id="rId16"/>
+    <p:sldId id="273" r:id="rId17"/>
+    <p:sldId id="280" r:id="rId18"/>
+    <p:sldId id="276" r:id="rId19"/>
   </p:sldIdLst>
   <p:sldSz cx="12192000" cy="6858000"/>
   <p:notesSz cx="6858000" cy="9144000"/>
@@ -295,6 +299,32 @@
               </c:ext>
             </c:extLst>
           </c:dPt>
+          <c:dPt>
+            <c:idx val="4"/>
+            <c:invertIfNegative val="0"/>
+            <c:bubble3D val="0"/>
+            <c:spPr>
+              <a:solidFill>
+                <a:srgbClr val="00B050"/>
+              </a:solidFill>
+              <a:ln>
+                <a:noFill/>
+              </a:ln>
+              <a:effectLst/>
+              <a:scene3d>
+                <a:camera prst="orthographicFront"/>
+                <a:lightRig rig="threePt" dir="t"/>
+              </a:scene3d>
+              <a:sp3d>
+                <a:bevelT w="190500" h="38100"/>
+              </a:sp3d>
+            </c:spPr>
+            <c:extLst>
+              <c:ext xmlns:c16="http://schemas.microsoft.com/office/drawing/2014/chart" uri="{C3380CC4-5D6E-409C-BE32-E72D297353CC}">
+                <c16:uniqueId val="{00000003-DA01-428C-87C5-5A385C327D19}"/>
+              </c:ext>
+            </c:extLst>
+          </c:dPt>
           <c:cat>
             <c:strRef>
               <c:f>Sheet1!$A$2:$A$8</c:f>
@@ -340,7 +370,7 @@
                   <c:v>62</c:v>
                 </c:pt>
                 <c:pt idx="3">
-                  <c:v>97</c:v>
+                  <c:v>160</c:v>
                 </c:pt>
                 <c:pt idx="4">
                   <c:v>15</c:v>
@@ -357,6 +387,81 @@
           <c:extLst>
             <c:ext xmlns:c16="http://schemas.microsoft.com/office/drawing/2014/chart" uri="{C3380CC4-5D6E-409C-BE32-E72D297353CC}">
               <c16:uniqueId val="{00000001-1860-4DD4-ACBB-E4F476D648A4}"/>
+            </c:ext>
+          </c:extLst>
+        </c:ser>
+        <c:ser>
+          <c:idx val="3"/>
+          <c:order val="3"/>
+          <c:tx>
+            <c:strRef>
+              <c:f>Sheet1!$E$1</c:f>
+              <c:strCache>
+                <c:ptCount val="1"/>
+                <c:pt idx="0">
+                  <c:v>Current State</c:v>
+                </c:pt>
+              </c:strCache>
+            </c:strRef>
+          </c:tx>
+          <c:spPr>
+            <a:solidFill>
+              <a:srgbClr val="00B050"/>
+            </a:solidFill>
+            <a:ln>
+              <a:noFill/>
+            </a:ln>
+            <a:effectLst/>
+            <a:scene3d>
+              <a:camera prst="orthographicFront"/>
+              <a:lightRig rig="threePt" dir="t"/>
+            </a:scene3d>
+            <a:sp3d>
+              <a:bevelT w="190500" h="38100"/>
+            </a:sp3d>
+          </c:spPr>
+          <c:invertIfNegative val="0"/>
+          <c:cat>
+            <c:strRef>
+              <c:f>Sheet1!$A$2:$A$8</c:f>
+              <c:strCache>
+                <c:ptCount val="7"/>
+                <c:pt idx="0">
+                  <c:v>Literature Review / Background</c:v>
+                </c:pt>
+                <c:pt idx="1">
+                  <c:v>Analysis &amp; Design</c:v>
+                </c:pt>
+                <c:pt idx="2">
+                  <c:v>Methodology / Architecture</c:v>
+                </c:pt>
+                <c:pt idx="3">
+                  <c:v>Implementation</c:v>
+                </c:pt>
+                <c:pt idx="4">
+                  <c:v>Validation &amp; Testing</c:v>
+                </c:pt>
+                <c:pt idx="5">
+                  <c:v>Areas To Improve</c:v>
+                </c:pt>
+                <c:pt idx="6">
+                  <c:v>Documentation</c:v>
+                </c:pt>
+              </c:strCache>
+            </c:strRef>
+          </c:cat>
+          <c:val>
+            <c:numRef>
+              <c:f>Sheet1!$E$2:$E$8</c:f>
+              <c:numCache>
+                <c:formatCode>General</c:formatCode>
+                <c:ptCount val="7"/>
+              </c:numCache>
+            </c:numRef>
+          </c:val>
+          <c:extLst>
+            <c:ext xmlns:c16="http://schemas.microsoft.com/office/drawing/2014/chart" uri="{C3380CC4-5D6E-409C-BE32-E72D297353CC}">
+              <c16:uniqueId val="{00000004-DA01-428C-87C5-5A385C327D19}"/>
             </c:ext>
           </c:extLst>
         </c:ser>
@@ -462,7 +567,7 @@
                         <c:v>44615</c:v>
                       </c:pt>
                       <c:pt idx="3">
-                        <c:v>44650</c:v>
+                        <c:v>44713</c:v>
                       </c:pt>
                       <c:pt idx="4">
                         <c:v>44666</c:v>
@@ -522,9 +627,9 @@
                     <a:lumOff val="35000"/>
                   </a:schemeClr>
                 </a:solidFill>
-                <a:latin typeface="+mn-lt"/>
+                <a:latin typeface="Times New Roman" panose="02020603050405020304" pitchFamily="18" charset="0"/>
                 <a:ea typeface="+mn-ea"/>
-                <a:cs typeface="+mn-cs"/>
+                <a:cs typeface="Times New Roman" panose="02020603050405020304" pitchFamily="18" charset="0"/>
               </a:defRPr>
             </a:pPr>
             <a:endParaRPr lang="en-US"/>
@@ -583,9 +688,9 @@
                     <a:lumOff val="35000"/>
                   </a:schemeClr>
                 </a:solidFill>
-                <a:latin typeface="+mn-lt"/>
+                <a:latin typeface="Times New Roman" panose="02020603050405020304" pitchFamily="18" charset="0"/>
                 <a:ea typeface="+mn-ea"/>
-                <a:cs typeface="+mn-cs"/>
+                <a:cs typeface="Times New Roman" panose="02020603050405020304" pitchFamily="18" charset="0"/>
               </a:defRPr>
             </a:pPr>
             <a:endParaRPr lang="en-US"/>
@@ -609,16 +714,29 @@
         <c:idx val="0"/>
         <c:delete val="1"/>
       </c:legendEntry>
-      <c:layout>
-        <c:manualLayout>
-          <c:xMode val="edge"/>
-          <c:yMode val="edge"/>
-          <c:x val="0.44799800613092783"/>
-          <c:y val="0.93254493266195748"/>
-          <c:w val="0.1242859361562644"/>
-          <c:h val="4.9762026275791321E-2"/>
-        </c:manualLayout>
-      </c:layout>
+      <c:legendEntry>
+        <c:idx val="2"/>
+        <c:txPr>
+          <a:bodyPr rot="0" spcFirstLastPara="1" vertOverflow="ellipsis" vert="horz" wrap="square" anchor="ctr" anchorCtr="1"/>
+          <a:lstStyle/>
+          <a:p>
+            <a:pPr>
+              <a:defRPr sz="1000" b="0" i="0" u="none" strike="noStrike" kern="1200" baseline="0">
+                <a:solidFill>
+                  <a:schemeClr val="tx1">
+                    <a:lumMod val="65000"/>
+                    <a:lumOff val="35000"/>
+                  </a:schemeClr>
+                </a:solidFill>
+                <a:latin typeface="Times New Roman" panose="02020603050405020304" pitchFamily="18" charset="0"/>
+                <a:ea typeface="+mn-ea"/>
+                <a:cs typeface="Times New Roman" panose="02020603050405020304" pitchFamily="18" charset="0"/>
+              </a:defRPr>
+            </a:pPr>
+            <a:endParaRPr lang="en-US"/>
+          </a:p>
+        </c:txPr>
+      </c:legendEntry>
       <c:overlay val="0"/>
       <c:spPr>
         <a:noFill/>
@@ -632,16 +750,16 @@
         <a:lstStyle/>
         <a:p>
           <a:pPr>
-            <a:defRPr sz="900" b="0" i="0" u="none" strike="noStrike" kern="1200" baseline="0">
+            <a:defRPr sz="1000" b="0" i="0" u="none" strike="noStrike" kern="1200" baseline="0">
               <a:solidFill>
                 <a:schemeClr val="tx1">
                   <a:lumMod val="65000"/>
                   <a:lumOff val="35000"/>
                 </a:schemeClr>
               </a:solidFill>
-              <a:latin typeface="+mn-lt"/>
+              <a:latin typeface="Times New Roman" panose="02020603050405020304" pitchFamily="18" charset="0"/>
               <a:ea typeface="+mn-ea"/>
-              <a:cs typeface="+mn-cs"/>
+              <a:cs typeface="Times New Roman" panose="02020603050405020304" pitchFamily="18" charset="0"/>
             </a:defRPr>
           </a:pPr>
           <a:endParaRPr lang="en-US"/>
@@ -671,7 +789,10 @@
     <a:lstStyle/>
     <a:p>
       <a:pPr>
-        <a:defRPr/>
+        <a:defRPr>
+          <a:latin typeface="Times New Roman" panose="02020603050405020304" pitchFamily="18" charset="0"/>
+          <a:cs typeface="Times New Roman" panose="02020603050405020304" pitchFamily="18" charset="0"/>
+        </a:defRPr>
       </a:pPr>
       <a:endParaRPr lang="en-US"/>
     </a:p>
@@ -13025,7 +13146,7 @@
                 <a:latin typeface="Times New Roman" panose="02020603050405020304" pitchFamily="18" charset="0"/>
                 <a:cs typeface="Times New Roman" panose="02020603050405020304" pitchFamily="18" charset="0"/>
               </a:rPr>
-              <a:t>Reference</a:t>
+              <a:t>Challenges</a:t>
             </a:r>
           </a:p>
         </p:txBody>
@@ -13048,95 +13169,98 @@
         </p:nvSpPr>
         <p:spPr>
           <a:xfrm>
-            <a:off x="1484310" y="1544129"/>
-            <a:ext cx="10018713" cy="5072331"/>
+            <a:off x="1484310" y="1639019"/>
+            <a:ext cx="10018713" cy="4347713"/>
           </a:xfrm>
         </p:spPr>
         <p:txBody>
           <a:bodyPr>
-            <a:noAutofit/>
+            <a:normAutofit/>
           </a:bodyPr>
           <a:lstStyle/>
           <a:p>
+            <a:pPr>
+              <a:lnSpc>
+                <a:spcPct val="115000"/>
+              </a:lnSpc>
+            </a:pPr>
             <a:r>
-              <a:rPr lang="en-US" sz="2000" dirty="0">
+              <a:rPr lang="en-US" sz="2600" dirty="0">
                 <a:latin typeface="Times New Roman" panose="02020603050405020304" pitchFamily="18" charset="0"/>
                 <a:cs typeface="Times New Roman" panose="02020603050405020304" pitchFamily="18" charset="0"/>
               </a:rPr>
-              <a:t>[1]"Screen time 'may harm toddlers'", BBC News, 2019. [Online]. Available: https://www.bbc.com/news/health-47026834. [Accessed: 06- Dec- 2021].</a:t>
+              <a:t>Offering a gamified and enjoyable way for kids to learn about cyber security threats and attacks.</a:t>
             </a:r>
           </a:p>
           <a:p>
+            <a:pPr>
+              <a:lnSpc>
+                <a:spcPct val="115000"/>
+              </a:lnSpc>
+            </a:pPr>
             <a:r>
-              <a:rPr lang="en-US" sz="2000" dirty="0">
+              <a:rPr lang="en-US" sz="2600" dirty="0">
                 <a:latin typeface="Times New Roman" panose="02020603050405020304" pitchFamily="18" charset="0"/>
                 <a:cs typeface="Times New Roman" panose="02020603050405020304" pitchFamily="18" charset="0"/>
               </a:rPr>
-              <a:t>[2]"Cybersecurity in Education: What Teachers, Parents and Students Should Know | Berkeley Boot Camps", Berkeley Boot Camps, 2021. [Online]. Available: https://bootcamp.berkeley.edu/blog/cybersecurity-in-education-what-teachers-parents-and-students-should-know/. [Accessed: 06- Dec- 2021].</a:t>
-            </a:r>
-          </a:p>
-          <a:p>
-            <a:r>
-              <a:rPr lang="fr-FR" sz="2000" dirty="0">
-                <a:latin typeface="Times New Roman" panose="02020603050405020304" pitchFamily="18" charset="0"/>
-                <a:cs typeface="Times New Roman" panose="02020603050405020304" pitchFamily="18" charset="0"/>
-              </a:rPr>
-              <a:t>[3]"Cybertalentskids » CyberTalents", CybertalentKids, 2021. [Online]. Available: https://cybertalentskids.com/. [Accessed: </a:t>
-            </a:r>
-            <a:r>
-              <a:rPr lang="en-US" sz="2000" dirty="0">
-                <a:latin typeface="Times New Roman" panose="02020603050405020304" pitchFamily="18" charset="0"/>
-                <a:cs typeface="Times New Roman" panose="02020603050405020304" pitchFamily="18" charset="0"/>
-              </a:rPr>
-              <a:t>06</a:t>
-            </a:r>
-            <a:r>
-              <a:rPr lang="fr-FR" sz="2000" dirty="0">
-                <a:latin typeface="Times New Roman" panose="02020603050405020304" pitchFamily="18" charset="0"/>
-                <a:cs typeface="Times New Roman" panose="02020603050405020304" pitchFamily="18" charset="0"/>
-              </a:rPr>
-              <a:t>- Dec- 2021].</a:t>
-            </a:r>
-            <a:endParaRPr lang="en-US" sz="2000" dirty="0">
-              <a:latin typeface="Times New Roman" panose="02020603050405020304" pitchFamily="18" charset="0"/>
-              <a:cs typeface="Times New Roman" panose="02020603050405020304" pitchFamily="18" charset="0"/>
-            </a:endParaRPr>
-          </a:p>
-          <a:p>
-            <a:r>
-              <a:rPr lang="en-US" sz="2000" dirty="0">
-                <a:latin typeface="Times New Roman" panose="02020603050405020304" pitchFamily="18" charset="0"/>
-                <a:cs typeface="Times New Roman" panose="02020603050405020304" pitchFamily="18" charset="0"/>
-              </a:rPr>
-              <a:t>[4]2021. [Online]. Available: https://www.esafety.gov.au/educators/classroom-resources/cybersmart-challenge. [Accessed: 06- Dec- 2021].</a:t>
-            </a:r>
-          </a:p>
-          <a:p>
-            <a:r>
-              <a:rPr lang="en-US" sz="2000" dirty="0">
-                <a:latin typeface="Times New Roman" panose="02020603050405020304" pitchFamily="18" charset="0"/>
-                <a:cs typeface="Times New Roman" panose="02020603050405020304" pitchFamily="18" charset="0"/>
-              </a:rPr>
-              <a:t>[5]H. M. Jawad and S. Tout, "IEEE Xplore," in Introducing a Mobile App to Increase Cybersecurity Awareness in MENA, Dubai, 2021. [Accessed: 06- Dec- 2021].</a:t>
-            </a:r>
-          </a:p>
-          <a:p>
-            <a:r>
-              <a:rPr lang="en-US" sz="2000" dirty="0">
-                <a:latin typeface="Times New Roman" panose="02020603050405020304" pitchFamily="18" charset="0"/>
-                <a:cs typeface="Times New Roman" panose="02020603050405020304" pitchFamily="18" charset="0"/>
-              </a:rPr>
-              <a:t>[6]"Hacking Training For The Best", Hack The Box, 2021. [Online]. Available: https://www.hackthebox.com/. [Accessed: 06- Dec- 2021].</a:t>
+              <a:t>Providing a simple, yet efficient ways to report security attacks.</a:t>
             </a:r>
           </a:p>
         </p:txBody>
       </p:sp>
+      <p:pic>
+        <p:nvPicPr>
+          <p:cNvPr id="8196" name="Picture 4">
+            <a:extLst>
+              <a:ext uri="{FF2B5EF4-FFF2-40B4-BE49-F238E27FC236}">
+                <a16:creationId xmlns:a16="http://schemas.microsoft.com/office/drawing/2014/main" id="{BC9EF16D-A816-4F13-9B89-7F98CE8411BE}"/>
+              </a:ext>
+            </a:extLst>
+          </p:cNvPr>
+          <p:cNvPicPr>
+            <a:picLocks noChangeAspect="1" noChangeArrowheads="1"/>
+          </p:cNvPicPr>
+          <p:nvPr/>
+        </p:nvPicPr>
+        <p:blipFill>
+          <a:blip r:embed="rId2">
+            <a:extLst>
+              <a:ext uri="{28A0092B-C50C-407E-A947-70E740481C1C}">
+                <a14:useLocalDpi xmlns:a14="http://schemas.microsoft.com/office/drawing/2010/main" val="0"/>
+              </a:ext>
+            </a:extLst>
+          </a:blip>
+          <a:srcRect/>
+          <a:stretch>
+            <a:fillRect/>
+          </a:stretch>
+        </p:blipFill>
+        <p:spPr bwMode="auto">
+          <a:xfrm>
+            <a:off x="8440646" y="643957"/>
+            <a:ext cx="3062377" cy="1800343"/>
+          </a:xfrm>
+          <a:prstGeom prst="rect">
+            <a:avLst/>
+          </a:prstGeom>
+          <a:noFill/>
+          <a:extLst>
+            <a:ext uri="{909E8E84-426E-40DD-AFC4-6F175D3DCCD1}">
+              <a14:hiddenFill xmlns:a14="http://schemas.microsoft.com/office/drawing/2010/main">
+                <a:solidFill>
+                  <a:srgbClr val="FFFFFF"/>
+                </a:solidFill>
+              </a14:hiddenFill>
+            </a:ext>
+          </a:extLst>
+        </p:spPr>
+      </p:pic>
       <p:sp>
         <p:nvSpPr>
           <p:cNvPr id="2" name="Slide Number Placeholder 1">
             <a:extLst>
               <a:ext uri="{FF2B5EF4-FFF2-40B4-BE49-F238E27FC236}">
-                <a16:creationId xmlns:a16="http://schemas.microsoft.com/office/drawing/2014/main" id="{5C26B243-A9BC-47C7-AD94-14CAC59D52FC}"/>
+                <a16:creationId xmlns:a16="http://schemas.microsoft.com/office/drawing/2014/main" id="{EF69167D-CB89-4C05-A6AA-05C9B76A2AFB}"/>
               </a:ext>
             </a:extLst>
           </p:cNvPr>
@@ -13163,7 +13287,7 @@
     </p:spTree>
     <p:extLst>
       <p:ext uri="{BB962C8B-B14F-4D97-AF65-F5344CB8AC3E}">
-        <p14:creationId xmlns:p14="http://schemas.microsoft.com/office/powerpoint/2010/main" val="1778830078"/>
+        <p14:creationId xmlns:p14="http://schemas.microsoft.com/office/powerpoint/2010/main" val="656040859"/>
       </p:ext>
     </p:extLst>
   </p:cSld>
@@ -13222,7 +13346,7 @@
                 <a:latin typeface="Times New Roman" panose="02020603050405020304" pitchFamily="18" charset="0"/>
                 <a:cs typeface="Times New Roman" panose="02020603050405020304" pitchFamily="18" charset="0"/>
               </a:rPr>
-              <a:t>Reference</a:t>
+              <a:t>Solutions</a:t>
             </a:r>
           </a:p>
         </p:txBody>
@@ -13245,68 +13369,94 @@
         </p:nvSpPr>
         <p:spPr>
           <a:xfrm>
-            <a:off x="1484310" y="1544129"/>
-            <a:ext cx="10018713" cy="5072331"/>
+            <a:off x="1484310" y="1639019"/>
+            <a:ext cx="10018713" cy="4347713"/>
           </a:xfrm>
         </p:spPr>
         <p:txBody>
           <a:bodyPr>
-            <a:noAutofit/>
+            <a:normAutofit/>
           </a:bodyPr>
           <a:lstStyle/>
           <a:p>
             <a:r>
-              <a:rPr lang="en-US" sz="2000" dirty="0">
+              <a:rPr lang="en-US" sz="2600" dirty="0">
                 <a:latin typeface="Times New Roman" panose="02020603050405020304" pitchFamily="18" charset="0"/>
                 <a:cs typeface="Times New Roman" panose="02020603050405020304" pitchFamily="18" charset="0"/>
               </a:rPr>
-              <a:t>[7]"OWASP Foundation | Open Source Foundation for Application Security", Owasp.org, 2021. [Online]. Available: https://owasp.org/. [Accessed: 06- Dec- 2021].</a:t>
+              <a:t>Implement reward system &amp; achievements.</a:t>
             </a:r>
           </a:p>
           <a:p>
             <a:r>
-              <a:rPr lang="en-US" sz="2000" dirty="0">
+              <a:rPr lang="en-US" sz="2600" dirty="0">
                 <a:latin typeface="Times New Roman" panose="02020603050405020304" pitchFamily="18" charset="0"/>
                 <a:cs typeface="Times New Roman" panose="02020603050405020304" pitchFamily="18" charset="0"/>
               </a:rPr>
-              <a:t>[8]M. Robb, "Common Sense Media," Common Sense Media, 29 October 2019. [Online]. Available: https://www.commonsensemedia.org/blog/tweens-teens-and-phones-what-our-2019-research-reveals#:~:text=A%20majority%20(53%25)%20of,2019%20from%2011%25%20in%202015.. [Accessed 08 November 2021].</a:t>
+              <a:t>Create Leaderboard for Motivation.</a:t>
             </a:r>
-          </a:p>
-          <a:p>
-            <a:r>
-              <a:rPr lang="en-US" sz="2000" dirty="0">
-                <a:latin typeface="Times New Roman" panose="02020603050405020304" pitchFamily="18" charset="0"/>
-                <a:cs typeface="Times New Roman" panose="02020603050405020304" pitchFamily="18" charset="0"/>
-              </a:rPr>
-              <a:t>[9]Kaspersky, "Kaspersky," Kaspersky, [Online]. Available: https://usa.kaspersky.com/resource-center/threats/top-seven-dangers-children-face-online. [Accessed 08 November 2021].</a:t>
-            </a:r>
-          </a:p>
-          <a:p>
-            <a:r>
-              <a:rPr lang="en-US" sz="2000" dirty="0">
-                <a:latin typeface="Times New Roman" panose="02020603050405020304" pitchFamily="18" charset="0"/>
-                <a:cs typeface="Times New Roman" panose="02020603050405020304" pitchFamily="18" charset="0"/>
-              </a:rPr>
-              <a:t>[10]DQ Institute, "DQ Institute," DQ Institute, [Online]. Available: https://www.dqinstitute.org/child-online-safety-index/. [Accessed 08 November 2021].</a:t>
-            </a:r>
-          </a:p>
-          <a:p>
-            <a:r>
-              <a:rPr lang="en-US" sz="2000" dirty="0">
-                <a:latin typeface="Times New Roman" panose="02020603050405020304" pitchFamily="18" charset="0"/>
-                <a:cs typeface="Times New Roman" panose="02020603050405020304" pitchFamily="18" charset="0"/>
-              </a:rPr>
-              <a:t>[11]C. Li, "Weforum," World Economic Forum, 29 April 2020. [Online]. Available: https://www.weforum.org/agenda/2020/04/coronavirus-education-global-covid19-online-digital-learning/. [Accessed 08 November 2021].</a:t>
-            </a:r>
+            <a:endParaRPr lang="en-US" sz="2600" dirty="0">
+              <a:effectLst/>
+              <a:latin typeface="Times New Roman" panose="02020603050405020304" pitchFamily="18" charset="0"/>
+              <a:ea typeface="Times New Roman" panose="02020603050405020304" pitchFamily="18" charset="0"/>
+              <a:cs typeface="Times New Roman" panose="02020603050405020304" pitchFamily="18" charset="0"/>
+            </a:endParaRPr>
           </a:p>
         </p:txBody>
       </p:sp>
+      <p:pic>
+        <p:nvPicPr>
+          <p:cNvPr id="8196" name="Picture 4">
+            <a:extLst>
+              <a:ext uri="{FF2B5EF4-FFF2-40B4-BE49-F238E27FC236}">
+                <a16:creationId xmlns:a16="http://schemas.microsoft.com/office/drawing/2014/main" id="{BC9EF16D-A816-4F13-9B89-7F98CE8411BE}"/>
+              </a:ext>
+            </a:extLst>
+          </p:cNvPr>
+          <p:cNvPicPr>
+            <a:picLocks noChangeAspect="1" noChangeArrowheads="1"/>
+          </p:cNvPicPr>
+          <p:nvPr/>
+        </p:nvPicPr>
+        <p:blipFill>
+          <a:blip r:embed="rId2">
+            <a:extLst>
+              <a:ext uri="{28A0092B-C50C-407E-A947-70E740481C1C}">
+                <a14:useLocalDpi xmlns:a14="http://schemas.microsoft.com/office/drawing/2010/main" val="0"/>
+              </a:ext>
+            </a:extLst>
+          </a:blip>
+          <a:srcRect/>
+          <a:stretch>
+            <a:fillRect/>
+          </a:stretch>
+        </p:blipFill>
+        <p:spPr bwMode="auto">
+          <a:xfrm>
+            <a:off x="8440646" y="643957"/>
+            <a:ext cx="3062377" cy="1800343"/>
+          </a:xfrm>
+          <a:prstGeom prst="rect">
+            <a:avLst/>
+          </a:prstGeom>
+          <a:noFill/>
+          <a:extLst>
+            <a:ext uri="{909E8E84-426E-40DD-AFC4-6F175D3DCCD1}">
+              <a14:hiddenFill xmlns:a14="http://schemas.microsoft.com/office/drawing/2010/main">
+                <a:solidFill>
+                  <a:srgbClr val="FFFFFF"/>
+                </a:solidFill>
+              </a14:hiddenFill>
+            </a:ext>
+          </a:extLst>
+        </p:spPr>
+      </p:pic>
       <p:sp>
         <p:nvSpPr>
           <p:cNvPr id="2" name="Slide Number Placeholder 1">
             <a:extLst>
               <a:ext uri="{FF2B5EF4-FFF2-40B4-BE49-F238E27FC236}">
-                <a16:creationId xmlns:a16="http://schemas.microsoft.com/office/drawing/2014/main" id="{5C26B243-A9BC-47C7-AD94-14CAC59D52FC}"/>
+                <a16:creationId xmlns:a16="http://schemas.microsoft.com/office/drawing/2014/main" id="{EF69167D-CB89-4C05-A6AA-05C9B76A2AFB}"/>
               </a:ext>
             </a:extLst>
           </p:cNvPr>
@@ -13333,7 +13483,7 @@
     </p:spTree>
     <p:extLst>
       <p:ext uri="{BB962C8B-B14F-4D97-AF65-F5344CB8AC3E}">
-        <p14:creationId xmlns:p14="http://schemas.microsoft.com/office/powerpoint/2010/main" val="2771367757"/>
+        <p14:creationId xmlns:p14="http://schemas.microsoft.com/office/powerpoint/2010/main" val="3844539797"/>
       </p:ext>
     </p:extLst>
   </p:cSld>
@@ -13344,6 +13494,130 @@
 </file>
 
 <file path=ppt/slides/slide12.xml><?xml version="1.0" encoding="utf-8"?>
+<p:sld xmlns:a="http://schemas.openxmlformats.org/drawingml/2006/main" xmlns:r="http://schemas.openxmlformats.org/officeDocument/2006/relationships" xmlns:p="http://schemas.openxmlformats.org/presentationml/2006/main">
+  <p:cSld>
+    <p:spTree>
+      <p:nvGrpSpPr>
+        <p:cNvPr id="1" name=""/>
+        <p:cNvGrpSpPr/>
+        <p:nvPr/>
+      </p:nvGrpSpPr>
+      <p:grpSpPr>
+        <a:xfrm>
+          <a:off x="0" y="0"/>
+          <a:ext cx="0" cy="0"/>
+          <a:chOff x="0" y="0"/>
+          <a:chExt cx="0" cy="0"/>
+        </a:xfrm>
+      </p:grpSpPr>
+      <p:sp>
+        <p:nvSpPr>
+          <p:cNvPr id="2" name="Title 1">
+            <a:extLst>
+              <a:ext uri="{FF2B5EF4-FFF2-40B4-BE49-F238E27FC236}">
+                <a16:creationId xmlns:a16="http://schemas.microsoft.com/office/drawing/2014/main" id="{CAD74210-2616-41FB-95DB-44B5383AF4BC}"/>
+              </a:ext>
+            </a:extLst>
+          </p:cNvPr>
+          <p:cNvSpPr>
+            <a:spLocks noGrp="1"/>
+          </p:cNvSpPr>
+          <p:nvPr>
+            <p:ph type="title"/>
+          </p:nvPr>
+        </p:nvSpPr>
+        <p:spPr>
+          <a:xfrm>
+            <a:off x="1484311" y="685801"/>
+            <a:ext cx="10018713" cy="874552"/>
+          </a:xfrm>
+        </p:spPr>
+        <p:txBody>
+          <a:bodyPr/>
+          <a:lstStyle/>
+          <a:p>
+            <a:pPr algn="l"/>
+            <a:r>
+              <a:rPr lang="en-US" dirty="0"/>
+              <a:t>Time Plan</a:t>
+            </a:r>
+          </a:p>
+        </p:txBody>
+      </p:sp>
+      <p:sp>
+        <p:nvSpPr>
+          <p:cNvPr id="4" name="Slide Number Placeholder 3">
+            <a:extLst>
+              <a:ext uri="{FF2B5EF4-FFF2-40B4-BE49-F238E27FC236}">
+                <a16:creationId xmlns:a16="http://schemas.microsoft.com/office/drawing/2014/main" id="{5A8C45F3-018E-4A22-BBF5-8D3566B89132}"/>
+              </a:ext>
+            </a:extLst>
+          </p:cNvPr>
+          <p:cNvSpPr>
+            <a:spLocks noGrp="1"/>
+          </p:cNvSpPr>
+          <p:nvPr>
+            <p:ph type="sldNum" sz="quarter" idx="12"/>
+          </p:nvPr>
+        </p:nvSpPr>
+        <p:spPr/>
+        <p:txBody>
+          <a:bodyPr/>
+          <a:lstStyle/>
+          <a:p>
+            <a:fld id="{AB265669-9768-4162-B261-757C55BCE5B3}" type="slidenum">
+              <a:rPr lang="en-US" smtClean="0"/>
+              <a:t>12</a:t>
+            </a:fld>
+            <a:endParaRPr lang="en-US" dirty="0"/>
+          </a:p>
+        </p:txBody>
+      </p:sp>
+      <p:graphicFrame>
+        <p:nvGraphicFramePr>
+          <p:cNvPr id="6" name="Content Placeholder 5">
+            <a:extLst>
+              <a:ext uri="{FF2B5EF4-FFF2-40B4-BE49-F238E27FC236}">
+                <a16:creationId xmlns:a16="http://schemas.microsoft.com/office/drawing/2014/main" id="{055A0A5E-0AE0-49DE-9462-004ADE7F0C0B}"/>
+              </a:ext>
+            </a:extLst>
+          </p:cNvPr>
+          <p:cNvGraphicFramePr>
+            <a:graphicFrameLocks noGrp="1"/>
+          </p:cNvGraphicFramePr>
+          <p:nvPr>
+            <p:ph idx="1"/>
+            <p:extLst>
+              <p:ext uri="{D42A27DB-BD31-4B8C-83A1-F6EECF244321}">
+                <p14:modId xmlns:p14="http://schemas.microsoft.com/office/powerpoint/2010/main" val="3833057634"/>
+              </p:ext>
+            </p:extLst>
+          </p:nvPr>
+        </p:nvGraphicFramePr>
+        <p:xfrm>
+          <a:off x="1484313" y="1560353"/>
+          <a:ext cx="10018712" cy="4306778"/>
+        </p:xfrm>
+        <a:graphic>
+          <a:graphicData uri="http://schemas.openxmlformats.org/drawingml/2006/chart">
+            <c:chart xmlns:c="http://schemas.openxmlformats.org/drawingml/2006/chart" xmlns:r="http://schemas.openxmlformats.org/officeDocument/2006/relationships" r:id="rId2"/>
+          </a:graphicData>
+        </a:graphic>
+      </p:graphicFrame>
+    </p:spTree>
+    <p:extLst>
+      <p:ext uri="{BB962C8B-B14F-4D97-AF65-F5344CB8AC3E}">
+        <p14:creationId xmlns:p14="http://schemas.microsoft.com/office/powerpoint/2010/main" val="2619497775"/>
+      </p:ext>
+    </p:extLst>
+  </p:cSld>
+  <p:clrMapOvr>
+    <a:masterClrMapping/>
+  </p:clrMapOvr>
+</p:sld>
+</file>
+
+<file path=ppt/slides/slide13.xml><?xml version="1.0" encoding="utf-8"?>
 <p:sld xmlns:a="http://schemas.openxmlformats.org/drawingml/2006/main" xmlns:r="http://schemas.openxmlformats.org/officeDocument/2006/relationships" xmlns:p="http://schemas.openxmlformats.org/presentationml/2006/main">
   <p:cSld>
     <p:spTree>
@@ -13430,7 +13704,7 @@
                 <a:latin typeface="Times New Roman" panose="02020603050405020304" pitchFamily="18" charset="0"/>
                 <a:cs typeface="Times New Roman" panose="02020603050405020304" pitchFamily="18" charset="0"/>
               </a:rPr>
-              <a:t>[12]J. Johnson, "Statista," 06 May 2021. [Online]. Available: https://www.statista.com/statistics/1189204/us-teens-children-screen-time-daily-coronavirus-before-during/. [Accessed 08 November 2021].</a:t>
+              <a:t>[1]"Screen time 'may harm toddlers'", BBC News, 2019. [Online]. Available: https://www.bbc.com/news/health-47026834. [Accessed: 06- Dec- 2021].</a:t>
             </a:r>
           </a:p>
           <a:p>
@@ -13439,17 +13713,35 @@
                 <a:latin typeface="Times New Roman" panose="02020603050405020304" pitchFamily="18" charset="0"/>
                 <a:cs typeface="Times New Roman" panose="02020603050405020304" pitchFamily="18" charset="0"/>
               </a:rPr>
-              <a:t>[13]Unicef, "Unicef," Unicef, 04 February 2021. [Online]. Available: https://www.unicef.org/coronavirus/keep-your-child-safe-online-at-home-covid-19. [Accessed 10 November 2021].</a:t>
+              <a:t>[2]"Cybersecurity in Education: What Teachers, Parents and Students Should Know | Berkeley Boot Camps", Berkeley Boot Camps, 2021. [Online]. Available: https://bootcamp.berkeley.edu/blog/cybersecurity-in-education-what-teachers-parents-and-students-should-know/. [Accessed: 06- Dec- 2021].</a:t>
             </a:r>
           </a:p>
           <a:p>
+            <a:r>
+              <a:rPr lang="fr-FR" sz="2000" dirty="0">
+                <a:latin typeface="Times New Roman" panose="02020603050405020304" pitchFamily="18" charset="0"/>
+                <a:cs typeface="Times New Roman" panose="02020603050405020304" pitchFamily="18" charset="0"/>
+              </a:rPr>
+              <a:t>[3]"Cybertalentskids » CyberTalents", CybertalentKids, 2021. [Online]. Available: https://cybertalentskids.com/. [Accessed: </a:t>
+            </a:r>
             <a:r>
               <a:rPr lang="en-US" sz="2000" dirty="0">
                 <a:latin typeface="Times New Roman" panose="02020603050405020304" pitchFamily="18" charset="0"/>
                 <a:cs typeface="Times New Roman" panose="02020603050405020304" pitchFamily="18" charset="0"/>
               </a:rPr>
-              <a:t>[14]H. M. Jawad and S. Tout, "IEEE Xplore," in Introducing a Mobile App to Increase Cybersecurity Awareness in MENA, Dubai, 2021. </a:t>
+              <a:t>06</a:t>
             </a:r>
+            <a:r>
+              <a:rPr lang="fr-FR" sz="2000" dirty="0">
+                <a:latin typeface="Times New Roman" panose="02020603050405020304" pitchFamily="18" charset="0"/>
+                <a:cs typeface="Times New Roman" panose="02020603050405020304" pitchFamily="18" charset="0"/>
+              </a:rPr>
+              <a:t>- Dec- 2021].</a:t>
+            </a:r>
+            <a:endParaRPr lang="en-US" sz="2000" dirty="0">
+              <a:latin typeface="Times New Roman" panose="02020603050405020304" pitchFamily="18" charset="0"/>
+              <a:cs typeface="Times New Roman" panose="02020603050405020304" pitchFamily="18" charset="0"/>
+            </a:endParaRPr>
           </a:p>
           <a:p>
             <a:r>
@@ -13457,7 +13749,7 @@
                 <a:latin typeface="Times New Roman" panose="02020603050405020304" pitchFamily="18" charset="0"/>
                 <a:cs typeface="Times New Roman" panose="02020603050405020304" pitchFamily="18" charset="0"/>
               </a:rPr>
-              <a:t>[15]I. M.Venter, R. J.Blignaut, K. Renaud and M. A. Venter, "Cyber security education is as essential as “the three R's”," Heliyon, vol. 5, no. 12, 2019. </a:t>
+              <a:t>[4]2021. [Online]. Available: https://www.esafety.gov.au/educators/classroom-resources/cybersmart-challenge. [Accessed: 06- Dec- 2021].</a:t>
             </a:r>
           </a:p>
           <a:p>
@@ -13466,7 +13758,16 @@
                 <a:latin typeface="Times New Roman" panose="02020603050405020304" pitchFamily="18" charset="0"/>
                 <a:cs typeface="Times New Roman" panose="02020603050405020304" pitchFamily="18" charset="0"/>
               </a:rPr>
-              <a:t>[16]F. Quayyum, D. S.Cruzes and L. Jaccheri, "Cybersecurity awareness for children: A systematic literature review," International Journal of Child-Computer Interaction, vol. 30, 2021.</a:t>
+              <a:t>[5]H. M. Jawad and S. Tout, "IEEE Xplore," in Introducing a Mobile App to Increase Cybersecurity Awareness in MENA, Dubai, 2021. [Accessed: 06- Dec- 2021].</a:t>
+            </a:r>
+          </a:p>
+          <a:p>
+            <a:r>
+              <a:rPr lang="en-US" sz="2000" dirty="0">
+                <a:latin typeface="Times New Roman" panose="02020603050405020304" pitchFamily="18" charset="0"/>
+                <a:cs typeface="Times New Roman" panose="02020603050405020304" pitchFamily="18" charset="0"/>
+              </a:rPr>
+              <a:t>[6]"Hacking Training For The Best", Hack The Box, 2021. [Online]. Available: https://www.hackthebox.com/. [Accessed: 06- Dec- 2021].</a:t>
             </a:r>
           </a:p>
         </p:txBody>
@@ -13494,7 +13795,347 @@
           <a:p>
             <a:fld id="{AB265669-9768-4162-B261-757C55BCE5B3}" type="slidenum">
               <a:rPr lang="en-US" smtClean="0"/>
-              <a:t>12</a:t>
+              <a:t>13</a:t>
+            </a:fld>
+            <a:endParaRPr lang="en-US" dirty="0"/>
+          </a:p>
+        </p:txBody>
+      </p:sp>
+    </p:spTree>
+    <p:extLst>
+      <p:ext uri="{BB962C8B-B14F-4D97-AF65-F5344CB8AC3E}">
+        <p14:creationId xmlns:p14="http://schemas.microsoft.com/office/powerpoint/2010/main" val="1778830078"/>
+      </p:ext>
+    </p:extLst>
+  </p:cSld>
+  <p:clrMapOvr>
+    <a:masterClrMapping/>
+  </p:clrMapOvr>
+</p:sld>
+</file>
+
+<file path=ppt/slides/slide14.xml><?xml version="1.0" encoding="utf-8"?>
+<p:sld xmlns:a="http://schemas.openxmlformats.org/drawingml/2006/main" xmlns:r="http://schemas.openxmlformats.org/officeDocument/2006/relationships" xmlns:p="http://schemas.openxmlformats.org/presentationml/2006/main">
+  <p:cSld>
+    <p:spTree>
+      <p:nvGrpSpPr>
+        <p:cNvPr id="1" name=""/>
+        <p:cNvGrpSpPr/>
+        <p:nvPr/>
+      </p:nvGrpSpPr>
+      <p:grpSpPr>
+        <a:xfrm>
+          <a:off x="0" y="0"/>
+          <a:ext cx="0" cy="0"/>
+          <a:chOff x="0" y="0"/>
+          <a:chExt cx="0" cy="0"/>
+        </a:xfrm>
+      </p:grpSpPr>
+      <p:sp>
+        <p:nvSpPr>
+          <p:cNvPr id="4" name="Title 3">
+            <a:extLst>
+              <a:ext uri="{FF2B5EF4-FFF2-40B4-BE49-F238E27FC236}">
+                <a16:creationId xmlns:a16="http://schemas.microsoft.com/office/drawing/2014/main" id="{D8711200-5F3E-46DD-8D4E-6F6911FD6A0D}"/>
+              </a:ext>
+            </a:extLst>
+          </p:cNvPr>
+          <p:cNvSpPr>
+            <a:spLocks noGrp="1"/>
+          </p:cNvSpPr>
+          <p:nvPr>
+            <p:ph type="title"/>
+          </p:nvPr>
+        </p:nvSpPr>
+        <p:spPr>
+          <a:xfrm>
+            <a:off x="1484311" y="685801"/>
+            <a:ext cx="10018713" cy="858328"/>
+          </a:xfrm>
+        </p:spPr>
+        <p:txBody>
+          <a:bodyPr/>
+          <a:lstStyle/>
+          <a:p>
+            <a:pPr algn="l"/>
+            <a:r>
+              <a:rPr lang="en-US" b="1" dirty="0">
+                <a:latin typeface="Times New Roman" panose="02020603050405020304" pitchFamily="18" charset="0"/>
+                <a:cs typeface="Times New Roman" panose="02020603050405020304" pitchFamily="18" charset="0"/>
+              </a:rPr>
+              <a:t>Reference</a:t>
+            </a:r>
+          </a:p>
+        </p:txBody>
+      </p:sp>
+      <p:sp>
+        <p:nvSpPr>
+          <p:cNvPr id="5" name="Content Placeholder 4">
+            <a:extLst>
+              <a:ext uri="{FF2B5EF4-FFF2-40B4-BE49-F238E27FC236}">
+                <a16:creationId xmlns:a16="http://schemas.microsoft.com/office/drawing/2014/main" id="{F2D0C8FE-5D0A-4EF5-B953-9434B0E10AE4}"/>
+              </a:ext>
+            </a:extLst>
+          </p:cNvPr>
+          <p:cNvSpPr>
+            <a:spLocks noGrp="1"/>
+          </p:cNvSpPr>
+          <p:nvPr>
+            <p:ph idx="1"/>
+          </p:nvPr>
+        </p:nvSpPr>
+        <p:spPr>
+          <a:xfrm>
+            <a:off x="1484310" y="1544129"/>
+            <a:ext cx="10018713" cy="5072331"/>
+          </a:xfrm>
+        </p:spPr>
+        <p:txBody>
+          <a:bodyPr>
+            <a:noAutofit/>
+          </a:bodyPr>
+          <a:lstStyle/>
+          <a:p>
+            <a:r>
+              <a:rPr lang="en-US" sz="2000" dirty="0">
+                <a:latin typeface="Times New Roman" panose="02020603050405020304" pitchFamily="18" charset="0"/>
+                <a:cs typeface="Times New Roman" panose="02020603050405020304" pitchFamily="18" charset="0"/>
+              </a:rPr>
+              <a:t>[7]"OWASP Foundation | Open Source Foundation for Application Security", Owasp.org, 2021. [Online]. Available: https://owasp.org/. [Accessed: 06- Dec- 2021].</a:t>
+            </a:r>
+          </a:p>
+          <a:p>
+            <a:r>
+              <a:rPr lang="en-US" sz="2000" dirty="0">
+                <a:latin typeface="Times New Roman" panose="02020603050405020304" pitchFamily="18" charset="0"/>
+                <a:cs typeface="Times New Roman" panose="02020603050405020304" pitchFamily="18" charset="0"/>
+              </a:rPr>
+              <a:t>[8]M. Robb, "Common Sense Media," Common Sense Media, 29 October 2019. [Online]. Available: https://www.commonsensemedia.org/blog/tweens-teens-and-phones-what-our-2019-research-reveals#:~:text=A%20majority%20(53%25)%20of,2019%20from%2011%25%20in%202015.. [Accessed 08 November 2021].</a:t>
+            </a:r>
+          </a:p>
+          <a:p>
+            <a:r>
+              <a:rPr lang="en-US" sz="2000" dirty="0">
+                <a:latin typeface="Times New Roman" panose="02020603050405020304" pitchFamily="18" charset="0"/>
+                <a:cs typeface="Times New Roman" panose="02020603050405020304" pitchFamily="18" charset="0"/>
+              </a:rPr>
+              <a:t>[9]Kaspersky, "Kaspersky," Kaspersky, [Online]. Available: https://usa.kaspersky.com/resource-center/threats/top-seven-dangers-children-face-online. [Accessed 08 November 2021].</a:t>
+            </a:r>
+          </a:p>
+          <a:p>
+            <a:r>
+              <a:rPr lang="en-US" sz="2000" dirty="0">
+                <a:latin typeface="Times New Roman" panose="02020603050405020304" pitchFamily="18" charset="0"/>
+                <a:cs typeface="Times New Roman" panose="02020603050405020304" pitchFamily="18" charset="0"/>
+              </a:rPr>
+              <a:t>[10]DQ Institute, "DQ Institute," DQ Institute, [Online]. Available: https://www.dqinstitute.org/child-online-safety-index/. [Accessed 08 November 2021].</a:t>
+            </a:r>
+          </a:p>
+          <a:p>
+            <a:r>
+              <a:rPr lang="en-US" sz="2000" dirty="0">
+                <a:latin typeface="Times New Roman" panose="02020603050405020304" pitchFamily="18" charset="0"/>
+                <a:cs typeface="Times New Roman" panose="02020603050405020304" pitchFamily="18" charset="0"/>
+              </a:rPr>
+              <a:t>[11]C. Li, "Weforum," World Economic Forum, 29 April 2020. [Online]. Available: https://www.weforum.org/agenda/2020/04/coronavirus-education-global-covid19-online-digital-learning/. [Accessed 08 November 2021].</a:t>
+            </a:r>
+          </a:p>
+        </p:txBody>
+      </p:sp>
+      <p:sp>
+        <p:nvSpPr>
+          <p:cNvPr id="2" name="Slide Number Placeholder 1">
+            <a:extLst>
+              <a:ext uri="{FF2B5EF4-FFF2-40B4-BE49-F238E27FC236}">
+                <a16:creationId xmlns:a16="http://schemas.microsoft.com/office/drawing/2014/main" id="{5C26B243-A9BC-47C7-AD94-14CAC59D52FC}"/>
+              </a:ext>
+            </a:extLst>
+          </p:cNvPr>
+          <p:cNvSpPr>
+            <a:spLocks noGrp="1"/>
+          </p:cNvSpPr>
+          <p:nvPr>
+            <p:ph type="sldNum" sz="quarter" idx="12"/>
+          </p:nvPr>
+        </p:nvSpPr>
+        <p:spPr/>
+        <p:txBody>
+          <a:bodyPr/>
+          <a:lstStyle/>
+          <a:p>
+            <a:fld id="{AB265669-9768-4162-B261-757C55BCE5B3}" type="slidenum">
+              <a:rPr lang="en-US" smtClean="0"/>
+              <a:t>14</a:t>
+            </a:fld>
+            <a:endParaRPr lang="en-US" dirty="0"/>
+          </a:p>
+        </p:txBody>
+      </p:sp>
+    </p:spTree>
+    <p:extLst>
+      <p:ext uri="{BB962C8B-B14F-4D97-AF65-F5344CB8AC3E}">
+        <p14:creationId xmlns:p14="http://schemas.microsoft.com/office/powerpoint/2010/main" val="2771367757"/>
+      </p:ext>
+    </p:extLst>
+  </p:cSld>
+  <p:clrMapOvr>
+    <a:masterClrMapping/>
+  </p:clrMapOvr>
+</p:sld>
+</file>
+
+<file path=ppt/slides/slide15.xml><?xml version="1.0" encoding="utf-8"?>
+<p:sld xmlns:a="http://schemas.openxmlformats.org/drawingml/2006/main" xmlns:r="http://schemas.openxmlformats.org/officeDocument/2006/relationships" xmlns:p="http://schemas.openxmlformats.org/presentationml/2006/main">
+  <p:cSld>
+    <p:spTree>
+      <p:nvGrpSpPr>
+        <p:cNvPr id="1" name=""/>
+        <p:cNvGrpSpPr/>
+        <p:nvPr/>
+      </p:nvGrpSpPr>
+      <p:grpSpPr>
+        <a:xfrm>
+          <a:off x="0" y="0"/>
+          <a:ext cx="0" cy="0"/>
+          <a:chOff x="0" y="0"/>
+          <a:chExt cx="0" cy="0"/>
+        </a:xfrm>
+      </p:grpSpPr>
+      <p:sp>
+        <p:nvSpPr>
+          <p:cNvPr id="4" name="Title 3">
+            <a:extLst>
+              <a:ext uri="{FF2B5EF4-FFF2-40B4-BE49-F238E27FC236}">
+                <a16:creationId xmlns:a16="http://schemas.microsoft.com/office/drawing/2014/main" id="{D8711200-5F3E-46DD-8D4E-6F6911FD6A0D}"/>
+              </a:ext>
+            </a:extLst>
+          </p:cNvPr>
+          <p:cNvSpPr>
+            <a:spLocks noGrp="1"/>
+          </p:cNvSpPr>
+          <p:nvPr>
+            <p:ph type="title"/>
+          </p:nvPr>
+        </p:nvSpPr>
+        <p:spPr>
+          <a:xfrm>
+            <a:off x="1484311" y="685801"/>
+            <a:ext cx="10018713" cy="858328"/>
+          </a:xfrm>
+        </p:spPr>
+        <p:txBody>
+          <a:bodyPr/>
+          <a:lstStyle/>
+          <a:p>
+            <a:pPr algn="l"/>
+            <a:r>
+              <a:rPr lang="en-US" b="1" dirty="0">
+                <a:latin typeface="Times New Roman" panose="02020603050405020304" pitchFamily="18" charset="0"/>
+                <a:cs typeface="Times New Roman" panose="02020603050405020304" pitchFamily="18" charset="0"/>
+              </a:rPr>
+              <a:t>Reference</a:t>
+            </a:r>
+          </a:p>
+        </p:txBody>
+      </p:sp>
+      <p:sp>
+        <p:nvSpPr>
+          <p:cNvPr id="5" name="Content Placeholder 4">
+            <a:extLst>
+              <a:ext uri="{FF2B5EF4-FFF2-40B4-BE49-F238E27FC236}">
+                <a16:creationId xmlns:a16="http://schemas.microsoft.com/office/drawing/2014/main" id="{F2D0C8FE-5D0A-4EF5-B953-9434B0E10AE4}"/>
+              </a:ext>
+            </a:extLst>
+          </p:cNvPr>
+          <p:cNvSpPr>
+            <a:spLocks noGrp="1"/>
+          </p:cNvSpPr>
+          <p:nvPr>
+            <p:ph idx="1"/>
+          </p:nvPr>
+        </p:nvSpPr>
+        <p:spPr>
+          <a:xfrm>
+            <a:off x="1484310" y="1544129"/>
+            <a:ext cx="10018713" cy="5072331"/>
+          </a:xfrm>
+        </p:spPr>
+        <p:txBody>
+          <a:bodyPr>
+            <a:noAutofit/>
+          </a:bodyPr>
+          <a:lstStyle/>
+          <a:p>
+            <a:r>
+              <a:rPr lang="en-US" sz="2000" dirty="0">
+                <a:latin typeface="Times New Roman" panose="02020603050405020304" pitchFamily="18" charset="0"/>
+                <a:cs typeface="Times New Roman" panose="02020603050405020304" pitchFamily="18" charset="0"/>
+              </a:rPr>
+              <a:t>[12]J. Johnson, "Statista," 06 May 2021. [Online]. Available: https://www.statista.com/statistics/1189204/us-teens-children-screen-time-daily-coronavirus-before-during/. [Accessed 08 November 2021].</a:t>
+            </a:r>
+          </a:p>
+          <a:p>
+            <a:r>
+              <a:rPr lang="en-US" sz="2000" dirty="0">
+                <a:latin typeface="Times New Roman" panose="02020603050405020304" pitchFamily="18" charset="0"/>
+                <a:cs typeface="Times New Roman" panose="02020603050405020304" pitchFamily="18" charset="0"/>
+              </a:rPr>
+              <a:t>[13]Unicef, "Unicef," Unicef, 04 February 2021. [Online]. Available: https://www.unicef.org/coronavirus/keep-your-child-safe-online-at-home-covid-19. [Accessed 10 November 2021].</a:t>
+            </a:r>
+          </a:p>
+          <a:p>
+            <a:r>
+              <a:rPr lang="en-US" sz="2000" dirty="0">
+                <a:latin typeface="Times New Roman" panose="02020603050405020304" pitchFamily="18" charset="0"/>
+                <a:cs typeface="Times New Roman" panose="02020603050405020304" pitchFamily="18" charset="0"/>
+              </a:rPr>
+              <a:t>[14]H. M. Jawad and S. Tout, "IEEE Xplore," in Introducing a Mobile App to Increase Cybersecurity Awareness in MENA, Dubai, 2021. </a:t>
+            </a:r>
+          </a:p>
+          <a:p>
+            <a:r>
+              <a:rPr lang="en-US" sz="2000" dirty="0">
+                <a:latin typeface="Times New Roman" panose="02020603050405020304" pitchFamily="18" charset="0"/>
+                <a:cs typeface="Times New Roman" panose="02020603050405020304" pitchFamily="18" charset="0"/>
+              </a:rPr>
+              <a:t>[15]I. M.Venter, R. J.Blignaut, K. Renaud and M. A. Venter, "Cyber security education is as essential as “the three R's”," Heliyon, vol. 5, no. 12, 2019. </a:t>
+            </a:r>
+          </a:p>
+          <a:p>
+            <a:r>
+              <a:rPr lang="en-US" sz="2000" dirty="0">
+                <a:latin typeface="Times New Roman" panose="02020603050405020304" pitchFamily="18" charset="0"/>
+                <a:cs typeface="Times New Roman" panose="02020603050405020304" pitchFamily="18" charset="0"/>
+              </a:rPr>
+              <a:t>[16]F. Quayyum, D. S.Cruzes and L. Jaccheri, "Cybersecurity awareness for children: A systematic literature review," International Journal of Child-Computer Interaction, vol. 30, 2021.</a:t>
+            </a:r>
+          </a:p>
+        </p:txBody>
+      </p:sp>
+      <p:sp>
+        <p:nvSpPr>
+          <p:cNvPr id="2" name="Slide Number Placeholder 1">
+            <a:extLst>
+              <a:ext uri="{FF2B5EF4-FFF2-40B4-BE49-F238E27FC236}">
+                <a16:creationId xmlns:a16="http://schemas.microsoft.com/office/drawing/2014/main" id="{5C26B243-A9BC-47C7-AD94-14CAC59D52FC}"/>
+              </a:ext>
+            </a:extLst>
+          </p:cNvPr>
+          <p:cNvSpPr>
+            <a:spLocks noGrp="1"/>
+          </p:cNvSpPr>
+          <p:nvPr>
+            <p:ph type="sldNum" sz="quarter" idx="12"/>
+          </p:nvPr>
+        </p:nvSpPr>
+        <p:spPr/>
+        <p:txBody>
+          <a:bodyPr/>
+          <a:lstStyle/>
+          <a:p>
+            <a:fld id="{AB265669-9768-4162-B261-757C55BCE5B3}" type="slidenum">
+              <a:rPr lang="en-US" smtClean="0"/>
+              <a:t>15</a:t>
             </a:fld>
             <a:endParaRPr lang="en-US" dirty="0"/>
           </a:p>
@@ -13513,7 +14154,7 @@
 </p:sld>
 </file>
 
-<file path=ppt/slides/slide13.xml><?xml version="1.0" encoding="utf-8"?>
+<file path=ppt/slides/slide16.xml><?xml version="1.0" encoding="utf-8"?>
 <p:sld xmlns:a="http://schemas.openxmlformats.org/drawingml/2006/main" xmlns:r="http://schemas.openxmlformats.org/officeDocument/2006/relationships" xmlns:p="http://schemas.openxmlformats.org/presentationml/2006/main">
   <p:cSld>
     <p:spTree>
@@ -13558,7 +14199,7 @@
           <a:p>
             <a:r>
               <a:rPr lang="en-US" dirty="0"/>
-              <a:t>Thank You</a:t>
+              <a:t>Demo</a:t>
             </a:r>
           </a:p>
         </p:txBody>
@@ -13586,7 +14227,7 @@
           <a:p>
             <a:fld id="{AB265669-9768-4162-B261-757C55BCE5B3}" type="slidenum">
               <a:rPr lang="en-US" smtClean="0"/>
-              <a:t>13</a:t>
+              <a:t>16</a:t>
             </a:fld>
             <a:endParaRPr lang="en-US" dirty="0"/>
           </a:p>
@@ -13605,7 +14246,7 @@
 </p:sld>
 </file>
 
-<file path=ppt/slides/slide14.xml><?xml version="1.0" encoding="utf-8"?>
+<file path=ppt/slides/slide17.xml><?xml version="1.0" encoding="utf-8"?>
 <p:sld xmlns:a="http://schemas.openxmlformats.org/drawingml/2006/main" xmlns:r="http://schemas.openxmlformats.org/officeDocument/2006/relationships" xmlns:p="http://schemas.openxmlformats.org/presentationml/2006/main">
   <p:cSld>
     <p:spTree>
@@ -13650,7 +14291,7 @@
           <a:p>
             <a:r>
               <a:rPr lang="en-US" dirty="0"/>
-              <a:t>Questions ?</a:t>
+              <a:t>Thank You</a:t>
             </a:r>
           </a:p>
         </p:txBody>
@@ -13678,7 +14319,99 @@
           <a:p>
             <a:fld id="{AB265669-9768-4162-B261-757C55BCE5B3}" type="slidenum">
               <a:rPr lang="en-US" smtClean="0"/>
-              <a:t>14</a:t>
+              <a:t>17</a:t>
+            </a:fld>
+            <a:endParaRPr lang="en-US" dirty="0"/>
+          </a:p>
+        </p:txBody>
+      </p:sp>
+    </p:spTree>
+    <p:extLst>
+      <p:ext uri="{BB962C8B-B14F-4D97-AF65-F5344CB8AC3E}">
+        <p14:creationId xmlns:p14="http://schemas.microsoft.com/office/powerpoint/2010/main" val="2196280238"/>
+      </p:ext>
+    </p:extLst>
+  </p:cSld>
+  <p:clrMapOvr>
+    <a:masterClrMapping/>
+  </p:clrMapOvr>
+</p:sld>
+</file>
+
+<file path=ppt/slides/slide18.xml><?xml version="1.0" encoding="utf-8"?>
+<p:sld xmlns:a="http://schemas.openxmlformats.org/drawingml/2006/main" xmlns:r="http://schemas.openxmlformats.org/officeDocument/2006/relationships" xmlns:p="http://schemas.openxmlformats.org/presentationml/2006/main">
+  <p:cSld>
+    <p:spTree>
+      <p:nvGrpSpPr>
+        <p:cNvPr id="1" name=""/>
+        <p:cNvGrpSpPr/>
+        <p:nvPr/>
+      </p:nvGrpSpPr>
+      <p:grpSpPr>
+        <a:xfrm>
+          <a:off x="0" y="0"/>
+          <a:ext cx="0" cy="0"/>
+          <a:chOff x="0" y="0"/>
+          <a:chExt cx="0" cy="0"/>
+        </a:xfrm>
+      </p:grpSpPr>
+      <p:sp>
+        <p:nvSpPr>
+          <p:cNvPr id="2" name="Title 1">
+            <a:extLst>
+              <a:ext uri="{FF2B5EF4-FFF2-40B4-BE49-F238E27FC236}">
+                <a16:creationId xmlns:a16="http://schemas.microsoft.com/office/drawing/2014/main" id="{9D136932-558C-4230-A3FA-3845F1BFF361}"/>
+              </a:ext>
+            </a:extLst>
+          </p:cNvPr>
+          <p:cNvSpPr>
+            <a:spLocks noGrp="1"/>
+          </p:cNvSpPr>
+          <p:nvPr>
+            <p:ph type="title"/>
+          </p:nvPr>
+        </p:nvSpPr>
+        <p:spPr>
+          <a:xfrm>
+            <a:off x="1086643" y="2552700"/>
+            <a:ext cx="10018713" cy="1752599"/>
+          </a:xfrm>
+        </p:spPr>
+        <p:txBody>
+          <a:bodyPr/>
+          <a:lstStyle/>
+          <a:p>
+            <a:r>
+              <a:rPr lang="en-US" dirty="0"/>
+              <a:t>Questions ?</a:t>
+            </a:r>
+          </a:p>
+        </p:txBody>
+      </p:sp>
+      <p:sp>
+        <p:nvSpPr>
+          <p:cNvPr id="4" name="Slide Number Placeholder 3">
+            <a:extLst>
+              <a:ext uri="{FF2B5EF4-FFF2-40B4-BE49-F238E27FC236}">
+                <a16:creationId xmlns:a16="http://schemas.microsoft.com/office/drawing/2014/main" id="{74534D26-702E-49FB-B00A-DDAB2E8BB0E2}"/>
+              </a:ext>
+            </a:extLst>
+          </p:cNvPr>
+          <p:cNvSpPr>
+            <a:spLocks noGrp="1"/>
+          </p:cNvSpPr>
+          <p:nvPr>
+            <p:ph type="sldNum" sz="quarter" idx="12"/>
+          </p:nvPr>
+        </p:nvSpPr>
+        <p:spPr/>
+        <p:txBody>
+          <a:bodyPr/>
+          <a:lstStyle/>
+          <a:p>
+            <a:fld id="{AB265669-9768-4162-B261-757C55BCE5B3}" type="slidenum">
+              <a:rPr lang="en-US" smtClean="0"/>
+              <a:t>18</a:t>
             </a:fld>
             <a:endParaRPr lang="en-US" dirty="0"/>
           </a:p>
@@ -14958,7 +15691,7 @@
         </p:spPr>
         <p:txBody>
           <a:bodyPr>
-            <a:normAutofit lnSpcReduction="10000"/>
+            <a:normAutofit fontScale="92500" lnSpcReduction="20000"/>
           </a:bodyPr>
           <a:lstStyle/>
           <a:p>
@@ -14976,7 +15709,7 @@
                 <a:latin typeface="Times New Roman" panose="02020603050405020304" pitchFamily="18" charset="0"/>
                 <a:cs typeface="Times New Roman" panose="02020603050405020304" pitchFamily="18" charset="0"/>
               </a:rPr>
-              <a:t>Objectives</a:t>
+              <a:t>Architecture</a:t>
             </a:r>
           </a:p>
           <a:p>
@@ -14985,7 +15718,7 @@
                 <a:latin typeface="Times New Roman" panose="02020603050405020304" pitchFamily="18" charset="0"/>
                 <a:cs typeface="Times New Roman" panose="02020603050405020304" pitchFamily="18" charset="0"/>
               </a:rPr>
-              <a:t>System Architecture </a:t>
+              <a:t>Main Functions</a:t>
             </a:r>
           </a:p>
           <a:p>
@@ -15012,7 +15745,16 @@
                 <a:latin typeface="Times New Roman" panose="02020603050405020304" pitchFamily="18" charset="0"/>
                 <a:cs typeface="Times New Roman" panose="02020603050405020304" pitchFamily="18" charset="0"/>
               </a:rPr>
-              <a:t>Techniques Used</a:t>
+              <a:t>Challenges</a:t>
+            </a:r>
+          </a:p>
+          <a:p>
+            <a:r>
+              <a:rPr lang="en-US" sz="2600" dirty="0">
+                <a:latin typeface="Times New Roman" panose="02020603050405020304" pitchFamily="18" charset="0"/>
+                <a:cs typeface="Times New Roman" panose="02020603050405020304" pitchFamily="18" charset="0"/>
+              </a:rPr>
+              <a:t>Solutions</a:t>
             </a:r>
           </a:p>
           <a:p>
@@ -15277,271 +16019,13 @@
           <a:p>
             <a:pPr algn="l"/>
             <a:r>
-              <a:rPr lang="en-US" b="1" dirty="0">
-                <a:latin typeface="Times New Roman" panose="02020603050405020304" pitchFamily="18" charset="0"/>
-                <a:cs typeface="Times New Roman" panose="02020603050405020304" pitchFamily="18" charset="0"/>
-              </a:rPr>
-              <a:t>Objectives</a:t>
+              <a:rPr lang="en-US" dirty="0"/>
+              <a:t>Architecture</a:t>
             </a:r>
-          </a:p>
-        </p:txBody>
-      </p:sp>
-      <p:sp>
-        <p:nvSpPr>
-          <p:cNvPr id="5" name="Content Placeholder 4">
-            <a:extLst>
-              <a:ext uri="{FF2B5EF4-FFF2-40B4-BE49-F238E27FC236}">
-                <a16:creationId xmlns:a16="http://schemas.microsoft.com/office/drawing/2014/main" id="{F2D0C8FE-5D0A-4EF5-B953-9434B0E10AE4}"/>
-              </a:ext>
-            </a:extLst>
-          </p:cNvPr>
-          <p:cNvSpPr>
-            <a:spLocks noGrp="1"/>
-          </p:cNvSpPr>
-          <p:nvPr>
-            <p:ph idx="1"/>
-          </p:nvPr>
-        </p:nvSpPr>
-        <p:spPr>
-          <a:xfrm>
-            <a:off x="1484310" y="1639019"/>
-            <a:ext cx="10018713" cy="4347713"/>
-          </a:xfrm>
-        </p:spPr>
-        <p:txBody>
-          <a:bodyPr>
-            <a:normAutofit/>
-          </a:bodyPr>
-          <a:lstStyle/>
-          <a:p>
-            <a:pPr algn="just">
-              <a:lnSpc>
-                <a:spcPct val="115000"/>
-              </a:lnSpc>
-              <a:spcBef>
-                <a:spcPts val="0"/>
-              </a:spcBef>
-              <a:spcAft>
-                <a:spcPts val="1000"/>
-              </a:spcAft>
-              <a:buSzPct val="100000"/>
-            </a:pPr>
-            <a:r>
-              <a:rPr lang="en-US" sz="2600" dirty="0">
-                <a:effectLst/>
-                <a:latin typeface="Times New Roman" panose="02020603050405020304" pitchFamily="18" charset="0"/>
-                <a:ea typeface="Times New Roman" panose="02020603050405020304" pitchFamily="18" charset="0"/>
-                <a:cs typeface="Times New Roman" panose="02020603050405020304" pitchFamily="18" charset="0"/>
-              </a:rPr>
-              <a:t>Offering a gamified and enjoyable way for kids to learn about cyber security threats and attacks.</a:t>
-            </a:r>
-            <a:endParaRPr lang="en-US" sz="2600" dirty="0">
-              <a:effectLst/>
+            <a:endParaRPr lang="en-US" b="1" dirty="0">
               <a:latin typeface="Times New Roman" panose="02020603050405020304" pitchFamily="18" charset="0"/>
-              <a:ea typeface="Calibri" panose="020F0502020204030204" pitchFamily="34" charset="0"/>
               <a:cs typeface="Times New Roman" panose="02020603050405020304" pitchFamily="18" charset="0"/>
             </a:endParaRPr>
-          </a:p>
-          <a:p>
-            <a:pPr algn="just">
-              <a:lnSpc>
-                <a:spcPct val="115000"/>
-              </a:lnSpc>
-              <a:spcBef>
-                <a:spcPts val="0"/>
-              </a:spcBef>
-              <a:spcAft>
-                <a:spcPts val="1000"/>
-              </a:spcAft>
-              <a:buSzPct val="100000"/>
-            </a:pPr>
-            <a:r>
-              <a:rPr lang="en-US" sz="2600" dirty="0">
-                <a:effectLst/>
-                <a:latin typeface="Times New Roman" panose="02020603050405020304" pitchFamily="18" charset="0"/>
-                <a:ea typeface="Times New Roman" panose="02020603050405020304" pitchFamily="18" charset="0"/>
-                <a:cs typeface="Times New Roman" panose="02020603050405020304" pitchFamily="18" charset="0"/>
-              </a:rPr>
-              <a:t>Providing a simple, yet efficient ways to report security attacks.</a:t>
-            </a:r>
-            <a:endParaRPr lang="en-US" sz="2600" dirty="0">
-              <a:effectLst/>
-              <a:latin typeface="Times New Roman" panose="02020603050405020304" pitchFamily="18" charset="0"/>
-              <a:ea typeface="Calibri" panose="020F0502020204030204" pitchFamily="34" charset="0"/>
-              <a:cs typeface="Times New Roman" panose="02020603050405020304" pitchFamily="18" charset="0"/>
-            </a:endParaRPr>
-          </a:p>
-          <a:p>
-            <a:pPr algn="just">
-              <a:lnSpc>
-                <a:spcPct val="115000"/>
-              </a:lnSpc>
-              <a:spcBef>
-                <a:spcPts val="0"/>
-              </a:spcBef>
-              <a:spcAft>
-                <a:spcPts val="1000"/>
-              </a:spcAft>
-              <a:buSzPct val="100000"/>
-            </a:pPr>
-            <a:r>
-              <a:rPr lang="en-US" sz="2600" dirty="0">
-                <a:effectLst/>
-                <a:latin typeface="Times New Roman" panose="02020603050405020304" pitchFamily="18" charset="0"/>
-                <a:ea typeface="Times New Roman" panose="02020603050405020304" pitchFamily="18" charset="0"/>
-                <a:cs typeface="Times New Roman" panose="02020603050405020304" pitchFamily="18" charset="0"/>
-              </a:rPr>
-              <a:t>Implementing practical hands-on experience.</a:t>
-            </a:r>
-            <a:endParaRPr lang="en-US" sz="2600" dirty="0">
-              <a:effectLst/>
-              <a:latin typeface="Times New Roman" panose="02020603050405020304" pitchFamily="18" charset="0"/>
-              <a:ea typeface="Calibri" panose="020F0502020204030204" pitchFamily="34" charset="0"/>
-              <a:cs typeface="Times New Roman" panose="02020603050405020304" pitchFamily="18" charset="0"/>
-            </a:endParaRPr>
-          </a:p>
-        </p:txBody>
-      </p:sp>
-      <p:pic>
-        <p:nvPicPr>
-          <p:cNvPr id="8196" name="Picture 4">
-            <a:extLst>
-              <a:ext uri="{FF2B5EF4-FFF2-40B4-BE49-F238E27FC236}">
-                <a16:creationId xmlns:a16="http://schemas.microsoft.com/office/drawing/2014/main" id="{BC9EF16D-A816-4F13-9B89-7F98CE8411BE}"/>
-              </a:ext>
-            </a:extLst>
-          </p:cNvPr>
-          <p:cNvPicPr>
-            <a:picLocks noChangeAspect="1" noChangeArrowheads="1"/>
-          </p:cNvPicPr>
-          <p:nvPr/>
-        </p:nvPicPr>
-        <p:blipFill>
-          <a:blip r:embed="rId2">
-            <a:extLst>
-              <a:ext uri="{28A0092B-C50C-407E-A947-70E740481C1C}">
-                <a14:useLocalDpi xmlns:a14="http://schemas.microsoft.com/office/drawing/2010/main" val="0"/>
-              </a:ext>
-            </a:extLst>
-          </a:blip>
-          <a:srcRect/>
-          <a:stretch>
-            <a:fillRect/>
-          </a:stretch>
-        </p:blipFill>
-        <p:spPr bwMode="auto">
-          <a:xfrm>
-            <a:off x="8440646" y="643957"/>
-            <a:ext cx="3062377" cy="1800343"/>
-          </a:xfrm>
-          <a:prstGeom prst="rect">
-            <a:avLst/>
-          </a:prstGeom>
-          <a:noFill/>
-          <a:extLst>
-            <a:ext uri="{909E8E84-426E-40DD-AFC4-6F175D3DCCD1}">
-              <a14:hiddenFill xmlns:a14="http://schemas.microsoft.com/office/drawing/2010/main">
-                <a:solidFill>
-                  <a:srgbClr val="FFFFFF"/>
-                </a:solidFill>
-              </a14:hiddenFill>
-            </a:ext>
-          </a:extLst>
-        </p:spPr>
-      </p:pic>
-      <p:sp>
-        <p:nvSpPr>
-          <p:cNvPr id="2" name="Slide Number Placeholder 1">
-            <a:extLst>
-              <a:ext uri="{FF2B5EF4-FFF2-40B4-BE49-F238E27FC236}">
-                <a16:creationId xmlns:a16="http://schemas.microsoft.com/office/drawing/2014/main" id="{EF69167D-CB89-4C05-A6AA-05C9B76A2AFB}"/>
-              </a:ext>
-            </a:extLst>
-          </p:cNvPr>
-          <p:cNvSpPr>
-            <a:spLocks noGrp="1"/>
-          </p:cNvSpPr>
-          <p:nvPr>
-            <p:ph type="sldNum" sz="quarter" idx="12"/>
-          </p:nvPr>
-        </p:nvSpPr>
-        <p:spPr/>
-        <p:txBody>
-          <a:bodyPr/>
-          <a:lstStyle/>
-          <a:p>
-            <a:fld id="{AB265669-9768-4162-B261-757C55BCE5B3}" type="slidenum">
-              <a:rPr lang="en-US" smtClean="0"/>
-              <a:t>5</a:t>
-            </a:fld>
-            <a:endParaRPr lang="en-US" dirty="0"/>
-          </a:p>
-        </p:txBody>
-      </p:sp>
-    </p:spTree>
-    <p:extLst>
-      <p:ext uri="{BB962C8B-B14F-4D97-AF65-F5344CB8AC3E}">
-        <p14:creationId xmlns:p14="http://schemas.microsoft.com/office/powerpoint/2010/main" val="2919576866"/>
-      </p:ext>
-    </p:extLst>
-  </p:cSld>
-  <p:clrMapOvr>
-    <a:masterClrMapping/>
-  </p:clrMapOvr>
-</p:sld>
-</file>
-
-<file path=ppt/slides/slide6.xml><?xml version="1.0" encoding="utf-8"?>
-<p:sld xmlns:a="http://schemas.openxmlformats.org/drawingml/2006/main" xmlns:r="http://schemas.openxmlformats.org/officeDocument/2006/relationships" xmlns:p="http://schemas.openxmlformats.org/presentationml/2006/main">
-  <p:cSld>
-    <p:spTree>
-      <p:nvGrpSpPr>
-        <p:cNvPr id="1" name=""/>
-        <p:cNvGrpSpPr/>
-        <p:nvPr/>
-      </p:nvGrpSpPr>
-      <p:grpSpPr>
-        <a:xfrm>
-          <a:off x="0" y="0"/>
-          <a:ext cx="0" cy="0"/>
-          <a:chOff x="0" y="0"/>
-          <a:chExt cx="0" cy="0"/>
-        </a:xfrm>
-      </p:grpSpPr>
-      <p:sp>
-        <p:nvSpPr>
-          <p:cNvPr id="4" name="Title 3">
-            <a:extLst>
-              <a:ext uri="{FF2B5EF4-FFF2-40B4-BE49-F238E27FC236}">
-                <a16:creationId xmlns:a16="http://schemas.microsoft.com/office/drawing/2014/main" id="{D8711200-5F3E-46DD-8D4E-6F6911FD6A0D}"/>
-              </a:ext>
-            </a:extLst>
-          </p:cNvPr>
-          <p:cNvSpPr>
-            <a:spLocks noGrp="1"/>
-          </p:cNvSpPr>
-          <p:nvPr>
-            <p:ph type="title"/>
-          </p:nvPr>
-        </p:nvSpPr>
-        <p:spPr>
-          <a:xfrm>
-            <a:off x="1484311" y="685801"/>
-            <a:ext cx="10018713" cy="858328"/>
-          </a:xfrm>
-        </p:spPr>
-        <p:txBody>
-          <a:bodyPr/>
-          <a:lstStyle/>
-          <a:p>
-            <a:pPr algn="l"/>
-            <a:r>
-              <a:rPr lang="en-US" b="1" dirty="0">
-                <a:latin typeface="Times New Roman" panose="02020603050405020304" pitchFamily="18" charset="0"/>
-                <a:cs typeface="Times New Roman" panose="02020603050405020304" pitchFamily="18" charset="0"/>
-              </a:rPr>
-              <a:t>Main Functions</a:t>
-            </a:r>
           </a:p>
         </p:txBody>
       </p:sp>
@@ -15599,7 +16083,7 @@
           <a:p>
             <a:fld id="{AB265669-9768-4162-B261-757C55BCE5B3}" type="slidenum">
               <a:rPr lang="en-US" smtClean="0"/>
-              <a:t>6</a:t>
+              <a:t>5</a:t>
             </a:fld>
             <a:endParaRPr lang="en-US" dirty="0"/>
           </a:p>
@@ -15607,10 +16091,10 @@
       </p:sp>
       <p:pic>
         <p:nvPicPr>
-          <p:cNvPr id="6148" name="Picture 4">
+          <p:cNvPr id="6152" name="Picture 8" descr="See the source image">
             <a:extLst>
               <a:ext uri="{FF2B5EF4-FFF2-40B4-BE49-F238E27FC236}">
-                <a16:creationId xmlns:a16="http://schemas.microsoft.com/office/drawing/2014/main" id="{9D3B8991-748B-4788-BC6C-324C64234CB3}"/>
+                <a16:creationId xmlns:a16="http://schemas.microsoft.com/office/drawing/2014/main" id="{D1187AC4-543D-40AA-9FBA-1F4539592621}"/>
               </a:ext>
             </a:extLst>
           </p:cNvPr>
@@ -15634,101 +16118,7 @@
         </p:blipFill>
         <p:spPr bwMode="auto">
           <a:xfrm>
-            <a:off x="10235966" y="1762243"/>
-            <a:ext cx="991474" cy="991474"/>
-          </a:xfrm>
-          <a:prstGeom prst="rect">
-            <a:avLst/>
-          </a:prstGeom>
-          <a:noFill/>
-          <a:extLst>
-            <a:ext uri="{909E8E84-426E-40DD-AFC4-6F175D3DCCD1}">
-              <a14:hiddenFill xmlns:a14="http://schemas.microsoft.com/office/drawing/2010/main">
-                <a:solidFill>
-                  <a:srgbClr val="FFFFFF"/>
-                </a:solidFill>
-              </a14:hiddenFill>
-            </a:ext>
-          </a:extLst>
-        </p:spPr>
-      </p:pic>
-      <p:pic>
-        <p:nvPicPr>
-          <p:cNvPr id="6150" name="Picture 6">
-            <a:extLst>
-              <a:ext uri="{FF2B5EF4-FFF2-40B4-BE49-F238E27FC236}">
-                <a16:creationId xmlns:a16="http://schemas.microsoft.com/office/drawing/2014/main" id="{6D204F68-346D-4F29-BB44-0411D45F5E90}"/>
-              </a:ext>
-            </a:extLst>
-          </p:cNvPr>
-          <p:cNvPicPr>
-            <a:picLocks noChangeAspect="1" noChangeArrowheads="1"/>
-          </p:cNvPicPr>
-          <p:nvPr/>
-        </p:nvPicPr>
-        <p:blipFill>
-          <a:blip r:embed="rId8">
-            <a:extLst>
-              <a:ext uri="{28A0092B-C50C-407E-A947-70E740481C1C}">
-                <a14:useLocalDpi xmlns:a14="http://schemas.microsoft.com/office/drawing/2010/main" val="0"/>
-              </a:ext>
-            </a:extLst>
-          </a:blip>
-          <a:srcRect/>
-          <a:stretch>
-            <a:fillRect/>
-          </a:stretch>
-        </p:blipFill>
-        <p:spPr bwMode="auto">
-          <a:xfrm>
-            <a:off x="5997931" y="1762243"/>
-            <a:ext cx="991474" cy="991474"/>
-          </a:xfrm>
-          <a:prstGeom prst="rect">
-            <a:avLst/>
-          </a:prstGeom>
-          <a:noFill/>
-          <a:extLst>
-            <a:ext uri="{909E8E84-426E-40DD-AFC4-6F175D3DCCD1}">
-              <a14:hiddenFill xmlns:a14="http://schemas.microsoft.com/office/drawing/2010/main">
-                <a:solidFill>
-                  <a:srgbClr val="FFFFFF"/>
-                </a:solidFill>
-              </a14:hiddenFill>
-            </a:ext>
-          </a:extLst>
-        </p:spPr>
-      </p:pic>
-      <p:pic>
-        <p:nvPicPr>
-          <p:cNvPr id="6152" name="Picture 8" descr="See the source image">
-            <a:extLst>
-              <a:ext uri="{FF2B5EF4-FFF2-40B4-BE49-F238E27FC236}">
-                <a16:creationId xmlns:a16="http://schemas.microsoft.com/office/drawing/2014/main" id="{D1187AC4-543D-40AA-9FBA-1F4539592621}"/>
-              </a:ext>
-            </a:extLst>
-          </p:cNvPr>
-          <p:cNvPicPr>
-            <a:picLocks noChangeAspect="1" noChangeArrowheads="1"/>
-          </p:cNvPicPr>
-          <p:nvPr/>
-        </p:nvPicPr>
-        <p:blipFill>
-          <a:blip r:embed="rId9">
-            <a:extLst>
-              <a:ext uri="{28A0092B-C50C-407E-A947-70E740481C1C}">
-                <a14:useLocalDpi xmlns:a14="http://schemas.microsoft.com/office/drawing/2010/main" val="0"/>
-              </a:ext>
-            </a:extLst>
-          </a:blip>
-          <a:srcRect/>
-          <a:stretch>
-            <a:fillRect/>
-          </a:stretch>
-        </p:blipFill>
-        <p:spPr bwMode="auto">
-          <a:xfrm>
-            <a:off x="1484311" y="1760640"/>
+            <a:off x="1484311" y="1769605"/>
             <a:ext cx="1846542" cy="994680"/>
           </a:xfrm>
           <a:prstGeom prst="rect">
@@ -15748,10 +16138,10 @@
       </p:pic>
       <p:sp>
         <p:nvSpPr>
-          <p:cNvPr id="5" name="TextBox 4">
+          <p:cNvPr id="9" name="TextBox 8">
             <a:extLst>
               <a:ext uri="{FF2B5EF4-FFF2-40B4-BE49-F238E27FC236}">
-                <a16:creationId xmlns:a16="http://schemas.microsoft.com/office/drawing/2014/main" id="{B0180468-AFB9-430D-B66A-EFF2F362BC27}"/>
+                <a16:creationId xmlns:a16="http://schemas.microsoft.com/office/drawing/2014/main" id="{BCDCA837-39D7-4161-8A6C-A2C3CEA94665}"/>
               </a:ext>
             </a:extLst>
           </p:cNvPr>
@@ -15760,8 +16150,8 @@
         </p:nvSpPr>
         <p:spPr>
           <a:xfrm>
-            <a:off x="1330603" y="5220800"/>
-            <a:ext cx="2000250" cy="646331"/>
+            <a:off x="1484311" y="5403362"/>
+            <a:ext cx="1771650" cy="646331"/>
           </a:xfrm>
           <a:prstGeom prst="rect">
             <a:avLst/>
@@ -15774,15 +16164,35 @@
           </a:bodyPr>
           <a:lstStyle/>
           <a:p>
+            <a:pPr marL="285750" indent="-285750">
+              <a:buFont typeface="Wingdings" panose="05000000000000000000" pitchFamily="2" charset="2"/>
+              <a:buChar char="q"/>
+            </a:pPr>
             <a:r>
-              <a:rPr lang="en-GB" dirty="0"/>
-              <a:t>Green – Done</a:t>
+              <a:rPr lang="en-GB" dirty="0">
+                <a:solidFill>
+                  <a:srgbClr val="00B050"/>
+                </a:solidFill>
+                <a:latin typeface="Times New Roman" panose="02020603050405020304" pitchFamily="18" charset="0"/>
+                <a:cs typeface="Times New Roman" panose="02020603050405020304" pitchFamily="18" charset="0"/>
+              </a:rPr>
+              <a:t>Done</a:t>
             </a:r>
           </a:p>
           <a:p>
+            <a:pPr marL="285750" indent="-285750">
+              <a:buFont typeface="Wingdings" panose="05000000000000000000" pitchFamily="2" charset="2"/>
+              <a:buChar char="q"/>
+            </a:pPr>
             <a:r>
-              <a:rPr lang="en-GB" dirty="0"/>
-              <a:t>Red  – Not done</a:t>
+              <a:rPr lang="en-GB" dirty="0">
+                <a:solidFill>
+                  <a:srgbClr val="FF0000"/>
+                </a:solidFill>
+                <a:latin typeface="Times New Roman" panose="02020603050405020304" pitchFamily="18" charset="0"/>
+                <a:cs typeface="Times New Roman" panose="02020603050405020304" pitchFamily="18" charset="0"/>
+              </a:rPr>
+              <a:t>Not Done</a:t>
             </a:r>
           </a:p>
         </p:txBody>
@@ -15800,7 +16210,489 @@
 </p:sld>
 </file>
 
+<file path=ppt/slides/slide6.xml><?xml version="1.0" encoding="utf-8"?>
+<p:sld xmlns:a="http://schemas.openxmlformats.org/drawingml/2006/main" xmlns:r="http://schemas.openxmlformats.org/officeDocument/2006/relationships" xmlns:p="http://schemas.openxmlformats.org/presentationml/2006/main">
+  <p:cSld>
+    <p:spTree>
+      <p:nvGrpSpPr>
+        <p:cNvPr id="1" name=""/>
+        <p:cNvGrpSpPr/>
+        <p:nvPr/>
+      </p:nvGrpSpPr>
+      <p:grpSpPr>
+        <a:xfrm>
+          <a:off x="0" y="0"/>
+          <a:ext cx="0" cy="0"/>
+          <a:chOff x="0" y="0"/>
+          <a:chExt cx="0" cy="0"/>
+        </a:xfrm>
+      </p:grpSpPr>
+      <p:sp>
+        <p:nvSpPr>
+          <p:cNvPr id="4" name="Title 3">
+            <a:extLst>
+              <a:ext uri="{FF2B5EF4-FFF2-40B4-BE49-F238E27FC236}">
+                <a16:creationId xmlns:a16="http://schemas.microsoft.com/office/drawing/2014/main" id="{D8711200-5F3E-46DD-8D4E-6F6911FD6A0D}"/>
+              </a:ext>
+            </a:extLst>
+          </p:cNvPr>
+          <p:cNvSpPr>
+            <a:spLocks noGrp="1"/>
+          </p:cNvSpPr>
+          <p:nvPr>
+            <p:ph type="title"/>
+          </p:nvPr>
+        </p:nvSpPr>
+        <p:spPr>
+          <a:xfrm>
+            <a:off x="1484311" y="685801"/>
+            <a:ext cx="10018713" cy="858328"/>
+          </a:xfrm>
+        </p:spPr>
+        <p:txBody>
+          <a:bodyPr/>
+          <a:lstStyle/>
+          <a:p>
+            <a:pPr algn="l"/>
+            <a:r>
+              <a:rPr lang="en-US" b="1" dirty="0">
+                <a:latin typeface="Times New Roman" panose="02020603050405020304" pitchFamily="18" charset="0"/>
+                <a:cs typeface="Times New Roman" panose="02020603050405020304" pitchFamily="18" charset="0"/>
+              </a:rPr>
+              <a:t>Main Functions</a:t>
+            </a:r>
+          </a:p>
+        </p:txBody>
+      </p:sp>
+      <p:sp>
+        <p:nvSpPr>
+          <p:cNvPr id="2" name="Slide Number Placeholder 1">
+            <a:extLst>
+              <a:ext uri="{FF2B5EF4-FFF2-40B4-BE49-F238E27FC236}">
+                <a16:creationId xmlns:a16="http://schemas.microsoft.com/office/drawing/2014/main" id="{931165A3-EF06-4242-99CB-15957081FB06}"/>
+              </a:ext>
+            </a:extLst>
+          </p:cNvPr>
+          <p:cNvSpPr>
+            <a:spLocks noGrp="1"/>
+          </p:cNvSpPr>
+          <p:nvPr>
+            <p:ph type="sldNum" sz="quarter" idx="12"/>
+          </p:nvPr>
+        </p:nvSpPr>
+        <p:spPr/>
+        <p:txBody>
+          <a:bodyPr/>
+          <a:lstStyle/>
+          <a:p>
+            <a:fld id="{AB265669-9768-4162-B261-757C55BCE5B3}" type="slidenum">
+              <a:rPr lang="en-US" smtClean="0"/>
+              <a:t>6</a:t>
+            </a:fld>
+            <a:endParaRPr lang="en-US" dirty="0"/>
+          </a:p>
+        </p:txBody>
+      </p:sp>
+      <p:pic>
+        <p:nvPicPr>
+          <p:cNvPr id="6152" name="Picture 8" descr="See the source image">
+            <a:extLst>
+              <a:ext uri="{FF2B5EF4-FFF2-40B4-BE49-F238E27FC236}">
+                <a16:creationId xmlns:a16="http://schemas.microsoft.com/office/drawing/2014/main" id="{D1187AC4-543D-40AA-9FBA-1F4539592621}"/>
+              </a:ext>
+            </a:extLst>
+          </p:cNvPr>
+          <p:cNvPicPr>
+            <a:picLocks noChangeAspect="1" noChangeArrowheads="1"/>
+          </p:cNvPicPr>
+          <p:nvPr/>
+        </p:nvPicPr>
+        <p:blipFill>
+          <a:blip r:embed="rId2">
+            <a:extLst>
+              <a:ext uri="{28A0092B-C50C-407E-A947-70E740481C1C}">
+                <a14:useLocalDpi xmlns:a14="http://schemas.microsoft.com/office/drawing/2010/main" val="0"/>
+              </a:ext>
+            </a:extLst>
+          </a:blip>
+          <a:srcRect/>
+          <a:stretch>
+            <a:fillRect/>
+          </a:stretch>
+        </p:blipFill>
+        <p:spPr bwMode="auto">
+          <a:xfrm>
+            <a:off x="1484310" y="1544129"/>
+            <a:ext cx="1846542" cy="994680"/>
+          </a:xfrm>
+          <a:prstGeom prst="rect">
+            <a:avLst/>
+          </a:prstGeom>
+          <a:noFill/>
+          <a:extLst>
+            <a:ext uri="{909E8E84-426E-40DD-AFC4-6F175D3DCCD1}">
+              <a14:hiddenFill xmlns:a14="http://schemas.microsoft.com/office/drawing/2010/main">
+                <a:solidFill>
+                  <a:srgbClr val="FFFFFF"/>
+                </a:solidFill>
+              </a14:hiddenFill>
+            </a:ext>
+          </a:extLst>
+        </p:spPr>
+      </p:pic>
+      <p:sp>
+        <p:nvSpPr>
+          <p:cNvPr id="7" name="Content Placeholder 6">
+            <a:extLst>
+              <a:ext uri="{FF2B5EF4-FFF2-40B4-BE49-F238E27FC236}">
+                <a16:creationId xmlns:a16="http://schemas.microsoft.com/office/drawing/2014/main" id="{14A74D08-8E26-4E9A-9BE1-DDC7B76D152D}"/>
+              </a:ext>
+            </a:extLst>
+          </p:cNvPr>
+          <p:cNvSpPr>
+            <a:spLocks noGrp="1"/>
+          </p:cNvSpPr>
+          <p:nvPr>
+            <p:ph idx="1"/>
+          </p:nvPr>
+        </p:nvSpPr>
+        <p:spPr/>
+        <p:txBody>
+          <a:bodyPr>
+            <a:normAutofit/>
+          </a:bodyPr>
+          <a:lstStyle/>
+          <a:p>
+            <a:pPr marL="0" indent="0">
+              <a:buNone/>
+            </a:pPr>
+            <a:r>
+              <a:rPr lang="en-US" sz="2600" b="1" dirty="0">
+                <a:latin typeface="Times New Roman" panose="02020603050405020304" pitchFamily="18" charset="0"/>
+                <a:cs typeface="Times New Roman" panose="02020603050405020304" pitchFamily="18" charset="0"/>
+              </a:rPr>
+              <a:t>According to NIST Security Threat Model</a:t>
+            </a:r>
+          </a:p>
+          <a:p>
+            <a:r>
+              <a:rPr lang="en-US" sz="2600" dirty="0">
+                <a:latin typeface="Times New Roman" panose="02020603050405020304" pitchFamily="18" charset="0"/>
+                <a:cs typeface="Times New Roman" panose="02020603050405020304" pitchFamily="18" charset="0"/>
+              </a:rPr>
+              <a:t>Passwords</a:t>
+            </a:r>
+            <a:endParaRPr lang="en-US" sz="1800" dirty="0">
+              <a:latin typeface="Times New Roman" panose="02020603050405020304" pitchFamily="18" charset="0"/>
+              <a:cs typeface="Times New Roman" panose="02020603050405020304" pitchFamily="18" charset="0"/>
+            </a:endParaRPr>
+          </a:p>
+          <a:p>
+            <a:pPr marL="914400" lvl="1" indent="-457200">
+              <a:buSzPct val="100000"/>
+              <a:buFont typeface="+mj-lt"/>
+              <a:buAutoNum type="arabicPeriod"/>
+            </a:pPr>
+            <a:r>
+              <a:rPr lang="en-US" sz="1700" dirty="0">
+                <a:latin typeface="Times New Roman" panose="02020603050405020304" pitchFamily="18" charset="0"/>
+                <a:cs typeface="Times New Roman" panose="02020603050405020304" pitchFamily="18" charset="0"/>
+              </a:rPr>
+              <a:t>A minimum length of 8 characters and a maximum length of 64 characters.</a:t>
+            </a:r>
+          </a:p>
+          <a:p>
+            <a:pPr marL="914400" lvl="1" indent="-457200">
+              <a:buSzPct val="100000"/>
+              <a:buFont typeface="+mj-lt"/>
+              <a:buAutoNum type="arabicPeriod"/>
+            </a:pPr>
+            <a:r>
+              <a:rPr lang="en-US" sz="1700" dirty="0">
+                <a:latin typeface="Times New Roman" panose="02020603050405020304" pitchFamily="18" charset="0"/>
+                <a:cs typeface="Times New Roman" panose="02020603050405020304" pitchFamily="18" charset="0"/>
+              </a:rPr>
+              <a:t>Include uppercase, lowercase characters, numbers and special characters. </a:t>
+            </a:r>
+          </a:p>
+          <a:p>
+            <a:pPr marL="914400" lvl="1" indent="-457200">
+              <a:buSzPct val="100000"/>
+              <a:buFont typeface="+mj-lt"/>
+              <a:buAutoNum type="arabicPeriod"/>
+            </a:pPr>
+            <a:r>
+              <a:rPr lang="en-US" sz="1700" dirty="0">
+                <a:latin typeface="Times New Roman" panose="02020603050405020304" pitchFamily="18" charset="0"/>
+                <a:cs typeface="Times New Roman" panose="02020603050405020304" pitchFamily="18" charset="0"/>
+              </a:rPr>
+              <a:t>Restrict commonly used passwords (e.g. p@ssw0rd, etc.) and dictionary words.</a:t>
+            </a:r>
+          </a:p>
+        </p:txBody>
+      </p:sp>
+    </p:spTree>
+    <p:extLst>
+      <p:ext uri="{BB962C8B-B14F-4D97-AF65-F5344CB8AC3E}">
+        <p14:creationId xmlns:p14="http://schemas.microsoft.com/office/powerpoint/2010/main" val="3682008347"/>
+      </p:ext>
+    </p:extLst>
+  </p:cSld>
+  <p:clrMapOvr>
+    <a:masterClrMapping/>
+  </p:clrMapOvr>
+</p:sld>
+</file>
+
 <file path=ppt/slides/slide7.xml><?xml version="1.0" encoding="utf-8"?>
+<p:sld xmlns:a="http://schemas.openxmlformats.org/drawingml/2006/main" xmlns:r="http://schemas.openxmlformats.org/officeDocument/2006/relationships" xmlns:p="http://schemas.openxmlformats.org/presentationml/2006/main">
+  <p:cSld>
+    <p:spTree>
+      <p:nvGrpSpPr>
+        <p:cNvPr id="1" name=""/>
+        <p:cNvGrpSpPr/>
+        <p:nvPr/>
+      </p:nvGrpSpPr>
+      <p:grpSpPr>
+        <a:xfrm>
+          <a:off x="0" y="0"/>
+          <a:ext cx="0" cy="0"/>
+          <a:chOff x="0" y="0"/>
+          <a:chExt cx="0" cy="0"/>
+        </a:xfrm>
+      </p:grpSpPr>
+      <p:sp>
+        <p:nvSpPr>
+          <p:cNvPr id="4" name="Title 3">
+            <a:extLst>
+              <a:ext uri="{FF2B5EF4-FFF2-40B4-BE49-F238E27FC236}">
+                <a16:creationId xmlns:a16="http://schemas.microsoft.com/office/drawing/2014/main" id="{D8711200-5F3E-46DD-8D4E-6F6911FD6A0D}"/>
+              </a:ext>
+            </a:extLst>
+          </p:cNvPr>
+          <p:cNvSpPr>
+            <a:spLocks noGrp="1"/>
+          </p:cNvSpPr>
+          <p:nvPr>
+            <p:ph type="title"/>
+          </p:nvPr>
+        </p:nvSpPr>
+        <p:spPr>
+          <a:xfrm>
+            <a:off x="1484311" y="685801"/>
+            <a:ext cx="10018713" cy="858328"/>
+          </a:xfrm>
+        </p:spPr>
+        <p:txBody>
+          <a:bodyPr/>
+          <a:lstStyle/>
+          <a:p>
+            <a:pPr algn="l"/>
+            <a:r>
+              <a:rPr lang="en-US" b="1" dirty="0">
+                <a:latin typeface="Times New Roman" panose="02020603050405020304" pitchFamily="18" charset="0"/>
+                <a:cs typeface="Times New Roman" panose="02020603050405020304" pitchFamily="18" charset="0"/>
+              </a:rPr>
+              <a:t>Main Functions Cont’d</a:t>
+            </a:r>
+          </a:p>
+        </p:txBody>
+      </p:sp>
+      <p:sp>
+        <p:nvSpPr>
+          <p:cNvPr id="2" name="Slide Number Placeholder 1">
+            <a:extLst>
+              <a:ext uri="{FF2B5EF4-FFF2-40B4-BE49-F238E27FC236}">
+                <a16:creationId xmlns:a16="http://schemas.microsoft.com/office/drawing/2014/main" id="{931165A3-EF06-4242-99CB-15957081FB06}"/>
+              </a:ext>
+            </a:extLst>
+          </p:cNvPr>
+          <p:cNvSpPr>
+            <a:spLocks noGrp="1"/>
+          </p:cNvSpPr>
+          <p:nvPr>
+            <p:ph type="sldNum" sz="quarter" idx="12"/>
+          </p:nvPr>
+        </p:nvSpPr>
+        <p:spPr/>
+        <p:txBody>
+          <a:bodyPr/>
+          <a:lstStyle/>
+          <a:p>
+            <a:fld id="{AB265669-9768-4162-B261-757C55BCE5B3}" type="slidenum">
+              <a:rPr lang="en-US" smtClean="0"/>
+              <a:t>7</a:t>
+            </a:fld>
+            <a:endParaRPr lang="en-US" dirty="0"/>
+          </a:p>
+        </p:txBody>
+      </p:sp>
+      <p:pic>
+        <p:nvPicPr>
+          <p:cNvPr id="6152" name="Picture 8" descr="See the source image">
+            <a:extLst>
+              <a:ext uri="{FF2B5EF4-FFF2-40B4-BE49-F238E27FC236}">
+                <a16:creationId xmlns:a16="http://schemas.microsoft.com/office/drawing/2014/main" id="{D1187AC4-543D-40AA-9FBA-1F4539592621}"/>
+              </a:ext>
+            </a:extLst>
+          </p:cNvPr>
+          <p:cNvPicPr>
+            <a:picLocks noChangeAspect="1" noChangeArrowheads="1"/>
+          </p:cNvPicPr>
+          <p:nvPr/>
+        </p:nvPicPr>
+        <p:blipFill>
+          <a:blip r:embed="rId2">
+            <a:extLst>
+              <a:ext uri="{28A0092B-C50C-407E-A947-70E740481C1C}">
+                <a14:useLocalDpi xmlns:a14="http://schemas.microsoft.com/office/drawing/2010/main" val="0"/>
+              </a:ext>
+            </a:extLst>
+          </a:blip>
+          <a:srcRect/>
+          <a:stretch>
+            <a:fillRect/>
+          </a:stretch>
+        </p:blipFill>
+        <p:spPr bwMode="auto">
+          <a:xfrm>
+            <a:off x="1484310" y="1544129"/>
+            <a:ext cx="1846542" cy="994680"/>
+          </a:xfrm>
+          <a:prstGeom prst="rect">
+            <a:avLst/>
+          </a:prstGeom>
+          <a:noFill/>
+          <a:extLst>
+            <a:ext uri="{909E8E84-426E-40DD-AFC4-6F175D3DCCD1}">
+              <a14:hiddenFill xmlns:a14="http://schemas.microsoft.com/office/drawing/2010/main">
+                <a:solidFill>
+                  <a:srgbClr val="FFFFFF"/>
+                </a:solidFill>
+              </a14:hiddenFill>
+            </a:ext>
+          </a:extLst>
+        </p:spPr>
+      </p:pic>
+      <p:sp>
+        <p:nvSpPr>
+          <p:cNvPr id="7" name="Content Placeholder 6">
+            <a:extLst>
+              <a:ext uri="{FF2B5EF4-FFF2-40B4-BE49-F238E27FC236}">
+                <a16:creationId xmlns:a16="http://schemas.microsoft.com/office/drawing/2014/main" id="{14A74D08-8E26-4E9A-9BE1-DDC7B76D152D}"/>
+              </a:ext>
+            </a:extLst>
+          </p:cNvPr>
+          <p:cNvSpPr>
+            <a:spLocks noGrp="1"/>
+          </p:cNvSpPr>
+          <p:nvPr>
+            <p:ph idx="1"/>
+          </p:nvPr>
+        </p:nvSpPr>
+        <p:spPr/>
+        <p:txBody>
+          <a:bodyPr>
+            <a:normAutofit fontScale="92500" lnSpcReduction="10000"/>
+          </a:bodyPr>
+          <a:lstStyle/>
+          <a:p>
+            <a:pPr marL="0" indent="0">
+              <a:buNone/>
+            </a:pPr>
+            <a:r>
+              <a:rPr lang="en-US" sz="2600" b="1" dirty="0">
+                <a:latin typeface="Times New Roman" panose="02020603050405020304" pitchFamily="18" charset="0"/>
+                <a:cs typeface="Times New Roman" panose="02020603050405020304" pitchFamily="18" charset="0"/>
+              </a:rPr>
+              <a:t>According to NIST Security Threat Model</a:t>
+            </a:r>
+          </a:p>
+          <a:p>
+            <a:r>
+              <a:rPr lang="en-US" sz="2600" dirty="0">
+                <a:latin typeface="Times New Roman" panose="02020603050405020304" pitchFamily="18" charset="0"/>
+                <a:cs typeface="Times New Roman" panose="02020603050405020304" pitchFamily="18" charset="0"/>
+              </a:rPr>
+              <a:t>Phishing</a:t>
+            </a:r>
+            <a:endParaRPr lang="en-US" sz="1700" dirty="0">
+              <a:latin typeface="Times New Roman" panose="02020603050405020304" pitchFamily="18" charset="0"/>
+              <a:cs typeface="Times New Roman" panose="02020603050405020304" pitchFamily="18" charset="0"/>
+            </a:endParaRPr>
+          </a:p>
+          <a:p>
+            <a:pPr marL="914400" lvl="1" indent="-457200">
+              <a:buSzPct val="100000"/>
+              <a:buFont typeface="+mj-lt"/>
+              <a:buAutoNum type="arabicPeriod"/>
+            </a:pPr>
+            <a:r>
+              <a:rPr lang="en-US" sz="1700" dirty="0">
+                <a:latin typeface="Times New Roman" panose="02020603050405020304" pitchFamily="18" charset="0"/>
+                <a:cs typeface="Times New Roman" panose="02020603050405020304" pitchFamily="18" charset="0"/>
+              </a:rPr>
+              <a:t>Always be suspicious of any message that requests you to click a link or open an attachment.</a:t>
+            </a:r>
+          </a:p>
+          <a:p>
+            <a:pPr marL="914400" lvl="1" indent="-457200">
+              <a:buSzPct val="100000"/>
+              <a:buFont typeface="+mj-lt"/>
+              <a:buAutoNum type="arabicPeriod"/>
+            </a:pPr>
+            <a:r>
+              <a:rPr lang="en-US" sz="1700" dirty="0">
+                <a:latin typeface="Times New Roman" panose="02020603050405020304" pitchFamily="18" charset="0"/>
+                <a:cs typeface="Times New Roman" panose="02020603050405020304" pitchFamily="18" charset="0"/>
+              </a:rPr>
+              <a:t>Be careful not to provide personal or sensitive information in response to a message.</a:t>
+            </a:r>
+          </a:p>
+          <a:p>
+            <a:pPr marL="914400" lvl="1" indent="-457200">
+              <a:buSzPct val="100000"/>
+              <a:buFont typeface="+mj-lt"/>
+              <a:buAutoNum type="arabicPeriod"/>
+            </a:pPr>
+            <a:r>
+              <a:rPr lang="en-US" sz="1700" dirty="0">
+                <a:latin typeface="Times New Roman" panose="02020603050405020304" pitchFamily="18" charset="0"/>
+                <a:cs typeface="Times New Roman" panose="02020603050405020304" pitchFamily="18" charset="0"/>
+              </a:rPr>
+              <a:t>Be cautious of any message communicating a sense of urgency or dire consequences should you fail to take immediate action.</a:t>
+            </a:r>
+          </a:p>
+          <a:p>
+            <a:pPr marL="914400" lvl="1" indent="-457200">
+              <a:buSzPct val="100000"/>
+              <a:buFont typeface="+mj-lt"/>
+              <a:buAutoNum type="arabicPeriod"/>
+            </a:pPr>
+            <a:r>
+              <a:rPr lang="en-US" sz="1700" dirty="0">
+                <a:latin typeface="Times New Roman" panose="02020603050405020304" pitchFamily="18" charset="0"/>
+                <a:cs typeface="Times New Roman" panose="02020603050405020304" pitchFamily="18" charset="0"/>
+              </a:rPr>
+              <a:t>If you are concerned about a message, contact the person or the organization using a different, validated method like a phone number you already had or check the organization’s website ‘Contact Us’ information. Never use the links or contact information in the message you are concerned about.</a:t>
+            </a:r>
+          </a:p>
+        </p:txBody>
+      </p:sp>
+    </p:spTree>
+    <p:extLst>
+      <p:ext uri="{BB962C8B-B14F-4D97-AF65-F5344CB8AC3E}">
+        <p14:creationId xmlns:p14="http://schemas.microsoft.com/office/powerpoint/2010/main" val="3039562126"/>
+      </p:ext>
+    </p:extLst>
+  </p:cSld>
+  <p:clrMapOvr>
+    <a:masterClrMapping/>
+  </p:clrMapOvr>
+</p:sld>
+</file>
+
+<file path=ppt/slides/slide8.xml><?xml version="1.0" encoding="utf-8"?>
 <p:sld xmlns:a="http://schemas.openxmlformats.org/drawingml/2006/main" xmlns:r="http://schemas.openxmlformats.org/officeDocument/2006/relationships" xmlns:p="http://schemas.openxmlformats.org/presentationml/2006/main">
   <p:cSld>
     <p:spTree>
@@ -15875,148 +16767,62 @@
         </p:spPr>
         <p:txBody>
           <a:bodyPr>
-            <a:normAutofit fontScale="55000" lnSpcReduction="20000"/>
+            <a:normAutofit fontScale="62500" lnSpcReduction="20000"/>
           </a:bodyPr>
           <a:lstStyle/>
           <a:p>
-            <a:pPr marL="0" indent="0">
-              <a:buNone/>
-            </a:pPr>
-            <a:endParaRPr lang="en-GB" dirty="0"/>
-          </a:p>
-          <a:p>
-            <a:pPr marL="0" indent="0">
-              <a:buNone/>
-            </a:pPr>
-            <a:endParaRPr lang="en-GB" dirty="0"/>
-          </a:p>
-          <a:p>
-            <a:pPr>
-              <a:buFont typeface="Arial" panose="020B0604020202020204" pitchFamily="34" charset="0"/>
-              <a:buChar char="•"/>
-            </a:pPr>
             <a:r>
-              <a:rPr lang="en-GB" sz="3300" dirty="0"/>
+              <a:rPr lang="en-GB" sz="4700" dirty="0">
+                <a:latin typeface="Times New Roman" panose="02020603050405020304" pitchFamily="18" charset="0"/>
+                <a:cs typeface="Times New Roman" panose="02020603050405020304" pitchFamily="18" charset="0"/>
+              </a:rPr>
               <a:t>Working prototype Game1 &amp; Game2</a:t>
             </a:r>
           </a:p>
           <a:p>
-            <a:pPr>
-              <a:buFont typeface="Arial" panose="020B0604020202020204" pitchFamily="34" charset="0"/>
-              <a:buChar char="•"/>
-            </a:pPr>
             <a:r>
-              <a:rPr lang="en-GB" sz="3300" dirty="0"/>
+              <a:rPr lang="en-GB" sz="4700" dirty="0">
+                <a:latin typeface="Times New Roman" panose="02020603050405020304" pitchFamily="18" charset="0"/>
+                <a:cs typeface="Times New Roman" panose="02020603050405020304" pitchFamily="18" charset="0"/>
+              </a:rPr>
               <a:t>Implementation of Main Menu in Game1</a:t>
             </a:r>
           </a:p>
           <a:p>
-            <a:pPr>
-              <a:buFont typeface="Arial" panose="020B0604020202020204" pitchFamily="34" charset="0"/>
-              <a:buChar char="•"/>
-            </a:pPr>
             <a:r>
-              <a:rPr lang="en-GB" sz="3300" dirty="0"/>
+              <a:rPr lang="en-GB" sz="4700" dirty="0">
+                <a:latin typeface="Times New Roman" panose="02020603050405020304" pitchFamily="18" charset="0"/>
+                <a:cs typeface="Times New Roman" panose="02020603050405020304" pitchFamily="18" charset="0"/>
+              </a:rPr>
               <a:t>Implementation of About section in Game1 which describes and states information about the game and its different levels </a:t>
             </a:r>
           </a:p>
           <a:p>
-            <a:pPr>
-              <a:buFont typeface="Arial" panose="020B0604020202020204" pitchFamily="34" charset="0"/>
-              <a:buChar char="•"/>
-            </a:pPr>
             <a:r>
-              <a:rPr lang="en-GB" sz="3300" dirty="0"/>
+              <a:rPr lang="en-GB" sz="4700" dirty="0">
+                <a:latin typeface="Times New Roman" panose="02020603050405020304" pitchFamily="18" charset="0"/>
+                <a:cs typeface="Times New Roman" panose="02020603050405020304" pitchFamily="18" charset="0"/>
+              </a:rPr>
               <a:t>Password Levels in Game1</a:t>
             </a:r>
           </a:p>
           <a:p>
-            <a:pPr>
-              <a:buFont typeface="Arial" panose="020B0604020202020204" pitchFamily="34" charset="0"/>
-              <a:buChar char="•"/>
-            </a:pPr>
             <a:r>
-              <a:rPr lang="en-GB" sz="3300" dirty="0"/>
+              <a:rPr lang="en-GB" sz="4700" dirty="0">
+                <a:latin typeface="Times New Roman" panose="02020603050405020304" pitchFamily="18" charset="0"/>
+                <a:cs typeface="Times New Roman" panose="02020603050405020304" pitchFamily="18" charset="0"/>
+              </a:rPr>
               <a:t>Phishing Level in Game1</a:t>
             </a:r>
           </a:p>
           <a:p>
-            <a:pPr>
-              <a:buFont typeface="Arial" panose="020B0604020202020204" pitchFamily="34" charset="0"/>
-              <a:buChar char="•"/>
-            </a:pPr>
             <a:r>
-              <a:rPr lang="en-GB" sz="3300" dirty="0"/>
-              <a:t>Phishing Level in Game2</a:t>
-            </a:r>
-          </a:p>
-          <a:p>
-            <a:pPr>
-              <a:buFont typeface="Arial" panose="020B0604020202020204" pitchFamily="34" charset="0"/>
-              <a:buChar char="•"/>
-            </a:pPr>
-            <a:r>
-              <a:rPr lang="en-GB" sz="3300" dirty="0"/>
+              <a:rPr lang="en-GB" sz="4700" dirty="0">
+                <a:latin typeface="Times New Roman" panose="02020603050405020304" pitchFamily="18" charset="0"/>
+                <a:cs typeface="Times New Roman" panose="02020603050405020304" pitchFamily="18" charset="0"/>
+              </a:rPr>
               <a:t>Password Level in Game2</a:t>
             </a:r>
-          </a:p>
-          <a:p>
-            <a:pPr marL="0" indent="0">
-              <a:buNone/>
-            </a:pPr>
-            <a:endParaRPr lang="en-GB" dirty="0"/>
-          </a:p>
-          <a:p>
-            <a:pPr>
-              <a:buFont typeface="Arial" panose="020B0604020202020204" pitchFamily="34" charset="0"/>
-              <a:buChar char="•"/>
-            </a:pPr>
-            <a:endParaRPr lang="en-GB" dirty="0"/>
-          </a:p>
-          <a:p>
-            <a:pPr marL="0" indent="0">
-              <a:buNone/>
-            </a:pPr>
-            <a:endParaRPr lang="en-GB" dirty="0"/>
-          </a:p>
-          <a:p>
-            <a:pPr>
-              <a:buFont typeface="Arial" panose="020B0604020202020204" pitchFamily="34" charset="0"/>
-              <a:buChar char="•"/>
-            </a:pPr>
-            <a:endParaRPr lang="en-GB" dirty="0"/>
-          </a:p>
-          <a:p>
-            <a:pPr>
-              <a:buFont typeface="Arial" panose="020B0604020202020204" pitchFamily="34" charset="0"/>
-              <a:buChar char="•"/>
-            </a:pPr>
-            <a:endParaRPr lang="en-GB" dirty="0"/>
-          </a:p>
-          <a:p>
-            <a:pPr>
-              <a:buFont typeface="Arial" panose="020B0604020202020204" pitchFamily="34" charset="0"/>
-              <a:buChar char="•"/>
-            </a:pPr>
-            <a:endParaRPr lang="en-GB" dirty="0"/>
-          </a:p>
-          <a:p>
-            <a:pPr marL="0" indent="0">
-              <a:buNone/>
-            </a:pPr>
-            <a:endParaRPr lang="en-GB" dirty="0"/>
-          </a:p>
-          <a:p>
-            <a:pPr marL="0" indent="0">
-              <a:buNone/>
-            </a:pPr>
-            <a:endParaRPr lang="en-GB" dirty="0"/>
-          </a:p>
-          <a:p>
-            <a:pPr marL="0" indent="0">
-              <a:buNone/>
-            </a:pPr>
-            <a:endParaRPr lang="en-GB" dirty="0"/>
           </a:p>
         </p:txBody>
       </p:sp>
@@ -16043,7 +16849,7 @@
           <a:p>
             <a:fld id="{AB265669-9768-4162-B261-757C55BCE5B3}" type="slidenum">
               <a:rPr lang="en-US" smtClean="0"/>
-              <a:t>7</a:t>
+              <a:t>8</a:t>
             </a:fld>
             <a:endParaRPr lang="en-US" dirty="0"/>
           </a:p>
@@ -16062,7 +16868,7 @@
 </p:sld>
 </file>
 
-<file path=ppt/slides/slide8.xml><?xml version="1.0" encoding="utf-8"?>
+<file path=ppt/slides/slide9.xml><?xml version="1.0" encoding="utf-8"?>
 <p:sld xmlns:a="http://schemas.openxmlformats.org/drawingml/2006/main" xmlns:r="http://schemas.openxmlformats.org/officeDocument/2006/relationships" xmlns:p="http://schemas.openxmlformats.org/presentationml/2006/main">
   <p:cSld>
     <p:spTree>
@@ -16131,124 +16937,59 @@
         </p:nvSpPr>
         <p:spPr>
           <a:xfrm>
-            <a:off x="1484310" y="2050742"/>
-            <a:ext cx="10018713" cy="3851900"/>
+            <a:off x="1484310" y="2095500"/>
+            <a:ext cx="10018713" cy="3807142"/>
           </a:xfrm>
         </p:spPr>
         <p:txBody>
           <a:bodyPr>
-            <a:normAutofit fontScale="55000" lnSpcReduction="20000"/>
+            <a:normAutofit/>
           </a:bodyPr>
           <a:lstStyle/>
           <a:p>
-            <a:pPr marL="0" indent="0">
-              <a:buNone/>
-            </a:pPr>
-            <a:endParaRPr lang="en-GB" dirty="0"/>
-          </a:p>
-          <a:p>
-            <a:pPr marL="0" indent="0">
-              <a:buNone/>
-            </a:pPr>
-            <a:endParaRPr lang="en-GB" dirty="0"/>
-          </a:p>
-          <a:p>
-            <a:endParaRPr lang="en-GB" dirty="0"/>
-          </a:p>
-          <a:p>
-            <a:endParaRPr lang="en-GB" dirty="0"/>
-          </a:p>
-          <a:p>
-            <a:endParaRPr lang="en-GB" dirty="0"/>
-          </a:p>
-          <a:p>
             <a:r>
-              <a:rPr lang="en-GB" sz="3800" dirty="0"/>
+              <a:rPr lang="en-US" sz="2600" dirty="0">
+                <a:latin typeface="Times New Roman" panose="02020603050405020304" pitchFamily="18" charset="0"/>
+                <a:cs typeface="Times New Roman" panose="02020603050405020304" pitchFamily="18" charset="0"/>
+              </a:rPr>
+              <a:t>Transfer phishing levels from game1 to game2</a:t>
+            </a:r>
+          </a:p>
+          <a:p>
+            <a:r>
+              <a:rPr lang="en-US" sz="2600" dirty="0">
+                <a:latin typeface="Times New Roman" panose="02020603050405020304" pitchFamily="18" charset="0"/>
+                <a:cs typeface="Times New Roman" panose="02020603050405020304" pitchFamily="18" charset="0"/>
+              </a:rPr>
+              <a:t>Improve the gamification to make it more enjoyable and attractive for the kids</a:t>
+            </a:r>
+          </a:p>
+          <a:p>
+            <a:r>
+              <a:rPr lang="en-US" sz="2600" dirty="0">
+                <a:latin typeface="Times New Roman" panose="02020603050405020304" pitchFamily="18" charset="0"/>
+                <a:cs typeface="Times New Roman" panose="02020603050405020304" pitchFamily="18" charset="0"/>
+              </a:rPr>
+              <a:t>Create Leaderboard for Motivation</a:t>
+            </a:r>
+          </a:p>
+          <a:p>
+            <a:r>
+              <a:rPr lang="en-US" sz="2600" dirty="0">
+                <a:latin typeface="Times New Roman" panose="02020603050405020304" pitchFamily="18" charset="0"/>
+                <a:cs typeface="Times New Roman" panose="02020603050405020304" pitchFamily="18" charset="0"/>
+              </a:rPr>
+              <a:t>Implement reward system</a:t>
+            </a:r>
+          </a:p>
+          <a:p>
+            <a:r>
+              <a:rPr lang="en-US" sz="2600" dirty="0">
+                <a:latin typeface="Times New Roman" panose="02020603050405020304" pitchFamily="18" charset="0"/>
+                <a:cs typeface="Times New Roman" panose="02020603050405020304" pitchFamily="18" charset="0"/>
+              </a:rPr>
               <a:t>Implement more levels</a:t>
             </a:r>
-          </a:p>
-          <a:p>
-            <a:r>
-              <a:rPr lang="en-GB" sz="3800" dirty="0"/>
-              <a:t>Improve the gamification to make it more enjoyable and attractive for the kids</a:t>
-            </a:r>
-          </a:p>
-          <a:p>
-            <a:r>
-              <a:rPr lang="en-GB" sz="3800" dirty="0"/>
-              <a:t>Transfer phishing levels from game1 to game2</a:t>
-            </a:r>
-          </a:p>
-          <a:p>
-            <a:r>
-              <a:rPr lang="en-GB" sz="3800" dirty="0"/>
-              <a:t>Create </a:t>
-            </a:r>
-            <a:r>
-              <a:rPr lang="en-GB" sz="3800" dirty="0" err="1"/>
-              <a:t>Leaderboard</a:t>
-            </a:r>
-            <a:r>
-              <a:rPr lang="en-GB" sz="3800" dirty="0"/>
-              <a:t> for Motivation</a:t>
-            </a:r>
-          </a:p>
-          <a:p>
-            <a:r>
-              <a:rPr lang="en-GB" sz="3800" dirty="0"/>
-              <a:t>Implement reward system</a:t>
-            </a:r>
-          </a:p>
-          <a:p>
-            <a:endParaRPr lang="en-GB" dirty="0"/>
-          </a:p>
-          <a:p>
-            <a:endParaRPr lang="en-GB" dirty="0"/>
-          </a:p>
-          <a:p>
-            <a:endParaRPr lang="en-GB" dirty="0"/>
-          </a:p>
-          <a:p>
-            <a:endParaRPr lang="en-GB" dirty="0"/>
-          </a:p>
-          <a:p>
-            <a:endParaRPr lang="en-GB" dirty="0"/>
-          </a:p>
-          <a:p>
-            <a:pPr marL="0" indent="0">
-              <a:buNone/>
-            </a:pPr>
-            <a:endParaRPr lang="en-GB" dirty="0"/>
-          </a:p>
-          <a:p>
-            <a:pPr marL="0" indent="0">
-              <a:buNone/>
-            </a:pPr>
-            <a:endParaRPr lang="en-GB" dirty="0"/>
-          </a:p>
-          <a:p>
-            <a:pPr marL="0" indent="0">
-              <a:buNone/>
-            </a:pPr>
-            <a:endParaRPr lang="en-GB" dirty="0"/>
-          </a:p>
-          <a:p>
-            <a:pPr marL="0" indent="0">
-              <a:buNone/>
-            </a:pPr>
-            <a:endParaRPr lang="en-GB" dirty="0"/>
-          </a:p>
-          <a:p>
-            <a:pPr marL="0" indent="0">
-              <a:buNone/>
-            </a:pPr>
-            <a:endParaRPr lang="en-GB" dirty="0"/>
-          </a:p>
-          <a:p>
-            <a:pPr marL="0" indent="0">
-              <a:buNone/>
-            </a:pPr>
-            <a:endParaRPr lang="en-GB" dirty="0"/>
           </a:p>
         </p:txBody>
       </p:sp>
@@ -16275,9 +17016,272 @@
           <a:p>
             <a:fld id="{AB265669-9768-4162-B261-757C55BCE5B3}" type="slidenum">
               <a:rPr lang="en-US" smtClean="0"/>
-              <a:t>8</a:t>
+              <a:t>9</a:t>
             </a:fld>
             <a:endParaRPr lang="en-US" dirty="0"/>
+          </a:p>
+        </p:txBody>
+      </p:sp>
+      <p:sp>
+        <p:nvSpPr>
+          <p:cNvPr id="5" name="Content Placeholder 2">
+            <a:extLst>
+              <a:ext uri="{FF2B5EF4-FFF2-40B4-BE49-F238E27FC236}">
+                <a16:creationId xmlns:a16="http://schemas.microsoft.com/office/drawing/2014/main" id="{DFB90501-0F52-4CF6-B93B-D0F94A6FA5FE}"/>
+              </a:ext>
+            </a:extLst>
+          </p:cNvPr>
+          <p:cNvSpPr txBox="1">
+            <a:spLocks/>
+          </p:cNvSpPr>
+          <p:nvPr/>
+        </p:nvSpPr>
+        <p:spPr>
+          <a:xfrm>
+            <a:off x="1484310" y="2059989"/>
+            <a:ext cx="10018713" cy="3807142"/>
+          </a:xfrm>
+          <a:prstGeom prst="rect">
+            <a:avLst/>
+          </a:prstGeom>
+        </p:spPr>
+        <p:txBody>
+          <a:bodyPr vert="horz" lIns="91440" tIns="45720" rIns="91440" bIns="45720" rtlCol="0" anchor="ctr">
+            <a:normAutofit/>
+          </a:bodyPr>
+          <a:lstStyle>
+            <a:lvl1pPr marL="285750" indent="-285750" algn="l" defTabSz="457200" rtl="0" eaLnBrk="1" latinLnBrk="0" hangingPunct="1">
+              <a:spcBef>
+                <a:spcPct val="20000"/>
+              </a:spcBef>
+              <a:spcAft>
+                <a:spcPts val="600"/>
+              </a:spcAft>
+              <a:buClr>
+                <a:schemeClr val="accent1">
+                  <a:lumMod val="75000"/>
+                </a:schemeClr>
+              </a:buClr>
+              <a:buSzPct val="145000"/>
+              <a:buFont typeface="Arial"/>
+              <a:buChar char="•"/>
+              <a:defRPr sz="2400" kern="1200" cap="none">
+                <a:solidFill>
+                  <a:schemeClr val="tx1"/>
+                </a:solidFill>
+                <a:effectLst/>
+                <a:latin typeface="+mn-lt"/>
+                <a:ea typeface="+mn-ea"/>
+                <a:cs typeface="+mn-cs"/>
+              </a:defRPr>
+            </a:lvl1pPr>
+            <a:lvl2pPr marL="742950" indent="-285750" algn="l" defTabSz="457200" rtl="0" eaLnBrk="1" latinLnBrk="0" hangingPunct="1">
+              <a:spcBef>
+                <a:spcPct val="20000"/>
+              </a:spcBef>
+              <a:spcAft>
+                <a:spcPts val="600"/>
+              </a:spcAft>
+              <a:buClr>
+                <a:schemeClr val="accent1">
+                  <a:lumMod val="75000"/>
+                </a:schemeClr>
+              </a:buClr>
+              <a:buSzPct val="145000"/>
+              <a:buFont typeface="Arial"/>
+              <a:buChar char="•"/>
+              <a:defRPr sz="2000" kern="1200" cap="none">
+                <a:solidFill>
+                  <a:schemeClr val="tx1"/>
+                </a:solidFill>
+                <a:effectLst/>
+                <a:latin typeface="+mn-lt"/>
+                <a:ea typeface="+mn-ea"/>
+                <a:cs typeface="+mn-cs"/>
+              </a:defRPr>
+            </a:lvl2pPr>
+            <a:lvl3pPr marL="1200150" indent="-285750" algn="l" defTabSz="457200" rtl="0" eaLnBrk="1" latinLnBrk="0" hangingPunct="1">
+              <a:spcBef>
+                <a:spcPct val="20000"/>
+              </a:spcBef>
+              <a:spcAft>
+                <a:spcPts val="600"/>
+              </a:spcAft>
+              <a:buClr>
+                <a:schemeClr val="accent1">
+                  <a:lumMod val="75000"/>
+                </a:schemeClr>
+              </a:buClr>
+              <a:buSzPct val="145000"/>
+              <a:buFont typeface="Arial"/>
+              <a:buChar char="•"/>
+              <a:defRPr sz="1800" kern="1200" cap="none">
+                <a:solidFill>
+                  <a:schemeClr val="tx1"/>
+                </a:solidFill>
+                <a:effectLst/>
+                <a:latin typeface="+mn-lt"/>
+                <a:ea typeface="+mn-ea"/>
+                <a:cs typeface="+mn-cs"/>
+              </a:defRPr>
+            </a:lvl3pPr>
+            <a:lvl4pPr marL="1543050" indent="-171450" algn="l" defTabSz="457200" rtl="0" eaLnBrk="1" latinLnBrk="0" hangingPunct="1">
+              <a:spcBef>
+                <a:spcPct val="20000"/>
+              </a:spcBef>
+              <a:spcAft>
+                <a:spcPts val="600"/>
+              </a:spcAft>
+              <a:buClr>
+                <a:schemeClr val="accent1">
+                  <a:lumMod val="75000"/>
+                </a:schemeClr>
+              </a:buClr>
+              <a:buSzPct val="145000"/>
+              <a:buFont typeface="Arial"/>
+              <a:buChar char="•"/>
+              <a:defRPr sz="1600" kern="1200" cap="none">
+                <a:solidFill>
+                  <a:schemeClr val="tx1"/>
+                </a:solidFill>
+                <a:effectLst/>
+                <a:latin typeface="+mn-lt"/>
+                <a:ea typeface="+mn-ea"/>
+                <a:cs typeface="+mn-cs"/>
+              </a:defRPr>
+            </a:lvl4pPr>
+            <a:lvl5pPr marL="2000250" indent="-171450" algn="l" defTabSz="457200" rtl="0" eaLnBrk="1" latinLnBrk="0" hangingPunct="1">
+              <a:spcBef>
+                <a:spcPct val="20000"/>
+              </a:spcBef>
+              <a:spcAft>
+                <a:spcPts val="600"/>
+              </a:spcAft>
+              <a:buClr>
+                <a:schemeClr val="accent1">
+                  <a:lumMod val="75000"/>
+                </a:schemeClr>
+              </a:buClr>
+              <a:buSzPct val="145000"/>
+              <a:buFont typeface="Arial"/>
+              <a:buChar char="•"/>
+              <a:defRPr sz="1400" kern="1200" cap="none">
+                <a:solidFill>
+                  <a:schemeClr val="tx1"/>
+                </a:solidFill>
+                <a:effectLst/>
+                <a:latin typeface="+mn-lt"/>
+                <a:ea typeface="+mn-ea"/>
+                <a:cs typeface="+mn-cs"/>
+              </a:defRPr>
+            </a:lvl5pPr>
+            <a:lvl6pPr marL="2514600" indent="-228600" algn="l" defTabSz="457200" rtl="0" eaLnBrk="1" latinLnBrk="0" hangingPunct="1">
+              <a:spcBef>
+                <a:spcPct val="20000"/>
+              </a:spcBef>
+              <a:spcAft>
+                <a:spcPts val="600"/>
+              </a:spcAft>
+              <a:buClr>
+                <a:schemeClr val="accent1">
+                  <a:lumMod val="75000"/>
+                </a:schemeClr>
+              </a:buClr>
+              <a:buSzPct val="145000"/>
+              <a:buFont typeface="Arial"/>
+              <a:buChar char="•"/>
+              <a:defRPr sz="1400" kern="1200" cap="none">
+                <a:solidFill>
+                  <a:schemeClr val="tx1"/>
+                </a:solidFill>
+                <a:effectLst/>
+                <a:latin typeface="+mn-lt"/>
+                <a:ea typeface="+mn-ea"/>
+                <a:cs typeface="+mn-cs"/>
+              </a:defRPr>
+            </a:lvl6pPr>
+            <a:lvl7pPr marL="2971800" indent="-228600" algn="l" defTabSz="457200" rtl="0" eaLnBrk="1" latinLnBrk="0" hangingPunct="1">
+              <a:spcBef>
+                <a:spcPct val="20000"/>
+              </a:spcBef>
+              <a:spcAft>
+                <a:spcPts val="600"/>
+              </a:spcAft>
+              <a:buClr>
+                <a:schemeClr val="accent1">
+                  <a:lumMod val="75000"/>
+                </a:schemeClr>
+              </a:buClr>
+              <a:buSzPct val="145000"/>
+              <a:buFont typeface="Arial"/>
+              <a:buChar char="•"/>
+              <a:defRPr sz="1400" kern="1200" cap="none">
+                <a:solidFill>
+                  <a:schemeClr val="tx1"/>
+                </a:solidFill>
+                <a:effectLst/>
+                <a:latin typeface="+mn-lt"/>
+                <a:ea typeface="+mn-ea"/>
+                <a:cs typeface="+mn-cs"/>
+              </a:defRPr>
+            </a:lvl7pPr>
+            <a:lvl8pPr marL="3429000" indent="-228600" algn="l" defTabSz="457200" rtl="0" eaLnBrk="1" latinLnBrk="0" hangingPunct="1">
+              <a:spcBef>
+                <a:spcPct val="20000"/>
+              </a:spcBef>
+              <a:spcAft>
+                <a:spcPts val="600"/>
+              </a:spcAft>
+              <a:buClr>
+                <a:schemeClr val="accent1">
+                  <a:lumMod val="75000"/>
+                </a:schemeClr>
+              </a:buClr>
+              <a:buSzPct val="145000"/>
+              <a:buFont typeface="Arial"/>
+              <a:buChar char="•"/>
+              <a:defRPr sz="1400" kern="1200" cap="none">
+                <a:solidFill>
+                  <a:schemeClr val="tx1"/>
+                </a:solidFill>
+                <a:effectLst/>
+                <a:latin typeface="+mn-lt"/>
+                <a:ea typeface="+mn-ea"/>
+                <a:cs typeface="+mn-cs"/>
+              </a:defRPr>
+            </a:lvl8pPr>
+            <a:lvl9pPr marL="3886200" indent="-228600" algn="l" defTabSz="457200" rtl="0" eaLnBrk="1" latinLnBrk="0" hangingPunct="1">
+              <a:spcBef>
+                <a:spcPct val="20000"/>
+              </a:spcBef>
+              <a:spcAft>
+                <a:spcPts val="600"/>
+              </a:spcAft>
+              <a:buClr>
+                <a:schemeClr val="accent1">
+                  <a:lumMod val="75000"/>
+                </a:schemeClr>
+              </a:buClr>
+              <a:buSzPct val="145000"/>
+              <a:buFont typeface="Arial"/>
+              <a:buChar char="•"/>
+              <a:defRPr sz="1400" kern="1200" cap="none">
+                <a:solidFill>
+                  <a:schemeClr val="tx1"/>
+                </a:solidFill>
+                <a:effectLst/>
+                <a:latin typeface="+mn-lt"/>
+                <a:ea typeface="+mn-ea"/>
+                <a:cs typeface="+mn-cs"/>
+              </a:defRPr>
+            </a:lvl9pPr>
+          </a:lstStyle>
+          <a:p>
+            <a:pPr marL="0" indent="0">
+              <a:buFont typeface="Arial"/>
+              <a:buNone/>
+            </a:pPr>
+            <a:endParaRPr lang="en-GB" dirty="0"/>
           </a:p>
         </p:txBody>
       </p:sp>
@@ -16285,173 +17289,6 @@
     <p:extLst>
       <p:ext uri="{BB962C8B-B14F-4D97-AF65-F5344CB8AC3E}">
         <p14:creationId xmlns:p14="http://schemas.microsoft.com/office/powerpoint/2010/main" val="547128972"/>
-      </p:ext>
-    </p:extLst>
-  </p:cSld>
-  <p:clrMapOvr>
-    <a:masterClrMapping/>
-  </p:clrMapOvr>
-</p:sld>
-</file>
-
-<file path=ppt/slides/slide9.xml><?xml version="1.0" encoding="utf-8"?>
-<p:sld xmlns:a="http://schemas.openxmlformats.org/drawingml/2006/main" xmlns:r="http://schemas.openxmlformats.org/officeDocument/2006/relationships" xmlns:p="http://schemas.openxmlformats.org/presentationml/2006/main">
-  <p:cSld>
-    <p:spTree>
-      <p:nvGrpSpPr>
-        <p:cNvPr id="1" name=""/>
-        <p:cNvGrpSpPr/>
-        <p:nvPr/>
-      </p:nvGrpSpPr>
-      <p:grpSpPr>
-        <a:xfrm>
-          <a:off x="0" y="0"/>
-          <a:ext cx="0" cy="0"/>
-          <a:chOff x="0" y="0"/>
-          <a:chExt cx="0" cy="0"/>
-        </a:xfrm>
-      </p:grpSpPr>
-      <p:sp>
-        <p:nvSpPr>
-          <p:cNvPr id="2" name="Title 1">
-            <a:extLst>
-              <a:ext uri="{FF2B5EF4-FFF2-40B4-BE49-F238E27FC236}">
-                <a16:creationId xmlns:a16="http://schemas.microsoft.com/office/drawing/2014/main" id="{CAD74210-2616-41FB-95DB-44B5383AF4BC}"/>
-              </a:ext>
-            </a:extLst>
-          </p:cNvPr>
-          <p:cNvSpPr>
-            <a:spLocks noGrp="1"/>
-          </p:cNvSpPr>
-          <p:nvPr>
-            <p:ph type="title"/>
-          </p:nvPr>
-        </p:nvSpPr>
-        <p:spPr>
-          <a:xfrm>
-            <a:off x="1484311" y="685801"/>
-            <a:ext cx="10018713" cy="874552"/>
-          </a:xfrm>
-        </p:spPr>
-        <p:txBody>
-          <a:bodyPr/>
-          <a:lstStyle/>
-          <a:p>
-            <a:pPr algn="l"/>
-            <a:r>
-              <a:rPr lang="en-US" dirty="0"/>
-              <a:t>Time Plan</a:t>
-            </a:r>
-          </a:p>
-        </p:txBody>
-      </p:sp>
-      <p:sp>
-        <p:nvSpPr>
-          <p:cNvPr id="4" name="Slide Number Placeholder 3">
-            <a:extLst>
-              <a:ext uri="{FF2B5EF4-FFF2-40B4-BE49-F238E27FC236}">
-                <a16:creationId xmlns:a16="http://schemas.microsoft.com/office/drawing/2014/main" id="{5A8C45F3-018E-4A22-BBF5-8D3566B89132}"/>
-              </a:ext>
-            </a:extLst>
-          </p:cNvPr>
-          <p:cNvSpPr>
-            <a:spLocks noGrp="1"/>
-          </p:cNvSpPr>
-          <p:nvPr>
-            <p:ph type="sldNum" sz="quarter" idx="12"/>
-          </p:nvPr>
-        </p:nvSpPr>
-        <p:spPr/>
-        <p:txBody>
-          <a:bodyPr/>
-          <a:lstStyle/>
-          <a:p>
-            <a:fld id="{AB265669-9768-4162-B261-757C55BCE5B3}" type="slidenum">
-              <a:rPr lang="en-US" smtClean="0"/>
-              <a:t>9</a:t>
-            </a:fld>
-            <a:endParaRPr lang="en-US" dirty="0"/>
-          </a:p>
-        </p:txBody>
-      </p:sp>
-      <p:graphicFrame>
-        <p:nvGraphicFramePr>
-          <p:cNvPr id="6" name="Content Placeholder 5">
-            <a:extLst>
-              <a:ext uri="{FF2B5EF4-FFF2-40B4-BE49-F238E27FC236}">
-                <a16:creationId xmlns:a16="http://schemas.microsoft.com/office/drawing/2014/main" id="{055A0A5E-0AE0-49DE-9462-004ADE7F0C0B}"/>
-              </a:ext>
-            </a:extLst>
-          </p:cNvPr>
-          <p:cNvGraphicFramePr>
-            <a:graphicFrameLocks noGrp="1"/>
-          </p:cNvGraphicFramePr>
-          <p:nvPr>
-            <p:ph idx="1"/>
-            <p:extLst>
-              <p:ext uri="{D42A27DB-BD31-4B8C-83A1-F6EECF244321}">
-                <p14:modId xmlns:p14="http://schemas.microsoft.com/office/powerpoint/2010/main" val="452959862"/>
-              </p:ext>
-            </p:extLst>
-          </p:nvPr>
-        </p:nvGraphicFramePr>
-        <p:xfrm>
-          <a:off x="1484313" y="1560353"/>
-          <a:ext cx="10018712" cy="4306778"/>
-        </p:xfrm>
-        <a:graphic>
-          <a:graphicData uri="http://schemas.openxmlformats.org/drawingml/2006/chart">
-            <c:chart xmlns:c="http://schemas.openxmlformats.org/drawingml/2006/chart" xmlns:r="http://schemas.openxmlformats.org/officeDocument/2006/relationships" r:id="rId2"/>
-          </a:graphicData>
-        </a:graphic>
-      </p:graphicFrame>
-      <p:sp>
-        <p:nvSpPr>
-          <p:cNvPr id="5" name="TextBox 4">
-            <a:extLst>
-              <a:ext uri="{FF2B5EF4-FFF2-40B4-BE49-F238E27FC236}">
-                <a16:creationId xmlns:a16="http://schemas.microsoft.com/office/drawing/2014/main" id="{508279A9-8EA8-4324-8D09-F1906D9F6EFB}"/>
-              </a:ext>
-            </a:extLst>
-          </p:cNvPr>
-          <p:cNvSpPr txBox="1"/>
-          <p:nvPr/>
-        </p:nvSpPr>
-        <p:spPr>
-          <a:xfrm>
-            <a:off x="5495925" y="5802867"/>
-            <a:ext cx="1771650" cy="369332"/>
-          </a:xfrm>
-          <a:prstGeom prst="rect">
-            <a:avLst/>
-          </a:prstGeom>
-          <a:noFill/>
-        </p:spPr>
-        <p:txBody>
-          <a:bodyPr wrap="square" rtlCol="0">
-            <a:spAutoFit/>
-          </a:bodyPr>
-          <a:lstStyle/>
-          <a:p>
-            <a:pPr marL="285750" indent="-285750">
-              <a:buFont typeface="Wingdings" panose="05000000000000000000" pitchFamily="2" charset="2"/>
-              <a:buChar char="q"/>
-            </a:pPr>
-            <a:r>
-              <a:rPr lang="en-GB" dirty="0">
-                <a:solidFill>
-                  <a:srgbClr val="00B050"/>
-                </a:solidFill>
-              </a:rPr>
-              <a:t>Current State</a:t>
-            </a:r>
-          </a:p>
-        </p:txBody>
-      </p:sp>
-    </p:spTree>
-    <p:extLst>
-      <p:ext uri="{BB962C8B-B14F-4D97-AF65-F5344CB8AC3E}">
-        <p14:creationId xmlns:p14="http://schemas.microsoft.com/office/powerpoint/2010/main" val="2619497775"/>
       </p:ext>
     </p:extLst>
   </p:cSld>

--- a/Graduation_Project_Presentation_Seminar2.pptx
+++ b/Graduation_Project_Presentation_Seminar2.pptx
@@ -249,16 +249,14 @@
               <c:strCache>
                 <c:ptCount val="1"/>
                 <c:pt idx="0">
-                  <c:v>Duration (Days)</c:v>
+                  <c:v>Done</c:v>
                 </c:pt>
               </c:strCache>
             </c:strRef>
           </c:tx>
           <c:spPr>
             <a:solidFill>
-              <a:schemeClr val="accent1">
-                <a:lumMod val="75000"/>
-              </a:schemeClr>
+              <a:srgbClr val="00B0F0"/>
             </a:solidFill>
             <a:ln>
               <a:noFill/>
@@ -279,7 +277,7 @@
             <c:bubble3D val="0"/>
             <c:spPr>
               <a:solidFill>
-                <a:srgbClr val="00B050"/>
+                <a:srgbClr val="16C79A"/>
               </a:solidFill>
               <a:ln>
                 <a:noFill/>
@@ -305,7 +303,7 @@
             <c:bubble3D val="0"/>
             <c:spPr>
               <a:solidFill>
-                <a:srgbClr val="00B050"/>
+                <a:srgbClr val="16C79A"/>
               </a:solidFill>
               <a:ln>
                 <a:noFill/>
@@ -322,6 +320,58 @@
             <c:extLst>
               <c:ext xmlns:c16="http://schemas.microsoft.com/office/drawing/2014/chart" uri="{C3380CC4-5D6E-409C-BE32-E72D297353CC}">
                 <c16:uniqueId val="{00000003-DA01-428C-87C5-5A385C327D19}"/>
+              </c:ext>
+            </c:extLst>
+          </c:dPt>
+          <c:dPt>
+            <c:idx val="5"/>
+            <c:invertIfNegative val="0"/>
+            <c:bubble3D val="0"/>
+            <c:spPr>
+              <a:solidFill>
+                <a:srgbClr val="19456B"/>
+              </a:solidFill>
+              <a:ln>
+                <a:noFill/>
+              </a:ln>
+              <a:effectLst/>
+              <a:scene3d>
+                <a:camera prst="orthographicFront"/>
+                <a:lightRig rig="threePt" dir="t"/>
+              </a:scene3d>
+              <a:sp3d>
+                <a:bevelT w="190500" h="38100"/>
+              </a:sp3d>
+            </c:spPr>
+            <c:extLst>
+              <c:ext xmlns:c16="http://schemas.microsoft.com/office/drawing/2014/chart" uri="{C3380CC4-5D6E-409C-BE32-E72D297353CC}">
+                <c16:uniqueId val="{00000006-18B4-40C3-8A3D-89A8C406AEE2}"/>
+              </c:ext>
+            </c:extLst>
+          </c:dPt>
+          <c:dPt>
+            <c:idx val="6"/>
+            <c:invertIfNegative val="0"/>
+            <c:bubble3D val="0"/>
+            <c:spPr>
+              <a:solidFill>
+                <a:srgbClr val="16C79A"/>
+              </a:solidFill>
+              <a:ln>
+                <a:noFill/>
+              </a:ln>
+              <a:effectLst/>
+              <a:scene3d>
+                <a:camera prst="orthographicFront"/>
+                <a:lightRig rig="threePt" dir="t"/>
+              </a:scene3d>
+              <a:sp3d>
+                <a:bevelT w="190500" h="38100"/>
+              </a:sp3d>
+            </c:spPr>
+            <c:extLst>
+              <c:ext xmlns:c16="http://schemas.microsoft.com/office/drawing/2014/chart" uri="{C3380CC4-5D6E-409C-BE32-E72D297353CC}">
+                <c16:uniqueId val="{00000007-18B4-40C3-8A3D-89A8C406AEE2}"/>
               </c:ext>
             </c:extLst>
           </c:dPt>
@@ -406,7 +456,7 @@
           </c:tx>
           <c:spPr>
             <a:solidFill>
-              <a:srgbClr val="00B050"/>
+              <a:srgbClr val="16C79A"/>
             </a:solidFill>
             <a:ln>
               <a:noFill/>
@@ -462,6 +512,81 @@
           <c:extLst>
             <c:ext xmlns:c16="http://schemas.microsoft.com/office/drawing/2014/chart" uri="{C3380CC4-5D6E-409C-BE32-E72D297353CC}">
               <c16:uniqueId val="{00000004-DA01-428C-87C5-5A385C327D19}"/>
+            </c:ext>
+          </c:extLst>
+        </c:ser>
+        <c:ser>
+          <c:idx val="4"/>
+          <c:order val="4"/>
+          <c:tx>
+            <c:strRef>
+              <c:f>Sheet1!$F$1</c:f>
+              <c:strCache>
+                <c:ptCount val="1"/>
+                <c:pt idx="0">
+                  <c:v>Future State</c:v>
+                </c:pt>
+              </c:strCache>
+            </c:strRef>
+          </c:tx>
+          <c:spPr>
+            <a:solidFill>
+              <a:srgbClr val="19456B"/>
+            </a:solidFill>
+            <a:ln>
+              <a:noFill/>
+            </a:ln>
+            <a:effectLst/>
+            <a:scene3d>
+              <a:camera prst="orthographicFront"/>
+              <a:lightRig rig="threePt" dir="t"/>
+            </a:scene3d>
+            <a:sp3d>
+              <a:bevelT/>
+            </a:sp3d>
+          </c:spPr>
+          <c:invertIfNegative val="0"/>
+          <c:cat>
+            <c:strRef>
+              <c:f>Sheet1!$A$2:$A$8</c:f>
+              <c:strCache>
+                <c:ptCount val="7"/>
+                <c:pt idx="0">
+                  <c:v>Literature Review / Background</c:v>
+                </c:pt>
+                <c:pt idx="1">
+                  <c:v>Analysis &amp; Design</c:v>
+                </c:pt>
+                <c:pt idx="2">
+                  <c:v>Methodology / Architecture</c:v>
+                </c:pt>
+                <c:pt idx="3">
+                  <c:v>Implementation</c:v>
+                </c:pt>
+                <c:pt idx="4">
+                  <c:v>Validation &amp; Testing</c:v>
+                </c:pt>
+                <c:pt idx="5">
+                  <c:v>Areas To Improve</c:v>
+                </c:pt>
+                <c:pt idx="6">
+                  <c:v>Documentation</c:v>
+                </c:pt>
+              </c:strCache>
+            </c:strRef>
+          </c:cat>
+          <c:val>
+            <c:numRef>
+              <c:f>Sheet1!$F$2:$F$8</c:f>
+              <c:numCache>
+                <c:formatCode>General</c:formatCode>
+                <c:ptCount val="7"/>
+              </c:numCache>
+            </c:numRef>
+          </c:val>
+          <c:extLst>
+            <c:ext xmlns:c16="http://schemas.microsoft.com/office/drawing/2014/chart" uri="{C3380CC4-5D6E-409C-BE32-E72D297353CC}">
+              <c16:uniqueId val="{00000005-18B4-40C3-8A3D-89A8C406AEE2}"/>
             </c:ext>
           </c:extLst>
         </c:ser>
@@ -2099,7 +2224,7 @@
 <dgm:dataModel xmlns:dgm="http://schemas.openxmlformats.org/drawingml/2006/diagram" xmlns:a="http://schemas.openxmlformats.org/drawingml/2006/main">
   <dgm:ptLst>
     <dgm:pt modelId="{1B0F67B9-7A5F-4B99-B052-091CD35412B4}" type="doc">
-      <dgm:prSet loTypeId="urn:microsoft.com/office/officeart/2005/8/layout/orgChart1" loCatId="hierarchy" qsTypeId="urn:microsoft.com/office/officeart/2005/8/quickstyle/simple1" qsCatId="simple" csTypeId="urn:microsoft.com/office/officeart/2005/8/colors/accent1_2" csCatId="accent1" phldr="1"/>
+      <dgm:prSet loTypeId="urn:microsoft.com/office/officeart/2005/8/layout/hierarchy1" loCatId="hierarchy" qsTypeId="urn:microsoft.com/office/officeart/2005/8/quickstyle/simple1" qsCatId="simple" csTypeId="urn:microsoft.com/office/officeart/2005/8/colors/accent1_2" csCatId="accent1" phldr="1"/>
       <dgm:spPr/>
       <dgm:t>
         <a:bodyPr/>
@@ -2109,15 +2234,58 @@
         </a:p>
       </dgm:t>
     </dgm:pt>
-    <dgm:pt modelId="{33B04355-439C-478B-9CF3-7CEF85F3AEEA}">
+    <dgm:pt modelId="{3FFE7169-CD91-402F-BE7A-D6FC1D576DD1}">
       <dgm:prSet phldrT="[Text]" custT="1"/>
+      <dgm:spPr/>
+      <dgm:t>
+        <a:bodyPr vert="horz"/>
+        <a:lstStyle/>
+        <a:p>
+          <a:r>
+            <a:rPr lang="en-US" sz="1400">
+              <a:latin typeface="Times New Roman" panose="02020603050405020304" pitchFamily="18" charset="0"/>
+              <a:cs typeface="Times New Roman" panose="02020603050405020304" pitchFamily="18" charset="0"/>
+            </a:rPr>
+            <a:t>NIST</a:t>
+          </a:r>
+          <a:endParaRPr lang="en-US" sz="1400" dirty="0">
+            <a:latin typeface="Times New Roman" panose="02020603050405020304" pitchFamily="18" charset="0"/>
+            <a:cs typeface="Times New Roman" panose="02020603050405020304" pitchFamily="18" charset="0"/>
+          </a:endParaRPr>
+        </a:p>
+      </dgm:t>
+    </dgm:pt>
+    <dgm:pt modelId="{E2329A14-DF83-4094-AB7B-A8E189E9892F}" type="parTrans" cxnId="{A78823F5-6770-44B3-BE2C-514F19F3203E}">
+      <dgm:prSet/>
       <dgm:spPr/>
       <dgm:t>
         <a:bodyPr/>
         <a:lstStyle/>
         <a:p>
+          <a:endParaRPr lang="en-US"/>
+        </a:p>
+      </dgm:t>
+    </dgm:pt>
+    <dgm:pt modelId="{6F3CDEA9-98C1-4756-840B-9D6DAEC8E20D}" type="sibTrans" cxnId="{A78823F5-6770-44B3-BE2C-514F19F3203E}">
+      <dgm:prSet/>
+      <dgm:spPr/>
+      <dgm:t>
+        <a:bodyPr/>
+        <a:lstStyle/>
+        <a:p>
+          <a:endParaRPr lang="en-US"/>
+        </a:p>
+      </dgm:t>
+    </dgm:pt>
+    <dgm:pt modelId="{F222094F-AF64-41D6-863C-3BC921219E66}">
+      <dgm:prSet phldrT="[Text]" custT="1"/>
+      <dgm:spPr/>
+      <dgm:t>
+        <a:bodyPr vert="horz"/>
+        <a:lstStyle/>
+        <a:p>
           <a:r>
-            <a:rPr lang="en-US" sz="3200" dirty="0">
+            <a:rPr lang="en-US" sz="1400" dirty="0">
               <a:latin typeface="Times New Roman" panose="02020603050405020304" pitchFamily="18" charset="0"/>
               <a:cs typeface="Times New Roman" panose="02020603050405020304" pitchFamily="18" charset="0"/>
             </a:rPr>
@@ -2126,43 +2294,217 @@
         </a:p>
       </dgm:t>
     </dgm:pt>
-    <dgm:pt modelId="{450F06AD-5EAB-4303-AB7B-C9B5519575DC}" type="parTrans" cxnId="{9894349E-1FD2-406E-900F-97D928179C89}">
+    <dgm:pt modelId="{77910CD9-2D1B-44E2-A5DD-DB79B21E832B}" type="parTrans" cxnId="{BEB65256-095E-4B32-8078-4DFD3EE80B58}">
       <dgm:prSet/>
       <dgm:spPr/>
       <dgm:t>
         <a:bodyPr/>
         <a:lstStyle/>
         <a:p>
-          <a:endParaRPr lang="en-US" sz="3200">
+          <a:endParaRPr lang="en-US"/>
+        </a:p>
+      </dgm:t>
+    </dgm:pt>
+    <dgm:pt modelId="{010DD3B1-DF5B-4C31-983D-CCFD534398A8}" type="sibTrans" cxnId="{BEB65256-095E-4B32-8078-4DFD3EE80B58}">
+      <dgm:prSet/>
+      <dgm:spPr/>
+      <dgm:t>
+        <a:bodyPr/>
+        <a:lstStyle/>
+        <a:p>
+          <a:endParaRPr lang="en-US"/>
+        </a:p>
+      </dgm:t>
+    </dgm:pt>
+    <dgm:pt modelId="{C6596820-3535-4754-BCA0-48724E8999A7}">
+      <dgm:prSet phldrT="[Text]" custT="1"/>
+      <dgm:spPr>
+        <a:ln>
+          <a:solidFill>
+            <a:srgbClr val="00B050"/>
+          </a:solidFill>
+        </a:ln>
+      </dgm:spPr>
+      <dgm:t>
+        <a:bodyPr vert="horz"/>
+        <a:lstStyle/>
+        <a:p>
+          <a:r>
+            <a:rPr lang="en-US" sz="1400" dirty="0">
+              <a:latin typeface="Times New Roman" panose="02020603050405020304" pitchFamily="18" charset="0"/>
+              <a:cs typeface="Times New Roman" panose="02020603050405020304" pitchFamily="18" charset="0"/>
+            </a:rPr>
+            <a:t>Learning</a:t>
+          </a:r>
+        </a:p>
+      </dgm:t>
+    </dgm:pt>
+    <dgm:pt modelId="{75374B88-0416-4288-B9D3-7DA3C702DF23}" type="parTrans" cxnId="{1291952C-DB4F-48DA-A92C-89F53DFDEC2E}">
+      <dgm:prSet/>
+      <dgm:spPr/>
+      <dgm:t>
+        <a:bodyPr/>
+        <a:lstStyle/>
+        <a:p>
+          <a:endParaRPr lang="en-US"/>
+        </a:p>
+      </dgm:t>
+    </dgm:pt>
+    <dgm:pt modelId="{B9D083A4-3032-4E0F-A593-9385574194FE}" type="sibTrans" cxnId="{1291952C-DB4F-48DA-A92C-89F53DFDEC2E}">
+      <dgm:prSet/>
+      <dgm:spPr/>
+      <dgm:t>
+        <a:bodyPr/>
+        <a:lstStyle/>
+        <a:p>
+          <a:endParaRPr lang="en-US"/>
+        </a:p>
+      </dgm:t>
+    </dgm:pt>
+    <dgm:pt modelId="{ABDE0313-D180-4DC7-80CB-E064C15AED58}">
+      <dgm:prSet phldrT="[Text]" custT="1"/>
+      <dgm:spPr>
+        <a:ln>
+          <a:solidFill>
+            <a:srgbClr val="00B050"/>
+          </a:solidFill>
+        </a:ln>
+      </dgm:spPr>
+      <dgm:t>
+        <a:bodyPr vert="horz"/>
+        <a:lstStyle/>
+        <a:p>
+          <a:r>
+            <a:rPr lang="en-US" sz="1400" dirty="0">
+              <a:latin typeface="Times New Roman" panose="02020603050405020304" pitchFamily="18" charset="0"/>
+              <a:cs typeface="Times New Roman" panose="02020603050405020304" pitchFamily="18" charset="0"/>
+            </a:rPr>
+            <a:t>Challenge</a:t>
+          </a:r>
+        </a:p>
+      </dgm:t>
+    </dgm:pt>
+    <dgm:pt modelId="{AD3ADB0D-CC94-451E-95DF-B954EB3AEEEF}" type="parTrans" cxnId="{85D41277-EA35-4FCD-9DBA-70B479D0C907}">
+      <dgm:prSet/>
+      <dgm:spPr/>
+      <dgm:t>
+        <a:bodyPr/>
+        <a:lstStyle/>
+        <a:p>
+          <a:endParaRPr lang="en-US"/>
+        </a:p>
+      </dgm:t>
+    </dgm:pt>
+    <dgm:pt modelId="{9692F237-09D1-4195-883B-00CB298EE490}" type="sibTrans" cxnId="{85D41277-EA35-4FCD-9DBA-70B479D0C907}">
+      <dgm:prSet/>
+      <dgm:spPr/>
+      <dgm:t>
+        <a:bodyPr/>
+        <a:lstStyle/>
+        <a:p>
+          <a:endParaRPr lang="en-US"/>
+        </a:p>
+      </dgm:t>
+    </dgm:pt>
+    <dgm:pt modelId="{EC326B44-45FA-4D24-8944-4EB903CA0EF0}">
+      <dgm:prSet phldrT="[Text]" custT="1"/>
+      <dgm:spPr>
+        <a:ln>
+          <a:solidFill>
+            <a:srgbClr val="00B050"/>
+          </a:solidFill>
+        </a:ln>
+      </dgm:spPr>
+      <dgm:t>
+        <a:bodyPr vert="horz"/>
+        <a:lstStyle/>
+        <a:p>
+          <a:r>
+            <a:rPr lang="en-US" sz="1400">
+              <a:latin typeface="Times New Roman" panose="02020603050405020304" pitchFamily="18" charset="0"/>
+              <a:cs typeface="Times New Roman" panose="02020603050405020304" pitchFamily="18" charset="0"/>
+            </a:rPr>
+            <a:t>Goal</a:t>
+          </a:r>
+          <a:endParaRPr lang="en-US" sz="1400" dirty="0">
             <a:latin typeface="Times New Roman" panose="02020603050405020304" pitchFamily="18" charset="0"/>
             <a:cs typeface="Times New Roman" panose="02020603050405020304" pitchFamily="18" charset="0"/>
           </a:endParaRPr>
         </a:p>
       </dgm:t>
     </dgm:pt>
-    <dgm:pt modelId="{1F473E32-5F8D-4901-AB1D-A2CB0047ECED}" type="sibTrans" cxnId="{9894349E-1FD2-406E-900F-97D928179C89}">
+    <dgm:pt modelId="{F6765C6C-9E5C-4792-81E0-DBA308FD570E}" type="parTrans" cxnId="{34BD806E-3235-4F05-946C-E5481C959167}">
       <dgm:prSet/>
       <dgm:spPr/>
       <dgm:t>
         <a:bodyPr/>
         <a:lstStyle/>
         <a:p>
-          <a:endParaRPr lang="en-US" sz="3200">
-            <a:latin typeface="Times New Roman" panose="02020603050405020304" pitchFamily="18" charset="0"/>
-            <a:cs typeface="Times New Roman" panose="02020603050405020304" pitchFamily="18" charset="0"/>
-          </a:endParaRPr>
+          <a:endParaRPr lang="en-US"/>
         </a:p>
       </dgm:t>
     </dgm:pt>
-    <dgm:pt modelId="{EA10A4D8-4027-49E0-A20F-79C557F9AD38}">
+    <dgm:pt modelId="{23FF9322-F6BC-4FD2-9F69-755D56B1A873}" type="sibTrans" cxnId="{34BD806E-3235-4F05-946C-E5481C959167}">
+      <dgm:prSet/>
+      <dgm:spPr/>
+      <dgm:t>
+        <a:bodyPr/>
+        <a:lstStyle/>
+        <a:p>
+          <a:endParaRPr lang="en-US"/>
+        </a:p>
+      </dgm:t>
+    </dgm:pt>
+    <dgm:pt modelId="{270C762B-1A9C-42A6-B1DF-259E866A6620}">
+      <dgm:prSet phldrT="[Text]" custT="1"/>
+      <dgm:spPr/>
+      <dgm:t>
+        <a:bodyPr/>
+        <a:lstStyle/>
+        <a:p>
+          <a:r>
+            <a:rPr lang="en-US" sz="1400" dirty="0">
+              <a:latin typeface="Times New Roman" panose="02020603050405020304" pitchFamily="18" charset="0"/>
+              <a:cs typeface="Times New Roman" panose="02020603050405020304" pitchFamily="18" charset="0"/>
+            </a:rPr>
+            <a:t>Game Engine</a:t>
+          </a:r>
+        </a:p>
+      </dgm:t>
+    </dgm:pt>
+    <dgm:pt modelId="{B9CB3E7A-6983-4A03-B004-870A72A387EA}" type="parTrans" cxnId="{51271C0B-0623-4933-8BDC-A7866CDEF0F2}">
+      <dgm:prSet/>
+      <dgm:spPr/>
+      <dgm:t>
+        <a:bodyPr/>
+        <a:lstStyle/>
+        <a:p>
+          <a:endParaRPr lang="en-US"/>
+        </a:p>
+      </dgm:t>
+    </dgm:pt>
+    <dgm:pt modelId="{5CDD0CC7-FC6D-474E-B344-98621BBCE9ED}" type="sibTrans" cxnId="{51271C0B-0623-4933-8BDC-A7866CDEF0F2}">
+      <dgm:prSet/>
+      <dgm:spPr/>
+      <dgm:t>
+        <a:bodyPr/>
+        <a:lstStyle/>
+        <a:p>
+          <a:endParaRPr lang="en-US"/>
+        </a:p>
+      </dgm:t>
+    </dgm:pt>
+    <dgm:pt modelId="{33755AFC-7272-41CF-8A6C-BE1DCF908F24}">
       <dgm:prSet phldrT="[Text]" custT="1"/>
       <dgm:spPr>
-        <a:solidFill>
-          <a:srgbClr val="00B050"/>
-        </a:solidFill>
+        <a:ln>
+          <a:solidFill>
+            <a:srgbClr val="00B050"/>
+          </a:solidFill>
+        </a:ln>
       </dgm:spPr>
       <dgm:t>
-        <a:bodyPr/>
+        <a:bodyPr vert="horz"/>
         <a:lstStyle/>
         <a:p>
           <a:r>
@@ -2175,40 +2517,36 @@
         </a:p>
       </dgm:t>
     </dgm:pt>
-    <dgm:pt modelId="{75617525-453E-45BB-B555-3E835D7B3BEE}" type="parTrans" cxnId="{C2AD856E-1782-499C-BE83-6FE05883F7DD}">
+    <dgm:pt modelId="{0054213D-2048-44D5-98AB-CFB9BE4CDF07}" type="parTrans" cxnId="{9D52839E-BA3D-4C46-A2E6-9C9F55C7BCFA}">
       <dgm:prSet/>
       <dgm:spPr/>
       <dgm:t>
         <a:bodyPr/>
         <a:lstStyle/>
         <a:p>
-          <a:endParaRPr lang="en-US" sz="3200">
-            <a:latin typeface="Times New Roman" panose="02020603050405020304" pitchFamily="18" charset="0"/>
-            <a:cs typeface="Times New Roman" panose="02020603050405020304" pitchFamily="18" charset="0"/>
-          </a:endParaRPr>
+          <a:endParaRPr lang="en-US"/>
         </a:p>
       </dgm:t>
     </dgm:pt>
-    <dgm:pt modelId="{4A0D5592-C0E8-4312-8333-DDB54BC33FE9}" type="sibTrans" cxnId="{C2AD856E-1782-499C-BE83-6FE05883F7DD}">
+    <dgm:pt modelId="{84B9B871-E082-45C6-9B97-C0DF0876F19C}" type="sibTrans" cxnId="{9D52839E-BA3D-4C46-A2E6-9C9F55C7BCFA}">
       <dgm:prSet/>
       <dgm:spPr/>
       <dgm:t>
         <a:bodyPr/>
         <a:lstStyle/>
         <a:p>
-          <a:endParaRPr lang="en-US" sz="3200">
-            <a:latin typeface="Times New Roman" panose="02020603050405020304" pitchFamily="18" charset="0"/>
-            <a:cs typeface="Times New Roman" panose="02020603050405020304" pitchFamily="18" charset="0"/>
-          </a:endParaRPr>
+          <a:endParaRPr lang="en-US"/>
         </a:p>
       </dgm:t>
     </dgm:pt>
-    <dgm:pt modelId="{99B756F5-109C-4B36-AE2E-8629FC300059}">
+    <dgm:pt modelId="{40E2A1BD-94A1-4A48-9A3A-5CF9C6C63776}">
       <dgm:prSet phldrT="[Text]" custT="1"/>
       <dgm:spPr>
-        <a:solidFill>
-          <a:srgbClr val="FF0000"/>
-        </a:solidFill>
+        <a:ln>
+          <a:solidFill>
+            <a:srgbClr val="FF0000"/>
+          </a:solidFill>
+        </a:ln>
       </dgm:spPr>
       <dgm:t>
         <a:bodyPr/>
@@ -2224,187 +2562,85 @@
         </a:p>
       </dgm:t>
     </dgm:pt>
-    <dgm:pt modelId="{13D23237-2FA2-478E-B8FD-CDAED3068398}" type="parTrans" cxnId="{00001F05-6D64-4CB2-9581-CAF0FE14928C}">
+    <dgm:pt modelId="{EBC2771F-86E1-41F5-AB66-B6FBD56F2AC3}" type="parTrans" cxnId="{9CFF0655-1C87-40C1-B1ED-2F745A3AFC64}">
       <dgm:prSet/>
       <dgm:spPr/>
       <dgm:t>
         <a:bodyPr/>
         <a:lstStyle/>
         <a:p>
-          <a:endParaRPr lang="en-US" sz="3200">
+          <a:endParaRPr lang="en-US"/>
+        </a:p>
+      </dgm:t>
+    </dgm:pt>
+    <dgm:pt modelId="{68E21B15-5E60-4930-92C6-45D2A281536F}" type="sibTrans" cxnId="{9CFF0655-1C87-40C1-B1ED-2F745A3AFC64}">
+      <dgm:prSet/>
+      <dgm:spPr/>
+      <dgm:t>
+        <a:bodyPr/>
+        <a:lstStyle/>
+        <a:p>
+          <a:endParaRPr lang="en-US"/>
+        </a:p>
+      </dgm:t>
+    </dgm:pt>
+    <dgm:pt modelId="{5DD09FA9-5AE8-43F0-9944-A3D867027142}">
+      <dgm:prSet phldrT="[Text]" custT="1"/>
+      <dgm:spPr>
+        <a:ln>
+          <a:solidFill>
+            <a:srgbClr val="FF0000"/>
+          </a:solidFill>
+        </a:ln>
+      </dgm:spPr>
+      <dgm:t>
+        <a:bodyPr/>
+        <a:lstStyle/>
+        <a:p>
+          <a:r>
+            <a:rPr lang="en-US" sz="1400">
+              <a:latin typeface="Times New Roman" panose="02020603050405020304" pitchFamily="18" charset="0"/>
+              <a:cs typeface="Times New Roman" panose="02020603050405020304" pitchFamily="18" charset="0"/>
+            </a:rPr>
+            <a:t>Achievement</a:t>
+          </a:r>
+          <a:endParaRPr lang="en-US" sz="1400" dirty="0">
             <a:latin typeface="Times New Roman" panose="02020603050405020304" pitchFamily="18" charset="0"/>
             <a:cs typeface="Times New Roman" panose="02020603050405020304" pitchFamily="18" charset="0"/>
           </a:endParaRPr>
         </a:p>
       </dgm:t>
     </dgm:pt>
-    <dgm:pt modelId="{73388EB4-2889-45BE-B0E8-F395F1F9A4C9}" type="sibTrans" cxnId="{00001F05-6D64-4CB2-9581-CAF0FE14928C}">
+    <dgm:pt modelId="{D581F437-06B6-4379-83D6-DE45430DE09F}" type="parTrans" cxnId="{9A93A44F-1966-4AB1-8F1D-00615C8AD60F}">
       <dgm:prSet/>
       <dgm:spPr/>
       <dgm:t>
         <a:bodyPr/>
         <a:lstStyle/>
         <a:p>
-          <a:endParaRPr lang="en-US" sz="3200">
-            <a:latin typeface="Times New Roman" panose="02020603050405020304" pitchFamily="18" charset="0"/>
-            <a:cs typeface="Times New Roman" panose="02020603050405020304" pitchFamily="18" charset="0"/>
-          </a:endParaRPr>
+          <a:endParaRPr lang="en-US"/>
         </a:p>
       </dgm:t>
     </dgm:pt>
-    <dgm:pt modelId="{DED477AB-7B5E-4626-8E55-833993F6331F}">
-      <dgm:prSet phldrT="[Text]" custT="1"/>
-      <dgm:spPr>
-        <a:solidFill>
-          <a:srgbClr val="FF0000"/>
-        </a:solidFill>
-      </dgm:spPr>
-      <dgm:t>
-        <a:bodyPr/>
-        <a:lstStyle/>
-        <a:p>
-          <a:r>
-            <a:rPr lang="en-US" sz="1400" dirty="0">
-              <a:latin typeface="Times New Roman" panose="02020603050405020304" pitchFamily="18" charset="0"/>
-              <a:cs typeface="Times New Roman" panose="02020603050405020304" pitchFamily="18" charset="0"/>
-            </a:rPr>
-            <a:t>Achievement</a:t>
-          </a:r>
-        </a:p>
-      </dgm:t>
-    </dgm:pt>
-    <dgm:pt modelId="{64BFBFF7-C65E-40FA-A19C-401F50BB7597}" type="parTrans" cxnId="{8095F5AC-FA39-440F-9D8E-9A38197CA594}">
+    <dgm:pt modelId="{76C66656-AC07-4C83-ABB6-C23960D1991C}" type="sibTrans" cxnId="{9A93A44F-1966-4AB1-8F1D-00615C8AD60F}">
       <dgm:prSet/>
       <dgm:spPr/>
       <dgm:t>
         <a:bodyPr/>
         <a:lstStyle/>
         <a:p>
-          <a:endParaRPr lang="en-US" sz="3200">
-            <a:latin typeface="Times New Roman" panose="02020603050405020304" pitchFamily="18" charset="0"/>
-            <a:cs typeface="Times New Roman" panose="02020603050405020304" pitchFamily="18" charset="0"/>
-          </a:endParaRPr>
+          <a:endParaRPr lang="en-US"/>
         </a:p>
       </dgm:t>
     </dgm:pt>
-    <dgm:pt modelId="{24D3D596-744D-43CD-A9C9-2FB1C590DAC7}" type="sibTrans" cxnId="{8095F5AC-FA39-440F-9D8E-9A38197CA594}">
-      <dgm:prSet/>
-      <dgm:spPr/>
-      <dgm:t>
-        <a:bodyPr/>
-        <a:lstStyle/>
-        <a:p>
-          <a:endParaRPr lang="en-US" sz="3200">
-            <a:latin typeface="Times New Roman" panose="02020603050405020304" pitchFamily="18" charset="0"/>
-            <a:cs typeface="Times New Roman" panose="02020603050405020304" pitchFamily="18" charset="0"/>
-          </a:endParaRPr>
-        </a:p>
-      </dgm:t>
-    </dgm:pt>
-    <dgm:pt modelId="{110380F4-E426-4391-83A8-0FE988CCC649}">
+    <dgm:pt modelId="{4D434040-4777-441A-A272-1DC978CFE139}">
       <dgm:prSet phldrT="[Text]" custT="1"/>
       <dgm:spPr>
-        <a:solidFill>
-          <a:srgbClr val="00B050"/>
-        </a:solidFill>
-      </dgm:spPr>
-      <dgm:t>
-        <a:bodyPr/>
-        <a:lstStyle/>
-        <a:p>
-          <a:r>
-            <a:rPr lang="en-US" sz="1400" dirty="0">
-              <a:latin typeface="Times New Roman" panose="02020603050405020304" pitchFamily="18" charset="0"/>
-              <a:cs typeface="Times New Roman" panose="02020603050405020304" pitchFamily="18" charset="0"/>
-            </a:rPr>
-            <a:t>Learning</a:t>
-          </a:r>
-        </a:p>
-      </dgm:t>
-    </dgm:pt>
-    <dgm:pt modelId="{3ED9F1B9-3FB3-4C31-BC21-1CE3E66673BF}" type="parTrans" cxnId="{37CCBDB8-E94B-440D-91D9-779D31CE7FD6}">
-      <dgm:prSet/>
-      <dgm:spPr/>
-      <dgm:t>
-        <a:bodyPr/>
-        <a:lstStyle/>
-        <a:p>
-          <a:endParaRPr lang="en-US" sz="3200">
-            <a:latin typeface="Times New Roman" panose="02020603050405020304" pitchFamily="18" charset="0"/>
-            <a:cs typeface="Times New Roman" panose="02020603050405020304" pitchFamily="18" charset="0"/>
-          </a:endParaRPr>
-        </a:p>
-      </dgm:t>
-    </dgm:pt>
-    <dgm:pt modelId="{623FD42B-4C4C-4238-A737-38B638E42FE6}" type="sibTrans" cxnId="{37CCBDB8-E94B-440D-91D9-779D31CE7FD6}">
-      <dgm:prSet/>
-      <dgm:spPr/>
-      <dgm:t>
-        <a:bodyPr/>
-        <a:lstStyle/>
-        <a:p>
-          <a:endParaRPr lang="en-US" sz="3200">
-            <a:latin typeface="Times New Roman" panose="02020603050405020304" pitchFamily="18" charset="0"/>
-            <a:cs typeface="Times New Roman" panose="02020603050405020304" pitchFamily="18" charset="0"/>
-          </a:endParaRPr>
-        </a:p>
-      </dgm:t>
-    </dgm:pt>
-    <dgm:pt modelId="{254245FE-4AD6-451C-A689-3D99A5D0027F}">
-      <dgm:prSet phldrT="[Text]" custT="1"/>
-      <dgm:spPr>
-        <a:solidFill>
-          <a:srgbClr val="00B050"/>
-        </a:solidFill>
-      </dgm:spPr>
-      <dgm:t>
-        <a:bodyPr/>
-        <a:lstStyle/>
-        <a:p>
-          <a:r>
-            <a:rPr lang="en-US" sz="1400" dirty="0">
-              <a:latin typeface="Times New Roman" panose="02020603050405020304" pitchFamily="18" charset="0"/>
-              <a:cs typeface="Times New Roman" panose="02020603050405020304" pitchFamily="18" charset="0"/>
-            </a:rPr>
-            <a:t>Challenge</a:t>
-          </a:r>
-        </a:p>
-      </dgm:t>
-    </dgm:pt>
-    <dgm:pt modelId="{73E58F07-8D14-4104-8ED1-EF4CE83B1D44}" type="parTrans" cxnId="{8937A8D4-C5C8-4815-B1B5-E3F242F77750}">
-      <dgm:prSet/>
-      <dgm:spPr/>
-      <dgm:t>
-        <a:bodyPr/>
-        <a:lstStyle/>
-        <a:p>
-          <a:endParaRPr lang="en-US" sz="3200">
-            <a:latin typeface="Times New Roman" panose="02020603050405020304" pitchFamily="18" charset="0"/>
-            <a:cs typeface="Times New Roman" panose="02020603050405020304" pitchFamily="18" charset="0"/>
-          </a:endParaRPr>
-        </a:p>
-      </dgm:t>
-    </dgm:pt>
-    <dgm:pt modelId="{AC746B84-9778-4CAA-872F-DB9623A4DD7B}" type="sibTrans" cxnId="{8937A8D4-C5C8-4815-B1B5-E3F242F77750}">
-      <dgm:prSet/>
-      <dgm:spPr/>
-      <dgm:t>
-        <a:bodyPr/>
-        <a:lstStyle/>
-        <a:p>
-          <a:endParaRPr lang="en-US" sz="3200">
-            <a:latin typeface="Times New Roman" panose="02020603050405020304" pitchFamily="18" charset="0"/>
-            <a:cs typeface="Times New Roman" panose="02020603050405020304" pitchFamily="18" charset="0"/>
-          </a:endParaRPr>
-        </a:p>
-      </dgm:t>
-    </dgm:pt>
-    <dgm:pt modelId="{9EAD1B7E-DA63-40D5-A27B-AD22B23BA757}">
-      <dgm:prSet phldrT="[Text]" custT="1"/>
-      <dgm:spPr>
-        <a:solidFill>
-          <a:srgbClr val="FF0000"/>
-        </a:solidFill>
+        <a:ln>
+          <a:solidFill>
+            <a:srgbClr val="FF0000"/>
+          </a:solidFill>
+        </a:ln>
       </dgm:spPr>
       <dgm:t>
         <a:bodyPr/>
@@ -2420,112 +2656,44 @@
         </a:p>
       </dgm:t>
     </dgm:pt>
-    <dgm:pt modelId="{FA1D95D2-10AB-42F4-A8C7-D88C2C78FFEB}" type="parTrans" cxnId="{C8F64F04-3989-4B7A-8F49-F54C741473BA}">
+    <dgm:pt modelId="{FC8BA3D1-D7D8-4771-AAA5-BE25DC3CC775}" type="parTrans" cxnId="{8D0D1372-B5F8-4393-A908-1C869FBB4B83}">
       <dgm:prSet/>
       <dgm:spPr/>
       <dgm:t>
         <a:bodyPr/>
         <a:lstStyle/>
         <a:p>
-          <a:endParaRPr lang="en-US">
-            <a:latin typeface="Times New Roman" panose="02020603050405020304" pitchFamily="18" charset="0"/>
-            <a:cs typeface="Times New Roman" panose="02020603050405020304" pitchFamily="18" charset="0"/>
-          </a:endParaRPr>
+          <a:endParaRPr lang="en-US"/>
         </a:p>
       </dgm:t>
     </dgm:pt>
-    <dgm:pt modelId="{A7F37BC7-C43B-467E-A8F4-38F897B36DF5}" type="sibTrans" cxnId="{C8F64F04-3989-4B7A-8F49-F54C741473BA}">
+    <dgm:pt modelId="{21B66B26-2AEC-42DB-BC43-F931E40358C3}" type="sibTrans" cxnId="{8D0D1372-B5F8-4393-A908-1C869FBB4B83}">
       <dgm:prSet/>
       <dgm:spPr/>
       <dgm:t>
         <a:bodyPr/>
         <a:lstStyle/>
         <a:p>
-          <a:endParaRPr lang="en-US">
-            <a:latin typeface="Times New Roman" panose="02020603050405020304" pitchFamily="18" charset="0"/>
-            <a:cs typeface="Times New Roman" panose="02020603050405020304" pitchFamily="18" charset="0"/>
-          </a:endParaRPr>
+          <a:endParaRPr lang="en-US"/>
         </a:p>
       </dgm:t>
     </dgm:pt>
-    <dgm:pt modelId="{553A73D3-83FD-4A98-BA14-27E24B4D2B5C}">
+    <dgm:pt modelId="{37F80A24-7385-468B-9BBC-DAF939BF2391}">
       <dgm:prSet phldrT="[Text]" custT="1"/>
       <dgm:spPr>
-        <a:solidFill>
-          <a:srgbClr val="00B050"/>
-        </a:solidFill>
-      </dgm:spPr>
-      <dgm:t>
-        <a:bodyPr/>
-        <a:lstStyle/>
-        <a:p>
-          <a:r>
-            <a:rPr lang="en-US" sz="1400" dirty="0">
-              <a:latin typeface="Times New Roman" panose="02020603050405020304" pitchFamily="18" charset="0"/>
-              <a:cs typeface="Times New Roman" panose="02020603050405020304" pitchFamily="18" charset="0"/>
-            </a:rPr>
-            <a:t>Goal</a:t>
-          </a:r>
-        </a:p>
-      </dgm:t>
-    </dgm:pt>
-    <dgm:pt modelId="{E4757A1B-8179-471D-995B-3181F24F2B87}" type="parTrans" cxnId="{529B4B5F-5417-43E6-AD38-5387285FB5BA}">
-      <dgm:prSet/>
-      <dgm:spPr/>
-      <dgm:t>
-        <a:bodyPr/>
-        <a:lstStyle/>
-        <a:p>
-          <a:endParaRPr lang="en-US">
-            <a:latin typeface="Times New Roman" panose="02020603050405020304" pitchFamily="18" charset="0"/>
-            <a:cs typeface="Times New Roman" panose="02020603050405020304" pitchFamily="18" charset="0"/>
-          </a:endParaRPr>
-        </a:p>
-      </dgm:t>
-    </dgm:pt>
-    <dgm:pt modelId="{C8FA4B27-E3CB-43E0-B40D-7CBAA0508DBB}" type="sibTrans" cxnId="{529B4B5F-5417-43E6-AD38-5387285FB5BA}">
-      <dgm:prSet/>
-      <dgm:spPr/>
-      <dgm:t>
-        <a:bodyPr/>
-        <a:lstStyle/>
-        <a:p>
-          <a:endParaRPr lang="en-US">
-            <a:latin typeface="Times New Roman" panose="02020603050405020304" pitchFamily="18" charset="0"/>
-            <a:cs typeface="Times New Roman" panose="02020603050405020304" pitchFamily="18" charset="0"/>
-          </a:endParaRPr>
-        </a:p>
-      </dgm:t>
-    </dgm:pt>
-    <dgm:pt modelId="{7AFFA681-11B2-40F5-97EE-9084A6E3A55B}">
-      <dgm:prSet phldrT="[Text]" custT="1"/>
-      <dgm:spPr>
-        <a:gradFill flip="none" rotWithShape="1">
-          <a:gsLst>
-            <a:gs pos="45000">
-              <a:srgbClr val="FF0000"/>
-            </a:gs>
-            <a:gs pos="56000">
-              <a:schemeClr val="accent2">
-                <a:lumMod val="89000"/>
-              </a:schemeClr>
-            </a:gs>
-            <a:gs pos="69000">
-              <a:schemeClr val="accent2">
-                <a:lumMod val="75000"/>
-              </a:schemeClr>
-            </a:gs>
-            <a:gs pos="83000">
-              <a:schemeClr val="accent2">
-                <a:lumMod val="70000"/>
-              </a:schemeClr>
-            </a:gs>
-          </a:gsLst>
-          <a:path path="circle">
-            <a:fillToRect l="100000" t="100000"/>
-          </a:path>
-          <a:tileRect r="-100000" b="-100000"/>
-        </a:gradFill>
+        <a:ln>
+          <a:gradFill>
+            <a:gsLst>
+              <a:gs pos="0">
+                <a:srgbClr val="00B050"/>
+              </a:gs>
+              <a:gs pos="100000">
+                <a:srgbClr val="FF0000"/>
+              </a:gs>
+            </a:gsLst>
+            <a:lin ang="5400000" scaled="1"/>
+          </a:gradFill>
+        </a:ln>
       </dgm:spPr>
       <dgm:t>
         <a:bodyPr/>
@@ -2541,38 +2709,31 @@
         </a:p>
       </dgm:t>
     </dgm:pt>
-    <dgm:pt modelId="{34302606-4F48-48C0-9188-323EFC5F54C4}" type="parTrans" cxnId="{2FD7A70A-AB9C-47AB-A7AC-B47639AC0412}">
+    <dgm:pt modelId="{FE0E0775-5C54-42F8-8243-CB45F9FE014E}" type="sibTrans" cxnId="{FEAB295C-2307-4E6A-BC31-14CBDA57826A}">
       <dgm:prSet/>
       <dgm:spPr/>
       <dgm:t>
         <a:bodyPr/>
         <a:lstStyle/>
         <a:p>
-          <a:endParaRPr lang="en-US">
-            <a:latin typeface="Times New Roman" panose="02020603050405020304" pitchFamily="18" charset="0"/>
-            <a:cs typeface="Times New Roman" panose="02020603050405020304" pitchFamily="18" charset="0"/>
-          </a:endParaRPr>
+          <a:endParaRPr lang="en-US"/>
         </a:p>
       </dgm:t>
     </dgm:pt>
-    <dgm:pt modelId="{7BF775B4-E167-44D0-AC7C-59AC085AFB43}" type="sibTrans" cxnId="{2FD7A70A-AB9C-47AB-A7AC-B47639AC0412}">
+    <dgm:pt modelId="{1DDFACFF-9A79-4B5F-AB8A-8A60A1455D32}" type="parTrans" cxnId="{FEAB295C-2307-4E6A-BC31-14CBDA57826A}">
       <dgm:prSet/>
       <dgm:spPr/>
       <dgm:t>
         <a:bodyPr/>
         <a:lstStyle/>
         <a:p>
-          <a:endParaRPr lang="en-US">
-            <a:latin typeface="Times New Roman" panose="02020603050405020304" pitchFamily="18" charset="0"/>
-            <a:cs typeface="Times New Roman" panose="02020603050405020304" pitchFamily="18" charset="0"/>
-          </a:endParaRPr>
+          <a:endParaRPr lang="en-US"/>
         </a:p>
       </dgm:t>
     </dgm:pt>
-    <dgm:pt modelId="{1B234070-6E28-4D91-ABBA-DC00AEF2CB9D}" type="pres">
+    <dgm:pt modelId="{48CE7121-10D9-427D-BF48-CEA55471A39F}" type="pres">
       <dgm:prSet presAssocID="{1B0F67B9-7A5F-4B99-B052-091CD35412B4}" presName="hierChild1" presStyleCnt="0">
         <dgm:presLayoutVars>
-          <dgm:orgChart val="1"/>
           <dgm:chPref val="1"/>
           <dgm:dir/>
           <dgm:animOne val="branch"/>
@@ -2582,426 +2743,450 @@
       </dgm:prSet>
       <dgm:spPr/>
     </dgm:pt>
-    <dgm:pt modelId="{A0D7D118-2287-402B-B119-832EC13C15C1}" type="pres">
-      <dgm:prSet presAssocID="{33B04355-439C-478B-9CF3-7CEF85F3AEEA}" presName="hierRoot1" presStyleCnt="0">
-        <dgm:presLayoutVars>
-          <dgm:hierBranch val="init"/>
-        </dgm:presLayoutVars>
-      </dgm:prSet>
+    <dgm:pt modelId="{48CE2FE9-C5F3-49AD-B8F8-89380045C020}" type="pres">
+      <dgm:prSet presAssocID="{3FFE7169-CD91-402F-BE7A-D6FC1D576DD1}" presName="hierRoot1" presStyleCnt="0"/>
       <dgm:spPr/>
     </dgm:pt>
-    <dgm:pt modelId="{1DCF8403-6AD0-4CCB-9CEB-6D4A652BB059}" type="pres">
-      <dgm:prSet presAssocID="{33B04355-439C-478B-9CF3-7CEF85F3AEEA}" presName="rootComposite1" presStyleCnt="0"/>
+    <dgm:pt modelId="{84E55391-74E7-4764-B2EB-775281B61CF9}" type="pres">
+      <dgm:prSet presAssocID="{3FFE7169-CD91-402F-BE7A-D6FC1D576DD1}" presName="composite" presStyleCnt="0"/>
       <dgm:spPr/>
     </dgm:pt>
-    <dgm:pt modelId="{79B290E1-AC66-4447-86A0-88690AB1D9C7}" type="pres">
-      <dgm:prSet presAssocID="{33B04355-439C-478B-9CF3-7CEF85F3AEEA}" presName="rootText1" presStyleLbl="node0" presStyleIdx="0" presStyleCnt="1" custScaleX="845446">
+    <dgm:pt modelId="{37426582-C953-4DA8-BFFA-49E2AF4F91A4}" type="pres">
+      <dgm:prSet presAssocID="{3FFE7169-CD91-402F-BE7A-D6FC1D576DD1}" presName="background" presStyleLbl="node0" presStyleIdx="0" presStyleCnt="1"/>
+      <dgm:spPr/>
+    </dgm:pt>
+    <dgm:pt modelId="{01955665-9EC1-43B2-970E-24FB6925829E}" type="pres">
+      <dgm:prSet presAssocID="{3FFE7169-CD91-402F-BE7A-D6FC1D576DD1}" presName="text" presStyleLbl="fgAcc0" presStyleIdx="0" presStyleCnt="1">
         <dgm:presLayoutVars>
           <dgm:chPref val="3"/>
         </dgm:presLayoutVars>
       </dgm:prSet>
       <dgm:spPr/>
     </dgm:pt>
-    <dgm:pt modelId="{D912EDBD-A9FB-4872-8C9E-58D315B0355A}" type="pres">
-      <dgm:prSet presAssocID="{33B04355-439C-478B-9CF3-7CEF85F3AEEA}" presName="rootConnector1" presStyleLbl="node1" presStyleIdx="0" presStyleCnt="0"/>
+    <dgm:pt modelId="{6FE74D31-47E8-42BC-A867-90471B774D1F}" type="pres">
+      <dgm:prSet presAssocID="{3FFE7169-CD91-402F-BE7A-D6FC1D576DD1}" presName="hierChild2" presStyleCnt="0"/>
       <dgm:spPr/>
     </dgm:pt>
-    <dgm:pt modelId="{B91E37DB-B5DF-4047-AE6D-FDF8C8BB516B}" type="pres">
-      <dgm:prSet presAssocID="{33B04355-439C-478B-9CF3-7CEF85F3AEEA}" presName="hierChild2" presStyleCnt="0"/>
+    <dgm:pt modelId="{0986C77F-660D-4748-B0BD-DE7BD4BB9F09}" type="pres">
+      <dgm:prSet presAssocID="{77910CD9-2D1B-44E2-A5DD-DB79B21E832B}" presName="Name10" presStyleLbl="parChTrans1D2" presStyleIdx="0" presStyleCnt="2"/>
       <dgm:spPr/>
     </dgm:pt>
-    <dgm:pt modelId="{0C4E197E-3433-434E-A723-BD4786084723}" type="pres">
-      <dgm:prSet presAssocID="{75617525-453E-45BB-B555-3E835D7B3BEE}" presName="Name37" presStyleLbl="parChTrans1D2" presStyleIdx="0" presStyleCnt="8"/>
+    <dgm:pt modelId="{60EFF5FD-9D1B-491C-AA4D-E0574056C4CE}" type="pres">
+      <dgm:prSet presAssocID="{F222094F-AF64-41D6-863C-3BC921219E66}" presName="hierRoot2" presStyleCnt="0"/>
       <dgm:spPr/>
     </dgm:pt>
-    <dgm:pt modelId="{50FA0076-AEED-4771-BFD9-62624A5EAEC0}" type="pres">
-      <dgm:prSet presAssocID="{EA10A4D8-4027-49E0-A20F-79C557F9AD38}" presName="hierRoot2" presStyleCnt="0">
-        <dgm:presLayoutVars>
-          <dgm:hierBranch val="init"/>
-        </dgm:presLayoutVars>
-      </dgm:prSet>
+    <dgm:pt modelId="{774A3CBB-8EAE-492D-ACD9-50DD994DBDFF}" type="pres">
+      <dgm:prSet presAssocID="{F222094F-AF64-41D6-863C-3BC921219E66}" presName="composite2" presStyleCnt="0"/>
       <dgm:spPr/>
     </dgm:pt>
-    <dgm:pt modelId="{8FFC9A4F-E515-470F-96B2-DB8D96505C99}" type="pres">
-      <dgm:prSet presAssocID="{EA10A4D8-4027-49E0-A20F-79C557F9AD38}" presName="rootComposite" presStyleCnt="0"/>
+    <dgm:pt modelId="{9DB39F63-2F9D-410B-A63B-6F35A03D1822}" type="pres">
+      <dgm:prSet presAssocID="{F222094F-AF64-41D6-863C-3BC921219E66}" presName="background2" presStyleLbl="node2" presStyleIdx="0" presStyleCnt="2"/>
       <dgm:spPr/>
     </dgm:pt>
-    <dgm:pt modelId="{1B82DBE7-34E7-401B-83DF-E68F99128EE3}" type="pres">
-      <dgm:prSet presAssocID="{EA10A4D8-4027-49E0-A20F-79C557F9AD38}" presName="rootText" presStyleLbl="node2" presStyleIdx="0" presStyleCnt="8">
+    <dgm:pt modelId="{F66FDE7B-A8AB-4F7F-8FCB-63E1E863EF79}" type="pres">
+      <dgm:prSet presAssocID="{F222094F-AF64-41D6-863C-3BC921219E66}" presName="text2" presStyleLbl="fgAcc2" presStyleIdx="0" presStyleCnt="2">
         <dgm:presLayoutVars>
           <dgm:chPref val="3"/>
         </dgm:presLayoutVars>
       </dgm:prSet>
       <dgm:spPr/>
     </dgm:pt>
-    <dgm:pt modelId="{56254B17-4424-4B73-8A51-4F53F5D35AC6}" type="pres">
-      <dgm:prSet presAssocID="{EA10A4D8-4027-49E0-A20F-79C557F9AD38}" presName="rootConnector" presStyleLbl="node2" presStyleIdx="0" presStyleCnt="8"/>
+    <dgm:pt modelId="{2AFA937F-8072-471A-B3B5-D955DF8626BF}" type="pres">
+      <dgm:prSet presAssocID="{F222094F-AF64-41D6-863C-3BC921219E66}" presName="hierChild3" presStyleCnt="0"/>
       <dgm:spPr/>
     </dgm:pt>
-    <dgm:pt modelId="{682D549E-1CBC-4EB6-BFCC-C07D776098D9}" type="pres">
-      <dgm:prSet presAssocID="{EA10A4D8-4027-49E0-A20F-79C557F9AD38}" presName="hierChild4" presStyleCnt="0"/>
+    <dgm:pt modelId="{F54C62D5-383E-414E-822D-FB6F6F0434CB}" type="pres">
+      <dgm:prSet presAssocID="{1DDFACFF-9A79-4B5F-AB8A-8A60A1455D32}" presName="Name17" presStyleLbl="parChTrans1D3" presStyleIdx="0" presStyleCnt="8"/>
       <dgm:spPr/>
     </dgm:pt>
-    <dgm:pt modelId="{83C0F998-6154-4EA1-8956-3ECB56C6FAAD}" type="pres">
-      <dgm:prSet presAssocID="{EA10A4D8-4027-49E0-A20F-79C557F9AD38}" presName="hierChild5" presStyleCnt="0"/>
+    <dgm:pt modelId="{74643209-BA24-423E-B898-17AA5BC24166}" type="pres">
+      <dgm:prSet presAssocID="{37F80A24-7385-468B-9BBC-DAF939BF2391}" presName="hierRoot3" presStyleCnt="0"/>
       <dgm:spPr/>
     </dgm:pt>
-    <dgm:pt modelId="{C40E1B70-2B0F-44A2-B5DA-E5ECB278C50B}" type="pres">
-      <dgm:prSet presAssocID="{13D23237-2FA2-478E-B8FD-CDAED3068398}" presName="Name37" presStyleLbl="parChTrans1D2" presStyleIdx="1" presStyleCnt="8"/>
+    <dgm:pt modelId="{041DD7E2-F7AD-4ED1-B60B-55A80920EB66}" type="pres">
+      <dgm:prSet presAssocID="{37F80A24-7385-468B-9BBC-DAF939BF2391}" presName="composite3" presStyleCnt="0"/>
       <dgm:spPr/>
     </dgm:pt>
-    <dgm:pt modelId="{FA9E714A-7B34-4696-B74F-AD6B40354400}" type="pres">
-      <dgm:prSet presAssocID="{99B756F5-109C-4B36-AE2E-8629FC300059}" presName="hierRoot2" presStyleCnt="0">
-        <dgm:presLayoutVars>
-          <dgm:hierBranch val="init"/>
-        </dgm:presLayoutVars>
-      </dgm:prSet>
-      <dgm:spPr/>
+    <dgm:pt modelId="{0D0FE3B6-D061-421F-B175-74368D305D3D}" type="pres">
+      <dgm:prSet presAssocID="{37F80A24-7385-468B-9BBC-DAF939BF2391}" presName="background3" presStyleLbl="node3" presStyleIdx="0" presStyleCnt="8"/>
+      <dgm:spPr>
+        <a:gradFill rotWithShape="0">
+          <a:gsLst>
+            <a:gs pos="0">
+              <a:srgbClr val="00B050"/>
+            </a:gs>
+            <a:gs pos="100000">
+              <a:srgbClr val="FF0000"/>
+            </a:gs>
+          </a:gsLst>
+          <a:lin ang="5400000" scaled="1"/>
+        </a:gradFill>
+      </dgm:spPr>
     </dgm:pt>
-    <dgm:pt modelId="{E199D328-4568-42F9-A6EF-588F54F88D05}" type="pres">
-      <dgm:prSet presAssocID="{99B756F5-109C-4B36-AE2E-8629FC300059}" presName="rootComposite" presStyleCnt="0"/>
-      <dgm:spPr/>
-    </dgm:pt>
-    <dgm:pt modelId="{27021784-046A-4668-A045-89FE83AE4D45}" type="pres">
-      <dgm:prSet presAssocID="{99B756F5-109C-4B36-AE2E-8629FC300059}" presName="rootText" presStyleLbl="node2" presStyleIdx="1" presStyleCnt="8">
+    <dgm:pt modelId="{153B7127-5B8F-472B-9247-D3D097252336}" type="pres">
+      <dgm:prSet presAssocID="{37F80A24-7385-468B-9BBC-DAF939BF2391}" presName="text3" presStyleLbl="fgAcc3" presStyleIdx="0" presStyleCnt="8">
         <dgm:presLayoutVars>
           <dgm:chPref val="3"/>
         </dgm:presLayoutVars>
       </dgm:prSet>
       <dgm:spPr/>
     </dgm:pt>
-    <dgm:pt modelId="{470E4A78-4C01-4E5A-B21B-D1EB1C68BB61}" type="pres">
-      <dgm:prSet presAssocID="{99B756F5-109C-4B36-AE2E-8629FC300059}" presName="rootConnector" presStyleLbl="node2" presStyleIdx="1" presStyleCnt="8"/>
+    <dgm:pt modelId="{95858472-C15B-4887-B04B-58B8F0D988C4}" type="pres">
+      <dgm:prSet presAssocID="{37F80A24-7385-468B-9BBC-DAF939BF2391}" presName="hierChild4" presStyleCnt="0"/>
       <dgm:spPr/>
     </dgm:pt>
-    <dgm:pt modelId="{E5304606-8AE5-4B95-AD25-C2EE02144FAC}" type="pres">
-      <dgm:prSet presAssocID="{99B756F5-109C-4B36-AE2E-8629FC300059}" presName="hierChild4" presStyleCnt="0"/>
+    <dgm:pt modelId="{D8D7894C-B290-407B-8493-348188538FE1}" type="pres">
+      <dgm:prSet presAssocID="{75374B88-0416-4288-B9D3-7DA3C702DF23}" presName="Name17" presStyleLbl="parChTrans1D3" presStyleIdx="1" presStyleCnt="8"/>
       <dgm:spPr/>
     </dgm:pt>
-    <dgm:pt modelId="{2B035896-DD54-4A08-A713-6D584B101CB1}" type="pres">
-      <dgm:prSet presAssocID="{99B756F5-109C-4B36-AE2E-8629FC300059}" presName="hierChild5" presStyleCnt="0"/>
+    <dgm:pt modelId="{BB5121CE-21B5-45C3-A235-CD4F29AF7045}" type="pres">
+      <dgm:prSet presAssocID="{C6596820-3535-4754-BCA0-48724E8999A7}" presName="hierRoot3" presStyleCnt="0"/>
       <dgm:spPr/>
     </dgm:pt>
-    <dgm:pt modelId="{67921C4E-CC6C-4026-92D0-FEA0598B0629}" type="pres">
-      <dgm:prSet presAssocID="{64BFBFF7-C65E-40FA-A19C-401F50BB7597}" presName="Name37" presStyleLbl="parChTrans1D2" presStyleIdx="2" presStyleCnt="8"/>
+    <dgm:pt modelId="{7C74A04F-B8F7-422A-A4D5-DA0DBE4EC223}" type="pres">
+      <dgm:prSet presAssocID="{C6596820-3535-4754-BCA0-48724E8999A7}" presName="composite3" presStyleCnt="0"/>
       <dgm:spPr/>
     </dgm:pt>
-    <dgm:pt modelId="{926F1836-A74B-4E83-A990-69ED9D2672A1}" type="pres">
-      <dgm:prSet presAssocID="{DED477AB-7B5E-4626-8E55-833993F6331F}" presName="hierRoot2" presStyleCnt="0">
-        <dgm:presLayoutVars>
-          <dgm:hierBranch val="init"/>
-        </dgm:presLayoutVars>
-      </dgm:prSet>
-      <dgm:spPr/>
+    <dgm:pt modelId="{A2B4D9F1-6CA7-4491-8F55-93B9157D2383}" type="pres">
+      <dgm:prSet presAssocID="{C6596820-3535-4754-BCA0-48724E8999A7}" presName="background3" presStyleLbl="node3" presStyleIdx="1" presStyleCnt="8"/>
+      <dgm:spPr>
+        <a:solidFill>
+          <a:srgbClr val="00B050"/>
+        </a:solidFill>
+      </dgm:spPr>
     </dgm:pt>
-    <dgm:pt modelId="{6BA55581-11E9-4B57-8544-ED100421CA98}" type="pres">
-      <dgm:prSet presAssocID="{DED477AB-7B5E-4626-8E55-833993F6331F}" presName="rootComposite" presStyleCnt="0"/>
-      <dgm:spPr/>
-    </dgm:pt>
-    <dgm:pt modelId="{46FB99FE-2928-4184-8AD2-0990114C6AC0}" type="pres">
-      <dgm:prSet presAssocID="{DED477AB-7B5E-4626-8E55-833993F6331F}" presName="rootText" presStyleLbl="node2" presStyleIdx="2" presStyleCnt="8">
+    <dgm:pt modelId="{C210443A-B378-4123-BD67-F540501C4709}" type="pres">
+      <dgm:prSet presAssocID="{C6596820-3535-4754-BCA0-48724E8999A7}" presName="text3" presStyleLbl="fgAcc3" presStyleIdx="1" presStyleCnt="8">
         <dgm:presLayoutVars>
           <dgm:chPref val="3"/>
         </dgm:presLayoutVars>
       </dgm:prSet>
       <dgm:spPr/>
     </dgm:pt>
-    <dgm:pt modelId="{F4DD1AF8-420D-40B0-A569-51C5A7F072BF}" type="pres">
-      <dgm:prSet presAssocID="{DED477AB-7B5E-4626-8E55-833993F6331F}" presName="rootConnector" presStyleLbl="node2" presStyleIdx="2" presStyleCnt="8"/>
+    <dgm:pt modelId="{4632C118-189C-4A16-AC55-795F8482E813}" type="pres">
+      <dgm:prSet presAssocID="{C6596820-3535-4754-BCA0-48724E8999A7}" presName="hierChild4" presStyleCnt="0"/>
       <dgm:spPr/>
     </dgm:pt>
-    <dgm:pt modelId="{4DF98133-71B0-4B20-9BA3-3BBE7DFAA1B7}" type="pres">
-      <dgm:prSet presAssocID="{DED477AB-7B5E-4626-8E55-833993F6331F}" presName="hierChild4" presStyleCnt="0"/>
+    <dgm:pt modelId="{14020AE1-00D7-4677-89A6-87B81FB0BD23}" type="pres">
+      <dgm:prSet presAssocID="{AD3ADB0D-CC94-451E-95DF-B954EB3AEEEF}" presName="Name17" presStyleLbl="parChTrans1D3" presStyleIdx="2" presStyleCnt="8"/>
       <dgm:spPr/>
     </dgm:pt>
-    <dgm:pt modelId="{5D2AD872-0732-4302-B863-59B86FE6C481}" type="pres">
-      <dgm:prSet presAssocID="{DED477AB-7B5E-4626-8E55-833993F6331F}" presName="hierChild5" presStyleCnt="0"/>
+    <dgm:pt modelId="{5E62EF59-1F17-4E10-AB62-73029339DE82}" type="pres">
+      <dgm:prSet presAssocID="{ABDE0313-D180-4DC7-80CB-E064C15AED58}" presName="hierRoot3" presStyleCnt="0"/>
       <dgm:spPr/>
     </dgm:pt>
-    <dgm:pt modelId="{ADD90551-175B-48D4-9070-CB3A060CFFF2}" type="pres">
-      <dgm:prSet presAssocID="{34302606-4F48-48C0-9188-323EFC5F54C4}" presName="Name37" presStyleLbl="parChTrans1D2" presStyleIdx="3" presStyleCnt="8"/>
+    <dgm:pt modelId="{D8645129-60E0-43C5-B45A-A1458CC46AD4}" type="pres">
+      <dgm:prSet presAssocID="{ABDE0313-D180-4DC7-80CB-E064C15AED58}" presName="composite3" presStyleCnt="0"/>
       <dgm:spPr/>
     </dgm:pt>
-    <dgm:pt modelId="{385B1736-A2BD-4407-9F11-B2713665DCA6}" type="pres">
-      <dgm:prSet presAssocID="{7AFFA681-11B2-40F5-97EE-9084A6E3A55B}" presName="hierRoot2" presStyleCnt="0">
-        <dgm:presLayoutVars>
-          <dgm:hierBranch val="init"/>
-        </dgm:presLayoutVars>
-      </dgm:prSet>
-      <dgm:spPr/>
+    <dgm:pt modelId="{22F4BE6C-3F44-4182-A4DA-B7A8132FFE52}" type="pres">
+      <dgm:prSet presAssocID="{ABDE0313-D180-4DC7-80CB-E064C15AED58}" presName="background3" presStyleLbl="node3" presStyleIdx="2" presStyleCnt="8"/>
+      <dgm:spPr>
+        <a:solidFill>
+          <a:srgbClr val="00B050"/>
+        </a:solidFill>
+      </dgm:spPr>
     </dgm:pt>
-    <dgm:pt modelId="{0072AE38-A289-45C6-B9C9-BEC7CA1E9BA4}" type="pres">
-      <dgm:prSet presAssocID="{7AFFA681-11B2-40F5-97EE-9084A6E3A55B}" presName="rootComposite" presStyleCnt="0"/>
-      <dgm:spPr/>
-    </dgm:pt>
-    <dgm:pt modelId="{33FA7D0A-9CC8-42EC-93D8-75F446750B06}" type="pres">
-      <dgm:prSet presAssocID="{7AFFA681-11B2-40F5-97EE-9084A6E3A55B}" presName="rootText" presStyleLbl="node2" presStyleIdx="3" presStyleCnt="8">
+    <dgm:pt modelId="{DE37F8A9-5D5A-4CD2-8C95-C006B7989C6B}" type="pres">
+      <dgm:prSet presAssocID="{ABDE0313-D180-4DC7-80CB-E064C15AED58}" presName="text3" presStyleLbl="fgAcc3" presStyleIdx="2" presStyleCnt="8">
         <dgm:presLayoutVars>
           <dgm:chPref val="3"/>
         </dgm:presLayoutVars>
       </dgm:prSet>
       <dgm:spPr/>
     </dgm:pt>
-    <dgm:pt modelId="{DFD74C79-58B4-446C-8CE4-B91515F3FC1C}" type="pres">
-      <dgm:prSet presAssocID="{7AFFA681-11B2-40F5-97EE-9084A6E3A55B}" presName="rootConnector" presStyleLbl="node2" presStyleIdx="3" presStyleCnt="8"/>
+    <dgm:pt modelId="{BFFE2DA0-D2A9-48F6-BF6C-791DA5D16991}" type="pres">
+      <dgm:prSet presAssocID="{ABDE0313-D180-4DC7-80CB-E064C15AED58}" presName="hierChild4" presStyleCnt="0"/>
       <dgm:spPr/>
     </dgm:pt>
-    <dgm:pt modelId="{F1239308-3C5B-4D04-9133-9E4AD319C3A5}" type="pres">
-      <dgm:prSet presAssocID="{7AFFA681-11B2-40F5-97EE-9084A6E3A55B}" presName="hierChild4" presStyleCnt="0"/>
+    <dgm:pt modelId="{37542F64-E39A-463B-9B75-4A52F13E4E2D}" type="pres">
+      <dgm:prSet presAssocID="{F6765C6C-9E5C-4792-81E0-DBA308FD570E}" presName="Name17" presStyleLbl="parChTrans1D3" presStyleIdx="3" presStyleCnt="8"/>
       <dgm:spPr/>
     </dgm:pt>
-    <dgm:pt modelId="{1E1D3691-1434-45E9-821D-E9E97C24585F}" type="pres">
-      <dgm:prSet presAssocID="{7AFFA681-11B2-40F5-97EE-9084A6E3A55B}" presName="hierChild5" presStyleCnt="0"/>
+    <dgm:pt modelId="{17D0EA04-2AE2-4C15-8DF7-759F6AF1C230}" type="pres">
+      <dgm:prSet presAssocID="{EC326B44-45FA-4D24-8944-4EB903CA0EF0}" presName="hierRoot3" presStyleCnt="0"/>
       <dgm:spPr/>
     </dgm:pt>
-    <dgm:pt modelId="{80ABF55F-1AB4-44BA-9669-B1062719B88E}" type="pres">
-      <dgm:prSet presAssocID="{FA1D95D2-10AB-42F4-A8C7-D88C2C78FFEB}" presName="Name37" presStyleLbl="parChTrans1D2" presStyleIdx="4" presStyleCnt="8"/>
+    <dgm:pt modelId="{87013E9F-9F14-443C-A8AC-976FA6452712}" type="pres">
+      <dgm:prSet presAssocID="{EC326B44-45FA-4D24-8944-4EB903CA0EF0}" presName="composite3" presStyleCnt="0"/>
       <dgm:spPr/>
     </dgm:pt>
-    <dgm:pt modelId="{2798B421-B165-4D41-BE73-4FCB513916AA}" type="pres">
-      <dgm:prSet presAssocID="{9EAD1B7E-DA63-40D5-A27B-AD22B23BA757}" presName="hierRoot2" presStyleCnt="0">
-        <dgm:presLayoutVars>
-          <dgm:hierBranch val="init"/>
-        </dgm:presLayoutVars>
-      </dgm:prSet>
-      <dgm:spPr/>
+    <dgm:pt modelId="{EDB5C15D-5C00-4E6D-907B-55D0EDE238EA}" type="pres">
+      <dgm:prSet presAssocID="{EC326B44-45FA-4D24-8944-4EB903CA0EF0}" presName="background3" presStyleLbl="node3" presStyleIdx="3" presStyleCnt="8"/>
+      <dgm:spPr>
+        <a:solidFill>
+          <a:srgbClr val="00B050"/>
+        </a:solidFill>
+      </dgm:spPr>
     </dgm:pt>
-    <dgm:pt modelId="{50E4D5EA-3B3D-435D-9465-36727B8A6A8A}" type="pres">
-      <dgm:prSet presAssocID="{9EAD1B7E-DA63-40D5-A27B-AD22B23BA757}" presName="rootComposite" presStyleCnt="0"/>
-      <dgm:spPr/>
-    </dgm:pt>
-    <dgm:pt modelId="{7656B401-F5F7-4761-B93C-57322597DB40}" type="pres">
-      <dgm:prSet presAssocID="{9EAD1B7E-DA63-40D5-A27B-AD22B23BA757}" presName="rootText" presStyleLbl="node2" presStyleIdx="4" presStyleCnt="8">
+    <dgm:pt modelId="{7301F7C9-5080-470D-9DE2-9484B59486B2}" type="pres">
+      <dgm:prSet presAssocID="{EC326B44-45FA-4D24-8944-4EB903CA0EF0}" presName="text3" presStyleLbl="fgAcc3" presStyleIdx="3" presStyleCnt="8">
         <dgm:presLayoutVars>
           <dgm:chPref val="3"/>
         </dgm:presLayoutVars>
       </dgm:prSet>
       <dgm:spPr/>
     </dgm:pt>
-    <dgm:pt modelId="{5D3538D5-90AE-48F1-8323-D8FE96942850}" type="pres">
-      <dgm:prSet presAssocID="{9EAD1B7E-DA63-40D5-A27B-AD22B23BA757}" presName="rootConnector" presStyleLbl="node2" presStyleIdx="4" presStyleCnt="8"/>
+    <dgm:pt modelId="{D5AA140A-7C0C-4D25-A250-A2C4710ABFF7}" type="pres">
+      <dgm:prSet presAssocID="{EC326B44-45FA-4D24-8944-4EB903CA0EF0}" presName="hierChild4" presStyleCnt="0"/>
       <dgm:spPr/>
     </dgm:pt>
-    <dgm:pt modelId="{C126D9DA-A252-4367-BC2B-972C9B899B6F}" type="pres">
-      <dgm:prSet presAssocID="{9EAD1B7E-DA63-40D5-A27B-AD22B23BA757}" presName="hierChild4" presStyleCnt="0"/>
+    <dgm:pt modelId="{E20FADEE-B47A-43C5-A48A-C6E900AA35CC}" type="pres">
+      <dgm:prSet presAssocID="{B9CB3E7A-6983-4A03-B004-870A72A387EA}" presName="Name10" presStyleLbl="parChTrans1D2" presStyleIdx="1" presStyleCnt="2"/>
       <dgm:spPr/>
     </dgm:pt>
-    <dgm:pt modelId="{830DEDE6-65F0-4ABD-9876-E831A2A2A016}" type="pres">
-      <dgm:prSet presAssocID="{9EAD1B7E-DA63-40D5-A27B-AD22B23BA757}" presName="hierChild5" presStyleCnt="0"/>
+    <dgm:pt modelId="{D096B560-FAE3-4E8F-9052-160BBA28A84E}" type="pres">
+      <dgm:prSet presAssocID="{270C762B-1A9C-42A6-B1DF-259E866A6620}" presName="hierRoot2" presStyleCnt="0"/>
       <dgm:spPr/>
     </dgm:pt>
-    <dgm:pt modelId="{9FC053BE-B126-4213-912A-F2E8221656FA}" type="pres">
-      <dgm:prSet presAssocID="{3ED9F1B9-3FB3-4C31-BC21-1CE3E66673BF}" presName="Name37" presStyleLbl="parChTrans1D2" presStyleIdx="5" presStyleCnt="8"/>
+    <dgm:pt modelId="{7F12349F-5A17-4966-A496-D1182E7636B6}" type="pres">
+      <dgm:prSet presAssocID="{270C762B-1A9C-42A6-B1DF-259E866A6620}" presName="composite2" presStyleCnt="0"/>
       <dgm:spPr/>
     </dgm:pt>
-    <dgm:pt modelId="{4E0DD440-C29A-4C78-8E1D-2B920AF60E2B}" type="pres">
-      <dgm:prSet presAssocID="{110380F4-E426-4391-83A8-0FE988CCC649}" presName="hierRoot2" presStyleCnt="0">
-        <dgm:presLayoutVars>
-          <dgm:hierBranch val="init"/>
-        </dgm:presLayoutVars>
-      </dgm:prSet>
+    <dgm:pt modelId="{68B591CA-CAF7-4D64-A3D7-F62DF4983E53}" type="pres">
+      <dgm:prSet presAssocID="{270C762B-1A9C-42A6-B1DF-259E866A6620}" presName="background2" presStyleLbl="node2" presStyleIdx="1" presStyleCnt="2"/>
       <dgm:spPr/>
     </dgm:pt>
-    <dgm:pt modelId="{BB9F9B44-C399-4F2B-9D0F-FE6E43CBD816}" type="pres">
-      <dgm:prSet presAssocID="{110380F4-E426-4391-83A8-0FE988CCC649}" presName="rootComposite" presStyleCnt="0"/>
-      <dgm:spPr/>
-    </dgm:pt>
-    <dgm:pt modelId="{A2AFD2AE-9A90-4F32-8939-E6FE4A3B7A65}" type="pres">
-      <dgm:prSet presAssocID="{110380F4-E426-4391-83A8-0FE988CCC649}" presName="rootText" presStyleLbl="node2" presStyleIdx="5" presStyleCnt="8">
+    <dgm:pt modelId="{33B76B8E-0EC5-4530-A0B5-1ED86F595A5E}" type="pres">
+      <dgm:prSet presAssocID="{270C762B-1A9C-42A6-B1DF-259E866A6620}" presName="text2" presStyleLbl="fgAcc2" presStyleIdx="1" presStyleCnt="2">
         <dgm:presLayoutVars>
           <dgm:chPref val="3"/>
         </dgm:presLayoutVars>
       </dgm:prSet>
       <dgm:spPr/>
     </dgm:pt>
-    <dgm:pt modelId="{D75DB0CB-C22F-44FC-B6F7-D30C774E09E0}" type="pres">
-      <dgm:prSet presAssocID="{110380F4-E426-4391-83A8-0FE988CCC649}" presName="rootConnector" presStyleLbl="node2" presStyleIdx="5" presStyleCnt="8"/>
+    <dgm:pt modelId="{9A8625B7-8907-4E93-8AA5-579179B32D57}" type="pres">
+      <dgm:prSet presAssocID="{270C762B-1A9C-42A6-B1DF-259E866A6620}" presName="hierChild3" presStyleCnt="0"/>
       <dgm:spPr/>
     </dgm:pt>
-    <dgm:pt modelId="{C37AC45B-304D-4108-9BE3-65F917398275}" type="pres">
-      <dgm:prSet presAssocID="{110380F4-E426-4391-83A8-0FE988CCC649}" presName="hierChild4" presStyleCnt="0"/>
+    <dgm:pt modelId="{A1C73CFB-CA08-41EC-BAFE-AE4F74EDC983}" type="pres">
+      <dgm:prSet presAssocID="{0054213D-2048-44D5-98AB-CFB9BE4CDF07}" presName="Name17" presStyleLbl="parChTrans1D3" presStyleIdx="4" presStyleCnt="8"/>
       <dgm:spPr/>
     </dgm:pt>
-    <dgm:pt modelId="{521A38EF-9258-4794-B2AB-96D2B36E85AF}" type="pres">
-      <dgm:prSet presAssocID="{110380F4-E426-4391-83A8-0FE988CCC649}" presName="hierChild5" presStyleCnt="0"/>
+    <dgm:pt modelId="{0A79994F-90D3-4227-9E2E-174606BDC1E9}" type="pres">
+      <dgm:prSet presAssocID="{33755AFC-7272-41CF-8A6C-BE1DCF908F24}" presName="hierRoot3" presStyleCnt="0"/>
       <dgm:spPr/>
     </dgm:pt>
-    <dgm:pt modelId="{6416C4EC-9CC3-4DCC-9B23-E93DD3AF9510}" type="pres">
-      <dgm:prSet presAssocID="{73E58F07-8D14-4104-8ED1-EF4CE83B1D44}" presName="Name37" presStyleLbl="parChTrans1D2" presStyleIdx="6" presStyleCnt="8"/>
+    <dgm:pt modelId="{E2549F58-8A07-4B98-A234-A3163B3E4019}" type="pres">
+      <dgm:prSet presAssocID="{33755AFC-7272-41CF-8A6C-BE1DCF908F24}" presName="composite3" presStyleCnt="0"/>
       <dgm:spPr/>
     </dgm:pt>
-    <dgm:pt modelId="{9D5C4196-0711-474E-AD8E-11E0BE32B6E3}" type="pres">
-      <dgm:prSet presAssocID="{254245FE-4AD6-451C-A689-3D99A5D0027F}" presName="hierRoot2" presStyleCnt="0">
-        <dgm:presLayoutVars>
-          <dgm:hierBranch val="init"/>
-        </dgm:presLayoutVars>
-      </dgm:prSet>
-      <dgm:spPr/>
+    <dgm:pt modelId="{35C74D1D-00FC-402F-B117-BA8971D289B4}" type="pres">
+      <dgm:prSet presAssocID="{33755AFC-7272-41CF-8A6C-BE1DCF908F24}" presName="background3" presStyleLbl="node3" presStyleIdx="4" presStyleCnt="8"/>
+      <dgm:spPr>
+        <a:solidFill>
+          <a:srgbClr val="00B050"/>
+        </a:solidFill>
+      </dgm:spPr>
     </dgm:pt>
-    <dgm:pt modelId="{04369F0D-6E17-4600-A58C-9456968BA171}" type="pres">
-      <dgm:prSet presAssocID="{254245FE-4AD6-451C-A689-3D99A5D0027F}" presName="rootComposite" presStyleCnt="0"/>
-      <dgm:spPr/>
-    </dgm:pt>
-    <dgm:pt modelId="{AB6691B9-31D9-4F47-B3E6-497EE8C8AE49}" type="pres">
-      <dgm:prSet presAssocID="{254245FE-4AD6-451C-A689-3D99A5D0027F}" presName="rootText" presStyleLbl="node2" presStyleIdx="6" presStyleCnt="8">
+    <dgm:pt modelId="{EEDCE601-A0A2-4FF5-9CA6-647533CC3A06}" type="pres">
+      <dgm:prSet presAssocID="{33755AFC-7272-41CF-8A6C-BE1DCF908F24}" presName="text3" presStyleLbl="fgAcc3" presStyleIdx="4" presStyleCnt="8">
         <dgm:presLayoutVars>
           <dgm:chPref val="3"/>
         </dgm:presLayoutVars>
       </dgm:prSet>
       <dgm:spPr/>
     </dgm:pt>
-    <dgm:pt modelId="{00826939-9327-4110-89D7-346710444B1A}" type="pres">
-      <dgm:prSet presAssocID="{254245FE-4AD6-451C-A689-3D99A5D0027F}" presName="rootConnector" presStyleLbl="node2" presStyleIdx="6" presStyleCnt="8"/>
+    <dgm:pt modelId="{522282FA-5544-4CF0-92A7-23E0ACE1CE72}" type="pres">
+      <dgm:prSet presAssocID="{33755AFC-7272-41CF-8A6C-BE1DCF908F24}" presName="hierChild4" presStyleCnt="0"/>
       <dgm:spPr/>
     </dgm:pt>
-    <dgm:pt modelId="{CA4EF3E7-DB28-44BB-9E5A-A9F4236A45C6}" type="pres">
-      <dgm:prSet presAssocID="{254245FE-4AD6-451C-A689-3D99A5D0027F}" presName="hierChild4" presStyleCnt="0"/>
+    <dgm:pt modelId="{FD1E1187-91CC-46D4-9E7E-BA7A05BA99AD}" type="pres">
+      <dgm:prSet presAssocID="{EBC2771F-86E1-41F5-AB66-B6FBD56F2AC3}" presName="Name17" presStyleLbl="parChTrans1D3" presStyleIdx="5" presStyleCnt="8"/>
       <dgm:spPr/>
     </dgm:pt>
-    <dgm:pt modelId="{CDAD4B1C-FD03-4B79-8A78-B79E4C96FC5B}" type="pres">
-      <dgm:prSet presAssocID="{254245FE-4AD6-451C-A689-3D99A5D0027F}" presName="hierChild5" presStyleCnt="0"/>
+    <dgm:pt modelId="{8A2733D8-2B6A-4776-908C-E734296C88AA}" type="pres">
+      <dgm:prSet presAssocID="{40E2A1BD-94A1-4A48-9A3A-5CF9C6C63776}" presName="hierRoot3" presStyleCnt="0"/>
       <dgm:spPr/>
     </dgm:pt>
-    <dgm:pt modelId="{B7DF1292-9099-4A11-9941-8BC45DAF5A71}" type="pres">
-      <dgm:prSet presAssocID="{E4757A1B-8179-471D-995B-3181F24F2B87}" presName="Name37" presStyleLbl="parChTrans1D2" presStyleIdx="7" presStyleCnt="8"/>
+    <dgm:pt modelId="{D3013AAB-C482-423B-BF64-C42F10FA90D7}" type="pres">
+      <dgm:prSet presAssocID="{40E2A1BD-94A1-4A48-9A3A-5CF9C6C63776}" presName="composite3" presStyleCnt="0"/>
       <dgm:spPr/>
     </dgm:pt>
-    <dgm:pt modelId="{5C099247-5096-4DB5-B6DA-3CA82A9F7ADF}" type="pres">
-      <dgm:prSet presAssocID="{553A73D3-83FD-4A98-BA14-27E24B4D2B5C}" presName="hierRoot2" presStyleCnt="0">
-        <dgm:presLayoutVars>
-          <dgm:hierBranch val="init"/>
-        </dgm:presLayoutVars>
-      </dgm:prSet>
-      <dgm:spPr/>
+    <dgm:pt modelId="{AA255221-8D46-4FEE-B4B5-2A61B0AA9BF8}" type="pres">
+      <dgm:prSet presAssocID="{40E2A1BD-94A1-4A48-9A3A-5CF9C6C63776}" presName="background3" presStyleLbl="node3" presStyleIdx="5" presStyleCnt="8"/>
+      <dgm:spPr>
+        <a:solidFill>
+          <a:srgbClr val="FF0000"/>
+        </a:solidFill>
+      </dgm:spPr>
     </dgm:pt>
-    <dgm:pt modelId="{DD93E5ED-9571-4139-AB6E-8661BFCA66A9}" type="pres">
-      <dgm:prSet presAssocID="{553A73D3-83FD-4A98-BA14-27E24B4D2B5C}" presName="rootComposite" presStyleCnt="0"/>
-      <dgm:spPr/>
-    </dgm:pt>
-    <dgm:pt modelId="{36AFAAFA-AE5D-4D05-A3FF-D929DBAA1192}" type="pres">
-      <dgm:prSet presAssocID="{553A73D3-83FD-4A98-BA14-27E24B4D2B5C}" presName="rootText" presStyleLbl="node2" presStyleIdx="7" presStyleCnt="8">
+    <dgm:pt modelId="{CBE71CF0-4E8B-4F27-89B4-A6F9E9DDB867}" type="pres">
+      <dgm:prSet presAssocID="{40E2A1BD-94A1-4A48-9A3A-5CF9C6C63776}" presName="text3" presStyleLbl="fgAcc3" presStyleIdx="5" presStyleCnt="8">
         <dgm:presLayoutVars>
           <dgm:chPref val="3"/>
         </dgm:presLayoutVars>
       </dgm:prSet>
       <dgm:spPr/>
     </dgm:pt>
-    <dgm:pt modelId="{CAD2502E-8D9A-4533-8BC8-730A94A89D96}" type="pres">
-      <dgm:prSet presAssocID="{553A73D3-83FD-4A98-BA14-27E24B4D2B5C}" presName="rootConnector" presStyleLbl="node2" presStyleIdx="7" presStyleCnt="8"/>
+    <dgm:pt modelId="{2EEDEB4F-B810-409B-95A2-FC6474281264}" type="pres">
+      <dgm:prSet presAssocID="{40E2A1BD-94A1-4A48-9A3A-5CF9C6C63776}" presName="hierChild4" presStyleCnt="0"/>
       <dgm:spPr/>
     </dgm:pt>
-    <dgm:pt modelId="{D5D611E2-189E-4301-83EE-384BD8557BF7}" type="pres">
-      <dgm:prSet presAssocID="{553A73D3-83FD-4A98-BA14-27E24B4D2B5C}" presName="hierChild4" presStyleCnt="0"/>
+    <dgm:pt modelId="{4819386D-5B80-4EE0-ADAE-197C545AB670}" type="pres">
+      <dgm:prSet presAssocID="{FC8BA3D1-D7D8-4771-AAA5-BE25DC3CC775}" presName="Name17" presStyleLbl="parChTrans1D3" presStyleIdx="6" presStyleCnt="8"/>
       <dgm:spPr/>
     </dgm:pt>
-    <dgm:pt modelId="{89429440-43FC-4A22-AC42-9316D9A9B64D}" type="pres">
-      <dgm:prSet presAssocID="{553A73D3-83FD-4A98-BA14-27E24B4D2B5C}" presName="hierChild5" presStyleCnt="0"/>
+    <dgm:pt modelId="{80E17BCD-0577-44C0-9D34-2435C3FF79C4}" type="pres">
+      <dgm:prSet presAssocID="{4D434040-4777-441A-A272-1DC978CFE139}" presName="hierRoot3" presStyleCnt="0"/>
       <dgm:spPr/>
     </dgm:pt>
-    <dgm:pt modelId="{F4F03CD4-C6B1-4CB8-935A-0D79BB4F4E18}" type="pres">
-      <dgm:prSet presAssocID="{33B04355-439C-478B-9CF3-7CEF85F3AEEA}" presName="hierChild3" presStyleCnt="0"/>
+    <dgm:pt modelId="{4C30960F-F492-46B6-BE99-005642C850AC}" type="pres">
+      <dgm:prSet presAssocID="{4D434040-4777-441A-A272-1DC978CFE139}" presName="composite3" presStyleCnt="0"/>
+      <dgm:spPr/>
+    </dgm:pt>
+    <dgm:pt modelId="{995DDF1F-B39A-4397-A1C8-CEBD50E383DE}" type="pres">
+      <dgm:prSet presAssocID="{4D434040-4777-441A-A272-1DC978CFE139}" presName="background3" presStyleLbl="node3" presStyleIdx="6" presStyleCnt="8"/>
+      <dgm:spPr>
+        <a:solidFill>
+          <a:srgbClr val="FF0000"/>
+        </a:solidFill>
+      </dgm:spPr>
+    </dgm:pt>
+    <dgm:pt modelId="{B52212D7-0B0D-4AD5-9219-4AAF0737C572}" type="pres">
+      <dgm:prSet presAssocID="{4D434040-4777-441A-A272-1DC978CFE139}" presName="text3" presStyleLbl="fgAcc3" presStyleIdx="6" presStyleCnt="8">
+        <dgm:presLayoutVars>
+          <dgm:chPref val="3"/>
+        </dgm:presLayoutVars>
+      </dgm:prSet>
+      <dgm:spPr/>
+    </dgm:pt>
+    <dgm:pt modelId="{99554CE2-23B7-43FF-A580-C7413891A64A}" type="pres">
+      <dgm:prSet presAssocID="{4D434040-4777-441A-A272-1DC978CFE139}" presName="hierChild4" presStyleCnt="0"/>
+      <dgm:spPr/>
+    </dgm:pt>
+    <dgm:pt modelId="{7FCB2E25-D32F-422E-B709-C33691A18532}" type="pres">
+      <dgm:prSet presAssocID="{D581F437-06B6-4379-83D6-DE45430DE09F}" presName="Name17" presStyleLbl="parChTrans1D3" presStyleIdx="7" presStyleCnt="8"/>
+      <dgm:spPr/>
+    </dgm:pt>
+    <dgm:pt modelId="{444749FF-F37F-437F-A127-2445B5DBF82E}" type="pres">
+      <dgm:prSet presAssocID="{5DD09FA9-5AE8-43F0-9944-A3D867027142}" presName="hierRoot3" presStyleCnt="0"/>
+      <dgm:spPr/>
+    </dgm:pt>
+    <dgm:pt modelId="{7F394514-6A51-4CF2-8A81-5E42AD548D94}" type="pres">
+      <dgm:prSet presAssocID="{5DD09FA9-5AE8-43F0-9944-A3D867027142}" presName="composite3" presStyleCnt="0"/>
+      <dgm:spPr/>
+    </dgm:pt>
+    <dgm:pt modelId="{0E971C43-310D-487E-BB3A-2D624BA2BCEF}" type="pres">
+      <dgm:prSet presAssocID="{5DD09FA9-5AE8-43F0-9944-A3D867027142}" presName="background3" presStyleLbl="node3" presStyleIdx="7" presStyleCnt="8"/>
+      <dgm:spPr>
+        <a:solidFill>
+          <a:srgbClr val="FF0000"/>
+        </a:solidFill>
+      </dgm:spPr>
+    </dgm:pt>
+    <dgm:pt modelId="{3B569626-D466-4057-8709-82D61A7BC057}" type="pres">
+      <dgm:prSet presAssocID="{5DD09FA9-5AE8-43F0-9944-A3D867027142}" presName="text3" presStyleLbl="fgAcc3" presStyleIdx="7" presStyleCnt="8">
+        <dgm:presLayoutVars>
+          <dgm:chPref val="3"/>
+        </dgm:presLayoutVars>
+      </dgm:prSet>
+      <dgm:spPr/>
+    </dgm:pt>
+    <dgm:pt modelId="{7BB1FD25-D5AB-46C3-8EB0-F71C390C17B5}" type="pres">
+      <dgm:prSet presAssocID="{5DD09FA9-5AE8-43F0-9944-A3D867027142}" presName="hierChild4" presStyleCnt="0"/>
       <dgm:spPr/>
     </dgm:pt>
   </dgm:ptLst>
   <dgm:cxnLst>
-    <dgm:cxn modelId="{C8F64F04-3989-4B7A-8F49-F54C741473BA}" srcId="{33B04355-439C-478B-9CF3-7CEF85F3AEEA}" destId="{9EAD1B7E-DA63-40D5-A27B-AD22B23BA757}" srcOrd="4" destOrd="0" parTransId="{FA1D95D2-10AB-42F4-A8C7-D88C2C78FFEB}" sibTransId="{A7F37BC7-C43B-467E-A8F4-38F897B36DF5}"/>
-    <dgm:cxn modelId="{00001F05-6D64-4CB2-9581-CAF0FE14928C}" srcId="{33B04355-439C-478B-9CF3-7CEF85F3AEEA}" destId="{99B756F5-109C-4B36-AE2E-8629FC300059}" srcOrd="1" destOrd="0" parTransId="{13D23237-2FA2-478E-B8FD-CDAED3068398}" sibTransId="{73388EB4-2889-45BE-B0E8-F395F1F9A4C9}"/>
-    <dgm:cxn modelId="{3B689F07-0691-4EFE-8A89-4BACD814560A}" type="presOf" srcId="{99B756F5-109C-4B36-AE2E-8629FC300059}" destId="{470E4A78-4C01-4E5A-B21B-D1EB1C68BB61}" srcOrd="1" destOrd="0" presId="urn:microsoft.com/office/officeart/2005/8/layout/orgChart1"/>
-    <dgm:cxn modelId="{2FD7A70A-AB9C-47AB-A7AC-B47639AC0412}" srcId="{33B04355-439C-478B-9CF3-7CEF85F3AEEA}" destId="{7AFFA681-11B2-40F5-97EE-9084A6E3A55B}" srcOrd="3" destOrd="0" parTransId="{34302606-4F48-48C0-9188-323EFC5F54C4}" sibTransId="{7BF775B4-E167-44D0-AC7C-59AC085AFB43}"/>
-    <dgm:cxn modelId="{C3769413-C399-4D13-A3BB-E02BD16E47D8}" type="presOf" srcId="{110380F4-E426-4391-83A8-0FE988CCC649}" destId="{A2AFD2AE-9A90-4F32-8939-E6FE4A3B7A65}" srcOrd="0" destOrd="0" presId="urn:microsoft.com/office/officeart/2005/8/layout/orgChart1"/>
-    <dgm:cxn modelId="{40958C1A-D2FA-4409-A498-1DD4B4A5AE61}" type="presOf" srcId="{9EAD1B7E-DA63-40D5-A27B-AD22B23BA757}" destId="{7656B401-F5F7-4761-B93C-57322597DB40}" srcOrd="0" destOrd="0" presId="urn:microsoft.com/office/officeart/2005/8/layout/orgChart1"/>
-    <dgm:cxn modelId="{DA8E1B1F-EA22-4AA4-A8BF-1E83EC9AF465}" type="presOf" srcId="{99B756F5-109C-4B36-AE2E-8629FC300059}" destId="{27021784-046A-4668-A045-89FE83AE4D45}" srcOrd="0" destOrd="0" presId="urn:microsoft.com/office/officeart/2005/8/layout/orgChart1"/>
-    <dgm:cxn modelId="{5D2B4C1F-4F96-4129-898F-C21EC0E99577}" type="presOf" srcId="{553A73D3-83FD-4A98-BA14-27E24B4D2B5C}" destId="{CAD2502E-8D9A-4533-8BC8-730A94A89D96}" srcOrd="1" destOrd="0" presId="urn:microsoft.com/office/officeart/2005/8/layout/orgChart1"/>
-    <dgm:cxn modelId="{43F0B026-7F10-4F26-BBA1-48FBD6E36F3E}" type="presOf" srcId="{110380F4-E426-4391-83A8-0FE988CCC649}" destId="{D75DB0CB-C22F-44FC-B6F7-D30C774E09E0}" srcOrd="1" destOrd="0" presId="urn:microsoft.com/office/officeart/2005/8/layout/orgChart1"/>
-    <dgm:cxn modelId="{529B4B5F-5417-43E6-AD38-5387285FB5BA}" srcId="{33B04355-439C-478B-9CF3-7CEF85F3AEEA}" destId="{553A73D3-83FD-4A98-BA14-27E24B4D2B5C}" srcOrd="7" destOrd="0" parTransId="{E4757A1B-8179-471D-995B-3181F24F2B87}" sibTransId="{C8FA4B27-E3CB-43E0-B40D-7CBAA0508DBB}"/>
-    <dgm:cxn modelId="{8E227641-FE94-4436-95F3-50DF1D6E02FD}" type="presOf" srcId="{7AFFA681-11B2-40F5-97EE-9084A6E3A55B}" destId="{33FA7D0A-9CC8-42EC-93D8-75F446750B06}" srcOrd="0" destOrd="0" presId="urn:microsoft.com/office/officeart/2005/8/layout/orgChart1"/>
-    <dgm:cxn modelId="{1BD3CB61-D330-4BC2-B3DE-1DFD38CE8814}" type="presOf" srcId="{13D23237-2FA2-478E-B8FD-CDAED3068398}" destId="{C40E1B70-2B0F-44A2-B5DA-E5ECB278C50B}" srcOrd="0" destOrd="0" presId="urn:microsoft.com/office/officeart/2005/8/layout/orgChart1"/>
-    <dgm:cxn modelId="{5880F441-74C2-4645-9D4D-CCA2305E78A6}" type="presOf" srcId="{EA10A4D8-4027-49E0-A20F-79C557F9AD38}" destId="{1B82DBE7-34E7-401B-83DF-E68F99128EE3}" srcOrd="0" destOrd="0" presId="urn:microsoft.com/office/officeart/2005/8/layout/orgChart1"/>
-    <dgm:cxn modelId="{EED43F63-EA26-49A9-A12B-A755F2473D87}" type="presOf" srcId="{E4757A1B-8179-471D-995B-3181F24F2B87}" destId="{B7DF1292-9099-4A11-9941-8BC45DAF5A71}" srcOrd="0" destOrd="0" presId="urn:microsoft.com/office/officeart/2005/8/layout/orgChart1"/>
-    <dgm:cxn modelId="{C2AD856E-1782-499C-BE83-6FE05883F7DD}" srcId="{33B04355-439C-478B-9CF3-7CEF85F3AEEA}" destId="{EA10A4D8-4027-49E0-A20F-79C557F9AD38}" srcOrd="0" destOrd="0" parTransId="{75617525-453E-45BB-B555-3E835D7B3BEE}" sibTransId="{4A0D5592-C0E8-4312-8333-DDB54BC33FE9}"/>
-    <dgm:cxn modelId="{33B88677-FF58-4738-8E08-201A1F45ABC5}" type="presOf" srcId="{EA10A4D8-4027-49E0-A20F-79C557F9AD38}" destId="{56254B17-4424-4B73-8A51-4F53F5D35AC6}" srcOrd="1" destOrd="0" presId="urn:microsoft.com/office/officeart/2005/8/layout/orgChart1"/>
-    <dgm:cxn modelId="{5FB8B159-6122-4CD4-B37F-1D192684CF04}" type="presOf" srcId="{254245FE-4AD6-451C-A689-3D99A5D0027F}" destId="{AB6691B9-31D9-4F47-B3E6-497EE8C8AE49}" srcOrd="0" destOrd="0" presId="urn:microsoft.com/office/officeart/2005/8/layout/orgChart1"/>
-    <dgm:cxn modelId="{201F497B-05C8-4638-B83A-ABC403F17D10}" type="presOf" srcId="{1B0F67B9-7A5F-4B99-B052-091CD35412B4}" destId="{1B234070-6E28-4D91-ABBA-DC00AEF2CB9D}" srcOrd="0" destOrd="0" presId="urn:microsoft.com/office/officeart/2005/8/layout/orgChart1"/>
-    <dgm:cxn modelId="{9B10BA8B-2DFF-41AD-8BCB-036ADC546C78}" type="presOf" srcId="{64BFBFF7-C65E-40FA-A19C-401F50BB7597}" destId="{67921C4E-CC6C-4026-92D0-FEA0598B0629}" srcOrd="0" destOrd="0" presId="urn:microsoft.com/office/officeart/2005/8/layout/orgChart1"/>
-    <dgm:cxn modelId="{67AA3892-0A2B-42D5-8F37-2B17C0FD55E0}" type="presOf" srcId="{73E58F07-8D14-4104-8ED1-EF4CE83B1D44}" destId="{6416C4EC-9CC3-4DCC-9B23-E93DD3AF9510}" srcOrd="0" destOrd="0" presId="urn:microsoft.com/office/officeart/2005/8/layout/orgChart1"/>
-    <dgm:cxn modelId="{8E88109B-8F42-4FC4-9913-B41C88BEC43D}" type="presOf" srcId="{33B04355-439C-478B-9CF3-7CEF85F3AEEA}" destId="{D912EDBD-A9FB-4872-8C9E-58D315B0355A}" srcOrd="1" destOrd="0" presId="urn:microsoft.com/office/officeart/2005/8/layout/orgChart1"/>
-    <dgm:cxn modelId="{8B5E739B-5F9F-4E7E-9243-B1D2E89FB654}" type="presOf" srcId="{553A73D3-83FD-4A98-BA14-27E24B4D2B5C}" destId="{36AFAAFA-AE5D-4D05-A3FF-D929DBAA1192}" srcOrd="0" destOrd="0" presId="urn:microsoft.com/office/officeart/2005/8/layout/orgChart1"/>
-    <dgm:cxn modelId="{9894349E-1FD2-406E-900F-97D928179C89}" srcId="{1B0F67B9-7A5F-4B99-B052-091CD35412B4}" destId="{33B04355-439C-478B-9CF3-7CEF85F3AEEA}" srcOrd="0" destOrd="0" parTransId="{450F06AD-5EAB-4303-AB7B-C9B5519575DC}" sibTransId="{1F473E32-5F8D-4901-AB1D-A2CB0047ECED}"/>
-    <dgm:cxn modelId="{8DB7A19F-AF5D-48F9-B556-67ADA248D750}" type="presOf" srcId="{254245FE-4AD6-451C-A689-3D99A5D0027F}" destId="{00826939-9327-4110-89D7-346710444B1A}" srcOrd="1" destOrd="0" presId="urn:microsoft.com/office/officeart/2005/8/layout/orgChart1"/>
-    <dgm:cxn modelId="{9FEA60A0-3D8B-41C5-A594-456B6728C4B7}" type="presOf" srcId="{DED477AB-7B5E-4626-8E55-833993F6331F}" destId="{F4DD1AF8-420D-40B0-A569-51C5A7F072BF}" srcOrd="1" destOrd="0" presId="urn:microsoft.com/office/officeart/2005/8/layout/orgChart1"/>
-    <dgm:cxn modelId="{2185F3A0-1952-41AB-BCA9-E563AE0FBE3B}" type="presOf" srcId="{DED477AB-7B5E-4626-8E55-833993F6331F}" destId="{46FB99FE-2928-4184-8AD2-0990114C6AC0}" srcOrd="0" destOrd="0" presId="urn:microsoft.com/office/officeart/2005/8/layout/orgChart1"/>
-    <dgm:cxn modelId="{091A76A1-A001-48F9-A5F1-A4B0F639925F}" type="presOf" srcId="{3ED9F1B9-3FB3-4C31-BC21-1CE3E66673BF}" destId="{9FC053BE-B126-4213-912A-F2E8221656FA}" srcOrd="0" destOrd="0" presId="urn:microsoft.com/office/officeart/2005/8/layout/orgChart1"/>
-    <dgm:cxn modelId="{5E2B2AA6-058B-4E40-BBAD-324F189AC02A}" type="presOf" srcId="{FA1D95D2-10AB-42F4-A8C7-D88C2C78FFEB}" destId="{80ABF55F-1AB4-44BA-9669-B1062719B88E}" srcOrd="0" destOrd="0" presId="urn:microsoft.com/office/officeart/2005/8/layout/orgChart1"/>
-    <dgm:cxn modelId="{3C2F04A7-929F-4679-A494-84FCE2F08EC6}" type="presOf" srcId="{33B04355-439C-478B-9CF3-7CEF85F3AEEA}" destId="{79B290E1-AC66-4447-86A0-88690AB1D9C7}" srcOrd="0" destOrd="0" presId="urn:microsoft.com/office/officeart/2005/8/layout/orgChart1"/>
-    <dgm:cxn modelId="{8095F5AC-FA39-440F-9D8E-9A38197CA594}" srcId="{33B04355-439C-478B-9CF3-7CEF85F3AEEA}" destId="{DED477AB-7B5E-4626-8E55-833993F6331F}" srcOrd="2" destOrd="0" parTransId="{64BFBFF7-C65E-40FA-A19C-401F50BB7597}" sibTransId="{24D3D596-744D-43CD-A9C9-2FB1C590DAC7}"/>
-    <dgm:cxn modelId="{37CCBDB8-E94B-440D-91D9-779D31CE7FD6}" srcId="{33B04355-439C-478B-9CF3-7CEF85F3AEEA}" destId="{110380F4-E426-4391-83A8-0FE988CCC649}" srcOrd="5" destOrd="0" parTransId="{3ED9F1B9-3FB3-4C31-BC21-1CE3E66673BF}" sibTransId="{623FD42B-4C4C-4238-A737-38B638E42FE6}"/>
-    <dgm:cxn modelId="{C2E1E6BC-1C84-40E7-88A6-C65DAC2DD2E8}" type="presOf" srcId="{75617525-453E-45BB-B555-3E835D7B3BEE}" destId="{0C4E197E-3433-434E-A723-BD4786084723}" srcOrd="0" destOrd="0" presId="urn:microsoft.com/office/officeart/2005/8/layout/orgChart1"/>
-    <dgm:cxn modelId="{8937A8D4-C5C8-4815-B1B5-E3F242F77750}" srcId="{33B04355-439C-478B-9CF3-7CEF85F3AEEA}" destId="{254245FE-4AD6-451C-A689-3D99A5D0027F}" srcOrd="6" destOrd="0" parTransId="{73E58F07-8D14-4104-8ED1-EF4CE83B1D44}" sibTransId="{AC746B84-9778-4CAA-872F-DB9623A4DD7B}"/>
-    <dgm:cxn modelId="{4BE176DE-7100-4A55-824A-EF47D5583C0F}" type="presOf" srcId="{9EAD1B7E-DA63-40D5-A27B-AD22B23BA757}" destId="{5D3538D5-90AE-48F1-8323-D8FE96942850}" srcOrd="1" destOrd="0" presId="urn:microsoft.com/office/officeart/2005/8/layout/orgChart1"/>
-    <dgm:cxn modelId="{59E692F9-F3A2-480D-A1B1-4E58FAC09001}" type="presOf" srcId="{34302606-4F48-48C0-9188-323EFC5F54C4}" destId="{ADD90551-175B-48D4-9070-CB3A060CFFF2}" srcOrd="0" destOrd="0" presId="urn:microsoft.com/office/officeart/2005/8/layout/orgChart1"/>
-    <dgm:cxn modelId="{6C6CC5FF-1811-4396-8D67-F46EC0406E68}" type="presOf" srcId="{7AFFA681-11B2-40F5-97EE-9084A6E3A55B}" destId="{DFD74C79-58B4-446C-8CE4-B91515F3FC1C}" srcOrd="1" destOrd="0" presId="urn:microsoft.com/office/officeart/2005/8/layout/orgChart1"/>
-    <dgm:cxn modelId="{B19060B0-6FD5-44E1-B986-D2D4AB61DF5C}" type="presParOf" srcId="{1B234070-6E28-4D91-ABBA-DC00AEF2CB9D}" destId="{A0D7D118-2287-402B-B119-832EC13C15C1}" srcOrd="0" destOrd="0" presId="urn:microsoft.com/office/officeart/2005/8/layout/orgChart1"/>
-    <dgm:cxn modelId="{9E892082-3BE2-4388-A5A9-1DCC9D75BA7A}" type="presParOf" srcId="{A0D7D118-2287-402B-B119-832EC13C15C1}" destId="{1DCF8403-6AD0-4CCB-9CEB-6D4A652BB059}" srcOrd="0" destOrd="0" presId="urn:microsoft.com/office/officeart/2005/8/layout/orgChart1"/>
-    <dgm:cxn modelId="{453E467A-6B40-4B13-B9C1-A42E91B199BE}" type="presParOf" srcId="{1DCF8403-6AD0-4CCB-9CEB-6D4A652BB059}" destId="{79B290E1-AC66-4447-86A0-88690AB1D9C7}" srcOrd="0" destOrd="0" presId="urn:microsoft.com/office/officeart/2005/8/layout/orgChart1"/>
-    <dgm:cxn modelId="{C8F2E8DE-A248-4D72-99C4-C033F716FA8A}" type="presParOf" srcId="{1DCF8403-6AD0-4CCB-9CEB-6D4A652BB059}" destId="{D912EDBD-A9FB-4872-8C9E-58D315B0355A}" srcOrd="1" destOrd="0" presId="urn:microsoft.com/office/officeart/2005/8/layout/orgChart1"/>
-    <dgm:cxn modelId="{A32001B5-EA95-459A-87B2-62054711501A}" type="presParOf" srcId="{A0D7D118-2287-402B-B119-832EC13C15C1}" destId="{B91E37DB-B5DF-4047-AE6D-FDF8C8BB516B}" srcOrd="1" destOrd="0" presId="urn:microsoft.com/office/officeart/2005/8/layout/orgChart1"/>
-    <dgm:cxn modelId="{5DAD48D1-008C-4979-922C-5BCC57EBB9B4}" type="presParOf" srcId="{B91E37DB-B5DF-4047-AE6D-FDF8C8BB516B}" destId="{0C4E197E-3433-434E-A723-BD4786084723}" srcOrd="0" destOrd="0" presId="urn:microsoft.com/office/officeart/2005/8/layout/orgChart1"/>
-    <dgm:cxn modelId="{6BAB6BAD-2CEE-4F54-BF1B-74AC2E8E6B11}" type="presParOf" srcId="{B91E37DB-B5DF-4047-AE6D-FDF8C8BB516B}" destId="{50FA0076-AEED-4771-BFD9-62624A5EAEC0}" srcOrd="1" destOrd="0" presId="urn:microsoft.com/office/officeart/2005/8/layout/orgChart1"/>
-    <dgm:cxn modelId="{F9A29B33-EA18-49B5-A0A6-0D5F3B074704}" type="presParOf" srcId="{50FA0076-AEED-4771-BFD9-62624A5EAEC0}" destId="{8FFC9A4F-E515-470F-96B2-DB8D96505C99}" srcOrd="0" destOrd="0" presId="urn:microsoft.com/office/officeart/2005/8/layout/orgChart1"/>
-    <dgm:cxn modelId="{F3162E53-F9F7-4DAC-AA8D-3374F1CB3361}" type="presParOf" srcId="{8FFC9A4F-E515-470F-96B2-DB8D96505C99}" destId="{1B82DBE7-34E7-401B-83DF-E68F99128EE3}" srcOrd="0" destOrd="0" presId="urn:microsoft.com/office/officeart/2005/8/layout/orgChart1"/>
-    <dgm:cxn modelId="{F286C50E-A092-4B30-A63D-BB8997F5B1EA}" type="presParOf" srcId="{8FFC9A4F-E515-470F-96B2-DB8D96505C99}" destId="{56254B17-4424-4B73-8A51-4F53F5D35AC6}" srcOrd="1" destOrd="0" presId="urn:microsoft.com/office/officeart/2005/8/layout/orgChart1"/>
-    <dgm:cxn modelId="{8DEBC511-FBCA-4547-A134-A3E4342B3DAD}" type="presParOf" srcId="{50FA0076-AEED-4771-BFD9-62624A5EAEC0}" destId="{682D549E-1CBC-4EB6-BFCC-C07D776098D9}" srcOrd="1" destOrd="0" presId="urn:microsoft.com/office/officeart/2005/8/layout/orgChart1"/>
-    <dgm:cxn modelId="{805CC0A5-EF62-4494-ABA9-86D72CE01D32}" type="presParOf" srcId="{50FA0076-AEED-4771-BFD9-62624A5EAEC0}" destId="{83C0F998-6154-4EA1-8956-3ECB56C6FAAD}" srcOrd="2" destOrd="0" presId="urn:microsoft.com/office/officeart/2005/8/layout/orgChart1"/>
-    <dgm:cxn modelId="{7CA283D9-5700-42C8-B9E6-AA6836D90E70}" type="presParOf" srcId="{B91E37DB-B5DF-4047-AE6D-FDF8C8BB516B}" destId="{C40E1B70-2B0F-44A2-B5DA-E5ECB278C50B}" srcOrd="2" destOrd="0" presId="urn:microsoft.com/office/officeart/2005/8/layout/orgChart1"/>
-    <dgm:cxn modelId="{469ED4CA-FE1A-49E2-AF4F-B5F772ED4252}" type="presParOf" srcId="{B91E37DB-B5DF-4047-AE6D-FDF8C8BB516B}" destId="{FA9E714A-7B34-4696-B74F-AD6B40354400}" srcOrd="3" destOrd="0" presId="urn:microsoft.com/office/officeart/2005/8/layout/orgChart1"/>
-    <dgm:cxn modelId="{7387BA03-9E65-44C6-BE66-E3A804D361B7}" type="presParOf" srcId="{FA9E714A-7B34-4696-B74F-AD6B40354400}" destId="{E199D328-4568-42F9-A6EF-588F54F88D05}" srcOrd="0" destOrd="0" presId="urn:microsoft.com/office/officeart/2005/8/layout/orgChart1"/>
-    <dgm:cxn modelId="{B357E94D-589B-47F9-BD8C-C6C27FBD5189}" type="presParOf" srcId="{E199D328-4568-42F9-A6EF-588F54F88D05}" destId="{27021784-046A-4668-A045-89FE83AE4D45}" srcOrd="0" destOrd="0" presId="urn:microsoft.com/office/officeart/2005/8/layout/orgChart1"/>
-    <dgm:cxn modelId="{C97DD212-23DF-4C88-B1A0-EB19F6EA8E3B}" type="presParOf" srcId="{E199D328-4568-42F9-A6EF-588F54F88D05}" destId="{470E4A78-4C01-4E5A-B21B-D1EB1C68BB61}" srcOrd="1" destOrd="0" presId="urn:microsoft.com/office/officeart/2005/8/layout/orgChart1"/>
-    <dgm:cxn modelId="{4BEB90DA-1B8E-4205-9478-2A5EF4011FE1}" type="presParOf" srcId="{FA9E714A-7B34-4696-B74F-AD6B40354400}" destId="{E5304606-8AE5-4B95-AD25-C2EE02144FAC}" srcOrd="1" destOrd="0" presId="urn:microsoft.com/office/officeart/2005/8/layout/orgChart1"/>
-    <dgm:cxn modelId="{8BE1177B-2374-4D99-B423-218F789974AE}" type="presParOf" srcId="{FA9E714A-7B34-4696-B74F-AD6B40354400}" destId="{2B035896-DD54-4A08-A713-6D584B101CB1}" srcOrd="2" destOrd="0" presId="urn:microsoft.com/office/officeart/2005/8/layout/orgChart1"/>
-    <dgm:cxn modelId="{A90BBBEA-AE5D-4892-902E-6666DAAC02D4}" type="presParOf" srcId="{B91E37DB-B5DF-4047-AE6D-FDF8C8BB516B}" destId="{67921C4E-CC6C-4026-92D0-FEA0598B0629}" srcOrd="4" destOrd="0" presId="urn:microsoft.com/office/officeart/2005/8/layout/orgChart1"/>
-    <dgm:cxn modelId="{D0F543D5-481B-4595-A03C-0DB47089AB34}" type="presParOf" srcId="{B91E37DB-B5DF-4047-AE6D-FDF8C8BB516B}" destId="{926F1836-A74B-4E83-A990-69ED9D2672A1}" srcOrd="5" destOrd="0" presId="urn:microsoft.com/office/officeart/2005/8/layout/orgChart1"/>
-    <dgm:cxn modelId="{CD2C47C7-447C-49ED-92FE-F7CD8FB98C3B}" type="presParOf" srcId="{926F1836-A74B-4E83-A990-69ED9D2672A1}" destId="{6BA55581-11E9-4B57-8544-ED100421CA98}" srcOrd="0" destOrd="0" presId="urn:microsoft.com/office/officeart/2005/8/layout/orgChart1"/>
-    <dgm:cxn modelId="{644B1810-5ABC-4D22-B63D-C83DF43B6DBE}" type="presParOf" srcId="{6BA55581-11E9-4B57-8544-ED100421CA98}" destId="{46FB99FE-2928-4184-8AD2-0990114C6AC0}" srcOrd="0" destOrd="0" presId="urn:microsoft.com/office/officeart/2005/8/layout/orgChart1"/>
-    <dgm:cxn modelId="{D3F5BAE3-E452-42DE-B34A-1A56457319B3}" type="presParOf" srcId="{6BA55581-11E9-4B57-8544-ED100421CA98}" destId="{F4DD1AF8-420D-40B0-A569-51C5A7F072BF}" srcOrd="1" destOrd="0" presId="urn:microsoft.com/office/officeart/2005/8/layout/orgChart1"/>
-    <dgm:cxn modelId="{2A3557F6-B58C-4EEE-833D-421B8EBBA99A}" type="presParOf" srcId="{926F1836-A74B-4E83-A990-69ED9D2672A1}" destId="{4DF98133-71B0-4B20-9BA3-3BBE7DFAA1B7}" srcOrd="1" destOrd="0" presId="urn:microsoft.com/office/officeart/2005/8/layout/orgChart1"/>
-    <dgm:cxn modelId="{689EC898-DB7E-4494-A4D5-2C02F3236657}" type="presParOf" srcId="{926F1836-A74B-4E83-A990-69ED9D2672A1}" destId="{5D2AD872-0732-4302-B863-59B86FE6C481}" srcOrd="2" destOrd="0" presId="urn:microsoft.com/office/officeart/2005/8/layout/orgChart1"/>
-    <dgm:cxn modelId="{02540719-18AE-4F54-AC5D-DB2230BC0423}" type="presParOf" srcId="{B91E37DB-B5DF-4047-AE6D-FDF8C8BB516B}" destId="{ADD90551-175B-48D4-9070-CB3A060CFFF2}" srcOrd="6" destOrd="0" presId="urn:microsoft.com/office/officeart/2005/8/layout/orgChart1"/>
-    <dgm:cxn modelId="{07B66D70-7C7C-461A-974E-1DF0E7372CC4}" type="presParOf" srcId="{B91E37DB-B5DF-4047-AE6D-FDF8C8BB516B}" destId="{385B1736-A2BD-4407-9F11-B2713665DCA6}" srcOrd="7" destOrd="0" presId="urn:microsoft.com/office/officeart/2005/8/layout/orgChart1"/>
-    <dgm:cxn modelId="{27466790-6205-4885-B7D8-0DA03ADD6CCC}" type="presParOf" srcId="{385B1736-A2BD-4407-9F11-B2713665DCA6}" destId="{0072AE38-A289-45C6-B9C9-BEC7CA1E9BA4}" srcOrd="0" destOrd="0" presId="urn:microsoft.com/office/officeart/2005/8/layout/orgChart1"/>
-    <dgm:cxn modelId="{6E5173B7-AD98-4C8E-9AF0-9D414211C3D1}" type="presParOf" srcId="{0072AE38-A289-45C6-B9C9-BEC7CA1E9BA4}" destId="{33FA7D0A-9CC8-42EC-93D8-75F446750B06}" srcOrd="0" destOrd="0" presId="urn:microsoft.com/office/officeart/2005/8/layout/orgChart1"/>
-    <dgm:cxn modelId="{1F19A00F-2958-4F7D-AE56-696D09F6D5FA}" type="presParOf" srcId="{0072AE38-A289-45C6-B9C9-BEC7CA1E9BA4}" destId="{DFD74C79-58B4-446C-8CE4-B91515F3FC1C}" srcOrd="1" destOrd="0" presId="urn:microsoft.com/office/officeart/2005/8/layout/orgChart1"/>
-    <dgm:cxn modelId="{1EFAFC43-CD91-4FF7-9F68-BEEE695A066F}" type="presParOf" srcId="{385B1736-A2BD-4407-9F11-B2713665DCA6}" destId="{F1239308-3C5B-4D04-9133-9E4AD319C3A5}" srcOrd="1" destOrd="0" presId="urn:microsoft.com/office/officeart/2005/8/layout/orgChart1"/>
-    <dgm:cxn modelId="{8307A0D8-08F8-4E54-AA95-BF6B75783C73}" type="presParOf" srcId="{385B1736-A2BD-4407-9F11-B2713665DCA6}" destId="{1E1D3691-1434-45E9-821D-E9E97C24585F}" srcOrd="2" destOrd="0" presId="urn:microsoft.com/office/officeart/2005/8/layout/orgChart1"/>
-    <dgm:cxn modelId="{58751A5A-F706-48C2-A95C-153009E98482}" type="presParOf" srcId="{B91E37DB-B5DF-4047-AE6D-FDF8C8BB516B}" destId="{80ABF55F-1AB4-44BA-9669-B1062719B88E}" srcOrd="8" destOrd="0" presId="urn:microsoft.com/office/officeart/2005/8/layout/orgChart1"/>
-    <dgm:cxn modelId="{498E2107-B81B-43AE-8FF9-ABB3E920B1A3}" type="presParOf" srcId="{B91E37DB-B5DF-4047-AE6D-FDF8C8BB516B}" destId="{2798B421-B165-4D41-BE73-4FCB513916AA}" srcOrd="9" destOrd="0" presId="urn:microsoft.com/office/officeart/2005/8/layout/orgChart1"/>
-    <dgm:cxn modelId="{89B0DAFC-9A75-4C9A-AC55-70DE8D642069}" type="presParOf" srcId="{2798B421-B165-4D41-BE73-4FCB513916AA}" destId="{50E4D5EA-3B3D-435D-9465-36727B8A6A8A}" srcOrd="0" destOrd="0" presId="urn:microsoft.com/office/officeart/2005/8/layout/orgChart1"/>
-    <dgm:cxn modelId="{4FC6AE3C-21A1-40BB-9FB9-F61901E25D0F}" type="presParOf" srcId="{50E4D5EA-3B3D-435D-9465-36727B8A6A8A}" destId="{7656B401-F5F7-4761-B93C-57322597DB40}" srcOrd="0" destOrd="0" presId="urn:microsoft.com/office/officeart/2005/8/layout/orgChart1"/>
-    <dgm:cxn modelId="{4C23FDBB-80C5-405D-A13B-0213DCC12D61}" type="presParOf" srcId="{50E4D5EA-3B3D-435D-9465-36727B8A6A8A}" destId="{5D3538D5-90AE-48F1-8323-D8FE96942850}" srcOrd="1" destOrd="0" presId="urn:microsoft.com/office/officeart/2005/8/layout/orgChart1"/>
-    <dgm:cxn modelId="{2337DCC4-934C-4EA1-BF10-B375F4447559}" type="presParOf" srcId="{2798B421-B165-4D41-BE73-4FCB513916AA}" destId="{C126D9DA-A252-4367-BC2B-972C9B899B6F}" srcOrd="1" destOrd="0" presId="urn:microsoft.com/office/officeart/2005/8/layout/orgChart1"/>
-    <dgm:cxn modelId="{652A9D22-29BA-4E23-AE9D-033D32146E61}" type="presParOf" srcId="{2798B421-B165-4D41-BE73-4FCB513916AA}" destId="{830DEDE6-65F0-4ABD-9876-E831A2A2A016}" srcOrd="2" destOrd="0" presId="urn:microsoft.com/office/officeart/2005/8/layout/orgChart1"/>
-    <dgm:cxn modelId="{EF89C2CC-082F-49C3-8984-4029AB302F7C}" type="presParOf" srcId="{B91E37DB-B5DF-4047-AE6D-FDF8C8BB516B}" destId="{9FC053BE-B126-4213-912A-F2E8221656FA}" srcOrd="10" destOrd="0" presId="urn:microsoft.com/office/officeart/2005/8/layout/orgChart1"/>
-    <dgm:cxn modelId="{6062BCDA-4E93-406B-A912-4FC752505866}" type="presParOf" srcId="{B91E37DB-B5DF-4047-AE6D-FDF8C8BB516B}" destId="{4E0DD440-C29A-4C78-8E1D-2B920AF60E2B}" srcOrd="11" destOrd="0" presId="urn:microsoft.com/office/officeart/2005/8/layout/orgChart1"/>
-    <dgm:cxn modelId="{D1B7B78F-A5B2-495A-BE2F-7536DCC11F1F}" type="presParOf" srcId="{4E0DD440-C29A-4C78-8E1D-2B920AF60E2B}" destId="{BB9F9B44-C399-4F2B-9D0F-FE6E43CBD816}" srcOrd="0" destOrd="0" presId="urn:microsoft.com/office/officeart/2005/8/layout/orgChart1"/>
-    <dgm:cxn modelId="{47E19C5D-17A7-4CB5-9599-4E409D3AF38F}" type="presParOf" srcId="{BB9F9B44-C399-4F2B-9D0F-FE6E43CBD816}" destId="{A2AFD2AE-9A90-4F32-8939-E6FE4A3B7A65}" srcOrd="0" destOrd="0" presId="urn:microsoft.com/office/officeart/2005/8/layout/orgChart1"/>
-    <dgm:cxn modelId="{8BEAF915-ACB1-483B-86FD-CCB7C7A38CB9}" type="presParOf" srcId="{BB9F9B44-C399-4F2B-9D0F-FE6E43CBD816}" destId="{D75DB0CB-C22F-44FC-B6F7-D30C774E09E0}" srcOrd="1" destOrd="0" presId="urn:microsoft.com/office/officeart/2005/8/layout/orgChart1"/>
-    <dgm:cxn modelId="{3CE0B278-95EB-4532-BB2F-577996222A65}" type="presParOf" srcId="{4E0DD440-C29A-4C78-8E1D-2B920AF60E2B}" destId="{C37AC45B-304D-4108-9BE3-65F917398275}" srcOrd="1" destOrd="0" presId="urn:microsoft.com/office/officeart/2005/8/layout/orgChart1"/>
-    <dgm:cxn modelId="{8A38F11B-F151-47FE-9D7D-6DDBEDDBB1D7}" type="presParOf" srcId="{4E0DD440-C29A-4C78-8E1D-2B920AF60E2B}" destId="{521A38EF-9258-4794-B2AB-96D2B36E85AF}" srcOrd="2" destOrd="0" presId="urn:microsoft.com/office/officeart/2005/8/layout/orgChart1"/>
-    <dgm:cxn modelId="{1DCC5E85-6C55-4D93-BFBC-F3DC58415107}" type="presParOf" srcId="{B91E37DB-B5DF-4047-AE6D-FDF8C8BB516B}" destId="{6416C4EC-9CC3-4DCC-9B23-E93DD3AF9510}" srcOrd="12" destOrd="0" presId="urn:microsoft.com/office/officeart/2005/8/layout/orgChart1"/>
-    <dgm:cxn modelId="{AFB23D87-C0CB-46D2-BC19-265570D61B75}" type="presParOf" srcId="{B91E37DB-B5DF-4047-AE6D-FDF8C8BB516B}" destId="{9D5C4196-0711-474E-AD8E-11E0BE32B6E3}" srcOrd="13" destOrd="0" presId="urn:microsoft.com/office/officeart/2005/8/layout/orgChart1"/>
-    <dgm:cxn modelId="{B2337945-14BB-44AF-A97E-2989F4BC95A9}" type="presParOf" srcId="{9D5C4196-0711-474E-AD8E-11E0BE32B6E3}" destId="{04369F0D-6E17-4600-A58C-9456968BA171}" srcOrd="0" destOrd="0" presId="urn:microsoft.com/office/officeart/2005/8/layout/orgChart1"/>
-    <dgm:cxn modelId="{A4812A55-208B-48A7-BCBA-78732C9A138A}" type="presParOf" srcId="{04369F0D-6E17-4600-A58C-9456968BA171}" destId="{AB6691B9-31D9-4F47-B3E6-497EE8C8AE49}" srcOrd="0" destOrd="0" presId="urn:microsoft.com/office/officeart/2005/8/layout/orgChart1"/>
-    <dgm:cxn modelId="{68DF6B0A-3605-4665-8075-1A771842CEA6}" type="presParOf" srcId="{04369F0D-6E17-4600-A58C-9456968BA171}" destId="{00826939-9327-4110-89D7-346710444B1A}" srcOrd="1" destOrd="0" presId="urn:microsoft.com/office/officeart/2005/8/layout/orgChart1"/>
-    <dgm:cxn modelId="{D8FB04E4-C8A6-48B8-9146-F5FC4FE4778D}" type="presParOf" srcId="{9D5C4196-0711-474E-AD8E-11E0BE32B6E3}" destId="{CA4EF3E7-DB28-44BB-9E5A-A9F4236A45C6}" srcOrd="1" destOrd="0" presId="urn:microsoft.com/office/officeart/2005/8/layout/orgChart1"/>
-    <dgm:cxn modelId="{5DEA109D-6158-4937-90AB-5ED1FBA5003C}" type="presParOf" srcId="{9D5C4196-0711-474E-AD8E-11E0BE32B6E3}" destId="{CDAD4B1C-FD03-4B79-8A78-B79E4C96FC5B}" srcOrd="2" destOrd="0" presId="urn:microsoft.com/office/officeart/2005/8/layout/orgChart1"/>
-    <dgm:cxn modelId="{006B8F62-3479-4DD5-B06D-DBCF2FF8D2EF}" type="presParOf" srcId="{B91E37DB-B5DF-4047-AE6D-FDF8C8BB516B}" destId="{B7DF1292-9099-4A11-9941-8BC45DAF5A71}" srcOrd="14" destOrd="0" presId="urn:microsoft.com/office/officeart/2005/8/layout/orgChart1"/>
-    <dgm:cxn modelId="{D407EE06-CD77-4883-8990-CC69AAFC9ED0}" type="presParOf" srcId="{B91E37DB-B5DF-4047-AE6D-FDF8C8BB516B}" destId="{5C099247-5096-4DB5-B6DA-3CA82A9F7ADF}" srcOrd="15" destOrd="0" presId="urn:microsoft.com/office/officeart/2005/8/layout/orgChart1"/>
-    <dgm:cxn modelId="{CC492DA0-ADCA-4E32-B32F-73643BEAAF2C}" type="presParOf" srcId="{5C099247-5096-4DB5-B6DA-3CA82A9F7ADF}" destId="{DD93E5ED-9571-4139-AB6E-8661BFCA66A9}" srcOrd="0" destOrd="0" presId="urn:microsoft.com/office/officeart/2005/8/layout/orgChart1"/>
-    <dgm:cxn modelId="{54C2D52D-C54B-4118-9D27-CE790CC9DF6D}" type="presParOf" srcId="{DD93E5ED-9571-4139-AB6E-8661BFCA66A9}" destId="{36AFAAFA-AE5D-4D05-A3FF-D929DBAA1192}" srcOrd="0" destOrd="0" presId="urn:microsoft.com/office/officeart/2005/8/layout/orgChart1"/>
-    <dgm:cxn modelId="{D0394589-E5D0-444F-8534-BD2BCAC0E5BB}" type="presParOf" srcId="{DD93E5ED-9571-4139-AB6E-8661BFCA66A9}" destId="{CAD2502E-8D9A-4533-8BC8-730A94A89D96}" srcOrd="1" destOrd="0" presId="urn:microsoft.com/office/officeart/2005/8/layout/orgChart1"/>
-    <dgm:cxn modelId="{8F9483C8-E779-476B-A539-6D8FB7A1C24E}" type="presParOf" srcId="{5C099247-5096-4DB5-B6DA-3CA82A9F7ADF}" destId="{D5D611E2-189E-4301-83EE-384BD8557BF7}" srcOrd="1" destOrd="0" presId="urn:microsoft.com/office/officeart/2005/8/layout/orgChart1"/>
-    <dgm:cxn modelId="{E348AACC-6192-4A16-A0D2-ADC6F1A7D985}" type="presParOf" srcId="{5C099247-5096-4DB5-B6DA-3CA82A9F7ADF}" destId="{89429440-43FC-4A22-AC42-9316D9A9B64D}" srcOrd="2" destOrd="0" presId="urn:microsoft.com/office/officeart/2005/8/layout/orgChart1"/>
-    <dgm:cxn modelId="{4B608795-1C5C-48DC-A75F-B3DF17061982}" type="presParOf" srcId="{A0D7D118-2287-402B-B119-832EC13C15C1}" destId="{F4F03CD4-C6B1-4CB8-935A-0D79BB4F4E18}" srcOrd="2" destOrd="0" presId="urn:microsoft.com/office/officeart/2005/8/layout/orgChart1"/>
+    <dgm:cxn modelId="{51271C0B-0623-4933-8BDC-A7866CDEF0F2}" srcId="{3FFE7169-CD91-402F-BE7A-D6FC1D576DD1}" destId="{270C762B-1A9C-42A6-B1DF-259E866A6620}" srcOrd="1" destOrd="0" parTransId="{B9CB3E7A-6983-4A03-B004-870A72A387EA}" sibTransId="{5CDD0CC7-FC6D-474E-B344-98621BBCE9ED}"/>
+    <dgm:cxn modelId="{A7519622-6BB3-49DD-8F5B-52A10EFB4612}" type="presOf" srcId="{FC8BA3D1-D7D8-4771-AAA5-BE25DC3CC775}" destId="{4819386D-5B80-4EE0-ADAE-197C545AB670}" srcOrd="0" destOrd="0" presId="urn:microsoft.com/office/officeart/2005/8/layout/hierarchy1"/>
+    <dgm:cxn modelId="{64AD4923-1145-4A64-B2CF-FBF7048A8522}" type="presOf" srcId="{D581F437-06B6-4379-83D6-DE45430DE09F}" destId="{7FCB2E25-D32F-422E-B709-C33691A18532}" srcOrd="0" destOrd="0" presId="urn:microsoft.com/office/officeart/2005/8/layout/hierarchy1"/>
+    <dgm:cxn modelId="{4FCEBA23-47F0-4230-99DF-E7A225010F14}" type="presOf" srcId="{ABDE0313-D180-4DC7-80CB-E064C15AED58}" destId="{DE37F8A9-5D5A-4CD2-8C95-C006B7989C6B}" srcOrd="0" destOrd="0" presId="urn:microsoft.com/office/officeart/2005/8/layout/hierarchy1"/>
+    <dgm:cxn modelId="{1291952C-DB4F-48DA-A92C-89F53DFDEC2E}" srcId="{F222094F-AF64-41D6-863C-3BC921219E66}" destId="{C6596820-3535-4754-BCA0-48724E8999A7}" srcOrd="1" destOrd="0" parTransId="{75374B88-0416-4288-B9D3-7DA3C702DF23}" sibTransId="{B9D083A4-3032-4E0F-A593-9385574194FE}"/>
+    <dgm:cxn modelId="{8C8B5730-DD6A-4EFB-B99C-219C948125B3}" type="presOf" srcId="{1DDFACFF-9A79-4B5F-AB8A-8A60A1455D32}" destId="{F54C62D5-383E-414E-822D-FB6F6F0434CB}" srcOrd="0" destOrd="0" presId="urn:microsoft.com/office/officeart/2005/8/layout/hierarchy1"/>
+    <dgm:cxn modelId="{BEA7B538-D0D5-4D57-BA14-733FA82A83BA}" type="presOf" srcId="{270C762B-1A9C-42A6-B1DF-259E866A6620}" destId="{33B76B8E-0EC5-4530-A0B5-1ED86F595A5E}" srcOrd="0" destOrd="0" presId="urn:microsoft.com/office/officeart/2005/8/layout/hierarchy1"/>
+    <dgm:cxn modelId="{B5FEF639-14B0-47CB-B1E3-F40E9F52303B}" type="presOf" srcId="{B9CB3E7A-6983-4A03-B004-870A72A387EA}" destId="{E20FADEE-B47A-43C5-A48A-C6E900AA35CC}" srcOrd="0" destOrd="0" presId="urn:microsoft.com/office/officeart/2005/8/layout/hierarchy1"/>
+    <dgm:cxn modelId="{3085A03D-1842-4132-9EE9-B1BD5D9C4ACE}" type="presOf" srcId="{F222094F-AF64-41D6-863C-3BC921219E66}" destId="{F66FDE7B-A8AB-4F7F-8FCB-63E1E863EF79}" srcOrd="0" destOrd="0" presId="urn:microsoft.com/office/officeart/2005/8/layout/hierarchy1"/>
+    <dgm:cxn modelId="{FEAB295C-2307-4E6A-BC31-14CBDA57826A}" srcId="{F222094F-AF64-41D6-863C-3BC921219E66}" destId="{37F80A24-7385-468B-9BBC-DAF939BF2391}" srcOrd="0" destOrd="0" parTransId="{1DDFACFF-9A79-4B5F-AB8A-8A60A1455D32}" sibTransId="{FE0E0775-5C54-42F8-8243-CB45F9FE014E}"/>
+    <dgm:cxn modelId="{49104E45-6BF2-4171-AC48-57EAC21A5B06}" type="presOf" srcId="{0054213D-2048-44D5-98AB-CFB9BE4CDF07}" destId="{A1C73CFB-CA08-41EC-BAFE-AE4F74EDC983}" srcOrd="0" destOrd="0" presId="urn:microsoft.com/office/officeart/2005/8/layout/hierarchy1"/>
+    <dgm:cxn modelId="{24CE5F66-030B-483F-AF26-E1B243B55C15}" type="presOf" srcId="{AD3ADB0D-CC94-451E-95DF-B954EB3AEEEF}" destId="{14020AE1-00D7-4677-89A6-87B81FB0BD23}" srcOrd="0" destOrd="0" presId="urn:microsoft.com/office/officeart/2005/8/layout/hierarchy1"/>
+    <dgm:cxn modelId="{A7A3E848-04FD-48BE-9E77-C31C47E9B401}" type="presOf" srcId="{5DD09FA9-5AE8-43F0-9944-A3D867027142}" destId="{3B569626-D466-4057-8709-82D61A7BC057}" srcOrd="0" destOrd="0" presId="urn:microsoft.com/office/officeart/2005/8/layout/hierarchy1"/>
+    <dgm:cxn modelId="{8C73134A-4012-4186-9466-09FAB656FE84}" type="presOf" srcId="{77910CD9-2D1B-44E2-A5DD-DB79B21E832B}" destId="{0986C77F-660D-4748-B0BD-DE7BD4BB9F09}" srcOrd="0" destOrd="0" presId="urn:microsoft.com/office/officeart/2005/8/layout/hierarchy1"/>
+    <dgm:cxn modelId="{34BD806E-3235-4F05-946C-E5481C959167}" srcId="{F222094F-AF64-41D6-863C-3BC921219E66}" destId="{EC326B44-45FA-4D24-8944-4EB903CA0EF0}" srcOrd="3" destOrd="0" parTransId="{F6765C6C-9E5C-4792-81E0-DBA308FD570E}" sibTransId="{23FF9322-F6BC-4FD2-9F69-755D56B1A873}"/>
+    <dgm:cxn modelId="{9A93A44F-1966-4AB1-8F1D-00615C8AD60F}" srcId="{270C762B-1A9C-42A6-B1DF-259E866A6620}" destId="{5DD09FA9-5AE8-43F0-9944-A3D867027142}" srcOrd="3" destOrd="0" parTransId="{D581F437-06B6-4379-83D6-DE45430DE09F}" sibTransId="{76C66656-AC07-4C83-ABB6-C23960D1991C}"/>
+    <dgm:cxn modelId="{8D0D1372-B5F8-4393-A908-1C869FBB4B83}" srcId="{270C762B-1A9C-42A6-B1DF-259E866A6620}" destId="{4D434040-4777-441A-A272-1DC978CFE139}" srcOrd="2" destOrd="0" parTransId="{FC8BA3D1-D7D8-4771-AAA5-BE25DC3CC775}" sibTransId="{21B66B26-2AEC-42DB-BC43-F931E40358C3}"/>
+    <dgm:cxn modelId="{A81FD853-F864-41FB-AB94-4A221561C58C}" type="presOf" srcId="{C6596820-3535-4754-BCA0-48724E8999A7}" destId="{C210443A-B378-4123-BD67-F540501C4709}" srcOrd="0" destOrd="0" presId="urn:microsoft.com/office/officeart/2005/8/layout/hierarchy1"/>
+    <dgm:cxn modelId="{9CFF0655-1C87-40C1-B1ED-2F745A3AFC64}" srcId="{270C762B-1A9C-42A6-B1DF-259E866A6620}" destId="{40E2A1BD-94A1-4A48-9A3A-5CF9C6C63776}" srcOrd="1" destOrd="0" parTransId="{EBC2771F-86E1-41F5-AB66-B6FBD56F2AC3}" sibTransId="{68E21B15-5E60-4930-92C6-45D2A281536F}"/>
+    <dgm:cxn modelId="{BEB65256-095E-4B32-8078-4DFD3EE80B58}" srcId="{3FFE7169-CD91-402F-BE7A-D6FC1D576DD1}" destId="{F222094F-AF64-41D6-863C-3BC921219E66}" srcOrd="0" destOrd="0" parTransId="{77910CD9-2D1B-44E2-A5DD-DB79B21E832B}" sibTransId="{010DD3B1-DF5B-4C31-983D-CCFD534398A8}"/>
+    <dgm:cxn modelId="{85D41277-EA35-4FCD-9DBA-70B479D0C907}" srcId="{F222094F-AF64-41D6-863C-3BC921219E66}" destId="{ABDE0313-D180-4DC7-80CB-E064C15AED58}" srcOrd="2" destOrd="0" parTransId="{AD3ADB0D-CC94-451E-95DF-B954EB3AEEEF}" sibTransId="{9692F237-09D1-4195-883B-00CB298EE490}"/>
+    <dgm:cxn modelId="{70AEE25A-5089-42E8-B442-2F623AB10F41}" type="presOf" srcId="{EBC2771F-86E1-41F5-AB66-B6FBD56F2AC3}" destId="{FD1E1187-91CC-46D4-9E7E-BA7A05BA99AD}" srcOrd="0" destOrd="0" presId="urn:microsoft.com/office/officeart/2005/8/layout/hierarchy1"/>
+    <dgm:cxn modelId="{B6183681-A5AA-4A73-88E3-5602B7C4D43E}" type="presOf" srcId="{75374B88-0416-4288-B9D3-7DA3C702DF23}" destId="{D8D7894C-B290-407B-8493-348188538FE1}" srcOrd="0" destOrd="0" presId="urn:microsoft.com/office/officeart/2005/8/layout/hierarchy1"/>
+    <dgm:cxn modelId="{90A4778C-4A98-44B1-A55D-452226251ACC}" type="presOf" srcId="{EC326B44-45FA-4D24-8944-4EB903CA0EF0}" destId="{7301F7C9-5080-470D-9DE2-9484B59486B2}" srcOrd="0" destOrd="0" presId="urn:microsoft.com/office/officeart/2005/8/layout/hierarchy1"/>
+    <dgm:cxn modelId="{21219E9D-889B-418B-AFC2-303A4B3D5B6C}" type="presOf" srcId="{4D434040-4777-441A-A272-1DC978CFE139}" destId="{B52212D7-0B0D-4AD5-9219-4AAF0737C572}" srcOrd="0" destOrd="0" presId="urn:microsoft.com/office/officeart/2005/8/layout/hierarchy1"/>
+    <dgm:cxn modelId="{9D52839E-BA3D-4C46-A2E6-9C9F55C7BCFA}" srcId="{270C762B-1A9C-42A6-B1DF-259E866A6620}" destId="{33755AFC-7272-41CF-8A6C-BE1DCF908F24}" srcOrd="0" destOrd="0" parTransId="{0054213D-2048-44D5-98AB-CFB9BE4CDF07}" sibTransId="{84B9B871-E082-45C6-9B97-C0DF0876F19C}"/>
+    <dgm:cxn modelId="{2F373EA9-B643-4A87-9795-4B8ABF605DDC}" type="presOf" srcId="{3FFE7169-CD91-402F-BE7A-D6FC1D576DD1}" destId="{01955665-9EC1-43B2-970E-24FB6925829E}" srcOrd="0" destOrd="0" presId="urn:microsoft.com/office/officeart/2005/8/layout/hierarchy1"/>
+    <dgm:cxn modelId="{F183B6AE-6E35-4AC9-AC79-51BC0C1AFAE4}" type="presOf" srcId="{37F80A24-7385-468B-9BBC-DAF939BF2391}" destId="{153B7127-5B8F-472B-9247-D3D097252336}" srcOrd="0" destOrd="0" presId="urn:microsoft.com/office/officeart/2005/8/layout/hierarchy1"/>
+    <dgm:cxn modelId="{4428E8B0-2A0C-4386-AAFE-A7F3D0B57A3B}" type="presOf" srcId="{F6765C6C-9E5C-4792-81E0-DBA308FD570E}" destId="{37542F64-E39A-463B-9B75-4A52F13E4E2D}" srcOrd="0" destOrd="0" presId="urn:microsoft.com/office/officeart/2005/8/layout/hierarchy1"/>
+    <dgm:cxn modelId="{59628DB7-2C5C-4680-A494-9FC29740CA02}" type="presOf" srcId="{33755AFC-7272-41CF-8A6C-BE1DCF908F24}" destId="{EEDCE601-A0A2-4FF5-9CA6-647533CC3A06}" srcOrd="0" destOrd="0" presId="urn:microsoft.com/office/officeart/2005/8/layout/hierarchy1"/>
+    <dgm:cxn modelId="{A2E5C4BE-61CB-4162-BEDC-5971F4ED972A}" type="presOf" srcId="{40E2A1BD-94A1-4A48-9A3A-5CF9C6C63776}" destId="{CBE71CF0-4E8B-4F27-89B4-A6F9E9DDB867}" srcOrd="0" destOrd="0" presId="urn:microsoft.com/office/officeart/2005/8/layout/hierarchy1"/>
+    <dgm:cxn modelId="{C644A4D1-EC4F-414E-AA26-70E8E5871A57}" type="presOf" srcId="{1B0F67B9-7A5F-4B99-B052-091CD35412B4}" destId="{48CE7121-10D9-427D-BF48-CEA55471A39F}" srcOrd="0" destOrd="0" presId="urn:microsoft.com/office/officeart/2005/8/layout/hierarchy1"/>
+    <dgm:cxn modelId="{A78823F5-6770-44B3-BE2C-514F19F3203E}" srcId="{1B0F67B9-7A5F-4B99-B052-091CD35412B4}" destId="{3FFE7169-CD91-402F-BE7A-D6FC1D576DD1}" srcOrd="0" destOrd="0" parTransId="{E2329A14-DF83-4094-AB7B-A8E189E9892F}" sibTransId="{6F3CDEA9-98C1-4756-840B-9D6DAEC8E20D}"/>
+    <dgm:cxn modelId="{D8702F33-FA90-4DBA-8486-16D94050B213}" type="presParOf" srcId="{48CE7121-10D9-427D-BF48-CEA55471A39F}" destId="{48CE2FE9-C5F3-49AD-B8F8-89380045C020}" srcOrd="0" destOrd="0" presId="urn:microsoft.com/office/officeart/2005/8/layout/hierarchy1"/>
+    <dgm:cxn modelId="{2DF3A0D6-0917-470A-A69B-86F6A70629F1}" type="presParOf" srcId="{48CE2FE9-C5F3-49AD-B8F8-89380045C020}" destId="{84E55391-74E7-4764-B2EB-775281B61CF9}" srcOrd="0" destOrd="0" presId="urn:microsoft.com/office/officeart/2005/8/layout/hierarchy1"/>
+    <dgm:cxn modelId="{2CDD8858-475A-457D-B96C-EB2007E3DC1A}" type="presParOf" srcId="{84E55391-74E7-4764-B2EB-775281B61CF9}" destId="{37426582-C953-4DA8-BFFA-49E2AF4F91A4}" srcOrd="0" destOrd="0" presId="urn:microsoft.com/office/officeart/2005/8/layout/hierarchy1"/>
+    <dgm:cxn modelId="{862EC8CA-D348-483E-B07A-1A67A96A774C}" type="presParOf" srcId="{84E55391-74E7-4764-B2EB-775281B61CF9}" destId="{01955665-9EC1-43B2-970E-24FB6925829E}" srcOrd="1" destOrd="0" presId="urn:microsoft.com/office/officeart/2005/8/layout/hierarchy1"/>
+    <dgm:cxn modelId="{99078A29-8498-4C73-BCA0-8D70873E0D65}" type="presParOf" srcId="{48CE2FE9-C5F3-49AD-B8F8-89380045C020}" destId="{6FE74D31-47E8-42BC-A867-90471B774D1F}" srcOrd="1" destOrd="0" presId="urn:microsoft.com/office/officeart/2005/8/layout/hierarchy1"/>
+    <dgm:cxn modelId="{39B39E47-6E75-4221-AA74-D06B3F1F514D}" type="presParOf" srcId="{6FE74D31-47E8-42BC-A867-90471B774D1F}" destId="{0986C77F-660D-4748-B0BD-DE7BD4BB9F09}" srcOrd="0" destOrd="0" presId="urn:microsoft.com/office/officeart/2005/8/layout/hierarchy1"/>
+    <dgm:cxn modelId="{D068257C-F15E-486C-B0F6-C84CAA81D30E}" type="presParOf" srcId="{6FE74D31-47E8-42BC-A867-90471B774D1F}" destId="{60EFF5FD-9D1B-491C-AA4D-E0574056C4CE}" srcOrd="1" destOrd="0" presId="urn:microsoft.com/office/officeart/2005/8/layout/hierarchy1"/>
+    <dgm:cxn modelId="{62BFF579-C477-4EEC-8E08-2306BA53FA6C}" type="presParOf" srcId="{60EFF5FD-9D1B-491C-AA4D-E0574056C4CE}" destId="{774A3CBB-8EAE-492D-ACD9-50DD994DBDFF}" srcOrd="0" destOrd="0" presId="urn:microsoft.com/office/officeart/2005/8/layout/hierarchy1"/>
+    <dgm:cxn modelId="{D4174E64-A784-4B49-ABF2-2F42021BEB25}" type="presParOf" srcId="{774A3CBB-8EAE-492D-ACD9-50DD994DBDFF}" destId="{9DB39F63-2F9D-410B-A63B-6F35A03D1822}" srcOrd="0" destOrd="0" presId="urn:microsoft.com/office/officeart/2005/8/layout/hierarchy1"/>
+    <dgm:cxn modelId="{17A8210A-A72F-43D6-B4E7-FB1627E3B849}" type="presParOf" srcId="{774A3CBB-8EAE-492D-ACD9-50DD994DBDFF}" destId="{F66FDE7B-A8AB-4F7F-8FCB-63E1E863EF79}" srcOrd="1" destOrd="0" presId="urn:microsoft.com/office/officeart/2005/8/layout/hierarchy1"/>
+    <dgm:cxn modelId="{2F6D4107-0DBA-43BC-B96F-DED4B4FD6833}" type="presParOf" srcId="{60EFF5FD-9D1B-491C-AA4D-E0574056C4CE}" destId="{2AFA937F-8072-471A-B3B5-D955DF8626BF}" srcOrd="1" destOrd="0" presId="urn:microsoft.com/office/officeart/2005/8/layout/hierarchy1"/>
+    <dgm:cxn modelId="{70678EF2-196E-4A1E-8EDB-7B6BB1F04649}" type="presParOf" srcId="{2AFA937F-8072-471A-B3B5-D955DF8626BF}" destId="{F54C62D5-383E-414E-822D-FB6F6F0434CB}" srcOrd="0" destOrd="0" presId="urn:microsoft.com/office/officeart/2005/8/layout/hierarchy1"/>
+    <dgm:cxn modelId="{849261F2-CC25-4F2B-BC26-3A048F1CFB50}" type="presParOf" srcId="{2AFA937F-8072-471A-B3B5-D955DF8626BF}" destId="{74643209-BA24-423E-B898-17AA5BC24166}" srcOrd="1" destOrd="0" presId="urn:microsoft.com/office/officeart/2005/8/layout/hierarchy1"/>
+    <dgm:cxn modelId="{C2E72D21-7A9C-47BD-AF70-D27C083EACBA}" type="presParOf" srcId="{74643209-BA24-423E-B898-17AA5BC24166}" destId="{041DD7E2-F7AD-4ED1-B60B-55A80920EB66}" srcOrd="0" destOrd="0" presId="urn:microsoft.com/office/officeart/2005/8/layout/hierarchy1"/>
+    <dgm:cxn modelId="{D6AA0328-4128-4B5F-B8BF-168F716C59CC}" type="presParOf" srcId="{041DD7E2-F7AD-4ED1-B60B-55A80920EB66}" destId="{0D0FE3B6-D061-421F-B175-74368D305D3D}" srcOrd="0" destOrd="0" presId="urn:microsoft.com/office/officeart/2005/8/layout/hierarchy1"/>
+    <dgm:cxn modelId="{28B29990-F5F8-40CC-BFE0-B9E57954203F}" type="presParOf" srcId="{041DD7E2-F7AD-4ED1-B60B-55A80920EB66}" destId="{153B7127-5B8F-472B-9247-D3D097252336}" srcOrd="1" destOrd="0" presId="urn:microsoft.com/office/officeart/2005/8/layout/hierarchy1"/>
+    <dgm:cxn modelId="{4A812D76-7340-4A8B-80B2-B32306A0ACD0}" type="presParOf" srcId="{74643209-BA24-423E-B898-17AA5BC24166}" destId="{95858472-C15B-4887-B04B-58B8F0D988C4}" srcOrd="1" destOrd="0" presId="urn:microsoft.com/office/officeart/2005/8/layout/hierarchy1"/>
+    <dgm:cxn modelId="{7CBEEF7C-49EB-4327-B8A8-9B6BEF3862DE}" type="presParOf" srcId="{2AFA937F-8072-471A-B3B5-D955DF8626BF}" destId="{D8D7894C-B290-407B-8493-348188538FE1}" srcOrd="2" destOrd="0" presId="urn:microsoft.com/office/officeart/2005/8/layout/hierarchy1"/>
+    <dgm:cxn modelId="{FCCA932F-1323-440F-B64A-FF0BE59C3AB3}" type="presParOf" srcId="{2AFA937F-8072-471A-B3B5-D955DF8626BF}" destId="{BB5121CE-21B5-45C3-A235-CD4F29AF7045}" srcOrd="3" destOrd="0" presId="urn:microsoft.com/office/officeart/2005/8/layout/hierarchy1"/>
+    <dgm:cxn modelId="{32F13F45-8A34-4652-8D74-12010E6DFABC}" type="presParOf" srcId="{BB5121CE-21B5-45C3-A235-CD4F29AF7045}" destId="{7C74A04F-B8F7-422A-A4D5-DA0DBE4EC223}" srcOrd="0" destOrd="0" presId="urn:microsoft.com/office/officeart/2005/8/layout/hierarchy1"/>
+    <dgm:cxn modelId="{94F8AA52-C743-4B8C-B6A3-2B7B39270475}" type="presParOf" srcId="{7C74A04F-B8F7-422A-A4D5-DA0DBE4EC223}" destId="{A2B4D9F1-6CA7-4491-8F55-93B9157D2383}" srcOrd="0" destOrd="0" presId="urn:microsoft.com/office/officeart/2005/8/layout/hierarchy1"/>
+    <dgm:cxn modelId="{216E129E-532D-4148-803F-07F91B8254CC}" type="presParOf" srcId="{7C74A04F-B8F7-422A-A4D5-DA0DBE4EC223}" destId="{C210443A-B378-4123-BD67-F540501C4709}" srcOrd="1" destOrd="0" presId="urn:microsoft.com/office/officeart/2005/8/layout/hierarchy1"/>
+    <dgm:cxn modelId="{004575D7-52B9-4591-AEB1-8A0108D7264B}" type="presParOf" srcId="{BB5121CE-21B5-45C3-A235-CD4F29AF7045}" destId="{4632C118-189C-4A16-AC55-795F8482E813}" srcOrd="1" destOrd="0" presId="urn:microsoft.com/office/officeart/2005/8/layout/hierarchy1"/>
+    <dgm:cxn modelId="{D5B10A78-8663-490E-9199-FA7678FF222D}" type="presParOf" srcId="{2AFA937F-8072-471A-B3B5-D955DF8626BF}" destId="{14020AE1-00D7-4677-89A6-87B81FB0BD23}" srcOrd="4" destOrd="0" presId="urn:microsoft.com/office/officeart/2005/8/layout/hierarchy1"/>
+    <dgm:cxn modelId="{EF4ED0E0-1874-4602-BAAB-132855B398F6}" type="presParOf" srcId="{2AFA937F-8072-471A-B3B5-D955DF8626BF}" destId="{5E62EF59-1F17-4E10-AB62-73029339DE82}" srcOrd="5" destOrd="0" presId="urn:microsoft.com/office/officeart/2005/8/layout/hierarchy1"/>
+    <dgm:cxn modelId="{BE1493E3-D100-4F6B-B6D1-7A347407EC0A}" type="presParOf" srcId="{5E62EF59-1F17-4E10-AB62-73029339DE82}" destId="{D8645129-60E0-43C5-B45A-A1458CC46AD4}" srcOrd="0" destOrd="0" presId="urn:microsoft.com/office/officeart/2005/8/layout/hierarchy1"/>
+    <dgm:cxn modelId="{C3E31CB8-EB4F-4864-A88E-FDF835A67131}" type="presParOf" srcId="{D8645129-60E0-43C5-B45A-A1458CC46AD4}" destId="{22F4BE6C-3F44-4182-A4DA-B7A8132FFE52}" srcOrd="0" destOrd="0" presId="urn:microsoft.com/office/officeart/2005/8/layout/hierarchy1"/>
+    <dgm:cxn modelId="{9BEF27EA-6575-4FAB-9DE8-617358F06A92}" type="presParOf" srcId="{D8645129-60E0-43C5-B45A-A1458CC46AD4}" destId="{DE37F8A9-5D5A-4CD2-8C95-C006B7989C6B}" srcOrd="1" destOrd="0" presId="urn:microsoft.com/office/officeart/2005/8/layout/hierarchy1"/>
+    <dgm:cxn modelId="{387F8CAB-88AE-4105-AF76-EBD20FEFCF28}" type="presParOf" srcId="{5E62EF59-1F17-4E10-AB62-73029339DE82}" destId="{BFFE2DA0-D2A9-48F6-BF6C-791DA5D16991}" srcOrd="1" destOrd="0" presId="urn:microsoft.com/office/officeart/2005/8/layout/hierarchy1"/>
+    <dgm:cxn modelId="{F35E494B-E868-4528-AFB2-2317BB2C0431}" type="presParOf" srcId="{2AFA937F-8072-471A-B3B5-D955DF8626BF}" destId="{37542F64-E39A-463B-9B75-4A52F13E4E2D}" srcOrd="6" destOrd="0" presId="urn:microsoft.com/office/officeart/2005/8/layout/hierarchy1"/>
+    <dgm:cxn modelId="{A47223E1-A0E6-4435-A2D9-01E7BB8D4D6A}" type="presParOf" srcId="{2AFA937F-8072-471A-B3B5-D955DF8626BF}" destId="{17D0EA04-2AE2-4C15-8DF7-759F6AF1C230}" srcOrd="7" destOrd="0" presId="urn:microsoft.com/office/officeart/2005/8/layout/hierarchy1"/>
+    <dgm:cxn modelId="{2A795D26-1457-4311-9287-18D4BB0160E5}" type="presParOf" srcId="{17D0EA04-2AE2-4C15-8DF7-759F6AF1C230}" destId="{87013E9F-9F14-443C-A8AC-976FA6452712}" srcOrd="0" destOrd="0" presId="urn:microsoft.com/office/officeart/2005/8/layout/hierarchy1"/>
+    <dgm:cxn modelId="{4427F37E-5315-4F48-9618-297A307BC0DF}" type="presParOf" srcId="{87013E9F-9F14-443C-A8AC-976FA6452712}" destId="{EDB5C15D-5C00-4E6D-907B-55D0EDE238EA}" srcOrd="0" destOrd="0" presId="urn:microsoft.com/office/officeart/2005/8/layout/hierarchy1"/>
+    <dgm:cxn modelId="{18FE2DE4-201F-4B59-8F09-9FB6D4A6076F}" type="presParOf" srcId="{87013E9F-9F14-443C-A8AC-976FA6452712}" destId="{7301F7C9-5080-470D-9DE2-9484B59486B2}" srcOrd="1" destOrd="0" presId="urn:microsoft.com/office/officeart/2005/8/layout/hierarchy1"/>
+    <dgm:cxn modelId="{533D131D-404E-48F4-8DE8-3EFA8B2DC2C6}" type="presParOf" srcId="{17D0EA04-2AE2-4C15-8DF7-759F6AF1C230}" destId="{D5AA140A-7C0C-4D25-A250-A2C4710ABFF7}" srcOrd="1" destOrd="0" presId="urn:microsoft.com/office/officeart/2005/8/layout/hierarchy1"/>
+    <dgm:cxn modelId="{B819B6C3-6402-416E-9878-D4187374EE73}" type="presParOf" srcId="{6FE74D31-47E8-42BC-A867-90471B774D1F}" destId="{E20FADEE-B47A-43C5-A48A-C6E900AA35CC}" srcOrd="2" destOrd="0" presId="urn:microsoft.com/office/officeart/2005/8/layout/hierarchy1"/>
+    <dgm:cxn modelId="{AAC49D21-E158-438E-BA2A-19D960F6B99D}" type="presParOf" srcId="{6FE74D31-47E8-42BC-A867-90471B774D1F}" destId="{D096B560-FAE3-4E8F-9052-160BBA28A84E}" srcOrd="3" destOrd="0" presId="urn:microsoft.com/office/officeart/2005/8/layout/hierarchy1"/>
+    <dgm:cxn modelId="{AA6E59BC-B9BB-47A0-A656-390C111DC3E3}" type="presParOf" srcId="{D096B560-FAE3-4E8F-9052-160BBA28A84E}" destId="{7F12349F-5A17-4966-A496-D1182E7636B6}" srcOrd="0" destOrd="0" presId="urn:microsoft.com/office/officeart/2005/8/layout/hierarchy1"/>
+    <dgm:cxn modelId="{CBC0DBE2-25EE-4A4E-80DB-D7DA2C9F3F9E}" type="presParOf" srcId="{7F12349F-5A17-4966-A496-D1182E7636B6}" destId="{68B591CA-CAF7-4D64-A3D7-F62DF4983E53}" srcOrd="0" destOrd="0" presId="urn:microsoft.com/office/officeart/2005/8/layout/hierarchy1"/>
+    <dgm:cxn modelId="{41ACEEC8-7D52-4693-8939-2C0AD8A44733}" type="presParOf" srcId="{7F12349F-5A17-4966-A496-D1182E7636B6}" destId="{33B76B8E-0EC5-4530-A0B5-1ED86F595A5E}" srcOrd="1" destOrd="0" presId="urn:microsoft.com/office/officeart/2005/8/layout/hierarchy1"/>
+    <dgm:cxn modelId="{FCEC1899-C013-4F45-9B51-2F116CB91870}" type="presParOf" srcId="{D096B560-FAE3-4E8F-9052-160BBA28A84E}" destId="{9A8625B7-8907-4E93-8AA5-579179B32D57}" srcOrd="1" destOrd="0" presId="urn:microsoft.com/office/officeart/2005/8/layout/hierarchy1"/>
+    <dgm:cxn modelId="{106A457B-91A4-4EC8-8AE6-5A1A19AD9556}" type="presParOf" srcId="{9A8625B7-8907-4E93-8AA5-579179B32D57}" destId="{A1C73CFB-CA08-41EC-BAFE-AE4F74EDC983}" srcOrd="0" destOrd="0" presId="urn:microsoft.com/office/officeart/2005/8/layout/hierarchy1"/>
+    <dgm:cxn modelId="{DC993835-342F-48C1-825E-446AF62399F5}" type="presParOf" srcId="{9A8625B7-8907-4E93-8AA5-579179B32D57}" destId="{0A79994F-90D3-4227-9E2E-174606BDC1E9}" srcOrd="1" destOrd="0" presId="urn:microsoft.com/office/officeart/2005/8/layout/hierarchy1"/>
+    <dgm:cxn modelId="{E9C1411B-A5D8-4899-A8D5-5185C49960A2}" type="presParOf" srcId="{0A79994F-90D3-4227-9E2E-174606BDC1E9}" destId="{E2549F58-8A07-4B98-A234-A3163B3E4019}" srcOrd="0" destOrd="0" presId="urn:microsoft.com/office/officeart/2005/8/layout/hierarchy1"/>
+    <dgm:cxn modelId="{5094B3C0-8359-4866-9268-16B28CD06751}" type="presParOf" srcId="{E2549F58-8A07-4B98-A234-A3163B3E4019}" destId="{35C74D1D-00FC-402F-B117-BA8971D289B4}" srcOrd="0" destOrd="0" presId="urn:microsoft.com/office/officeart/2005/8/layout/hierarchy1"/>
+    <dgm:cxn modelId="{3602F428-BD01-4E82-890E-04049DD1B946}" type="presParOf" srcId="{E2549F58-8A07-4B98-A234-A3163B3E4019}" destId="{EEDCE601-A0A2-4FF5-9CA6-647533CC3A06}" srcOrd="1" destOrd="0" presId="urn:microsoft.com/office/officeart/2005/8/layout/hierarchy1"/>
+    <dgm:cxn modelId="{33C15D5D-12F7-4578-B7DE-A661CBCD8D39}" type="presParOf" srcId="{0A79994F-90D3-4227-9E2E-174606BDC1E9}" destId="{522282FA-5544-4CF0-92A7-23E0ACE1CE72}" srcOrd="1" destOrd="0" presId="urn:microsoft.com/office/officeart/2005/8/layout/hierarchy1"/>
+    <dgm:cxn modelId="{E9783F3F-D7F5-4643-83B9-DAF6F04BBCE9}" type="presParOf" srcId="{9A8625B7-8907-4E93-8AA5-579179B32D57}" destId="{FD1E1187-91CC-46D4-9E7E-BA7A05BA99AD}" srcOrd="2" destOrd="0" presId="urn:microsoft.com/office/officeart/2005/8/layout/hierarchy1"/>
+    <dgm:cxn modelId="{115C1976-31CD-4A51-9B63-E60AC7C73EE0}" type="presParOf" srcId="{9A8625B7-8907-4E93-8AA5-579179B32D57}" destId="{8A2733D8-2B6A-4776-908C-E734296C88AA}" srcOrd="3" destOrd="0" presId="urn:microsoft.com/office/officeart/2005/8/layout/hierarchy1"/>
+    <dgm:cxn modelId="{BC5022E5-85B5-4113-A620-6F38D66EEF34}" type="presParOf" srcId="{8A2733D8-2B6A-4776-908C-E734296C88AA}" destId="{D3013AAB-C482-423B-BF64-C42F10FA90D7}" srcOrd="0" destOrd="0" presId="urn:microsoft.com/office/officeart/2005/8/layout/hierarchy1"/>
+    <dgm:cxn modelId="{D3CAA706-92C4-4922-B5EB-AB533A85C802}" type="presParOf" srcId="{D3013AAB-C482-423B-BF64-C42F10FA90D7}" destId="{AA255221-8D46-4FEE-B4B5-2A61B0AA9BF8}" srcOrd="0" destOrd="0" presId="urn:microsoft.com/office/officeart/2005/8/layout/hierarchy1"/>
+    <dgm:cxn modelId="{70852411-1D34-4621-894D-C9EC60008676}" type="presParOf" srcId="{D3013AAB-C482-423B-BF64-C42F10FA90D7}" destId="{CBE71CF0-4E8B-4F27-89B4-A6F9E9DDB867}" srcOrd="1" destOrd="0" presId="urn:microsoft.com/office/officeart/2005/8/layout/hierarchy1"/>
+    <dgm:cxn modelId="{A4E695AA-6C60-4CF0-840D-AC96ADB17604}" type="presParOf" srcId="{8A2733D8-2B6A-4776-908C-E734296C88AA}" destId="{2EEDEB4F-B810-409B-95A2-FC6474281264}" srcOrd="1" destOrd="0" presId="urn:microsoft.com/office/officeart/2005/8/layout/hierarchy1"/>
+    <dgm:cxn modelId="{C9434E28-1EEF-45C3-ADAE-68AEA66DE6BE}" type="presParOf" srcId="{9A8625B7-8907-4E93-8AA5-579179B32D57}" destId="{4819386D-5B80-4EE0-ADAE-197C545AB670}" srcOrd="4" destOrd="0" presId="urn:microsoft.com/office/officeart/2005/8/layout/hierarchy1"/>
+    <dgm:cxn modelId="{83A08885-B024-44FA-84FC-6BDC5F420564}" type="presParOf" srcId="{9A8625B7-8907-4E93-8AA5-579179B32D57}" destId="{80E17BCD-0577-44C0-9D34-2435C3FF79C4}" srcOrd="5" destOrd="0" presId="urn:microsoft.com/office/officeart/2005/8/layout/hierarchy1"/>
+    <dgm:cxn modelId="{17E253AE-3B7F-4EE8-9E82-F1308AF6D3EB}" type="presParOf" srcId="{80E17BCD-0577-44C0-9D34-2435C3FF79C4}" destId="{4C30960F-F492-46B6-BE99-005642C850AC}" srcOrd="0" destOrd="0" presId="urn:microsoft.com/office/officeart/2005/8/layout/hierarchy1"/>
+    <dgm:cxn modelId="{BD9520E5-695E-48B2-B884-DFE96346936F}" type="presParOf" srcId="{4C30960F-F492-46B6-BE99-005642C850AC}" destId="{995DDF1F-B39A-4397-A1C8-CEBD50E383DE}" srcOrd="0" destOrd="0" presId="urn:microsoft.com/office/officeart/2005/8/layout/hierarchy1"/>
+    <dgm:cxn modelId="{36CB2227-C09A-45D8-BA97-D10133AB3705}" type="presParOf" srcId="{4C30960F-F492-46B6-BE99-005642C850AC}" destId="{B52212D7-0B0D-4AD5-9219-4AAF0737C572}" srcOrd="1" destOrd="0" presId="urn:microsoft.com/office/officeart/2005/8/layout/hierarchy1"/>
+    <dgm:cxn modelId="{BF9BB409-EFF8-4D9C-AFC9-7F18DE404FC8}" type="presParOf" srcId="{80E17BCD-0577-44C0-9D34-2435C3FF79C4}" destId="{99554CE2-23B7-43FF-A580-C7413891A64A}" srcOrd="1" destOrd="0" presId="urn:microsoft.com/office/officeart/2005/8/layout/hierarchy1"/>
+    <dgm:cxn modelId="{BD06D6CE-FDF0-44B5-8559-42DCD35B86C1}" type="presParOf" srcId="{9A8625B7-8907-4E93-8AA5-579179B32D57}" destId="{7FCB2E25-D32F-422E-B709-C33691A18532}" srcOrd="6" destOrd="0" presId="urn:microsoft.com/office/officeart/2005/8/layout/hierarchy1"/>
+    <dgm:cxn modelId="{8ADBC715-D0BB-4E2B-A984-739282323E5C}" type="presParOf" srcId="{9A8625B7-8907-4E93-8AA5-579179B32D57}" destId="{444749FF-F37F-437F-A127-2445B5DBF82E}" srcOrd="7" destOrd="0" presId="urn:microsoft.com/office/officeart/2005/8/layout/hierarchy1"/>
+    <dgm:cxn modelId="{4CE3C8FB-0209-4FD8-BCF5-9C117F5E52ED}" type="presParOf" srcId="{444749FF-F37F-437F-A127-2445B5DBF82E}" destId="{7F394514-6A51-4CF2-8A81-5E42AD548D94}" srcOrd="0" destOrd="0" presId="urn:microsoft.com/office/officeart/2005/8/layout/hierarchy1"/>
+    <dgm:cxn modelId="{BB05ECF0-672E-4563-9A27-D1F1BB3C756B}" type="presParOf" srcId="{7F394514-6A51-4CF2-8A81-5E42AD548D94}" destId="{0E971C43-310D-487E-BB3A-2D624BA2BCEF}" srcOrd="0" destOrd="0" presId="urn:microsoft.com/office/officeart/2005/8/layout/hierarchy1"/>
+    <dgm:cxn modelId="{D7CB1C70-FE35-4306-A6AB-D7E3B86F6C29}" type="presParOf" srcId="{7F394514-6A51-4CF2-8A81-5E42AD548D94}" destId="{3B569626-D466-4057-8709-82D61A7BC057}" srcOrd="1" destOrd="0" presId="urn:microsoft.com/office/officeart/2005/8/layout/hierarchy1"/>
+    <dgm:cxn modelId="{359753DF-16AE-4E6D-B7A0-B31211A97383}" type="presParOf" srcId="{444749FF-F37F-437F-A127-2445B5DBF82E}" destId="{7BB1FD25-D5AB-46C3-8EB0-F71C390C17B5}" srcOrd="1" destOrd="0" presId="urn:microsoft.com/office/officeart/2005/8/layout/hierarchy1"/>
   </dgm:cxnLst>
   <dgm:bg/>
   <dgm:whole/>
@@ -3024,15 +3209,15 @@
       <dsp:cNvGrpSpPr/>
     </dsp:nvGrpSpPr>
     <dsp:grpSpPr/>
-    <dsp:sp modelId="{B7DF1292-9099-4A11-9941-8BC45DAF5A71}">
+    <dsp:sp modelId="{7FCB2E25-D32F-422E-B709-C33691A18532}">
       <dsp:nvSpPr>
         <dsp:cNvPr id="0" name=""/>
         <dsp:cNvSpPr/>
       </dsp:nvSpPr>
       <dsp:spPr>
         <a:xfrm>
-          <a:off x="5009356" y="2012457"/>
-          <a:ext cx="4480138" cy="222155"/>
+          <a:off x="7483642" y="2397720"/>
+          <a:ext cx="1898871" cy="301230"/>
         </a:xfrm>
         <a:custGeom>
           <a:avLst/>
@@ -3046,13 +3231,257 @@
                 <a:pt x="0" y="0"/>
               </a:moveTo>
               <a:lnTo>
-                <a:pt x="0" y="111077"/>
+                <a:pt x="0" y="205279"/>
               </a:lnTo>
               <a:lnTo>
-                <a:pt x="4480138" y="111077"/>
+                <a:pt x="1898871" y="205279"/>
               </a:lnTo>
               <a:lnTo>
-                <a:pt x="4480138" y="222155"/>
+                <a:pt x="1898871" y="301230"/>
+              </a:lnTo>
+            </a:path>
+          </a:pathLst>
+        </a:custGeom>
+        <a:noFill/>
+        <a:ln w="15875" cap="rnd" cmpd="sng" algn="ctr">
+          <a:solidFill>
+            <a:schemeClr val="accent1">
+              <a:shade val="80000"/>
+              <a:hueOff val="0"/>
+              <a:satOff val="0"/>
+              <a:lumOff val="0"/>
+              <a:alphaOff val="0"/>
+            </a:schemeClr>
+          </a:solidFill>
+          <a:prstDash val="solid"/>
+        </a:ln>
+        <a:effectLst/>
+      </dsp:spPr>
+      <dsp:style>
+        <a:lnRef idx="2">
+          <a:scrgbClr r="0" g="0" b="0"/>
+        </a:lnRef>
+        <a:fillRef idx="0">
+          <a:scrgbClr r="0" g="0" b="0"/>
+        </a:fillRef>
+        <a:effectRef idx="0">
+          <a:scrgbClr r="0" g="0" b="0"/>
+        </a:effectRef>
+        <a:fontRef idx="minor"/>
+      </dsp:style>
+    </dsp:sp>
+    <dsp:sp modelId="{4819386D-5B80-4EE0-ADAE-197C545AB670}">
+      <dsp:nvSpPr>
+        <dsp:cNvPr id="0" name=""/>
+        <dsp:cNvSpPr/>
+      </dsp:nvSpPr>
+      <dsp:spPr>
+        <a:xfrm>
+          <a:off x="7483642" y="2397720"/>
+          <a:ext cx="632957" cy="301230"/>
+        </a:xfrm>
+        <a:custGeom>
+          <a:avLst/>
+          <a:gdLst/>
+          <a:ahLst/>
+          <a:cxnLst/>
+          <a:rect l="0" t="0" r="0" b="0"/>
+          <a:pathLst>
+            <a:path>
+              <a:moveTo>
+                <a:pt x="0" y="0"/>
+              </a:moveTo>
+              <a:lnTo>
+                <a:pt x="0" y="205279"/>
+              </a:lnTo>
+              <a:lnTo>
+                <a:pt x="632957" y="205279"/>
+              </a:lnTo>
+              <a:lnTo>
+                <a:pt x="632957" y="301230"/>
+              </a:lnTo>
+            </a:path>
+          </a:pathLst>
+        </a:custGeom>
+        <a:noFill/>
+        <a:ln w="15875" cap="rnd" cmpd="sng" algn="ctr">
+          <a:solidFill>
+            <a:schemeClr val="accent1">
+              <a:shade val="80000"/>
+              <a:hueOff val="0"/>
+              <a:satOff val="0"/>
+              <a:lumOff val="0"/>
+              <a:alphaOff val="0"/>
+            </a:schemeClr>
+          </a:solidFill>
+          <a:prstDash val="solid"/>
+        </a:ln>
+        <a:effectLst/>
+      </dsp:spPr>
+      <dsp:style>
+        <a:lnRef idx="2">
+          <a:scrgbClr r="0" g="0" b="0"/>
+        </a:lnRef>
+        <a:fillRef idx="0">
+          <a:scrgbClr r="0" g="0" b="0"/>
+        </a:fillRef>
+        <a:effectRef idx="0">
+          <a:scrgbClr r="0" g="0" b="0"/>
+        </a:effectRef>
+        <a:fontRef idx="minor"/>
+      </dsp:style>
+    </dsp:sp>
+    <dsp:sp modelId="{FD1E1187-91CC-46D4-9E7E-BA7A05BA99AD}">
+      <dsp:nvSpPr>
+        <dsp:cNvPr id="0" name=""/>
+        <dsp:cNvSpPr/>
+      </dsp:nvSpPr>
+      <dsp:spPr>
+        <a:xfrm>
+          <a:off x="6850685" y="2397720"/>
+          <a:ext cx="632957" cy="301230"/>
+        </a:xfrm>
+        <a:custGeom>
+          <a:avLst/>
+          <a:gdLst/>
+          <a:ahLst/>
+          <a:cxnLst/>
+          <a:rect l="0" t="0" r="0" b="0"/>
+          <a:pathLst>
+            <a:path>
+              <a:moveTo>
+                <a:pt x="632957" y="0"/>
+              </a:moveTo>
+              <a:lnTo>
+                <a:pt x="632957" y="205279"/>
+              </a:lnTo>
+              <a:lnTo>
+                <a:pt x="0" y="205279"/>
+              </a:lnTo>
+              <a:lnTo>
+                <a:pt x="0" y="301230"/>
+              </a:lnTo>
+            </a:path>
+          </a:pathLst>
+        </a:custGeom>
+        <a:noFill/>
+        <a:ln w="15875" cap="rnd" cmpd="sng" algn="ctr">
+          <a:solidFill>
+            <a:schemeClr val="accent1">
+              <a:shade val="80000"/>
+              <a:hueOff val="0"/>
+              <a:satOff val="0"/>
+              <a:lumOff val="0"/>
+              <a:alphaOff val="0"/>
+            </a:schemeClr>
+          </a:solidFill>
+          <a:prstDash val="solid"/>
+        </a:ln>
+        <a:effectLst/>
+      </dsp:spPr>
+      <dsp:style>
+        <a:lnRef idx="2">
+          <a:scrgbClr r="0" g="0" b="0"/>
+        </a:lnRef>
+        <a:fillRef idx="0">
+          <a:scrgbClr r="0" g="0" b="0"/>
+        </a:fillRef>
+        <a:effectRef idx="0">
+          <a:scrgbClr r="0" g="0" b="0"/>
+        </a:effectRef>
+        <a:fontRef idx="minor"/>
+      </dsp:style>
+    </dsp:sp>
+    <dsp:sp modelId="{A1C73CFB-CA08-41EC-BAFE-AE4F74EDC983}">
+      <dsp:nvSpPr>
+        <dsp:cNvPr id="0" name=""/>
+        <dsp:cNvSpPr/>
+      </dsp:nvSpPr>
+      <dsp:spPr>
+        <a:xfrm>
+          <a:off x="5584771" y="2397720"/>
+          <a:ext cx="1898871" cy="301230"/>
+        </a:xfrm>
+        <a:custGeom>
+          <a:avLst/>
+          <a:gdLst/>
+          <a:ahLst/>
+          <a:cxnLst/>
+          <a:rect l="0" t="0" r="0" b="0"/>
+          <a:pathLst>
+            <a:path>
+              <a:moveTo>
+                <a:pt x="1898871" y="0"/>
+              </a:moveTo>
+              <a:lnTo>
+                <a:pt x="1898871" y="205279"/>
+              </a:lnTo>
+              <a:lnTo>
+                <a:pt x="0" y="205279"/>
+              </a:lnTo>
+              <a:lnTo>
+                <a:pt x="0" y="301230"/>
+              </a:lnTo>
+            </a:path>
+          </a:pathLst>
+        </a:custGeom>
+        <a:noFill/>
+        <a:ln w="15875" cap="rnd" cmpd="sng" algn="ctr">
+          <a:solidFill>
+            <a:schemeClr val="accent1">
+              <a:shade val="80000"/>
+              <a:hueOff val="0"/>
+              <a:satOff val="0"/>
+              <a:lumOff val="0"/>
+              <a:alphaOff val="0"/>
+            </a:schemeClr>
+          </a:solidFill>
+          <a:prstDash val="solid"/>
+        </a:ln>
+        <a:effectLst/>
+      </dsp:spPr>
+      <dsp:style>
+        <a:lnRef idx="2">
+          <a:scrgbClr r="0" g="0" b="0"/>
+        </a:lnRef>
+        <a:fillRef idx="0">
+          <a:scrgbClr r="0" g="0" b="0"/>
+        </a:fillRef>
+        <a:effectRef idx="0">
+          <a:scrgbClr r="0" g="0" b="0"/>
+        </a:effectRef>
+        <a:fontRef idx="minor"/>
+      </dsp:style>
+    </dsp:sp>
+    <dsp:sp modelId="{E20FADEE-B47A-43C5-A48A-C6E900AA35CC}">
+      <dsp:nvSpPr>
+        <dsp:cNvPr id="0" name=""/>
+        <dsp:cNvSpPr/>
+      </dsp:nvSpPr>
+      <dsp:spPr>
+        <a:xfrm>
+          <a:off x="4951814" y="1438791"/>
+          <a:ext cx="2531828" cy="301230"/>
+        </a:xfrm>
+        <a:custGeom>
+          <a:avLst/>
+          <a:gdLst/>
+          <a:ahLst/>
+          <a:cxnLst/>
+          <a:rect l="0" t="0" r="0" b="0"/>
+          <a:pathLst>
+            <a:path>
+              <a:moveTo>
+                <a:pt x="0" y="0"/>
+              </a:moveTo>
+              <a:lnTo>
+                <a:pt x="0" y="205279"/>
+              </a:lnTo>
+              <a:lnTo>
+                <a:pt x="2531828" y="205279"/>
+              </a:lnTo>
+              <a:lnTo>
+                <a:pt x="2531828" y="301230"/>
               </a:lnTo>
             </a:path>
           </a:pathLst>
@@ -3085,15 +3514,15 @@
         <a:fontRef idx="minor"/>
       </dsp:style>
     </dsp:sp>
-    <dsp:sp modelId="{6416C4EC-9CC3-4DCC-9B23-E93DD3AF9510}">
+    <dsp:sp modelId="{37542F64-E39A-463B-9B75-4A52F13E4E2D}">
       <dsp:nvSpPr>
         <dsp:cNvPr id="0" name=""/>
         <dsp:cNvSpPr/>
       </dsp:nvSpPr>
       <dsp:spPr>
         <a:xfrm>
-          <a:off x="5009356" y="2012457"/>
-          <a:ext cx="3200099" cy="222155"/>
+          <a:off x="2419986" y="2397720"/>
+          <a:ext cx="1898871" cy="301230"/>
         </a:xfrm>
         <a:custGeom>
           <a:avLst/>
@@ -3107,13 +3536,257 @@
                 <a:pt x="0" y="0"/>
               </a:moveTo>
               <a:lnTo>
-                <a:pt x="0" y="111077"/>
+                <a:pt x="0" y="205279"/>
               </a:lnTo>
               <a:lnTo>
-                <a:pt x="3200099" y="111077"/>
+                <a:pt x="1898871" y="205279"/>
               </a:lnTo>
               <a:lnTo>
-                <a:pt x="3200099" y="222155"/>
+                <a:pt x="1898871" y="301230"/>
+              </a:lnTo>
+            </a:path>
+          </a:pathLst>
+        </a:custGeom>
+        <a:noFill/>
+        <a:ln w="15875" cap="rnd" cmpd="sng" algn="ctr">
+          <a:solidFill>
+            <a:schemeClr val="accent1">
+              <a:shade val="80000"/>
+              <a:hueOff val="0"/>
+              <a:satOff val="0"/>
+              <a:lumOff val="0"/>
+              <a:alphaOff val="0"/>
+            </a:schemeClr>
+          </a:solidFill>
+          <a:prstDash val="solid"/>
+        </a:ln>
+        <a:effectLst/>
+      </dsp:spPr>
+      <dsp:style>
+        <a:lnRef idx="2">
+          <a:scrgbClr r="0" g="0" b="0"/>
+        </a:lnRef>
+        <a:fillRef idx="0">
+          <a:scrgbClr r="0" g="0" b="0"/>
+        </a:fillRef>
+        <a:effectRef idx="0">
+          <a:scrgbClr r="0" g="0" b="0"/>
+        </a:effectRef>
+        <a:fontRef idx="minor"/>
+      </dsp:style>
+    </dsp:sp>
+    <dsp:sp modelId="{14020AE1-00D7-4677-89A6-87B81FB0BD23}">
+      <dsp:nvSpPr>
+        <dsp:cNvPr id="0" name=""/>
+        <dsp:cNvSpPr/>
+      </dsp:nvSpPr>
+      <dsp:spPr>
+        <a:xfrm>
+          <a:off x="2419986" y="2397720"/>
+          <a:ext cx="632957" cy="301230"/>
+        </a:xfrm>
+        <a:custGeom>
+          <a:avLst/>
+          <a:gdLst/>
+          <a:ahLst/>
+          <a:cxnLst/>
+          <a:rect l="0" t="0" r="0" b="0"/>
+          <a:pathLst>
+            <a:path>
+              <a:moveTo>
+                <a:pt x="0" y="0"/>
+              </a:moveTo>
+              <a:lnTo>
+                <a:pt x="0" y="205279"/>
+              </a:lnTo>
+              <a:lnTo>
+                <a:pt x="632957" y="205279"/>
+              </a:lnTo>
+              <a:lnTo>
+                <a:pt x="632957" y="301230"/>
+              </a:lnTo>
+            </a:path>
+          </a:pathLst>
+        </a:custGeom>
+        <a:noFill/>
+        <a:ln w="15875" cap="rnd" cmpd="sng" algn="ctr">
+          <a:solidFill>
+            <a:schemeClr val="accent1">
+              <a:shade val="80000"/>
+              <a:hueOff val="0"/>
+              <a:satOff val="0"/>
+              <a:lumOff val="0"/>
+              <a:alphaOff val="0"/>
+            </a:schemeClr>
+          </a:solidFill>
+          <a:prstDash val="solid"/>
+        </a:ln>
+        <a:effectLst/>
+      </dsp:spPr>
+      <dsp:style>
+        <a:lnRef idx="2">
+          <a:scrgbClr r="0" g="0" b="0"/>
+        </a:lnRef>
+        <a:fillRef idx="0">
+          <a:scrgbClr r="0" g="0" b="0"/>
+        </a:fillRef>
+        <a:effectRef idx="0">
+          <a:scrgbClr r="0" g="0" b="0"/>
+        </a:effectRef>
+        <a:fontRef idx="minor"/>
+      </dsp:style>
+    </dsp:sp>
+    <dsp:sp modelId="{D8D7894C-B290-407B-8493-348188538FE1}">
+      <dsp:nvSpPr>
+        <dsp:cNvPr id="0" name=""/>
+        <dsp:cNvSpPr/>
+      </dsp:nvSpPr>
+      <dsp:spPr>
+        <a:xfrm>
+          <a:off x="1787029" y="2397720"/>
+          <a:ext cx="632957" cy="301230"/>
+        </a:xfrm>
+        <a:custGeom>
+          <a:avLst/>
+          <a:gdLst/>
+          <a:ahLst/>
+          <a:cxnLst/>
+          <a:rect l="0" t="0" r="0" b="0"/>
+          <a:pathLst>
+            <a:path>
+              <a:moveTo>
+                <a:pt x="632957" y="0"/>
+              </a:moveTo>
+              <a:lnTo>
+                <a:pt x="632957" y="205279"/>
+              </a:lnTo>
+              <a:lnTo>
+                <a:pt x="0" y="205279"/>
+              </a:lnTo>
+              <a:lnTo>
+                <a:pt x="0" y="301230"/>
+              </a:lnTo>
+            </a:path>
+          </a:pathLst>
+        </a:custGeom>
+        <a:noFill/>
+        <a:ln w="15875" cap="rnd" cmpd="sng" algn="ctr">
+          <a:solidFill>
+            <a:schemeClr val="accent1">
+              <a:shade val="80000"/>
+              <a:hueOff val="0"/>
+              <a:satOff val="0"/>
+              <a:lumOff val="0"/>
+              <a:alphaOff val="0"/>
+            </a:schemeClr>
+          </a:solidFill>
+          <a:prstDash val="solid"/>
+        </a:ln>
+        <a:effectLst/>
+      </dsp:spPr>
+      <dsp:style>
+        <a:lnRef idx="2">
+          <a:scrgbClr r="0" g="0" b="0"/>
+        </a:lnRef>
+        <a:fillRef idx="0">
+          <a:scrgbClr r="0" g="0" b="0"/>
+        </a:fillRef>
+        <a:effectRef idx="0">
+          <a:scrgbClr r="0" g="0" b="0"/>
+        </a:effectRef>
+        <a:fontRef idx="minor"/>
+      </dsp:style>
+    </dsp:sp>
+    <dsp:sp modelId="{F54C62D5-383E-414E-822D-FB6F6F0434CB}">
+      <dsp:nvSpPr>
+        <dsp:cNvPr id="0" name=""/>
+        <dsp:cNvSpPr/>
+      </dsp:nvSpPr>
+      <dsp:spPr>
+        <a:xfrm>
+          <a:off x="521114" y="2397720"/>
+          <a:ext cx="1898871" cy="301230"/>
+        </a:xfrm>
+        <a:custGeom>
+          <a:avLst/>
+          <a:gdLst/>
+          <a:ahLst/>
+          <a:cxnLst/>
+          <a:rect l="0" t="0" r="0" b="0"/>
+          <a:pathLst>
+            <a:path>
+              <a:moveTo>
+                <a:pt x="1898871" y="0"/>
+              </a:moveTo>
+              <a:lnTo>
+                <a:pt x="1898871" y="205279"/>
+              </a:lnTo>
+              <a:lnTo>
+                <a:pt x="0" y="205279"/>
+              </a:lnTo>
+              <a:lnTo>
+                <a:pt x="0" y="301230"/>
+              </a:lnTo>
+            </a:path>
+          </a:pathLst>
+        </a:custGeom>
+        <a:noFill/>
+        <a:ln w="15875" cap="rnd" cmpd="sng" algn="ctr">
+          <a:solidFill>
+            <a:schemeClr val="accent1">
+              <a:shade val="80000"/>
+              <a:hueOff val="0"/>
+              <a:satOff val="0"/>
+              <a:lumOff val="0"/>
+              <a:alphaOff val="0"/>
+            </a:schemeClr>
+          </a:solidFill>
+          <a:prstDash val="solid"/>
+        </a:ln>
+        <a:effectLst/>
+      </dsp:spPr>
+      <dsp:style>
+        <a:lnRef idx="2">
+          <a:scrgbClr r="0" g="0" b="0"/>
+        </a:lnRef>
+        <a:fillRef idx="0">
+          <a:scrgbClr r="0" g="0" b="0"/>
+        </a:fillRef>
+        <a:effectRef idx="0">
+          <a:scrgbClr r="0" g="0" b="0"/>
+        </a:effectRef>
+        <a:fontRef idx="minor"/>
+      </dsp:style>
+    </dsp:sp>
+    <dsp:sp modelId="{0986C77F-660D-4748-B0BD-DE7BD4BB9F09}">
+      <dsp:nvSpPr>
+        <dsp:cNvPr id="0" name=""/>
+        <dsp:cNvSpPr/>
+      </dsp:nvSpPr>
+      <dsp:spPr>
+        <a:xfrm>
+          <a:off x="2419986" y="1438791"/>
+          <a:ext cx="2531828" cy="301230"/>
+        </a:xfrm>
+        <a:custGeom>
+          <a:avLst/>
+          <a:gdLst/>
+          <a:ahLst/>
+          <a:cxnLst/>
+          <a:rect l="0" t="0" r="0" b="0"/>
+          <a:pathLst>
+            <a:path>
+              <a:moveTo>
+                <a:pt x="2531828" y="0"/>
+              </a:moveTo>
+              <a:lnTo>
+                <a:pt x="2531828" y="205279"/>
+              </a:lnTo>
+              <a:lnTo>
+                <a:pt x="0" y="205279"/>
+              </a:lnTo>
+              <a:lnTo>
+                <a:pt x="0" y="301230"/>
               </a:lnTo>
             </a:path>
           </a:pathLst>
@@ -3146,384 +3819,20 @@
         <a:fontRef idx="minor"/>
       </dsp:style>
     </dsp:sp>
-    <dsp:sp modelId="{9FC053BE-B126-4213-912A-F2E8221656FA}">
+    <dsp:sp modelId="{37426582-C953-4DA8-BFFA-49E2AF4F91A4}">
       <dsp:nvSpPr>
         <dsp:cNvPr id="0" name=""/>
         <dsp:cNvSpPr/>
       </dsp:nvSpPr>
       <dsp:spPr>
         <a:xfrm>
-          <a:off x="5009356" y="2012457"/>
-          <a:ext cx="1920059" cy="222155"/>
+          <a:off x="4433940" y="781091"/>
+          <a:ext cx="1035747" cy="657699"/>
         </a:xfrm>
-        <a:custGeom>
-          <a:avLst/>
-          <a:gdLst/>
-          <a:ahLst/>
-          <a:cxnLst/>
-          <a:rect l="0" t="0" r="0" b="0"/>
-          <a:pathLst>
-            <a:path>
-              <a:moveTo>
-                <a:pt x="0" y="0"/>
-              </a:moveTo>
-              <a:lnTo>
-                <a:pt x="0" y="111077"/>
-              </a:lnTo>
-              <a:lnTo>
-                <a:pt x="1920059" y="111077"/>
-              </a:lnTo>
-              <a:lnTo>
-                <a:pt x="1920059" y="222155"/>
-              </a:lnTo>
-            </a:path>
-          </a:pathLst>
-        </a:custGeom>
-        <a:noFill/>
-        <a:ln w="15875" cap="rnd" cmpd="sng" algn="ctr">
-          <a:solidFill>
-            <a:schemeClr val="accent1">
-              <a:shade val="60000"/>
-              <a:hueOff val="0"/>
-              <a:satOff val="0"/>
-              <a:lumOff val="0"/>
-              <a:alphaOff val="0"/>
-            </a:schemeClr>
-          </a:solidFill>
-          <a:prstDash val="solid"/>
-        </a:ln>
-        <a:effectLst/>
-      </dsp:spPr>
-      <dsp:style>
-        <a:lnRef idx="2">
-          <a:scrgbClr r="0" g="0" b="0"/>
-        </a:lnRef>
-        <a:fillRef idx="0">
-          <a:scrgbClr r="0" g="0" b="0"/>
-        </a:fillRef>
-        <a:effectRef idx="0">
-          <a:scrgbClr r="0" g="0" b="0"/>
-        </a:effectRef>
-        <a:fontRef idx="minor"/>
-      </dsp:style>
-    </dsp:sp>
-    <dsp:sp modelId="{80ABF55F-1AB4-44BA-9669-B1062719B88E}">
-      <dsp:nvSpPr>
-        <dsp:cNvPr id="0" name=""/>
-        <dsp:cNvSpPr/>
-      </dsp:nvSpPr>
-      <dsp:spPr>
-        <a:xfrm>
-          <a:off x="5009356" y="2012457"/>
-          <a:ext cx="640019" cy="222155"/>
-        </a:xfrm>
-        <a:custGeom>
-          <a:avLst/>
-          <a:gdLst/>
-          <a:ahLst/>
-          <a:cxnLst/>
-          <a:rect l="0" t="0" r="0" b="0"/>
-          <a:pathLst>
-            <a:path>
-              <a:moveTo>
-                <a:pt x="0" y="0"/>
-              </a:moveTo>
-              <a:lnTo>
-                <a:pt x="0" y="111077"/>
-              </a:lnTo>
-              <a:lnTo>
-                <a:pt x="640019" y="111077"/>
-              </a:lnTo>
-              <a:lnTo>
-                <a:pt x="640019" y="222155"/>
-              </a:lnTo>
-            </a:path>
-          </a:pathLst>
-        </a:custGeom>
-        <a:noFill/>
-        <a:ln w="15875" cap="rnd" cmpd="sng" algn="ctr">
-          <a:solidFill>
-            <a:schemeClr val="accent1">
-              <a:shade val="60000"/>
-              <a:hueOff val="0"/>
-              <a:satOff val="0"/>
-              <a:lumOff val="0"/>
-              <a:alphaOff val="0"/>
-            </a:schemeClr>
-          </a:solidFill>
-          <a:prstDash val="solid"/>
-        </a:ln>
-        <a:effectLst/>
-      </dsp:spPr>
-      <dsp:style>
-        <a:lnRef idx="2">
-          <a:scrgbClr r="0" g="0" b="0"/>
-        </a:lnRef>
-        <a:fillRef idx="0">
-          <a:scrgbClr r="0" g="0" b="0"/>
-        </a:fillRef>
-        <a:effectRef idx="0">
-          <a:scrgbClr r="0" g="0" b="0"/>
-        </a:effectRef>
-        <a:fontRef idx="minor"/>
-      </dsp:style>
-    </dsp:sp>
-    <dsp:sp modelId="{ADD90551-175B-48D4-9070-CB3A060CFFF2}">
-      <dsp:nvSpPr>
-        <dsp:cNvPr id="0" name=""/>
-        <dsp:cNvSpPr/>
-      </dsp:nvSpPr>
-      <dsp:spPr>
-        <a:xfrm>
-          <a:off x="4369336" y="2012457"/>
-          <a:ext cx="640019" cy="222155"/>
-        </a:xfrm>
-        <a:custGeom>
-          <a:avLst/>
-          <a:gdLst/>
-          <a:ahLst/>
-          <a:cxnLst/>
-          <a:rect l="0" t="0" r="0" b="0"/>
-          <a:pathLst>
-            <a:path>
-              <a:moveTo>
-                <a:pt x="640019" y="0"/>
-              </a:moveTo>
-              <a:lnTo>
-                <a:pt x="640019" y="111077"/>
-              </a:lnTo>
-              <a:lnTo>
-                <a:pt x="0" y="111077"/>
-              </a:lnTo>
-              <a:lnTo>
-                <a:pt x="0" y="222155"/>
-              </a:lnTo>
-            </a:path>
-          </a:pathLst>
-        </a:custGeom>
-        <a:noFill/>
-        <a:ln w="15875" cap="rnd" cmpd="sng" algn="ctr">
-          <a:solidFill>
-            <a:schemeClr val="accent1">
-              <a:shade val="60000"/>
-              <a:hueOff val="0"/>
-              <a:satOff val="0"/>
-              <a:lumOff val="0"/>
-              <a:alphaOff val="0"/>
-            </a:schemeClr>
-          </a:solidFill>
-          <a:prstDash val="solid"/>
-        </a:ln>
-        <a:effectLst/>
-      </dsp:spPr>
-      <dsp:style>
-        <a:lnRef idx="2">
-          <a:scrgbClr r="0" g="0" b="0"/>
-        </a:lnRef>
-        <a:fillRef idx="0">
-          <a:scrgbClr r="0" g="0" b="0"/>
-        </a:fillRef>
-        <a:effectRef idx="0">
-          <a:scrgbClr r="0" g="0" b="0"/>
-        </a:effectRef>
-        <a:fontRef idx="minor"/>
-      </dsp:style>
-    </dsp:sp>
-    <dsp:sp modelId="{67921C4E-CC6C-4026-92D0-FEA0598B0629}">
-      <dsp:nvSpPr>
-        <dsp:cNvPr id="0" name=""/>
-        <dsp:cNvSpPr/>
-      </dsp:nvSpPr>
-      <dsp:spPr>
-        <a:xfrm>
-          <a:off x="3089296" y="2012457"/>
-          <a:ext cx="1920059" cy="222155"/>
-        </a:xfrm>
-        <a:custGeom>
-          <a:avLst/>
-          <a:gdLst/>
-          <a:ahLst/>
-          <a:cxnLst/>
-          <a:rect l="0" t="0" r="0" b="0"/>
-          <a:pathLst>
-            <a:path>
-              <a:moveTo>
-                <a:pt x="1920059" y="0"/>
-              </a:moveTo>
-              <a:lnTo>
-                <a:pt x="1920059" y="111077"/>
-              </a:lnTo>
-              <a:lnTo>
-                <a:pt x="0" y="111077"/>
-              </a:lnTo>
-              <a:lnTo>
-                <a:pt x="0" y="222155"/>
-              </a:lnTo>
-            </a:path>
-          </a:pathLst>
-        </a:custGeom>
-        <a:noFill/>
-        <a:ln w="15875" cap="rnd" cmpd="sng" algn="ctr">
-          <a:solidFill>
-            <a:schemeClr val="accent1">
-              <a:shade val="60000"/>
-              <a:hueOff val="0"/>
-              <a:satOff val="0"/>
-              <a:lumOff val="0"/>
-              <a:alphaOff val="0"/>
-            </a:schemeClr>
-          </a:solidFill>
-          <a:prstDash val="solid"/>
-        </a:ln>
-        <a:effectLst/>
-      </dsp:spPr>
-      <dsp:style>
-        <a:lnRef idx="2">
-          <a:scrgbClr r="0" g="0" b="0"/>
-        </a:lnRef>
-        <a:fillRef idx="0">
-          <a:scrgbClr r="0" g="0" b="0"/>
-        </a:fillRef>
-        <a:effectRef idx="0">
-          <a:scrgbClr r="0" g="0" b="0"/>
-        </a:effectRef>
-        <a:fontRef idx="minor"/>
-      </dsp:style>
-    </dsp:sp>
-    <dsp:sp modelId="{C40E1B70-2B0F-44A2-B5DA-E5ECB278C50B}">
-      <dsp:nvSpPr>
-        <dsp:cNvPr id="0" name=""/>
-        <dsp:cNvSpPr/>
-      </dsp:nvSpPr>
-      <dsp:spPr>
-        <a:xfrm>
-          <a:off x="1809256" y="2012457"/>
-          <a:ext cx="3200099" cy="222155"/>
-        </a:xfrm>
-        <a:custGeom>
-          <a:avLst/>
-          <a:gdLst/>
-          <a:ahLst/>
-          <a:cxnLst/>
-          <a:rect l="0" t="0" r="0" b="0"/>
-          <a:pathLst>
-            <a:path>
-              <a:moveTo>
-                <a:pt x="3200099" y="0"/>
-              </a:moveTo>
-              <a:lnTo>
-                <a:pt x="3200099" y="111077"/>
-              </a:lnTo>
-              <a:lnTo>
-                <a:pt x="0" y="111077"/>
-              </a:lnTo>
-              <a:lnTo>
-                <a:pt x="0" y="222155"/>
-              </a:lnTo>
-            </a:path>
-          </a:pathLst>
-        </a:custGeom>
-        <a:noFill/>
-        <a:ln w="15875" cap="rnd" cmpd="sng" algn="ctr">
-          <a:solidFill>
-            <a:schemeClr val="accent1">
-              <a:shade val="60000"/>
-              <a:hueOff val="0"/>
-              <a:satOff val="0"/>
-              <a:lumOff val="0"/>
-              <a:alphaOff val="0"/>
-            </a:schemeClr>
-          </a:solidFill>
-          <a:prstDash val="solid"/>
-        </a:ln>
-        <a:effectLst/>
-      </dsp:spPr>
-      <dsp:style>
-        <a:lnRef idx="2">
-          <a:scrgbClr r="0" g="0" b="0"/>
-        </a:lnRef>
-        <a:fillRef idx="0">
-          <a:scrgbClr r="0" g="0" b="0"/>
-        </a:fillRef>
-        <a:effectRef idx="0">
-          <a:scrgbClr r="0" g="0" b="0"/>
-        </a:effectRef>
-        <a:fontRef idx="minor"/>
-      </dsp:style>
-    </dsp:sp>
-    <dsp:sp modelId="{0C4E197E-3433-434E-A723-BD4786084723}">
-      <dsp:nvSpPr>
-        <dsp:cNvPr id="0" name=""/>
-        <dsp:cNvSpPr/>
-      </dsp:nvSpPr>
-      <dsp:spPr>
-        <a:xfrm>
-          <a:off x="529217" y="2012457"/>
-          <a:ext cx="4480138" cy="222155"/>
-        </a:xfrm>
-        <a:custGeom>
-          <a:avLst/>
-          <a:gdLst/>
-          <a:ahLst/>
-          <a:cxnLst/>
-          <a:rect l="0" t="0" r="0" b="0"/>
-          <a:pathLst>
-            <a:path>
-              <a:moveTo>
-                <a:pt x="4480138" y="0"/>
-              </a:moveTo>
-              <a:lnTo>
-                <a:pt x="4480138" y="111077"/>
-              </a:lnTo>
-              <a:lnTo>
-                <a:pt x="0" y="111077"/>
-              </a:lnTo>
-              <a:lnTo>
-                <a:pt x="0" y="222155"/>
-              </a:lnTo>
-            </a:path>
-          </a:pathLst>
-        </a:custGeom>
-        <a:noFill/>
-        <a:ln w="15875" cap="rnd" cmpd="sng" algn="ctr">
-          <a:solidFill>
-            <a:schemeClr val="accent1">
-              <a:shade val="60000"/>
-              <a:hueOff val="0"/>
-              <a:satOff val="0"/>
-              <a:lumOff val="0"/>
-              <a:alphaOff val="0"/>
-            </a:schemeClr>
-          </a:solidFill>
-          <a:prstDash val="solid"/>
-        </a:ln>
-        <a:effectLst/>
-      </dsp:spPr>
-      <dsp:style>
-        <a:lnRef idx="2">
-          <a:scrgbClr r="0" g="0" b="0"/>
-        </a:lnRef>
-        <a:fillRef idx="0">
-          <a:scrgbClr r="0" g="0" b="0"/>
-        </a:fillRef>
-        <a:effectRef idx="0">
-          <a:scrgbClr r="0" g="0" b="0"/>
-        </a:effectRef>
-        <a:fontRef idx="minor"/>
-      </dsp:style>
-    </dsp:sp>
-    <dsp:sp modelId="{79B290E1-AC66-4447-86A0-88690AB1D9C7}">
-      <dsp:nvSpPr>
-        <dsp:cNvPr id="0" name=""/>
-        <dsp:cNvSpPr/>
-      </dsp:nvSpPr>
-      <dsp:spPr>
-        <a:xfrm>
-          <a:off x="537436" y="1483515"/>
-          <a:ext cx="8943838" cy="528942"/>
-        </a:xfrm>
-        <a:prstGeom prst="rect">
-          <a:avLst/>
+        <a:prstGeom prst="roundRect">
+          <a:avLst>
+            <a:gd name="adj" fmla="val 10000"/>
+          </a:avLst>
         </a:prstGeom>
         <a:solidFill>
           <a:schemeClr val="accent1">
@@ -3560,13 +3869,63 @@
           <a:schemeClr val="lt1"/>
         </a:fontRef>
       </dsp:style>
+    </dsp:sp>
+    <dsp:sp modelId="{01955665-9EC1-43B2-970E-24FB6925829E}">
+      <dsp:nvSpPr>
+        <dsp:cNvPr id="0" name=""/>
+        <dsp:cNvSpPr/>
+      </dsp:nvSpPr>
+      <dsp:spPr>
+        <a:xfrm>
+          <a:off x="4549023" y="890420"/>
+          <a:ext cx="1035747" cy="657699"/>
+        </a:xfrm>
+        <a:prstGeom prst="roundRect">
+          <a:avLst>
+            <a:gd name="adj" fmla="val 10000"/>
+          </a:avLst>
+        </a:prstGeom>
+        <a:solidFill>
+          <a:schemeClr val="lt1">
+            <a:alpha val="90000"/>
+            <a:hueOff val="0"/>
+            <a:satOff val="0"/>
+            <a:lumOff val="0"/>
+            <a:alphaOff val="0"/>
+          </a:schemeClr>
+        </a:solidFill>
+        <a:ln w="15875" cap="rnd" cmpd="sng" algn="ctr">
+          <a:solidFill>
+            <a:schemeClr val="accent1">
+              <a:hueOff val="0"/>
+              <a:satOff val="0"/>
+              <a:lumOff val="0"/>
+              <a:alphaOff val="0"/>
+            </a:schemeClr>
+          </a:solidFill>
+          <a:prstDash val="solid"/>
+        </a:ln>
+        <a:effectLst/>
+      </dsp:spPr>
+      <dsp:style>
+        <a:lnRef idx="2">
+          <a:scrgbClr r="0" g="0" b="0"/>
+        </a:lnRef>
+        <a:fillRef idx="1">
+          <a:scrgbClr r="0" g="0" b="0"/>
+        </a:fillRef>
+        <a:effectRef idx="0">
+          <a:scrgbClr r="0" g="0" b="0"/>
+        </a:effectRef>
+        <a:fontRef idx="minor"/>
+      </dsp:style>
       <dsp:txBody>
-        <a:bodyPr spcFirstLastPara="0" vert="horz" wrap="square" lIns="20320" tIns="20320" rIns="20320" bIns="20320" numCol="1" spcCol="1270" anchor="ctr" anchorCtr="0">
+        <a:bodyPr spcFirstLastPara="0" vert="horz" wrap="square" lIns="53340" tIns="53340" rIns="53340" bIns="53340" numCol="1" spcCol="1270" anchor="ctr" anchorCtr="0">
           <a:noAutofit/>
         </a:bodyPr>
         <a:lstStyle/>
         <a:p>
-          <a:pPr marL="0" lvl="0" indent="0" algn="ctr" defTabSz="1422400">
+          <a:pPr marL="0" lvl="0" indent="0" algn="ctr" defTabSz="622300">
             <a:lnSpc>
               <a:spcPct val="90000"/>
             </a:lnSpc>
@@ -3579,7 +3938,143 @@
             <a:buNone/>
           </a:pPr>
           <a:r>
-            <a:rPr lang="en-US" sz="3200" kern="1200" dirty="0">
+            <a:rPr lang="en-US" sz="1400" kern="1200">
+              <a:latin typeface="Times New Roman" panose="02020603050405020304" pitchFamily="18" charset="0"/>
+              <a:cs typeface="Times New Roman" panose="02020603050405020304" pitchFamily="18" charset="0"/>
+            </a:rPr>
+            <a:t>NIST</a:t>
+          </a:r>
+          <a:endParaRPr lang="en-US" sz="1400" kern="1200" dirty="0">
+            <a:latin typeface="Times New Roman" panose="02020603050405020304" pitchFamily="18" charset="0"/>
+            <a:cs typeface="Times New Roman" panose="02020603050405020304" pitchFamily="18" charset="0"/>
+          </a:endParaRPr>
+        </a:p>
+      </dsp:txBody>
+      <dsp:txXfrm>
+        <a:off x="4568286" y="909683"/>
+        <a:ext cx="997221" cy="619173"/>
+      </dsp:txXfrm>
+    </dsp:sp>
+    <dsp:sp modelId="{9DB39F63-2F9D-410B-A63B-6F35A03D1822}">
+      <dsp:nvSpPr>
+        <dsp:cNvPr id="0" name=""/>
+        <dsp:cNvSpPr/>
+      </dsp:nvSpPr>
+      <dsp:spPr>
+        <a:xfrm>
+          <a:off x="1902112" y="1740021"/>
+          <a:ext cx="1035747" cy="657699"/>
+        </a:xfrm>
+        <a:prstGeom prst="roundRect">
+          <a:avLst>
+            <a:gd name="adj" fmla="val 10000"/>
+          </a:avLst>
+        </a:prstGeom>
+        <a:solidFill>
+          <a:schemeClr val="accent1">
+            <a:hueOff val="0"/>
+            <a:satOff val="0"/>
+            <a:lumOff val="0"/>
+            <a:alphaOff val="0"/>
+          </a:schemeClr>
+        </a:solidFill>
+        <a:ln w="15875" cap="rnd" cmpd="sng" algn="ctr">
+          <a:solidFill>
+            <a:schemeClr val="lt1">
+              <a:hueOff val="0"/>
+              <a:satOff val="0"/>
+              <a:lumOff val="0"/>
+              <a:alphaOff val="0"/>
+            </a:schemeClr>
+          </a:solidFill>
+          <a:prstDash val="solid"/>
+        </a:ln>
+        <a:effectLst/>
+      </dsp:spPr>
+      <dsp:style>
+        <a:lnRef idx="2">
+          <a:scrgbClr r="0" g="0" b="0"/>
+        </a:lnRef>
+        <a:fillRef idx="1">
+          <a:scrgbClr r="0" g="0" b="0"/>
+        </a:fillRef>
+        <a:effectRef idx="0">
+          <a:scrgbClr r="0" g="0" b="0"/>
+        </a:effectRef>
+        <a:fontRef idx="minor">
+          <a:schemeClr val="lt1"/>
+        </a:fontRef>
+      </dsp:style>
+    </dsp:sp>
+    <dsp:sp modelId="{F66FDE7B-A8AB-4F7F-8FCB-63E1E863EF79}">
+      <dsp:nvSpPr>
+        <dsp:cNvPr id="0" name=""/>
+        <dsp:cNvSpPr/>
+      </dsp:nvSpPr>
+      <dsp:spPr>
+        <a:xfrm>
+          <a:off x="2017195" y="1849350"/>
+          <a:ext cx="1035747" cy="657699"/>
+        </a:xfrm>
+        <a:prstGeom prst="roundRect">
+          <a:avLst>
+            <a:gd name="adj" fmla="val 10000"/>
+          </a:avLst>
+        </a:prstGeom>
+        <a:solidFill>
+          <a:schemeClr val="lt1">
+            <a:alpha val="90000"/>
+            <a:hueOff val="0"/>
+            <a:satOff val="0"/>
+            <a:lumOff val="0"/>
+            <a:alphaOff val="0"/>
+          </a:schemeClr>
+        </a:solidFill>
+        <a:ln w="15875" cap="rnd" cmpd="sng" algn="ctr">
+          <a:solidFill>
+            <a:schemeClr val="accent1">
+              <a:hueOff val="0"/>
+              <a:satOff val="0"/>
+              <a:lumOff val="0"/>
+              <a:alphaOff val="0"/>
+            </a:schemeClr>
+          </a:solidFill>
+          <a:prstDash val="solid"/>
+        </a:ln>
+        <a:effectLst/>
+      </dsp:spPr>
+      <dsp:style>
+        <a:lnRef idx="2">
+          <a:scrgbClr r="0" g="0" b="0"/>
+        </a:lnRef>
+        <a:fillRef idx="1">
+          <a:scrgbClr r="0" g="0" b="0"/>
+        </a:fillRef>
+        <a:effectRef idx="0">
+          <a:scrgbClr r="0" g="0" b="0"/>
+        </a:effectRef>
+        <a:fontRef idx="minor"/>
+      </dsp:style>
+      <dsp:txBody>
+        <a:bodyPr spcFirstLastPara="0" vert="horz" wrap="square" lIns="53340" tIns="53340" rIns="53340" bIns="53340" numCol="1" spcCol="1270" anchor="ctr" anchorCtr="0">
+          <a:noAutofit/>
+        </a:bodyPr>
+        <a:lstStyle/>
+        <a:p>
+          <a:pPr marL="0" lvl="0" indent="0" algn="ctr" defTabSz="622300">
+            <a:lnSpc>
+              <a:spcPct val="90000"/>
+            </a:lnSpc>
+            <a:spcBef>
+              <a:spcPct val="0"/>
+            </a:spcBef>
+            <a:spcAft>
+              <a:spcPct val="35000"/>
+            </a:spcAft>
+            <a:buNone/>
+          </a:pPr>
+          <a:r>
+            <a:rPr lang="en-US" sz="1400" kern="1200" dirty="0">
               <a:latin typeface="Times New Roman" panose="02020603050405020304" pitchFamily="18" charset="0"/>
               <a:cs typeface="Times New Roman" panose="02020603050405020304" pitchFamily="18" charset="0"/>
             </a:rPr>
@@ -3588,22 +4083,162 @@
         </a:p>
       </dsp:txBody>
       <dsp:txXfrm>
-        <a:off x="537436" y="1483515"/>
-        <a:ext cx="8943838" cy="528942"/>
+        <a:off x="2036458" y="1868613"/>
+        <a:ext cx="997221" cy="619173"/>
       </dsp:txXfrm>
     </dsp:sp>
-    <dsp:sp modelId="{1B82DBE7-34E7-401B-83DF-E68F99128EE3}">
+    <dsp:sp modelId="{0D0FE3B6-D061-421F-B175-74368D305D3D}">
       <dsp:nvSpPr>
         <dsp:cNvPr id="0" name=""/>
         <dsp:cNvSpPr/>
       </dsp:nvSpPr>
       <dsp:spPr>
         <a:xfrm>
-          <a:off x="275" y="2234613"/>
-          <a:ext cx="1057884" cy="528942"/>
+          <a:off x="3240" y="2698951"/>
+          <a:ext cx="1035747" cy="657699"/>
         </a:xfrm>
-        <a:prstGeom prst="rect">
-          <a:avLst/>
+        <a:prstGeom prst="roundRect">
+          <a:avLst>
+            <a:gd name="adj" fmla="val 10000"/>
+          </a:avLst>
+        </a:prstGeom>
+        <a:gradFill rotWithShape="0">
+          <a:gsLst>
+            <a:gs pos="0">
+              <a:srgbClr val="00B050"/>
+            </a:gs>
+            <a:gs pos="100000">
+              <a:srgbClr val="FF0000"/>
+            </a:gs>
+          </a:gsLst>
+          <a:lin ang="5400000" scaled="1"/>
+        </a:gradFill>
+        <a:ln w="15875" cap="rnd" cmpd="sng" algn="ctr">
+          <a:solidFill>
+            <a:schemeClr val="lt1">
+              <a:hueOff val="0"/>
+              <a:satOff val="0"/>
+              <a:lumOff val="0"/>
+              <a:alphaOff val="0"/>
+            </a:schemeClr>
+          </a:solidFill>
+          <a:prstDash val="solid"/>
+        </a:ln>
+        <a:effectLst/>
+      </dsp:spPr>
+      <dsp:style>
+        <a:lnRef idx="2">
+          <a:scrgbClr r="0" g="0" b="0"/>
+        </a:lnRef>
+        <a:fillRef idx="1">
+          <a:scrgbClr r="0" g="0" b="0"/>
+        </a:fillRef>
+        <a:effectRef idx="0">
+          <a:scrgbClr r="0" g="0" b="0"/>
+        </a:effectRef>
+        <a:fontRef idx="minor">
+          <a:schemeClr val="lt1"/>
+        </a:fontRef>
+      </dsp:style>
+    </dsp:sp>
+    <dsp:sp modelId="{153B7127-5B8F-472B-9247-D3D097252336}">
+      <dsp:nvSpPr>
+        <dsp:cNvPr id="0" name=""/>
+        <dsp:cNvSpPr/>
+      </dsp:nvSpPr>
+      <dsp:spPr>
+        <a:xfrm>
+          <a:off x="118324" y="2808279"/>
+          <a:ext cx="1035747" cy="657699"/>
+        </a:xfrm>
+        <a:prstGeom prst="roundRect">
+          <a:avLst>
+            <a:gd name="adj" fmla="val 10000"/>
+          </a:avLst>
+        </a:prstGeom>
+        <a:solidFill>
+          <a:schemeClr val="lt1">
+            <a:alpha val="90000"/>
+            <a:hueOff val="0"/>
+            <a:satOff val="0"/>
+            <a:lumOff val="0"/>
+            <a:alphaOff val="0"/>
+          </a:schemeClr>
+        </a:solidFill>
+        <a:ln w="15875" cap="rnd" cmpd="sng" algn="ctr">
+          <a:gradFill>
+            <a:gsLst>
+              <a:gs pos="0">
+                <a:srgbClr val="00B050"/>
+              </a:gs>
+              <a:gs pos="100000">
+                <a:srgbClr val="FF0000"/>
+              </a:gs>
+            </a:gsLst>
+            <a:lin ang="5400000" scaled="1"/>
+          </a:gradFill>
+          <a:prstDash val="solid"/>
+        </a:ln>
+        <a:effectLst/>
+      </dsp:spPr>
+      <dsp:style>
+        <a:lnRef idx="2">
+          <a:scrgbClr r="0" g="0" b="0"/>
+        </a:lnRef>
+        <a:fillRef idx="1">
+          <a:scrgbClr r="0" g="0" b="0"/>
+        </a:fillRef>
+        <a:effectRef idx="0">
+          <a:scrgbClr r="0" g="0" b="0"/>
+        </a:effectRef>
+        <a:fontRef idx="minor"/>
+      </dsp:style>
+      <dsp:txBody>
+        <a:bodyPr spcFirstLastPara="0" vert="horz" wrap="square" lIns="53340" tIns="53340" rIns="53340" bIns="53340" numCol="1" spcCol="1270" anchor="ctr" anchorCtr="0">
+          <a:noAutofit/>
+        </a:bodyPr>
+        <a:lstStyle/>
+        <a:p>
+          <a:pPr marL="0" lvl="0" indent="0" algn="ctr" defTabSz="622300">
+            <a:lnSpc>
+              <a:spcPct val="90000"/>
+            </a:lnSpc>
+            <a:spcBef>
+              <a:spcPct val="0"/>
+            </a:spcBef>
+            <a:spcAft>
+              <a:spcPct val="35000"/>
+            </a:spcAft>
+            <a:buNone/>
+          </a:pPr>
+          <a:r>
+            <a:rPr lang="en-US" sz="1400" kern="1200" dirty="0">
+              <a:latin typeface="Times New Roman" panose="02020603050405020304" pitchFamily="18" charset="0"/>
+              <a:cs typeface="Times New Roman" panose="02020603050405020304" pitchFamily="18" charset="0"/>
+            </a:rPr>
+            <a:t>Levels</a:t>
+          </a:r>
+        </a:p>
+      </dsp:txBody>
+      <dsp:txXfrm>
+        <a:off x="137587" y="2827542"/>
+        <a:ext cx="997221" cy="619173"/>
+      </dsp:txXfrm>
+    </dsp:sp>
+    <dsp:sp modelId="{A2B4D9F1-6CA7-4491-8F55-93B9157D2383}">
+      <dsp:nvSpPr>
+        <dsp:cNvPr id="0" name=""/>
+        <dsp:cNvSpPr/>
+      </dsp:nvSpPr>
+      <dsp:spPr>
+        <a:xfrm>
+          <a:off x="1269155" y="2698951"/>
+          <a:ext cx="1035747" cy="657699"/>
+        </a:xfrm>
+        <a:prstGeom prst="roundRect">
+          <a:avLst>
+            <a:gd name="adj" fmla="val 10000"/>
+          </a:avLst>
         </a:prstGeom>
         <a:solidFill>
           <a:srgbClr val="00B050"/>
@@ -3635,8 +4270,555 @@
           <a:schemeClr val="lt1"/>
         </a:fontRef>
       </dsp:style>
+    </dsp:sp>
+    <dsp:sp modelId="{C210443A-B378-4123-BD67-F540501C4709}">
+      <dsp:nvSpPr>
+        <dsp:cNvPr id="0" name=""/>
+        <dsp:cNvSpPr/>
+      </dsp:nvSpPr>
+      <dsp:spPr>
+        <a:xfrm>
+          <a:off x="1384238" y="2808279"/>
+          <a:ext cx="1035747" cy="657699"/>
+        </a:xfrm>
+        <a:prstGeom prst="roundRect">
+          <a:avLst>
+            <a:gd name="adj" fmla="val 10000"/>
+          </a:avLst>
+        </a:prstGeom>
+        <a:solidFill>
+          <a:schemeClr val="lt1">
+            <a:alpha val="90000"/>
+            <a:hueOff val="0"/>
+            <a:satOff val="0"/>
+            <a:lumOff val="0"/>
+            <a:alphaOff val="0"/>
+          </a:schemeClr>
+        </a:solidFill>
+        <a:ln w="15875" cap="rnd" cmpd="sng" algn="ctr">
+          <a:solidFill>
+            <a:srgbClr val="00B050"/>
+          </a:solidFill>
+          <a:prstDash val="solid"/>
+        </a:ln>
+        <a:effectLst/>
+      </dsp:spPr>
+      <dsp:style>
+        <a:lnRef idx="2">
+          <a:scrgbClr r="0" g="0" b="0"/>
+        </a:lnRef>
+        <a:fillRef idx="1">
+          <a:scrgbClr r="0" g="0" b="0"/>
+        </a:fillRef>
+        <a:effectRef idx="0">
+          <a:scrgbClr r="0" g="0" b="0"/>
+        </a:effectRef>
+        <a:fontRef idx="minor"/>
+      </dsp:style>
       <dsp:txBody>
-        <a:bodyPr spcFirstLastPara="0" vert="horz" wrap="square" lIns="8890" tIns="8890" rIns="8890" bIns="8890" numCol="1" spcCol="1270" anchor="ctr" anchorCtr="0">
+        <a:bodyPr spcFirstLastPara="0" vert="horz" wrap="square" lIns="53340" tIns="53340" rIns="53340" bIns="53340" numCol="1" spcCol="1270" anchor="ctr" anchorCtr="0">
+          <a:noAutofit/>
+        </a:bodyPr>
+        <a:lstStyle/>
+        <a:p>
+          <a:pPr marL="0" lvl="0" indent="0" algn="ctr" defTabSz="622300">
+            <a:lnSpc>
+              <a:spcPct val="90000"/>
+            </a:lnSpc>
+            <a:spcBef>
+              <a:spcPct val="0"/>
+            </a:spcBef>
+            <a:spcAft>
+              <a:spcPct val="35000"/>
+            </a:spcAft>
+            <a:buNone/>
+          </a:pPr>
+          <a:r>
+            <a:rPr lang="en-US" sz="1400" kern="1200" dirty="0">
+              <a:latin typeface="Times New Roman" panose="02020603050405020304" pitchFamily="18" charset="0"/>
+              <a:cs typeface="Times New Roman" panose="02020603050405020304" pitchFamily="18" charset="0"/>
+            </a:rPr>
+            <a:t>Learning</a:t>
+          </a:r>
+        </a:p>
+      </dsp:txBody>
+      <dsp:txXfrm>
+        <a:off x="1403501" y="2827542"/>
+        <a:ext cx="997221" cy="619173"/>
+      </dsp:txXfrm>
+    </dsp:sp>
+    <dsp:sp modelId="{22F4BE6C-3F44-4182-A4DA-B7A8132FFE52}">
+      <dsp:nvSpPr>
+        <dsp:cNvPr id="0" name=""/>
+        <dsp:cNvSpPr/>
+      </dsp:nvSpPr>
+      <dsp:spPr>
+        <a:xfrm>
+          <a:off x="2535069" y="2698951"/>
+          <a:ext cx="1035747" cy="657699"/>
+        </a:xfrm>
+        <a:prstGeom prst="roundRect">
+          <a:avLst>
+            <a:gd name="adj" fmla="val 10000"/>
+          </a:avLst>
+        </a:prstGeom>
+        <a:solidFill>
+          <a:srgbClr val="00B050"/>
+        </a:solidFill>
+        <a:ln w="15875" cap="rnd" cmpd="sng" algn="ctr">
+          <a:solidFill>
+            <a:schemeClr val="lt1">
+              <a:hueOff val="0"/>
+              <a:satOff val="0"/>
+              <a:lumOff val="0"/>
+              <a:alphaOff val="0"/>
+            </a:schemeClr>
+          </a:solidFill>
+          <a:prstDash val="solid"/>
+        </a:ln>
+        <a:effectLst/>
+      </dsp:spPr>
+      <dsp:style>
+        <a:lnRef idx="2">
+          <a:scrgbClr r="0" g="0" b="0"/>
+        </a:lnRef>
+        <a:fillRef idx="1">
+          <a:scrgbClr r="0" g="0" b="0"/>
+        </a:fillRef>
+        <a:effectRef idx="0">
+          <a:scrgbClr r="0" g="0" b="0"/>
+        </a:effectRef>
+        <a:fontRef idx="minor">
+          <a:schemeClr val="lt1"/>
+        </a:fontRef>
+      </dsp:style>
+    </dsp:sp>
+    <dsp:sp modelId="{DE37F8A9-5D5A-4CD2-8C95-C006B7989C6B}">
+      <dsp:nvSpPr>
+        <dsp:cNvPr id="0" name=""/>
+        <dsp:cNvSpPr/>
+      </dsp:nvSpPr>
+      <dsp:spPr>
+        <a:xfrm>
+          <a:off x="2650152" y="2808279"/>
+          <a:ext cx="1035747" cy="657699"/>
+        </a:xfrm>
+        <a:prstGeom prst="roundRect">
+          <a:avLst>
+            <a:gd name="adj" fmla="val 10000"/>
+          </a:avLst>
+        </a:prstGeom>
+        <a:solidFill>
+          <a:schemeClr val="lt1">
+            <a:alpha val="90000"/>
+            <a:hueOff val="0"/>
+            <a:satOff val="0"/>
+            <a:lumOff val="0"/>
+            <a:alphaOff val="0"/>
+          </a:schemeClr>
+        </a:solidFill>
+        <a:ln w="15875" cap="rnd" cmpd="sng" algn="ctr">
+          <a:solidFill>
+            <a:srgbClr val="00B050"/>
+          </a:solidFill>
+          <a:prstDash val="solid"/>
+        </a:ln>
+        <a:effectLst/>
+      </dsp:spPr>
+      <dsp:style>
+        <a:lnRef idx="2">
+          <a:scrgbClr r="0" g="0" b="0"/>
+        </a:lnRef>
+        <a:fillRef idx="1">
+          <a:scrgbClr r="0" g="0" b="0"/>
+        </a:fillRef>
+        <a:effectRef idx="0">
+          <a:scrgbClr r="0" g="0" b="0"/>
+        </a:effectRef>
+        <a:fontRef idx="minor"/>
+      </dsp:style>
+      <dsp:txBody>
+        <a:bodyPr spcFirstLastPara="0" vert="horz" wrap="square" lIns="53340" tIns="53340" rIns="53340" bIns="53340" numCol="1" spcCol="1270" anchor="ctr" anchorCtr="0">
+          <a:noAutofit/>
+        </a:bodyPr>
+        <a:lstStyle/>
+        <a:p>
+          <a:pPr marL="0" lvl="0" indent="0" algn="ctr" defTabSz="622300">
+            <a:lnSpc>
+              <a:spcPct val="90000"/>
+            </a:lnSpc>
+            <a:spcBef>
+              <a:spcPct val="0"/>
+            </a:spcBef>
+            <a:spcAft>
+              <a:spcPct val="35000"/>
+            </a:spcAft>
+            <a:buNone/>
+          </a:pPr>
+          <a:r>
+            <a:rPr lang="en-US" sz="1400" kern="1200" dirty="0">
+              <a:latin typeface="Times New Roman" panose="02020603050405020304" pitchFamily="18" charset="0"/>
+              <a:cs typeface="Times New Roman" panose="02020603050405020304" pitchFamily="18" charset="0"/>
+            </a:rPr>
+            <a:t>Challenge</a:t>
+          </a:r>
+        </a:p>
+      </dsp:txBody>
+      <dsp:txXfrm>
+        <a:off x="2669415" y="2827542"/>
+        <a:ext cx="997221" cy="619173"/>
+      </dsp:txXfrm>
+    </dsp:sp>
+    <dsp:sp modelId="{EDB5C15D-5C00-4E6D-907B-55D0EDE238EA}">
+      <dsp:nvSpPr>
+        <dsp:cNvPr id="0" name=""/>
+        <dsp:cNvSpPr/>
+      </dsp:nvSpPr>
+      <dsp:spPr>
+        <a:xfrm>
+          <a:off x="3800983" y="2698951"/>
+          <a:ext cx="1035747" cy="657699"/>
+        </a:xfrm>
+        <a:prstGeom prst="roundRect">
+          <a:avLst>
+            <a:gd name="adj" fmla="val 10000"/>
+          </a:avLst>
+        </a:prstGeom>
+        <a:solidFill>
+          <a:srgbClr val="00B050"/>
+        </a:solidFill>
+        <a:ln w="15875" cap="rnd" cmpd="sng" algn="ctr">
+          <a:solidFill>
+            <a:schemeClr val="lt1">
+              <a:hueOff val="0"/>
+              <a:satOff val="0"/>
+              <a:lumOff val="0"/>
+              <a:alphaOff val="0"/>
+            </a:schemeClr>
+          </a:solidFill>
+          <a:prstDash val="solid"/>
+        </a:ln>
+        <a:effectLst/>
+      </dsp:spPr>
+      <dsp:style>
+        <a:lnRef idx="2">
+          <a:scrgbClr r="0" g="0" b="0"/>
+        </a:lnRef>
+        <a:fillRef idx="1">
+          <a:scrgbClr r="0" g="0" b="0"/>
+        </a:fillRef>
+        <a:effectRef idx="0">
+          <a:scrgbClr r="0" g="0" b="0"/>
+        </a:effectRef>
+        <a:fontRef idx="minor">
+          <a:schemeClr val="lt1"/>
+        </a:fontRef>
+      </dsp:style>
+    </dsp:sp>
+    <dsp:sp modelId="{7301F7C9-5080-470D-9DE2-9484B59486B2}">
+      <dsp:nvSpPr>
+        <dsp:cNvPr id="0" name=""/>
+        <dsp:cNvSpPr/>
+      </dsp:nvSpPr>
+      <dsp:spPr>
+        <a:xfrm>
+          <a:off x="3916066" y="2808279"/>
+          <a:ext cx="1035747" cy="657699"/>
+        </a:xfrm>
+        <a:prstGeom prst="roundRect">
+          <a:avLst>
+            <a:gd name="adj" fmla="val 10000"/>
+          </a:avLst>
+        </a:prstGeom>
+        <a:solidFill>
+          <a:schemeClr val="lt1">
+            <a:alpha val="90000"/>
+            <a:hueOff val="0"/>
+            <a:satOff val="0"/>
+            <a:lumOff val="0"/>
+            <a:alphaOff val="0"/>
+          </a:schemeClr>
+        </a:solidFill>
+        <a:ln w="15875" cap="rnd" cmpd="sng" algn="ctr">
+          <a:solidFill>
+            <a:srgbClr val="00B050"/>
+          </a:solidFill>
+          <a:prstDash val="solid"/>
+        </a:ln>
+        <a:effectLst/>
+      </dsp:spPr>
+      <dsp:style>
+        <a:lnRef idx="2">
+          <a:scrgbClr r="0" g="0" b="0"/>
+        </a:lnRef>
+        <a:fillRef idx="1">
+          <a:scrgbClr r="0" g="0" b="0"/>
+        </a:fillRef>
+        <a:effectRef idx="0">
+          <a:scrgbClr r="0" g="0" b="0"/>
+        </a:effectRef>
+        <a:fontRef idx="minor"/>
+      </dsp:style>
+      <dsp:txBody>
+        <a:bodyPr spcFirstLastPara="0" vert="horz" wrap="square" lIns="53340" tIns="53340" rIns="53340" bIns="53340" numCol="1" spcCol="1270" anchor="ctr" anchorCtr="0">
+          <a:noAutofit/>
+        </a:bodyPr>
+        <a:lstStyle/>
+        <a:p>
+          <a:pPr marL="0" lvl="0" indent="0" algn="ctr" defTabSz="622300">
+            <a:lnSpc>
+              <a:spcPct val="90000"/>
+            </a:lnSpc>
+            <a:spcBef>
+              <a:spcPct val="0"/>
+            </a:spcBef>
+            <a:spcAft>
+              <a:spcPct val="35000"/>
+            </a:spcAft>
+            <a:buNone/>
+          </a:pPr>
+          <a:r>
+            <a:rPr lang="en-US" sz="1400" kern="1200">
+              <a:latin typeface="Times New Roman" panose="02020603050405020304" pitchFamily="18" charset="0"/>
+              <a:cs typeface="Times New Roman" panose="02020603050405020304" pitchFamily="18" charset="0"/>
+            </a:rPr>
+            <a:t>Goal</a:t>
+          </a:r>
+          <a:endParaRPr lang="en-US" sz="1400" kern="1200" dirty="0">
+            <a:latin typeface="Times New Roman" panose="02020603050405020304" pitchFamily="18" charset="0"/>
+            <a:cs typeface="Times New Roman" panose="02020603050405020304" pitchFamily="18" charset="0"/>
+          </a:endParaRPr>
+        </a:p>
+      </dsp:txBody>
+      <dsp:txXfrm>
+        <a:off x="3935329" y="2827542"/>
+        <a:ext cx="997221" cy="619173"/>
+      </dsp:txXfrm>
+    </dsp:sp>
+    <dsp:sp modelId="{68B591CA-CAF7-4D64-A3D7-F62DF4983E53}">
+      <dsp:nvSpPr>
+        <dsp:cNvPr id="0" name=""/>
+        <dsp:cNvSpPr/>
+      </dsp:nvSpPr>
+      <dsp:spPr>
+        <a:xfrm>
+          <a:off x="6965768" y="1740021"/>
+          <a:ext cx="1035747" cy="657699"/>
+        </a:xfrm>
+        <a:prstGeom prst="roundRect">
+          <a:avLst>
+            <a:gd name="adj" fmla="val 10000"/>
+          </a:avLst>
+        </a:prstGeom>
+        <a:solidFill>
+          <a:schemeClr val="accent1">
+            <a:hueOff val="0"/>
+            <a:satOff val="0"/>
+            <a:lumOff val="0"/>
+            <a:alphaOff val="0"/>
+          </a:schemeClr>
+        </a:solidFill>
+        <a:ln w="15875" cap="rnd" cmpd="sng" algn="ctr">
+          <a:solidFill>
+            <a:schemeClr val="lt1">
+              <a:hueOff val="0"/>
+              <a:satOff val="0"/>
+              <a:lumOff val="0"/>
+              <a:alphaOff val="0"/>
+            </a:schemeClr>
+          </a:solidFill>
+          <a:prstDash val="solid"/>
+        </a:ln>
+        <a:effectLst/>
+      </dsp:spPr>
+      <dsp:style>
+        <a:lnRef idx="2">
+          <a:scrgbClr r="0" g="0" b="0"/>
+        </a:lnRef>
+        <a:fillRef idx="1">
+          <a:scrgbClr r="0" g="0" b="0"/>
+        </a:fillRef>
+        <a:effectRef idx="0">
+          <a:scrgbClr r="0" g="0" b="0"/>
+        </a:effectRef>
+        <a:fontRef idx="minor">
+          <a:schemeClr val="lt1"/>
+        </a:fontRef>
+      </dsp:style>
+    </dsp:sp>
+    <dsp:sp modelId="{33B76B8E-0EC5-4530-A0B5-1ED86F595A5E}">
+      <dsp:nvSpPr>
+        <dsp:cNvPr id="0" name=""/>
+        <dsp:cNvSpPr/>
+      </dsp:nvSpPr>
+      <dsp:spPr>
+        <a:xfrm>
+          <a:off x="7080851" y="1849350"/>
+          <a:ext cx="1035747" cy="657699"/>
+        </a:xfrm>
+        <a:prstGeom prst="roundRect">
+          <a:avLst>
+            <a:gd name="adj" fmla="val 10000"/>
+          </a:avLst>
+        </a:prstGeom>
+        <a:solidFill>
+          <a:schemeClr val="lt1">
+            <a:alpha val="90000"/>
+            <a:hueOff val="0"/>
+            <a:satOff val="0"/>
+            <a:lumOff val="0"/>
+            <a:alphaOff val="0"/>
+          </a:schemeClr>
+        </a:solidFill>
+        <a:ln w="15875" cap="rnd" cmpd="sng" algn="ctr">
+          <a:solidFill>
+            <a:schemeClr val="accent1">
+              <a:hueOff val="0"/>
+              <a:satOff val="0"/>
+              <a:lumOff val="0"/>
+              <a:alphaOff val="0"/>
+            </a:schemeClr>
+          </a:solidFill>
+          <a:prstDash val="solid"/>
+        </a:ln>
+        <a:effectLst/>
+      </dsp:spPr>
+      <dsp:style>
+        <a:lnRef idx="2">
+          <a:scrgbClr r="0" g="0" b="0"/>
+        </a:lnRef>
+        <a:fillRef idx="1">
+          <a:scrgbClr r="0" g="0" b="0"/>
+        </a:fillRef>
+        <a:effectRef idx="0">
+          <a:scrgbClr r="0" g="0" b="0"/>
+        </a:effectRef>
+        <a:fontRef idx="minor"/>
+      </dsp:style>
+      <dsp:txBody>
+        <a:bodyPr spcFirstLastPara="0" vert="horz" wrap="square" lIns="53340" tIns="53340" rIns="53340" bIns="53340" numCol="1" spcCol="1270" anchor="ctr" anchorCtr="0">
+          <a:noAutofit/>
+        </a:bodyPr>
+        <a:lstStyle/>
+        <a:p>
+          <a:pPr marL="0" lvl="0" indent="0" algn="ctr" defTabSz="622300">
+            <a:lnSpc>
+              <a:spcPct val="90000"/>
+            </a:lnSpc>
+            <a:spcBef>
+              <a:spcPct val="0"/>
+            </a:spcBef>
+            <a:spcAft>
+              <a:spcPct val="35000"/>
+            </a:spcAft>
+            <a:buNone/>
+          </a:pPr>
+          <a:r>
+            <a:rPr lang="en-US" sz="1400" kern="1200" dirty="0">
+              <a:latin typeface="Times New Roman" panose="02020603050405020304" pitchFamily="18" charset="0"/>
+              <a:cs typeface="Times New Roman" panose="02020603050405020304" pitchFamily="18" charset="0"/>
+            </a:rPr>
+            <a:t>Game Engine</a:t>
+          </a:r>
+        </a:p>
+      </dsp:txBody>
+      <dsp:txXfrm>
+        <a:off x="7100114" y="1868613"/>
+        <a:ext cx="997221" cy="619173"/>
+      </dsp:txXfrm>
+    </dsp:sp>
+    <dsp:sp modelId="{35C74D1D-00FC-402F-B117-BA8971D289B4}">
+      <dsp:nvSpPr>
+        <dsp:cNvPr id="0" name=""/>
+        <dsp:cNvSpPr/>
+      </dsp:nvSpPr>
+      <dsp:spPr>
+        <a:xfrm>
+          <a:off x="5066897" y="2698951"/>
+          <a:ext cx="1035747" cy="657699"/>
+        </a:xfrm>
+        <a:prstGeom prst="roundRect">
+          <a:avLst>
+            <a:gd name="adj" fmla="val 10000"/>
+          </a:avLst>
+        </a:prstGeom>
+        <a:solidFill>
+          <a:srgbClr val="00B050"/>
+        </a:solidFill>
+        <a:ln w="15875" cap="rnd" cmpd="sng" algn="ctr">
+          <a:solidFill>
+            <a:schemeClr val="lt1">
+              <a:hueOff val="0"/>
+              <a:satOff val="0"/>
+              <a:lumOff val="0"/>
+              <a:alphaOff val="0"/>
+            </a:schemeClr>
+          </a:solidFill>
+          <a:prstDash val="solid"/>
+        </a:ln>
+        <a:effectLst/>
+      </dsp:spPr>
+      <dsp:style>
+        <a:lnRef idx="2">
+          <a:scrgbClr r="0" g="0" b="0"/>
+        </a:lnRef>
+        <a:fillRef idx="1">
+          <a:scrgbClr r="0" g="0" b="0"/>
+        </a:fillRef>
+        <a:effectRef idx="0">
+          <a:scrgbClr r="0" g="0" b="0"/>
+        </a:effectRef>
+        <a:fontRef idx="minor">
+          <a:schemeClr val="lt1"/>
+        </a:fontRef>
+      </dsp:style>
+    </dsp:sp>
+    <dsp:sp modelId="{EEDCE601-A0A2-4FF5-9CA6-647533CC3A06}">
+      <dsp:nvSpPr>
+        <dsp:cNvPr id="0" name=""/>
+        <dsp:cNvSpPr/>
+      </dsp:nvSpPr>
+      <dsp:spPr>
+        <a:xfrm>
+          <a:off x="5181980" y="2808279"/>
+          <a:ext cx="1035747" cy="657699"/>
+        </a:xfrm>
+        <a:prstGeom prst="roundRect">
+          <a:avLst>
+            <a:gd name="adj" fmla="val 10000"/>
+          </a:avLst>
+        </a:prstGeom>
+        <a:solidFill>
+          <a:schemeClr val="lt1">
+            <a:alpha val="90000"/>
+            <a:hueOff val="0"/>
+            <a:satOff val="0"/>
+            <a:lumOff val="0"/>
+            <a:alphaOff val="0"/>
+          </a:schemeClr>
+        </a:solidFill>
+        <a:ln w="15875" cap="rnd" cmpd="sng" algn="ctr">
+          <a:solidFill>
+            <a:srgbClr val="00B050"/>
+          </a:solidFill>
+          <a:prstDash val="solid"/>
+        </a:ln>
+        <a:effectLst/>
+      </dsp:spPr>
+      <dsp:style>
+        <a:lnRef idx="2">
+          <a:scrgbClr r="0" g="0" b="0"/>
+        </a:lnRef>
+        <a:fillRef idx="1">
+          <a:scrgbClr r="0" g="0" b="0"/>
+        </a:fillRef>
+        <a:effectRef idx="0">
+          <a:scrgbClr r="0" g="0" b="0"/>
+        </a:effectRef>
+        <a:fontRef idx="minor"/>
+      </dsp:style>
+      <dsp:txBody>
+        <a:bodyPr spcFirstLastPara="0" vert="horz" wrap="square" lIns="53340" tIns="53340" rIns="53340" bIns="53340" numCol="1" spcCol="1270" anchor="ctr" anchorCtr="0">
           <a:noAutofit/>
         </a:bodyPr>
         <a:lstStyle/>
@@ -3663,22 +4845,24 @@
         </a:p>
       </dsp:txBody>
       <dsp:txXfrm>
-        <a:off x="275" y="2234613"/>
-        <a:ext cx="1057884" cy="528942"/>
+        <a:off x="5201243" y="2827542"/>
+        <a:ext cx="997221" cy="619173"/>
       </dsp:txXfrm>
     </dsp:sp>
-    <dsp:sp modelId="{27021784-046A-4668-A045-89FE83AE4D45}">
+    <dsp:sp modelId="{AA255221-8D46-4FEE-B4B5-2A61B0AA9BF8}">
       <dsp:nvSpPr>
         <dsp:cNvPr id="0" name=""/>
         <dsp:cNvSpPr/>
       </dsp:nvSpPr>
       <dsp:spPr>
         <a:xfrm>
-          <a:off x="1280314" y="2234613"/>
-          <a:ext cx="1057884" cy="528942"/>
+          <a:off x="6332811" y="2698951"/>
+          <a:ext cx="1035747" cy="657699"/>
         </a:xfrm>
-        <a:prstGeom prst="rect">
-          <a:avLst/>
+        <a:prstGeom prst="roundRect">
+          <a:avLst>
+            <a:gd name="adj" fmla="val 10000"/>
+          </a:avLst>
         </a:prstGeom>
         <a:solidFill>
           <a:srgbClr val="FF0000"/>
@@ -3710,8 +4894,53 @@
           <a:schemeClr val="lt1"/>
         </a:fontRef>
       </dsp:style>
+    </dsp:sp>
+    <dsp:sp modelId="{CBE71CF0-4E8B-4F27-89B4-A6F9E9DDB867}">
+      <dsp:nvSpPr>
+        <dsp:cNvPr id="0" name=""/>
+        <dsp:cNvSpPr/>
+      </dsp:nvSpPr>
+      <dsp:spPr>
+        <a:xfrm>
+          <a:off x="6447894" y="2808279"/>
+          <a:ext cx="1035747" cy="657699"/>
+        </a:xfrm>
+        <a:prstGeom prst="roundRect">
+          <a:avLst>
+            <a:gd name="adj" fmla="val 10000"/>
+          </a:avLst>
+        </a:prstGeom>
+        <a:solidFill>
+          <a:schemeClr val="lt1">
+            <a:alpha val="90000"/>
+            <a:hueOff val="0"/>
+            <a:satOff val="0"/>
+            <a:lumOff val="0"/>
+            <a:alphaOff val="0"/>
+          </a:schemeClr>
+        </a:solidFill>
+        <a:ln w="15875" cap="rnd" cmpd="sng" algn="ctr">
+          <a:solidFill>
+            <a:srgbClr val="FF0000"/>
+          </a:solidFill>
+          <a:prstDash val="solid"/>
+        </a:ln>
+        <a:effectLst/>
+      </dsp:spPr>
+      <dsp:style>
+        <a:lnRef idx="2">
+          <a:scrgbClr r="0" g="0" b="0"/>
+        </a:lnRef>
+        <a:fillRef idx="1">
+          <a:scrgbClr r="0" g="0" b="0"/>
+        </a:fillRef>
+        <a:effectRef idx="0">
+          <a:scrgbClr r="0" g="0" b="0"/>
+        </a:effectRef>
+        <a:fontRef idx="minor"/>
+      </dsp:style>
       <dsp:txBody>
-        <a:bodyPr spcFirstLastPara="0" vert="horz" wrap="square" lIns="8890" tIns="8890" rIns="8890" bIns="8890" numCol="1" spcCol="1270" anchor="ctr" anchorCtr="0">
+        <a:bodyPr spcFirstLastPara="0" vert="horz" wrap="square" lIns="53340" tIns="53340" rIns="53340" bIns="53340" numCol="1" spcCol="1270" anchor="ctr" anchorCtr="0">
           <a:noAutofit/>
         </a:bodyPr>
         <a:lstStyle/>
@@ -3738,22 +4967,24 @@
         </a:p>
       </dsp:txBody>
       <dsp:txXfrm>
-        <a:off x="1280314" y="2234613"/>
-        <a:ext cx="1057884" cy="528942"/>
+        <a:off x="6467157" y="2827542"/>
+        <a:ext cx="997221" cy="619173"/>
       </dsp:txXfrm>
     </dsp:sp>
-    <dsp:sp modelId="{46FB99FE-2928-4184-8AD2-0990114C6AC0}">
+    <dsp:sp modelId="{995DDF1F-B39A-4397-A1C8-CEBD50E383DE}">
       <dsp:nvSpPr>
         <dsp:cNvPr id="0" name=""/>
         <dsp:cNvSpPr/>
       </dsp:nvSpPr>
       <dsp:spPr>
         <a:xfrm>
-          <a:off x="2560354" y="2234613"/>
-          <a:ext cx="1057884" cy="528942"/>
+          <a:off x="7598725" y="2698951"/>
+          <a:ext cx="1035747" cy="657699"/>
         </a:xfrm>
-        <a:prstGeom prst="rect">
-          <a:avLst/>
+        <a:prstGeom prst="roundRect">
+          <a:avLst>
+            <a:gd name="adj" fmla="val 10000"/>
+          </a:avLst>
         </a:prstGeom>
         <a:solidFill>
           <a:srgbClr val="FF0000"/>
@@ -3785,8 +5016,53 @@
           <a:schemeClr val="lt1"/>
         </a:fontRef>
       </dsp:style>
+    </dsp:sp>
+    <dsp:sp modelId="{B52212D7-0B0D-4AD5-9219-4AAF0737C572}">
+      <dsp:nvSpPr>
+        <dsp:cNvPr id="0" name=""/>
+        <dsp:cNvSpPr/>
+      </dsp:nvSpPr>
+      <dsp:spPr>
+        <a:xfrm>
+          <a:off x="7713808" y="2808279"/>
+          <a:ext cx="1035747" cy="657699"/>
+        </a:xfrm>
+        <a:prstGeom prst="roundRect">
+          <a:avLst>
+            <a:gd name="adj" fmla="val 10000"/>
+          </a:avLst>
+        </a:prstGeom>
+        <a:solidFill>
+          <a:schemeClr val="lt1">
+            <a:alpha val="90000"/>
+            <a:hueOff val="0"/>
+            <a:satOff val="0"/>
+            <a:lumOff val="0"/>
+            <a:alphaOff val="0"/>
+          </a:schemeClr>
+        </a:solidFill>
+        <a:ln w="15875" cap="rnd" cmpd="sng" algn="ctr">
+          <a:solidFill>
+            <a:srgbClr val="FF0000"/>
+          </a:solidFill>
+          <a:prstDash val="solid"/>
+        </a:ln>
+        <a:effectLst/>
+      </dsp:spPr>
+      <dsp:style>
+        <a:lnRef idx="2">
+          <a:scrgbClr r="0" g="0" b="0"/>
+        </a:lnRef>
+        <a:fillRef idx="1">
+          <a:scrgbClr r="0" g="0" b="0"/>
+        </a:fillRef>
+        <a:effectRef idx="0">
+          <a:scrgbClr r="0" g="0" b="0"/>
+        </a:effectRef>
+        <a:fontRef idx="minor"/>
+      </dsp:style>
       <dsp:txBody>
-        <a:bodyPr spcFirstLastPara="0" vert="horz" wrap="square" lIns="8890" tIns="8890" rIns="8890" bIns="8890" numCol="1" spcCol="1270" anchor="ctr" anchorCtr="0">
+        <a:bodyPr spcFirstLastPara="0" vert="horz" wrap="square" lIns="53340" tIns="53340" rIns="53340" bIns="53340" numCol="1" spcCol="1270" anchor="ctr" anchorCtr="0">
           <a:noAutofit/>
         </a:bodyPr>
         <a:lstStyle/>
@@ -3808,125 +5084,29 @@
               <a:latin typeface="Times New Roman" panose="02020603050405020304" pitchFamily="18" charset="0"/>
               <a:cs typeface="Times New Roman" panose="02020603050405020304" pitchFamily="18" charset="0"/>
             </a:rPr>
-            <a:t>Achievement</a:t>
+            <a:t>Motivation</a:t>
           </a:r>
         </a:p>
       </dsp:txBody>
       <dsp:txXfrm>
-        <a:off x="2560354" y="2234613"/>
-        <a:ext cx="1057884" cy="528942"/>
+        <a:off x="7733071" y="2827542"/>
+        <a:ext cx="997221" cy="619173"/>
       </dsp:txXfrm>
     </dsp:sp>
-    <dsp:sp modelId="{33FA7D0A-9CC8-42EC-93D8-75F446750B06}">
+    <dsp:sp modelId="{0E971C43-310D-487E-BB3A-2D624BA2BCEF}">
       <dsp:nvSpPr>
         <dsp:cNvPr id="0" name=""/>
         <dsp:cNvSpPr/>
       </dsp:nvSpPr>
       <dsp:spPr>
         <a:xfrm>
-          <a:off x="3840394" y="2234613"/>
-          <a:ext cx="1057884" cy="528942"/>
+          <a:off x="8864640" y="2698951"/>
+          <a:ext cx="1035747" cy="657699"/>
         </a:xfrm>
-        <a:prstGeom prst="rect">
-          <a:avLst/>
-        </a:prstGeom>
-        <a:gradFill flip="none" rotWithShape="1">
-          <a:gsLst>
-            <a:gs pos="45000">
-              <a:srgbClr val="FF0000"/>
-            </a:gs>
-            <a:gs pos="56000">
-              <a:schemeClr val="accent2">
-                <a:lumMod val="89000"/>
-              </a:schemeClr>
-            </a:gs>
-            <a:gs pos="69000">
-              <a:schemeClr val="accent2">
-                <a:lumMod val="75000"/>
-              </a:schemeClr>
-            </a:gs>
-            <a:gs pos="83000">
-              <a:schemeClr val="accent2">
-                <a:lumMod val="70000"/>
-              </a:schemeClr>
-            </a:gs>
-          </a:gsLst>
-          <a:path path="circle">
-            <a:fillToRect l="100000" t="100000"/>
-          </a:path>
-          <a:tileRect r="-100000" b="-100000"/>
-        </a:gradFill>
-        <a:ln w="15875" cap="rnd" cmpd="sng" algn="ctr">
-          <a:solidFill>
-            <a:schemeClr val="lt1">
-              <a:hueOff val="0"/>
-              <a:satOff val="0"/>
-              <a:lumOff val="0"/>
-              <a:alphaOff val="0"/>
-            </a:schemeClr>
-          </a:solidFill>
-          <a:prstDash val="solid"/>
-        </a:ln>
-        <a:effectLst/>
-      </dsp:spPr>
-      <dsp:style>
-        <a:lnRef idx="2">
-          <a:scrgbClr r="0" g="0" b="0"/>
-        </a:lnRef>
-        <a:fillRef idx="1">
-          <a:scrgbClr r="0" g="0" b="0"/>
-        </a:fillRef>
-        <a:effectRef idx="0">
-          <a:scrgbClr r="0" g="0" b="0"/>
-        </a:effectRef>
-        <a:fontRef idx="minor">
-          <a:schemeClr val="lt1"/>
-        </a:fontRef>
-      </dsp:style>
-      <dsp:txBody>
-        <a:bodyPr spcFirstLastPara="0" vert="horz" wrap="square" lIns="8890" tIns="8890" rIns="8890" bIns="8890" numCol="1" spcCol="1270" anchor="ctr" anchorCtr="0">
-          <a:noAutofit/>
-        </a:bodyPr>
-        <a:lstStyle/>
-        <a:p>
-          <a:pPr marL="0" lvl="0" indent="0" algn="ctr" defTabSz="622300">
-            <a:lnSpc>
-              <a:spcPct val="90000"/>
-            </a:lnSpc>
-            <a:spcBef>
-              <a:spcPct val="0"/>
-            </a:spcBef>
-            <a:spcAft>
-              <a:spcPct val="35000"/>
-            </a:spcAft>
-            <a:buNone/>
-          </a:pPr>
-          <a:r>
-            <a:rPr lang="en-US" sz="1400" kern="1200" dirty="0">
-              <a:latin typeface="Times New Roman" panose="02020603050405020304" pitchFamily="18" charset="0"/>
-              <a:cs typeface="Times New Roman" panose="02020603050405020304" pitchFamily="18" charset="0"/>
-            </a:rPr>
-            <a:t>Levels</a:t>
-          </a:r>
-        </a:p>
-      </dsp:txBody>
-      <dsp:txXfrm>
-        <a:off x="3840394" y="2234613"/>
-        <a:ext cx="1057884" cy="528942"/>
-      </dsp:txXfrm>
-    </dsp:sp>
-    <dsp:sp modelId="{7656B401-F5F7-4761-B93C-57322597DB40}">
-      <dsp:nvSpPr>
-        <dsp:cNvPr id="0" name=""/>
-        <dsp:cNvSpPr/>
-      </dsp:nvSpPr>
-      <dsp:spPr>
-        <a:xfrm>
-          <a:off x="5120433" y="2234613"/>
-          <a:ext cx="1057884" cy="528942"/>
-        </a:xfrm>
-        <a:prstGeom prst="rect">
-          <a:avLst/>
+        <a:prstGeom prst="roundRect">
+          <a:avLst>
+            <a:gd name="adj" fmla="val 10000"/>
+          </a:avLst>
         </a:prstGeom>
         <a:solidFill>
           <a:srgbClr val="FF0000"/>
@@ -3958,8 +5138,53 @@
           <a:schemeClr val="lt1"/>
         </a:fontRef>
       </dsp:style>
+    </dsp:sp>
+    <dsp:sp modelId="{3B569626-D466-4057-8709-82D61A7BC057}">
+      <dsp:nvSpPr>
+        <dsp:cNvPr id="0" name=""/>
+        <dsp:cNvSpPr/>
+      </dsp:nvSpPr>
+      <dsp:spPr>
+        <a:xfrm>
+          <a:off x="8979723" y="2808279"/>
+          <a:ext cx="1035747" cy="657699"/>
+        </a:xfrm>
+        <a:prstGeom prst="roundRect">
+          <a:avLst>
+            <a:gd name="adj" fmla="val 10000"/>
+          </a:avLst>
+        </a:prstGeom>
+        <a:solidFill>
+          <a:schemeClr val="lt1">
+            <a:alpha val="90000"/>
+            <a:hueOff val="0"/>
+            <a:satOff val="0"/>
+            <a:lumOff val="0"/>
+            <a:alphaOff val="0"/>
+          </a:schemeClr>
+        </a:solidFill>
+        <a:ln w="15875" cap="rnd" cmpd="sng" algn="ctr">
+          <a:solidFill>
+            <a:srgbClr val="FF0000"/>
+          </a:solidFill>
+          <a:prstDash val="solid"/>
+        </a:ln>
+        <a:effectLst/>
+      </dsp:spPr>
+      <dsp:style>
+        <a:lnRef idx="2">
+          <a:scrgbClr r="0" g="0" b="0"/>
+        </a:lnRef>
+        <a:fillRef idx="1">
+          <a:scrgbClr r="0" g="0" b="0"/>
+        </a:fillRef>
+        <a:effectRef idx="0">
+          <a:scrgbClr r="0" g="0" b="0"/>
+        </a:effectRef>
+        <a:fontRef idx="minor"/>
+      </dsp:style>
       <dsp:txBody>
-        <a:bodyPr spcFirstLastPara="0" vert="horz" wrap="square" lIns="8890" tIns="8890" rIns="8890" bIns="8890" numCol="1" spcCol="1270" anchor="ctr" anchorCtr="0">
+        <a:bodyPr spcFirstLastPara="0" vert="horz" wrap="square" lIns="53340" tIns="53340" rIns="53340" bIns="53340" numCol="1" spcCol="1270" anchor="ctr" anchorCtr="0">
           <a:noAutofit/>
         </a:bodyPr>
         <a:lstStyle/>
@@ -3977,242 +5202,21 @@
             <a:buNone/>
           </a:pPr>
           <a:r>
-            <a:rPr lang="en-US" sz="1400" kern="1200" dirty="0">
+            <a:rPr lang="en-US" sz="1400" kern="1200">
               <a:latin typeface="Times New Roman" panose="02020603050405020304" pitchFamily="18" charset="0"/>
               <a:cs typeface="Times New Roman" panose="02020603050405020304" pitchFamily="18" charset="0"/>
             </a:rPr>
-            <a:t>Motivation</a:t>
+            <a:t>Achievement</a:t>
           </a:r>
+          <a:endParaRPr lang="en-US" sz="1400" kern="1200" dirty="0">
+            <a:latin typeface="Times New Roman" panose="02020603050405020304" pitchFamily="18" charset="0"/>
+            <a:cs typeface="Times New Roman" panose="02020603050405020304" pitchFamily="18" charset="0"/>
+          </a:endParaRPr>
         </a:p>
       </dsp:txBody>
       <dsp:txXfrm>
-        <a:off x="5120433" y="2234613"/>
-        <a:ext cx="1057884" cy="528942"/>
-      </dsp:txXfrm>
-    </dsp:sp>
-    <dsp:sp modelId="{A2AFD2AE-9A90-4F32-8939-E6FE4A3B7A65}">
-      <dsp:nvSpPr>
-        <dsp:cNvPr id="0" name=""/>
-        <dsp:cNvSpPr/>
-      </dsp:nvSpPr>
-      <dsp:spPr>
-        <a:xfrm>
-          <a:off x="6400473" y="2234613"/>
-          <a:ext cx="1057884" cy="528942"/>
-        </a:xfrm>
-        <a:prstGeom prst="rect">
-          <a:avLst/>
-        </a:prstGeom>
-        <a:solidFill>
-          <a:srgbClr val="00B050"/>
-        </a:solidFill>
-        <a:ln w="15875" cap="rnd" cmpd="sng" algn="ctr">
-          <a:solidFill>
-            <a:schemeClr val="lt1">
-              <a:hueOff val="0"/>
-              <a:satOff val="0"/>
-              <a:lumOff val="0"/>
-              <a:alphaOff val="0"/>
-            </a:schemeClr>
-          </a:solidFill>
-          <a:prstDash val="solid"/>
-        </a:ln>
-        <a:effectLst/>
-      </dsp:spPr>
-      <dsp:style>
-        <a:lnRef idx="2">
-          <a:scrgbClr r="0" g="0" b="0"/>
-        </a:lnRef>
-        <a:fillRef idx="1">
-          <a:scrgbClr r="0" g="0" b="0"/>
-        </a:fillRef>
-        <a:effectRef idx="0">
-          <a:scrgbClr r="0" g="0" b="0"/>
-        </a:effectRef>
-        <a:fontRef idx="minor">
-          <a:schemeClr val="lt1"/>
-        </a:fontRef>
-      </dsp:style>
-      <dsp:txBody>
-        <a:bodyPr spcFirstLastPara="0" vert="horz" wrap="square" lIns="8890" tIns="8890" rIns="8890" bIns="8890" numCol="1" spcCol="1270" anchor="ctr" anchorCtr="0">
-          <a:noAutofit/>
-        </a:bodyPr>
-        <a:lstStyle/>
-        <a:p>
-          <a:pPr marL="0" lvl="0" indent="0" algn="ctr" defTabSz="622300">
-            <a:lnSpc>
-              <a:spcPct val="90000"/>
-            </a:lnSpc>
-            <a:spcBef>
-              <a:spcPct val="0"/>
-            </a:spcBef>
-            <a:spcAft>
-              <a:spcPct val="35000"/>
-            </a:spcAft>
-            <a:buNone/>
-          </a:pPr>
-          <a:r>
-            <a:rPr lang="en-US" sz="1400" kern="1200" dirty="0">
-              <a:latin typeface="Times New Roman" panose="02020603050405020304" pitchFamily="18" charset="0"/>
-              <a:cs typeface="Times New Roman" panose="02020603050405020304" pitchFamily="18" charset="0"/>
-            </a:rPr>
-            <a:t>Learning</a:t>
-          </a:r>
-        </a:p>
-      </dsp:txBody>
-      <dsp:txXfrm>
-        <a:off x="6400473" y="2234613"/>
-        <a:ext cx="1057884" cy="528942"/>
-      </dsp:txXfrm>
-    </dsp:sp>
-    <dsp:sp modelId="{AB6691B9-31D9-4F47-B3E6-497EE8C8AE49}">
-      <dsp:nvSpPr>
-        <dsp:cNvPr id="0" name=""/>
-        <dsp:cNvSpPr/>
-      </dsp:nvSpPr>
-      <dsp:spPr>
-        <a:xfrm>
-          <a:off x="7680513" y="2234613"/>
-          <a:ext cx="1057884" cy="528942"/>
-        </a:xfrm>
-        <a:prstGeom prst="rect">
-          <a:avLst/>
-        </a:prstGeom>
-        <a:solidFill>
-          <a:srgbClr val="00B050"/>
-        </a:solidFill>
-        <a:ln w="15875" cap="rnd" cmpd="sng" algn="ctr">
-          <a:solidFill>
-            <a:schemeClr val="lt1">
-              <a:hueOff val="0"/>
-              <a:satOff val="0"/>
-              <a:lumOff val="0"/>
-              <a:alphaOff val="0"/>
-            </a:schemeClr>
-          </a:solidFill>
-          <a:prstDash val="solid"/>
-        </a:ln>
-        <a:effectLst/>
-      </dsp:spPr>
-      <dsp:style>
-        <a:lnRef idx="2">
-          <a:scrgbClr r="0" g="0" b="0"/>
-        </a:lnRef>
-        <a:fillRef idx="1">
-          <a:scrgbClr r="0" g="0" b="0"/>
-        </a:fillRef>
-        <a:effectRef idx="0">
-          <a:scrgbClr r="0" g="0" b="0"/>
-        </a:effectRef>
-        <a:fontRef idx="minor">
-          <a:schemeClr val="lt1"/>
-        </a:fontRef>
-      </dsp:style>
-      <dsp:txBody>
-        <a:bodyPr spcFirstLastPara="0" vert="horz" wrap="square" lIns="8890" tIns="8890" rIns="8890" bIns="8890" numCol="1" spcCol="1270" anchor="ctr" anchorCtr="0">
-          <a:noAutofit/>
-        </a:bodyPr>
-        <a:lstStyle/>
-        <a:p>
-          <a:pPr marL="0" lvl="0" indent="0" algn="ctr" defTabSz="622300">
-            <a:lnSpc>
-              <a:spcPct val="90000"/>
-            </a:lnSpc>
-            <a:spcBef>
-              <a:spcPct val="0"/>
-            </a:spcBef>
-            <a:spcAft>
-              <a:spcPct val="35000"/>
-            </a:spcAft>
-            <a:buNone/>
-          </a:pPr>
-          <a:r>
-            <a:rPr lang="en-US" sz="1400" kern="1200" dirty="0">
-              <a:latin typeface="Times New Roman" panose="02020603050405020304" pitchFamily="18" charset="0"/>
-              <a:cs typeface="Times New Roman" panose="02020603050405020304" pitchFamily="18" charset="0"/>
-            </a:rPr>
-            <a:t>Challenge</a:t>
-          </a:r>
-        </a:p>
-      </dsp:txBody>
-      <dsp:txXfrm>
-        <a:off x="7680513" y="2234613"/>
-        <a:ext cx="1057884" cy="528942"/>
-      </dsp:txXfrm>
-    </dsp:sp>
-    <dsp:sp modelId="{36AFAAFA-AE5D-4D05-A3FF-D929DBAA1192}">
-      <dsp:nvSpPr>
-        <dsp:cNvPr id="0" name=""/>
-        <dsp:cNvSpPr/>
-      </dsp:nvSpPr>
-      <dsp:spPr>
-        <a:xfrm>
-          <a:off x="8960552" y="2234613"/>
-          <a:ext cx="1057884" cy="528942"/>
-        </a:xfrm>
-        <a:prstGeom prst="rect">
-          <a:avLst/>
-        </a:prstGeom>
-        <a:solidFill>
-          <a:srgbClr val="00B050"/>
-        </a:solidFill>
-        <a:ln w="15875" cap="rnd" cmpd="sng" algn="ctr">
-          <a:solidFill>
-            <a:schemeClr val="lt1">
-              <a:hueOff val="0"/>
-              <a:satOff val="0"/>
-              <a:lumOff val="0"/>
-              <a:alphaOff val="0"/>
-            </a:schemeClr>
-          </a:solidFill>
-          <a:prstDash val="solid"/>
-        </a:ln>
-        <a:effectLst/>
-      </dsp:spPr>
-      <dsp:style>
-        <a:lnRef idx="2">
-          <a:scrgbClr r="0" g="0" b="0"/>
-        </a:lnRef>
-        <a:fillRef idx="1">
-          <a:scrgbClr r="0" g="0" b="0"/>
-        </a:fillRef>
-        <a:effectRef idx="0">
-          <a:scrgbClr r="0" g="0" b="0"/>
-        </a:effectRef>
-        <a:fontRef idx="minor">
-          <a:schemeClr val="lt1"/>
-        </a:fontRef>
-      </dsp:style>
-      <dsp:txBody>
-        <a:bodyPr spcFirstLastPara="0" vert="horz" wrap="square" lIns="8890" tIns="8890" rIns="8890" bIns="8890" numCol="1" spcCol="1270" anchor="ctr" anchorCtr="0">
-          <a:noAutofit/>
-        </a:bodyPr>
-        <a:lstStyle/>
-        <a:p>
-          <a:pPr marL="0" lvl="0" indent="0" algn="ctr" defTabSz="622300">
-            <a:lnSpc>
-              <a:spcPct val="90000"/>
-            </a:lnSpc>
-            <a:spcBef>
-              <a:spcPct val="0"/>
-            </a:spcBef>
-            <a:spcAft>
-              <a:spcPct val="35000"/>
-            </a:spcAft>
-            <a:buNone/>
-          </a:pPr>
-          <a:r>
-            <a:rPr lang="en-US" sz="1400" kern="1200" dirty="0">
-              <a:latin typeface="Times New Roman" panose="02020603050405020304" pitchFamily="18" charset="0"/>
-              <a:cs typeface="Times New Roman" panose="02020603050405020304" pitchFamily="18" charset="0"/>
-            </a:rPr>
-            <a:t>Goal</a:t>
-          </a:r>
-        </a:p>
-      </dsp:txBody>
-      <dsp:txXfrm>
-        <a:off x="8960552" y="2234613"/>
-        <a:ext cx="1057884" cy="528942"/>
+        <a:off x="8998986" y="2827542"/>
+        <a:ext cx="997221" cy="619173"/>
       </dsp:txXfrm>
     </dsp:sp>
   </dsp:spTree>
@@ -4220,12 +5224,11 @@
 </file>
 
 <file path=ppt/diagrams/layout1.xml><?xml version="1.0" encoding="utf-8"?>
-<dgm:layoutDef xmlns:dgm="http://schemas.openxmlformats.org/drawingml/2006/diagram" xmlns:a="http://schemas.openxmlformats.org/drawingml/2006/main" uniqueId="urn:microsoft.com/office/officeart/2005/8/layout/orgChart1">
+<dgm:layoutDef xmlns:dgm="http://schemas.openxmlformats.org/drawingml/2006/diagram" xmlns:a="http://schemas.openxmlformats.org/drawingml/2006/main" uniqueId="urn:microsoft.com/office/officeart/2005/8/layout/hierarchy1">
   <dgm:title val=""/>
   <dgm:desc val=""/>
   <dgm:catLst>
-    <dgm:cat type="hierarchy" pri="1000"/>
-    <dgm:cat type="convert" pri="6000"/>
+    <dgm:cat type="hierarchy" pri="2000"/>
   </dgm:catLst>
   <dgm:sampData>
     <dgm:dataModel>
@@ -4234,25 +5237,29 @@
         <dgm:pt modelId="1">
           <dgm:prSet phldr="1"/>
         </dgm:pt>
-        <dgm:pt modelId="2" type="asst">
+        <dgm:pt modelId="2">
+          <dgm:prSet phldr="1"/>
+        </dgm:pt>
+        <dgm:pt modelId="21">
+          <dgm:prSet phldr="1"/>
+        </dgm:pt>
+        <dgm:pt modelId="22">
           <dgm:prSet phldr="1"/>
         </dgm:pt>
         <dgm:pt modelId="3">
           <dgm:prSet phldr="1"/>
         </dgm:pt>
-        <dgm:pt modelId="4">
-          <dgm:prSet phldr="1"/>
-        </dgm:pt>
-        <dgm:pt modelId="5">
+        <dgm:pt modelId="31">
           <dgm:prSet phldr="1"/>
         </dgm:pt>
       </dgm:ptLst>
       <dgm:cxnLst>
-        <dgm:cxn modelId="5" srcId="0" destId="1" srcOrd="0" destOrd="0"/>
-        <dgm:cxn modelId="6" srcId="1" destId="2" srcOrd="0" destOrd="0"/>
-        <dgm:cxn modelId="7" srcId="1" destId="3" srcOrd="1" destOrd="0"/>
-        <dgm:cxn modelId="8" srcId="1" destId="4" srcOrd="2" destOrd="0"/>
-        <dgm:cxn modelId="9" srcId="1" destId="5" srcOrd="3" destOrd="0"/>
+        <dgm:cxn modelId="4" srcId="0" destId="1" srcOrd="0" destOrd="0"/>
+        <dgm:cxn modelId="5" srcId="1" destId="2" srcOrd="0" destOrd="0"/>
+        <dgm:cxn modelId="6" srcId="1" destId="3" srcOrd="1" destOrd="0"/>
+        <dgm:cxn modelId="23" srcId="2" destId="21" srcOrd="0" destOrd="0"/>
+        <dgm:cxn modelId="24" srcId="2" destId="22" srcOrd="1" destOrd="0"/>
+        <dgm:cxn modelId="33" srcId="3" destId="31" srcOrd="0" destOrd="0"/>
       </dgm:cxnLst>
       <dgm:bg/>
       <dgm:whole/>
@@ -4263,13 +5270,13 @@
       <dgm:ptLst>
         <dgm:pt modelId="0" type="doc"/>
         <dgm:pt modelId="1"/>
+        <dgm:pt modelId="11"/>
         <dgm:pt modelId="12"/>
-        <dgm:pt modelId="13"/>
       </dgm:ptLst>
       <dgm:cxnLst>
         <dgm:cxn modelId="2" srcId="0" destId="1" srcOrd="0" destOrd="0"/>
-        <dgm:cxn modelId="16" srcId="1" destId="12" srcOrd="1" destOrd="0"/>
-        <dgm:cxn modelId="17" srcId="1" destId="13" srcOrd="2" destOrd="0"/>
+        <dgm:cxn modelId="13" srcId="1" destId="11" srcOrd="0" destOrd="0"/>
+        <dgm:cxn modelId="14" srcId="1" destId="12" srcOrd="1" destOrd="0"/>
       </dgm:cxnLst>
       <dgm:bg/>
       <dgm:whole/>
@@ -4280,17 +5287,21 @@
       <dgm:ptLst>
         <dgm:pt modelId="0" type="doc"/>
         <dgm:pt modelId="1"/>
-        <dgm:pt modelId="11" type="asst"/>
-        <dgm:pt modelId="12"/>
-        <dgm:pt modelId="13"/>
-        <dgm:pt modelId="14"/>
+        <dgm:pt modelId="2"/>
+        <dgm:pt modelId="21"/>
+        <dgm:pt modelId="211"/>
+        <dgm:pt modelId="3"/>
+        <dgm:pt modelId="31"/>
+        <dgm:pt modelId="311"/>
       </dgm:ptLst>
       <dgm:cxnLst>
-        <dgm:cxn modelId="2" srcId="0" destId="1" srcOrd="0" destOrd="0"/>
-        <dgm:cxn modelId="15" srcId="1" destId="11" srcOrd="0" destOrd="0"/>
-        <dgm:cxn modelId="16" srcId="1" destId="12" srcOrd="1" destOrd="0"/>
-        <dgm:cxn modelId="17" srcId="1" destId="13" srcOrd="2" destOrd="0"/>
-        <dgm:cxn modelId="18" srcId="1" destId="14" srcOrd="2" destOrd="0"/>
+        <dgm:cxn modelId="4" srcId="0" destId="1" srcOrd="0" destOrd="0"/>
+        <dgm:cxn modelId="5" srcId="1" destId="2" srcOrd="0" destOrd="0"/>
+        <dgm:cxn modelId="6" srcId="1" destId="3" srcOrd="1" destOrd="0"/>
+        <dgm:cxn modelId="23" srcId="2" destId="21" srcOrd="0" destOrd="0"/>
+        <dgm:cxn modelId="24" srcId="21" destId="211" srcOrd="0" destOrd="0"/>
+        <dgm:cxn modelId="33" srcId="3" destId="31" srcOrd="0" destOrd="0"/>
+        <dgm:cxn modelId="34" srcId="31" destId="311" srcOrd="0" destOrd="0"/>
       </dgm:cxnLst>
       <dgm:bg/>
       <dgm:whole/>
@@ -4298,7 +5309,6 @@
   </dgm:clrData>
   <dgm:layoutNode name="hierChild1">
     <dgm:varLst>
-      <dgm:orgChart val="1"/>
       <dgm:chPref val="1"/>
       <dgm:dir/>
       <dgm:animOne val="branch"/>
@@ -4322,746 +5332,102 @@
     </dgm:shape>
     <dgm:presOf/>
     <dgm:constrLst>
-      <dgm:constr type="w" for="des" forName="rootComposite1" refType="w" fact="10"/>
-      <dgm:constr type="h" for="des" forName="rootComposite1" refType="w" refFor="des" refForName="rootComposite1" fact="0.5"/>
-      <dgm:constr type="w" for="des" forName="rootComposite" refType="w" fact="10"/>
-      <dgm:constr type="h" for="des" forName="rootComposite" refType="w" refFor="des" refForName="rootComposite1" fact="0.5"/>
-      <dgm:constr type="w" for="des" forName="rootComposite3" refType="w" fact="10"/>
-      <dgm:constr type="h" for="des" forName="rootComposite3" refType="w" refFor="des" refForName="rootComposite1" fact="0.5"/>
-      <dgm:constr type="primFontSz" for="des" ptType="node" op="equ"/>
-      <dgm:constr type="sp" for="des" op="equ"/>
-      <dgm:constr type="sp" for="des" forName="hierRoot1" refType="w" refFor="des" refForName="rootComposite1" fact="0.21"/>
-      <dgm:constr type="sp" for="des" forName="hierRoot2" refType="sp" refFor="des" refForName="hierRoot1"/>
-      <dgm:constr type="sp" for="des" forName="hierRoot3" refType="sp" refFor="des" refForName="hierRoot1"/>
-      <dgm:constr type="sibSp" refType="w" refFor="des" refForName="rootComposite1" fact="0.21"/>
+      <dgm:constr type="primFontSz" for="des" ptType="node" op="equ" val="65"/>
+      <dgm:constr type="w" for="des" forName="composite" refType="w"/>
+      <dgm:constr type="h" for="des" forName="composite" refType="w" refFor="des" refForName="composite" fact="0.667"/>
+      <dgm:constr type="w" for="des" forName="composite2" refType="w" refFor="des" refForName="composite"/>
+      <dgm:constr type="h" for="des" forName="composite2" refType="h" refFor="des" refForName="composite"/>
+      <dgm:constr type="w" for="des" forName="composite3" refType="w" refFor="des" refForName="composite"/>
+      <dgm:constr type="h" for="des" forName="composite3" refType="h" refFor="des" refForName="composite"/>
+      <dgm:constr type="w" for="des" forName="composite4" refType="w" refFor="des" refForName="composite"/>
+      <dgm:constr type="h" for="des" forName="composite4" refType="h" refFor="des" refForName="composite"/>
+      <dgm:constr type="w" for="des" forName="composite5" refType="w" refFor="des" refForName="composite"/>
+      <dgm:constr type="h" for="des" forName="composite5" refType="h" refFor="des" refForName="composite"/>
+      <dgm:constr type="sibSp" refType="w" refFor="des" refForName="composite" fact="0.1"/>
       <dgm:constr type="sibSp" for="des" forName="hierChild2" refType="sibSp"/>
       <dgm:constr type="sibSp" for="des" forName="hierChild3" refType="sibSp"/>
       <dgm:constr type="sibSp" for="des" forName="hierChild4" refType="sibSp"/>
       <dgm:constr type="sibSp" for="des" forName="hierChild5" refType="sibSp"/>
       <dgm:constr type="sibSp" for="des" forName="hierChild6" refType="sibSp"/>
-      <dgm:constr type="sibSp" for="des" forName="hierChild7" refType="sibSp"/>
-      <dgm:constr type="secSibSp" refType="w" refFor="des" refForName="rootComposite1" fact="0.21"/>
-      <dgm:constr type="secSibSp" for="des" forName="hierChild2" refType="secSibSp"/>
-      <dgm:constr type="secSibSp" for="des" forName="hierChild3" refType="secSibSp"/>
-      <dgm:constr type="secSibSp" for="des" forName="hierChild4" refType="secSibSp"/>
-      <dgm:constr type="secSibSp" for="des" forName="hierChild5" refType="secSibSp"/>
-      <dgm:constr type="secSibSp" for="des" forName="hierChild6" refType="secSibSp"/>
-      <dgm:constr type="secSibSp" for="des" forName="hierChild7" refType="secSibSp"/>
+      <dgm:constr type="sp" for="des" forName="hierRoot1" refType="h" refFor="des" refForName="composite" fact="0.25"/>
+      <dgm:constr type="sp" for="des" forName="hierRoot2" refType="sp" refFor="des" refForName="hierRoot1"/>
+      <dgm:constr type="sp" for="des" forName="hierRoot3" refType="sp" refFor="des" refForName="hierRoot1"/>
+      <dgm:constr type="sp" for="des" forName="hierRoot4" refType="sp" refFor="des" refForName="hierRoot1"/>
+      <dgm:constr type="sp" for="des" forName="hierRoot5" refType="sp" refFor="des" refForName="hierRoot1"/>
     </dgm:constrLst>
     <dgm:ruleLst/>
     <dgm:forEach name="Name3" axis="ch">
       <dgm:forEach name="Name4" axis="self" ptType="node">
         <dgm:layoutNode name="hierRoot1">
-          <dgm:varLst>
-            <dgm:hierBranch val="init"/>
-          </dgm:varLst>
-          <dgm:choose name="Name5">
-            <dgm:if name="Name6" func="var" arg="hierBranch" op="equ" val="l">
-              <dgm:choose name="Name7">
-                <dgm:if name="Name8" axis="ch" ptType="asst" func="cnt" op="gte" val="1">
-                  <dgm:alg type="hierRoot">
-                    <dgm:param type="hierAlign" val="tR"/>
-                  </dgm:alg>
-                  <dgm:constrLst>
-                    <dgm:constr type="alignOff" val="0.65"/>
-                  </dgm:constrLst>
-                </dgm:if>
-                <dgm:else name="Name9">
-                  <dgm:alg type="hierRoot">
-                    <dgm:param type="hierAlign" val="tR"/>
-                  </dgm:alg>
-                  <dgm:constrLst>
-                    <dgm:constr type="alignOff" val="0.25"/>
-                  </dgm:constrLst>
-                </dgm:else>
-              </dgm:choose>
-            </dgm:if>
-            <dgm:if name="Name10" func="var" arg="hierBranch" op="equ" val="r">
-              <dgm:choose name="Name11">
-                <dgm:if name="Name12" axis="ch" ptType="asst" func="cnt" op="gte" val="1">
-                  <dgm:alg type="hierRoot">
-                    <dgm:param type="hierAlign" val="tL"/>
-                  </dgm:alg>
-                  <dgm:constrLst>
-                    <dgm:constr type="alignOff" val="0.65"/>
-                  </dgm:constrLst>
-                </dgm:if>
-                <dgm:else name="Name13">
-                  <dgm:alg type="hierRoot">
-                    <dgm:param type="hierAlign" val="tL"/>
-                  </dgm:alg>
-                  <dgm:constrLst>
-                    <dgm:constr type="alignOff" val="0.25"/>
-                  </dgm:constrLst>
-                </dgm:else>
-              </dgm:choose>
-            </dgm:if>
-            <dgm:if name="Name14" func="var" arg="hierBranch" op="equ" val="hang">
-              <dgm:alg type="hierRoot"/>
-              <dgm:constrLst>
-                <dgm:constr type="alignOff" val="0.65"/>
-              </dgm:constrLst>
-            </dgm:if>
-            <dgm:else name="Name15">
-              <dgm:alg type="hierRoot"/>
-              <dgm:constrLst>
-                <dgm:constr type="alignOff"/>
-                <dgm:constr type="bendDist" for="des" ptType="parTrans" refType="sp" fact="0.5"/>
-              </dgm:constrLst>
-            </dgm:else>
-          </dgm:choose>
+          <dgm:alg type="hierRoot"/>
           <dgm:shape xmlns:r="http://schemas.openxmlformats.org/officeDocument/2006/relationships" r:blip="">
             <dgm:adjLst/>
           </dgm:shape>
           <dgm:presOf/>
+          <dgm:constrLst>
+            <dgm:constr type="bendDist" for="des" ptType="parTrans" refType="sp" fact="0.5"/>
+          </dgm:constrLst>
           <dgm:ruleLst/>
-          <dgm:layoutNode name="rootComposite1">
+          <dgm:layoutNode name="composite">
             <dgm:alg type="composite"/>
             <dgm:shape xmlns:r="http://schemas.openxmlformats.org/officeDocument/2006/relationships" r:blip="">
               <dgm:adjLst/>
             </dgm:shape>
-            <dgm:presOf axis="self" ptType="node" cnt="1"/>
-            <dgm:choose name="Name16">
-              <dgm:if name="Name17" func="var" arg="hierBranch" op="equ" val="init">
-                <dgm:constrLst>
-                  <dgm:constr type="l" for="ch" forName="rootText1"/>
-                  <dgm:constr type="t" for="ch" forName="rootText1"/>
-                  <dgm:constr type="w" for="ch" forName="rootText1" refType="w"/>
-                  <dgm:constr type="h" for="ch" forName="rootText1" refType="h"/>
-                  <dgm:constr type="l" for="ch" forName="rootConnector1"/>
-                  <dgm:constr type="t" for="ch" forName="rootConnector1"/>
-                  <dgm:constr type="w" for="ch" forName="rootConnector1" refType="w" refFor="ch" refForName="rootText1" fact="0.2"/>
-                  <dgm:constr type="h" for="ch" forName="rootConnector1" refType="h" refFor="ch" refForName="rootText1"/>
-                </dgm:constrLst>
-              </dgm:if>
-              <dgm:if name="Name18" func="var" arg="hierBranch" op="equ" val="l">
-                <dgm:constrLst>
-                  <dgm:constr type="l" for="ch" forName="rootText1"/>
-                  <dgm:constr type="t" for="ch" forName="rootText1"/>
-                  <dgm:constr type="w" for="ch" forName="rootText1" refType="w"/>
-                  <dgm:constr type="h" for="ch" forName="rootText1" refType="h"/>
-                  <dgm:constr type="r" for="ch" forName="rootConnector1" refType="w"/>
-                  <dgm:constr type="t" for="ch" forName="rootConnector1"/>
-                  <dgm:constr type="w" for="ch" forName="rootConnector1" refType="w" refFor="ch" refForName="rootText1" fact="0.2"/>
-                  <dgm:constr type="h" for="ch" forName="rootConnector1" refType="h" refFor="ch" refForName="rootText1"/>
-                </dgm:constrLst>
-              </dgm:if>
-              <dgm:if name="Name19" func="var" arg="hierBranch" op="equ" val="r">
-                <dgm:constrLst>
-                  <dgm:constr type="l" for="ch" forName="rootText1"/>
-                  <dgm:constr type="t" for="ch" forName="rootText1"/>
-                  <dgm:constr type="w" for="ch" forName="rootText1" refType="w"/>
-                  <dgm:constr type="h" for="ch" forName="rootText1" refType="h"/>
-                  <dgm:constr type="l" for="ch" forName="rootConnector1"/>
-                  <dgm:constr type="t" for="ch" forName="rootConnector1"/>
-                  <dgm:constr type="w" for="ch" forName="rootConnector1" refType="w" refFor="ch" refForName="rootText1" fact="0.2"/>
-                  <dgm:constr type="h" for="ch" forName="rootConnector1" refType="h" refFor="ch" refForName="rootText1"/>
-                </dgm:constrLst>
-              </dgm:if>
-              <dgm:else name="Name20">
-                <dgm:constrLst>
-                  <dgm:constr type="l" for="ch" forName="rootText1"/>
-                  <dgm:constr type="t" for="ch" forName="rootText1"/>
-                  <dgm:constr type="w" for="ch" forName="rootText1" refType="w"/>
-                  <dgm:constr type="h" for="ch" forName="rootText1" refType="h"/>
-                  <dgm:constr type="r" for="ch" forName="rootConnector1" refType="w"/>
-                  <dgm:constr type="t" for="ch" forName="rootConnector1"/>
-                  <dgm:constr type="w" for="ch" forName="rootConnector1" refType="w" refFor="ch" refForName="rootText1" fact="0.2"/>
-                  <dgm:constr type="h" for="ch" forName="rootConnector1" refType="h" refFor="ch" refForName="rootText1"/>
-                </dgm:constrLst>
-              </dgm:else>
-            </dgm:choose>
+            <dgm:presOf/>
+            <dgm:constrLst>
+              <dgm:constr type="w" for="ch" forName="background" refType="w" fact="0.9"/>
+              <dgm:constr type="h" for="ch" forName="background" refType="w" refFor="ch" refForName="background" fact="0.635"/>
+              <dgm:constr type="t" for="ch" forName="background"/>
+              <dgm:constr type="l" for="ch" forName="background"/>
+              <dgm:constr type="w" for="ch" forName="text" refType="w" fact="0.9"/>
+              <dgm:constr type="h" for="ch" forName="text" refType="w" refFor="ch" refForName="text" fact="0.635"/>
+              <dgm:constr type="t" for="ch" forName="text" refType="w" fact="0.095"/>
+              <dgm:constr type="l" for="ch" forName="text" refType="w" fact="0.1"/>
+            </dgm:constrLst>
             <dgm:ruleLst/>
-            <dgm:layoutNode name="rootText1" styleLbl="node0">
+            <dgm:layoutNode name="background" styleLbl="node0" moveWith="text">
+              <dgm:alg type="sp"/>
+              <dgm:shape xmlns:r="http://schemas.openxmlformats.org/officeDocument/2006/relationships" type="roundRect" r:blip="">
+                <dgm:adjLst>
+                  <dgm:adj idx="1" val="0.1"/>
+                </dgm:adjLst>
+              </dgm:shape>
+              <dgm:presOf/>
+              <dgm:constrLst/>
+              <dgm:ruleLst/>
+            </dgm:layoutNode>
+            <dgm:layoutNode name="text" styleLbl="fgAcc0">
               <dgm:varLst>
                 <dgm:chPref val="3"/>
               </dgm:varLst>
               <dgm:alg type="tx"/>
-              <dgm:shape xmlns:r="http://schemas.openxmlformats.org/officeDocument/2006/relationships" type="rect" r:blip="">
-                <dgm:adjLst/>
+              <dgm:shape xmlns:r="http://schemas.openxmlformats.org/officeDocument/2006/relationships" type="roundRect" r:blip="">
+                <dgm:adjLst>
+                  <dgm:adj idx="1" val="0.1"/>
+                </dgm:adjLst>
               </dgm:shape>
-              <dgm:presOf axis="self" ptType="node" cnt="1"/>
+              <dgm:presOf axis="self"/>
               <dgm:constrLst>
-                <dgm:constr type="primFontSz" val="65"/>
-                <dgm:constr type="lMarg" refType="primFontSz" fact="0.05"/>
-                <dgm:constr type="rMarg" refType="primFontSz" fact="0.05"/>
-                <dgm:constr type="tMarg" refType="primFontSz" fact="0.05"/>
-                <dgm:constr type="bMarg" refType="primFontSz" fact="0.05"/>
+                <dgm:constr type="tMarg" refType="primFontSz" fact="0.3"/>
+                <dgm:constr type="bMarg" refType="primFontSz" fact="0.3"/>
+                <dgm:constr type="lMarg" refType="primFontSz" fact="0.3"/>
+                <dgm:constr type="rMarg" refType="primFontSz" fact="0.3"/>
               </dgm:constrLst>
               <dgm:ruleLst>
                 <dgm:rule type="primFontSz" val="5" fact="NaN" max="NaN"/>
               </dgm:ruleLst>
             </dgm:layoutNode>
-            <dgm:layoutNode name="rootConnector1" moveWith="rootText1">
-              <dgm:alg type="sp"/>
-              <dgm:shape xmlns:r="http://schemas.openxmlformats.org/officeDocument/2006/relationships" type="rect" r:blip="" hideGeom="1">
-                <dgm:adjLst/>
-              </dgm:shape>
-              <dgm:presOf axis="self" ptType="node" cnt="1"/>
-              <dgm:constrLst/>
-              <dgm:ruleLst/>
-            </dgm:layoutNode>
           </dgm:layoutNode>
           <dgm:layoutNode name="hierChild2">
-            <dgm:choose name="Name21">
-              <dgm:if name="Name22" func="var" arg="hierBranch" op="equ" val="l">
+            <dgm:choose name="Name5">
+              <dgm:if name="Name6" func="var" arg="dir" op="equ" val="norm">
                 <dgm:alg type="hierChild">
-                  <dgm:param type="chAlign" val="r"/>
-                  <dgm:param type="linDir" val="fromT"/>
+                  <dgm:param type="linDir" val="fromL"/>
                 </dgm:alg>
               </dgm:if>
-              <dgm:if name="Name23" func="var" arg="hierBranch" op="equ" val="r">
+              <dgm:else name="Name7">
                 <dgm:alg type="hierChild">
-                  <dgm:param type="chAlign" val="l"/>
-                  <dgm:param type="linDir" val="fromT"/>
-                </dgm:alg>
-              </dgm:if>
-              <dgm:if name="Name24" func="var" arg="hierBranch" op="equ" val="hang">
-                <dgm:choose name="Name25">
-                  <dgm:if name="Name26" func="var" arg="dir" op="equ" val="norm">
-                    <dgm:alg type="hierChild">
-                      <dgm:param type="chAlign" val="l"/>
-                      <dgm:param type="linDir" val="fromL"/>
-                      <dgm:param type="secChAlign" val="t"/>
-                      <dgm:param type="secLinDir" val="fromT"/>
-                    </dgm:alg>
-                  </dgm:if>
-                  <dgm:else name="Name27">
-                    <dgm:alg type="hierChild">
-                      <dgm:param type="chAlign" val="l"/>
-                      <dgm:param type="linDir" val="fromR"/>
-                      <dgm:param type="secChAlign" val="t"/>
-                      <dgm:param type="secLinDir" val="fromT"/>
-                    </dgm:alg>
-                  </dgm:else>
-                </dgm:choose>
-              </dgm:if>
-              <dgm:else name="Name28">
-                <dgm:choose name="Name29">
-                  <dgm:if name="Name30" func="var" arg="dir" op="equ" val="norm">
-                    <dgm:alg type="hierChild"/>
-                  </dgm:if>
-                  <dgm:else name="Name31">
-                    <dgm:alg type="hierChild">
-                      <dgm:param type="linDir" val="fromR"/>
-                    </dgm:alg>
-                  </dgm:else>
-                </dgm:choose>
-              </dgm:else>
-            </dgm:choose>
-            <dgm:shape xmlns:r="http://schemas.openxmlformats.org/officeDocument/2006/relationships" r:blip="">
-              <dgm:adjLst/>
-            </dgm:shape>
-            <dgm:presOf/>
-            <dgm:constrLst/>
-            <dgm:ruleLst/>
-            <dgm:forEach name="rep2a" axis="ch" ptType="nonAsst">
-              <dgm:forEach name="Name32" axis="precedSib" ptType="parTrans" st="-1" cnt="1">
-                <dgm:choose name="Name33">
-                  <dgm:if name="Name34" func="var" arg="hierBranch" op="equ" val="std">
-                    <dgm:layoutNode name="Name35">
-                      <dgm:alg type="conn">
-                        <dgm:param type="connRout" val="bend"/>
-                        <dgm:param type="dim" val="1D"/>
-                        <dgm:param type="endSty" val="noArr"/>
-                        <dgm:param type="begPts" val="bCtr"/>
-                        <dgm:param type="endPts" val="tCtr"/>
-                        <dgm:param type="bendPt" val="end"/>
-                      </dgm:alg>
-                      <dgm:shape xmlns:r="http://schemas.openxmlformats.org/officeDocument/2006/relationships" type="conn" r:blip="" zOrderOff="-99999">
-                        <dgm:adjLst/>
-                      </dgm:shape>
-                      <dgm:presOf axis="self"/>
-                      <dgm:constrLst>
-                        <dgm:constr type="begPad"/>
-                        <dgm:constr type="endPad"/>
-                      </dgm:constrLst>
-                      <dgm:ruleLst/>
-                    </dgm:layoutNode>
-                  </dgm:if>
-                  <dgm:if name="Name36" func="var" arg="hierBranch" op="equ" val="init">
-                    <dgm:layoutNode name="Name37">
-                      <dgm:choose name="Name38">
-                        <dgm:if name="Name39" axis="self" func="depth" op="lte" val="2">
-                          <dgm:alg type="conn">
-                            <dgm:param type="connRout" val="bend"/>
-                            <dgm:param type="dim" val="1D"/>
-                            <dgm:param type="endSty" val="noArr"/>
-                            <dgm:param type="begPts" val="bCtr"/>
-                            <dgm:param type="endPts" val="tCtr"/>
-                            <dgm:param type="bendPt" val="end"/>
-                          </dgm:alg>
-                        </dgm:if>
-                        <dgm:else name="Name40">
-                          <dgm:choose name="Name41">
-                            <dgm:if name="Name42" axis="par des" func="maxDepth" op="lte" val="1">
-                              <dgm:choose name="Name43">
-                                <dgm:if name="Name44" axis="par ch" ptType="node asst" func="cnt" op="gte" val="1">
-                                  <dgm:alg type="conn">
-                                    <dgm:param type="connRout" val="bend"/>
-                                    <dgm:param type="dim" val="1D"/>
-                                    <dgm:param type="endSty" val="noArr"/>
-                                    <dgm:param type="begPts" val="bCtr"/>
-                                    <dgm:param type="endPts" val="midL midR"/>
-                                  </dgm:alg>
-                                </dgm:if>
-                                <dgm:else name="Name45">
-                                  <dgm:alg type="conn">
-                                    <dgm:param type="connRout" val="bend"/>
-                                    <dgm:param type="dim" val="1D"/>
-                                    <dgm:param type="endSty" val="noArr"/>
-                                    <dgm:param type="begPts" val="bCtr"/>
-                                    <dgm:param type="endPts" val="midL midR"/>
-                                    <dgm:param type="srcNode" val="rootConnector"/>
-                                  </dgm:alg>
-                                </dgm:else>
-                              </dgm:choose>
-                            </dgm:if>
-                            <dgm:else name="Name46">
-                              <dgm:alg type="conn">
-                                <dgm:param type="connRout" val="bend"/>
-                                <dgm:param type="dim" val="1D"/>
-                                <dgm:param type="endSty" val="noArr"/>
-                                <dgm:param type="begPts" val="bCtr"/>
-                                <dgm:param type="endPts" val="tCtr"/>
-                                <dgm:param type="bendPt" val="end"/>
-                              </dgm:alg>
-                            </dgm:else>
-                          </dgm:choose>
-                        </dgm:else>
-                      </dgm:choose>
-                      <dgm:shape xmlns:r="http://schemas.openxmlformats.org/officeDocument/2006/relationships" type="conn" r:blip="" zOrderOff="-99999">
-                        <dgm:adjLst/>
-                      </dgm:shape>
-                      <dgm:presOf axis="self"/>
-                      <dgm:constrLst>
-                        <dgm:constr type="begPad"/>
-                        <dgm:constr type="endPad"/>
-                      </dgm:constrLst>
-                      <dgm:ruleLst/>
-                    </dgm:layoutNode>
-                  </dgm:if>
-                  <dgm:if name="Name47" func="var" arg="hierBranch" op="equ" val="hang">
-                    <dgm:layoutNode name="Name48">
-                      <dgm:alg type="conn">
-                        <dgm:param type="connRout" val="bend"/>
-                        <dgm:param type="dim" val="1D"/>
-                        <dgm:param type="endSty" val="noArr"/>
-                        <dgm:param type="begPts" val="bCtr"/>
-                        <dgm:param type="endPts" val="midL midR"/>
-                      </dgm:alg>
-                      <dgm:shape xmlns:r="http://schemas.openxmlformats.org/officeDocument/2006/relationships" type="conn" r:blip="" zOrderOff="-99999">
-                        <dgm:adjLst/>
-                      </dgm:shape>
-                      <dgm:presOf axis="self"/>
-                      <dgm:constrLst>
-                        <dgm:constr type="begPad"/>
-                        <dgm:constr type="endPad"/>
-                      </dgm:constrLst>
-                      <dgm:ruleLst/>
-                    </dgm:layoutNode>
-                  </dgm:if>
-                  <dgm:else name="Name49">
-                    <dgm:layoutNode name="Name50">
-                      <dgm:choose name="Name51">
-                        <dgm:if name="Name52" axis="self" func="depth" op="lte" val="2">
-                          <dgm:choose name="Name53">
-                            <dgm:if name="Name54" axis="par ch" ptType="node asst" func="cnt" op="gte" val="1">
-                              <dgm:alg type="conn">
-                                <dgm:param type="connRout" val="bend"/>
-                                <dgm:param type="dim" val="1D"/>
-                                <dgm:param type="endSty" val="noArr"/>
-                                <dgm:param type="begPts" val="bCtr"/>
-                                <dgm:param type="endPts" val="midL midR"/>
-                              </dgm:alg>
-                            </dgm:if>
-                            <dgm:else name="Name55">
-                              <dgm:alg type="conn">
-                                <dgm:param type="connRout" val="bend"/>
-                                <dgm:param type="dim" val="1D"/>
-                                <dgm:param type="endSty" val="noArr"/>
-                                <dgm:param type="begPts" val="bCtr"/>
-                                <dgm:param type="endPts" val="midL midR"/>
-                                <dgm:param type="srcNode" val="rootConnector1"/>
-                              </dgm:alg>
-                            </dgm:else>
-                          </dgm:choose>
-                        </dgm:if>
-                        <dgm:else name="Name56">
-                          <dgm:choose name="Name57">
-                            <dgm:if name="Name58" axis="par ch" ptType="node asst" func="cnt" op="gte" val="1">
-                              <dgm:alg type="conn">
-                                <dgm:param type="connRout" val="bend"/>
-                                <dgm:param type="dim" val="1D"/>
-                                <dgm:param type="endSty" val="noArr"/>
-                                <dgm:param type="begPts" val="bCtr"/>
-                                <dgm:param type="endPts" val="midL midR"/>
-                              </dgm:alg>
-                            </dgm:if>
-                            <dgm:else name="Name59">
-                              <dgm:alg type="conn">
-                                <dgm:param type="connRout" val="bend"/>
-                                <dgm:param type="dim" val="1D"/>
-                                <dgm:param type="endSty" val="noArr"/>
-                                <dgm:param type="begPts" val="bCtr"/>
-                                <dgm:param type="endPts" val="midL midR"/>
-                                <dgm:param type="srcNode" val="rootConnector"/>
-                              </dgm:alg>
-                            </dgm:else>
-                          </dgm:choose>
-                        </dgm:else>
-                      </dgm:choose>
-                      <dgm:shape xmlns:r="http://schemas.openxmlformats.org/officeDocument/2006/relationships" type="conn" r:blip="" zOrderOff="-99999">
-                        <dgm:adjLst/>
-                      </dgm:shape>
-                      <dgm:presOf axis="self"/>
-                      <dgm:constrLst>
-                        <dgm:constr type="begPad"/>
-                        <dgm:constr type="endPad"/>
-                      </dgm:constrLst>
-                      <dgm:ruleLst/>
-                    </dgm:layoutNode>
-                  </dgm:else>
-                </dgm:choose>
-              </dgm:forEach>
-              <dgm:layoutNode name="hierRoot2">
-                <dgm:varLst>
-                  <dgm:hierBranch val="init"/>
-                </dgm:varLst>
-                <dgm:choose name="Name60">
-                  <dgm:if name="Name61" func="var" arg="hierBranch" op="equ" val="l">
-                    <dgm:choose name="Name62">
-                      <dgm:if name="Name63" axis="ch" ptType="asst" func="cnt" op="gte" val="1">
-                        <dgm:alg type="hierRoot">
-                          <dgm:param type="hierAlign" val="tR"/>
-                        </dgm:alg>
-                        <dgm:shape xmlns:r="http://schemas.openxmlformats.org/officeDocument/2006/relationships" r:blip="">
-                          <dgm:adjLst/>
-                        </dgm:shape>
-                        <dgm:presOf/>
-                        <dgm:constrLst>
-                          <dgm:constr type="alignOff" val="0.65"/>
-                        </dgm:constrLst>
-                      </dgm:if>
-                      <dgm:else name="Name64">
-                        <dgm:alg type="hierRoot">
-                          <dgm:param type="hierAlign" val="tR"/>
-                        </dgm:alg>
-                        <dgm:shape xmlns:r="http://schemas.openxmlformats.org/officeDocument/2006/relationships" r:blip="">
-                          <dgm:adjLst/>
-                        </dgm:shape>
-                        <dgm:presOf/>
-                        <dgm:constrLst>
-                          <dgm:constr type="alignOff" val="0.25"/>
-                        </dgm:constrLst>
-                      </dgm:else>
-                    </dgm:choose>
-                  </dgm:if>
-                  <dgm:if name="Name65" func="var" arg="hierBranch" op="equ" val="r">
-                    <dgm:choose name="Name66">
-                      <dgm:if name="Name67" axis="ch" ptType="asst" func="cnt" op="gte" val="1">
-                        <dgm:alg type="hierRoot">
-                          <dgm:param type="hierAlign" val="tL"/>
-                        </dgm:alg>
-                        <dgm:shape xmlns:r="http://schemas.openxmlformats.org/officeDocument/2006/relationships" r:blip="">
-                          <dgm:adjLst/>
-                        </dgm:shape>
-                        <dgm:presOf/>
-                        <dgm:constrLst>
-                          <dgm:constr type="alignOff" val="0.65"/>
-                        </dgm:constrLst>
-                      </dgm:if>
-                      <dgm:else name="Name68">
-                        <dgm:alg type="hierRoot">
-                          <dgm:param type="hierAlign" val="tL"/>
-                        </dgm:alg>
-                        <dgm:shape xmlns:r="http://schemas.openxmlformats.org/officeDocument/2006/relationships" r:blip="">
-                          <dgm:adjLst/>
-                        </dgm:shape>
-                        <dgm:presOf/>
-                        <dgm:constrLst>
-                          <dgm:constr type="alignOff" val="0.25"/>
-                        </dgm:constrLst>
-                      </dgm:else>
-                    </dgm:choose>
-                  </dgm:if>
-                  <dgm:if name="Name69" func="var" arg="hierBranch" op="equ" val="std">
-                    <dgm:alg type="hierRoot"/>
-                    <dgm:shape xmlns:r="http://schemas.openxmlformats.org/officeDocument/2006/relationships" r:blip="">
-                      <dgm:adjLst/>
-                    </dgm:shape>
-                    <dgm:presOf/>
-                    <dgm:constrLst>
-                      <dgm:constr type="alignOff"/>
-                      <dgm:constr type="bendDist" for="des" ptType="parTrans" refType="sp" fact="0.5"/>
-                    </dgm:constrLst>
-                  </dgm:if>
-                  <dgm:if name="Name70" func="var" arg="hierBranch" op="equ" val="init">
-                    <dgm:choose name="Name71">
-                      <dgm:if name="Name72" axis="des" func="maxDepth" op="lte" val="1">
-                        <dgm:choose name="Name73">
-                          <dgm:if name="Name74" axis="ch" ptType="asst" func="cnt" op="gte" val="1">
-                            <dgm:alg type="hierRoot">
-                              <dgm:param type="hierAlign" val="tL"/>
-                            </dgm:alg>
-                            <dgm:shape xmlns:r="http://schemas.openxmlformats.org/officeDocument/2006/relationships" r:blip="">
-                              <dgm:adjLst/>
-                            </dgm:shape>
-                            <dgm:presOf/>
-                            <dgm:constrLst>
-                              <dgm:constr type="alignOff" val="0.65"/>
-                            </dgm:constrLst>
-                          </dgm:if>
-                          <dgm:else name="Name75">
-                            <dgm:alg type="hierRoot">
-                              <dgm:param type="hierAlign" val="tL"/>
-                            </dgm:alg>
-                            <dgm:shape xmlns:r="http://schemas.openxmlformats.org/officeDocument/2006/relationships" r:blip="">
-                              <dgm:adjLst/>
-                            </dgm:shape>
-                            <dgm:presOf/>
-                            <dgm:constrLst>
-                              <dgm:constr type="alignOff" val="0.25"/>
-                            </dgm:constrLst>
-                          </dgm:else>
-                        </dgm:choose>
-                      </dgm:if>
-                      <dgm:else name="Name76">
-                        <dgm:alg type="hierRoot"/>
-                        <dgm:shape xmlns:r="http://schemas.openxmlformats.org/officeDocument/2006/relationships" r:blip="">
-                          <dgm:adjLst/>
-                        </dgm:shape>
-                        <dgm:presOf/>
-                        <dgm:constrLst>
-                          <dgm:constr type="alignOff"/>
-                          <dgm:constr type="bendDist" for="des" ptType="parTrans" refType="sp" fact="0.5"/>
-                        </dgm:constrLst>
-                      </dgm:else>
-                    </dgm:choose>
-                  </dgm:if>
-                  <dgm:else name="Name77">
-                    <dgm:alg type="hierRoot"/>
-                    <dgm:shape xmlns:r="http://schemas.openxmlformats.org/officeDocument/2006/relationships" r:blip="">
-                      <dgm:adjLst/>
-                    </dgm:shape>
-                    <dgm:presOf/>
-                    <dgm:constrLst>
-                      <dgm:constr type="alignOff" val="0.65"/>
-                    </dgm:constrLst>
-                  </dgm:else>
-                </dgm:choose>
-                <dgm:ruleLst/>
-                <dgm:layoutNode name="rootComposite">
-                  <dgm:alg type="composite"/>
-                  <dgm:shape xmlns:r="http://schemas.openxmlformats.org/officeDocument/2006/relationships" r:blip="">
-                    <dgm:adjLst/>
-                  </dgm:shape>
-                  <dgm:presOf axis="self" ptType="node" cnt="1"/>
-                  <dgm:choose name="Name78">
-                    <dgm:if name="Name79" func="var" arg="hierBranch" op="equ" val="init">
-                      <dgm:constrLst>
-                        <dgm:constr type="l" for="ch" forName="rootText"/>
-                        <dgm:constr type="t" for="ch" forName="rootText"/>
-                        <dgm:constr type="w" for="ch" forName="rootText" refType="w"/>
-                        <dgm:constr type="h" for="ch" forName="rootText" refType="h"/>
-                        <dgm:constr type="l" for="ch" forName="rootConnector"/>
-                        <dgm:constr type="t" for="ch" forName="rootConnector"/>
-                        <dgm:constr type="w" for="ch" forName="rootConnector" refType="w" refFor="ch" refForName="rootText" fact="0.2"/>
-                        <dgm:constr type="h" for="ch" forName="rootConnector" refType="h" refFor="ch" refForName="rootText"/>
-                      </dgm:constrLst>
-                    </dgm:if>
-                    <dgm:if name="Name80" func="var" arg="hierBranch" op="equ" val="l">
-                      <dgm:constrLst>
-                        <dgm:constr type="l" for="ch" forName="rootText"/>
-                        <dgm:constr type="t" for="ch" forName="rootText"/>
-                        <dgm:constr type="w" for="ch" forName="rootText" refType="w"/>
-                        <dgm:constr type="h" for="ch" forName="rootText" refType="h"/>
-                        <dgm:constr type="r" for="ch" forName="rootConnector" refType="w"/>
-                        <dgm:constr type="t" for="ch" forName="rootConnector"/>
-                        <dgm:constr type="w" for="ch" forName="rootConnector" refType="w" refFor="ch" refForName="rootText" fact="0.2"/>
-                        <dgm:constr type="h" for="ch" forName="rootConnector" refType="h" refFor="ch" refForName="rootText"/>
-                      </dgm:constrLst>
-                    </dgm:if>
-                    <dgm:if name="Name81" func="var" arg="hierBranch" op="equ" val="r">
-                      <dgm:constrLst>
-                        <dgm:constr type="l" for="ch" forName="rootText"/>
-                        <dgm:constr type="t" for="ch" forName="rootText"/>
-                        <dgm:constr type="w" for="ch" forName="rootText" refType="w"/>
-                        <dgm:constr type="h" for="ch" forName="rootText" refType="h"/>
-                        <dgm:constr type="l" for="ch" forName="rootConnector"/>
-                        <dgm:constr type="t" for="ch" forName="rootConnector"/>
-                        <dgm:constr type="w" for="ch" forName="rootConnector" refType="w" refFor="ch" refForName="rootText" fact="0.2"/>
-                        <dgm:constr type="h" for="ch" forName="rootConnector" refType="h" refFor="ch" refForName="rootText"/>
-                      </dgm:constrLst>
-                    </dgm:if>
-                    <dgm:else name="Name82">
-                      <dgm:constrLst>
-                        <dgm:constr type="l" for="ch" forName="rootText"/>
-                        <dgm:constr type="t" for="ch" forName="rootText"/>
-                        <dgm:constr type="w" for="ch" forName="rootText" refType="w"/>
-                        <dgm:constr type="h" for="ch" forName="rootText" refType="h"/>
-                        <dgm:constr type="r" for="ch" forName="rootConnector" refType="w"/>
-                        <dgm:constr type="t" for="ch" forName="rootConnector"/>
-                        <dgm:constr type="w" for="ch" forName="rootConnector" refType="w" refFor="ch" refForName="rootText" fact="0.2"/>
-                        <dgm:constr type="h" for="ch" forName="rootConnector" refType="h" refFor="ch" refForName="rootText"/>
-                      </dgm:constrLst>
-                    </dgm:else>
-                  </dgm:choose>
-                  <dgm:ruleLst/>
-                  <dgm:layoutNode name="rootText">
-                    <dgm:varLst>
-                      <dgm:chPref val="3"/>
-                    </dgm:varLst>
-                    <dgm:alg type="tx"/>
-                    <dgm:shape xmlns:r="http://schemas.openxmlformats.org/officeDocument/2006/relationships" type="rect" r:blip="">
-                      <dgm:adjLst/>
-                    </dgm:shape>
-                    <dgm:presOf axis="self" ptType="node" cnt="1"/>
-                    <dgm:constrLst>
-                      <dgm:constr type="primFontSz" val="65"/>
-                      <dgm:constr type="lMarg" refType="primFontSz" fact="0.05"/>
-                      <dgm:constr type="rMarg" refType="primFontSz" fact="0.05"/>
-                      <dgm:constr type="tMarg" refType="primFontSz" fact="0.05"/>
-                      <dgm:constr type="bMarg" refType="primFontSz" fact="0.05"/>
-                    </dgm:constrLst>
-                    <dgm:ruleLst>
-                      <dgm:rule type="primFontSz" val="5" fact="NaN" max="NaN"/>
-                    </dgm:ruleLst>
-                  </dgm:layoutNode>
-                  <dgm:layoutNode name="rootConnector" moveWith="rootText">
-                    <dgm:alg type="sp"/>
-                    <dgm:shape xmlns:r="http://schemas.openxmlformats.org/officeDocument/2006/relationships" type="rect" r:blip="" hideGeom="1">
-                      <dgm:adjLst/>
-                    </dgm:shape>
-                    <dgm:presOf axis="self" ptType="node" cnt="1"/>
-                    <dgm:constrLst/>
-                    <dgm:ruleLst/>
-                  </dgm:layoutNode>
-                </dgm:layoutNode>
-                <dgm:layoutNode name="hierChild4">
-                  <dgm:choose name="Name83">
-                    <dgm:if name="Name84" func="var" arg="hierBranch" op="equ" val="l">
-                      <dgm:alg type="hierChild">
-                        <dgm:param type="chAlign" val="r"/>
-                        <dgm:param type="linDir" val="fromT"/>
-                      </dgm:alg>
-                    </dgm:if>
-                    <dgm:if name="Name85" func="var" arg="hierBranch" op="equ" val="r">
-                      <dgm:alg type="hierChild">
-                        <dgm:param type="chAlign" val="l"/>
-                        <dgm:param type="linDir" val="fromT"/>
-                      </dgm:alg>
-                    </dgm:if>
-                    <dgm:if name="Name86" func="var" arg="hierBranch" op="equ" val="hang">
-                      <dgm:choose name="Name87">
-                        <dgm:if name="Name88" func="var" arg="dir" op="equ" val="norm">
-                          <dgm:alg type="hierChild">
-                            <dgm:param type="chAlign" val="l"/>
-                            <dgm:param type="linDir" val="fromL"/>
-                            <dgm:param type="secChAlign" val="t"/>
-                            <dgm:param type="secLinDir" val="fromT"/>
-                          </dgm:alg>
-                        </dgm:if>
-                        <dgm:else name="Name89">
-                          <dgm:alg type="hierChild">
-                            <dgm:param type="chAlign" val="l"/>
-                            <dgm:param type="linDir" val="fromR"/>
-                            <dgm:param type="secChAlign" val="t"/>
-                            <dgm:param type="secLinDir" val="fromT"/>
-                          </dgm:alg>
-                        </dgm:else>
-                      </dgm:choose>
-                    </dgm:if>
-                    <dgm:if name="Name90" func="var" arg="hierBranch" op="equ" val="std">
-                      <dgm:choose name="Name91">
-                        <dgm:if name="Name92" func="var" arg="dir" op="equ" val="norm">
-                          <dgm:alg type="hierChild"/>
-                        </dgm:if>
-                        <dgm:else name="Name93">
-                          <dgm:alg type="hierChild">
-                            <dgm:param type="linDir" val="fromR"/>
-                          </dgm:alg>
-                        </dgm:else>
-                      </dgm:choose>
-                    </dgm:if>
-                    <dgm:if name="Name94" func="var" arg="hierBranch" op="equ" val="init">
-                      <dgm:choose name="Name95">
-                        <dgm:if name="Name96" axis="des" func="maxDepth" op="lte" val="1">
-                          <dgm:alg type="hierChild">
-                            <dgm:param type="chAlign" val="l"/>
-                            <dgm:param type="linDir" val="fromT"/>
-                          </dgm:alg>
-                        </dgm:if>
-                        <dgm:else name="Name97">
-                          <dgm:choose name="Name98">
-                            <dgm:if name="Name99" func="var" arg="dir" op="equ" val="norm">
-                              <dgm:alg type="hierChild"/>
-                            </dgm:if>
-                            <dgm:else name="Name100">
-                              <dgm:alg type="hierChild">
-                                <dgm:param type="linDir" val="fromR"/>
-                              </dgm:alg>
-                            </dgm:else>
-                          </dgm:choose>
-                        </dgm:else>
-                      </dgm:choose>
-                    </dgm:if>
-                    <dgm:else name="Name101"/>
-                  </dgm:choose>
-                  <dgm:shape xmlns:r="http://schemas.openxmlformats.org/officeDocument/2006/relationships" r:blip="">
-                    <dgm:adjLst/>
-                  </dgm:shape>
-                  <dgm:presOf/>
-                  <dgm:constrLst/>
-                  <dgm:ruleLst/>
-                  <dgm:forEach name="Name102" ref="rep2a"/>
-                </dgm:layoutNode>
-                <dgm:layoutNode name="hierChild5">
-                  <dgm:choose name="Name103">
-                    <dgm:if name="Name104" func="var" arg="dir" op="equ" val="norm">
-                      <dgm:alg type="hierChild">
-                        <dgm:param type="chAlign" val="l"/>
-                        <dgm:param type="linDir" val="fromL"/>
-                        <dgm:param type="secChAlign" val="t"/>
-                        <dgm:param type="secLinDir" val="fromT"/>
-                      </dgm:alg>
-                    </dgm:if>
-                    <dgm:else name="Name105">
-                      <dgm:alg type="hierChild">
-                        <dgm:param type="chAlign" val="l"/>
-                        <dgm:param type="linDir" val="fromR"/>
-                        <dgm:param type="secChAlign" val="t"/>
-                        <dgm:param type="secLinDir" val="fromT"/>
-                      </dgm:alg>
-                    </dgm:else>
-                  </dgm:choose>
-                  <dgm:shape xmlns:r="http://schemas.openxmlformats.org/officeDocument/2006/relationships" r:blip="">
-                    <dgm:adjLst/>
-                  </dgm:shape>
-                  <dgm:presOf/>
-                  <dgm:constrLst/>
-                  <dgm:ruleLst/>
-                  <dgm:forEach name="Name106" ref="rep2b"/>
-                </dgm:layoutNode>
-              </dgm:layoutNode>
-            </dgm:forEach>
-          </dgm:layoutNode>
-          <dgm:layoutNode name="hierChild3">
-            <dgm:choose name="Name107">
-              <dgm:if name="Name108" func="var" arg="dir" op="equ" val="norm">
-                <dgm:alg type="hierChild">
-                  <dgm:param type="chAlign" val="l"/>
-                  <dgm:param type="linDir" val="fromL"/>
-                  <dgm:param type="secChAlign" val="t"/>
-                  <dgm:param type="secLinDir" val="fromT"/>
-                </dgm:alg>
-              </dgm:if>
-              <dgm:else name="Name109">
-                <dgm:alg type="hierChild">
-                  <dgm:param type="chAlign" val="l"/>
                   <dgm:param type="linDir" val="fromR"/>
-                  <dgm:param type="secChAlign" val="t"/>
-                  <dgm:param type="secLinDir" val="fromT"/>
                 </dgm:alg>
               </dgm:else>
             </dgm:choose>
@@ -5071,17 +5437,20 @@
             <dgm:presOf/>
             <dgm:constrLst/>
             <dgm:ruleLst/>
-            <dgm:forEach name="rep2b" axis="ch" ptType="asst">
-              <dgm:forEach name="Name110" axis="precedSib" ptType="parTrans" st="-1" cnt="1">
-                <dgm:layoutNode name="Name111">
+            <dgm:forEach name="Name8" axis="ch">
+              <dgm:forEach name="Name9" axis="self" ptType="parTrans" cnt="1">
+                <dgm:layoutNode name="Name10">
                   <dgm:alg type="conn">
-                    <dgm:param type="connRout" val="bend"/>
                     <dgm:param type="dim" val="1D"/>
                     <dgm:param type="endSty" val="noArr"/>
+                    <dgm:param type="connRout" val="bend"/>
+                    <dgm:param type="bendPt" val="end"/>
                     <dgm:param type="begPts" val="bCtr"/>
-                    <dgm:param type="endPts" val="midL midR"/>
+                    <dgm:param type="endPts" val="tCtr"/>
+                    <dgm:param type="srcNode" val="background"/>
+                    <dgm:param type="dstNode" val="background2"/>
                   </dgm:alg>
-                  <dgm:shape xmlns:r="http://schemas.openxmlformats.org/officeDocument/2006/relationships" type="conn" r:blip="" zOrderOff="-99999">
+                  <dgm:shape xmlns:r="http://schemas.openxmlformats.org/officeDocument/2006/relationships" type="conn" r:blip="" zOrderOff="-999">
                     <dgm:adjLst/>
                   </dgm:shape>
                   <dgm:presOf axis="self"/>
@@ -5092,270 +5461,322 @@
                   <dgm:ruleLst/>
                 </dgm:layoutNode>
               </dgm:forEach>
-              <dgm:layoutNode name="hierRoot3">
-                <dgm:varLst>
-                  <dgm:hierBranch val="init"/>
-                </dgm:varLst>
-                <dgm:choose name="Name112">
-                  <dgm:if name="Name113" func="var" arg="hierBranch" op="equ" val="l">
-                    <dgm:alg type="hierRoot">
-                      <dgm:param type="hierAlign" val="tR"/>
-                    </dgm:alg>
+              <dgm:forEach name="Name11" axis="self" ptType="node">
+                <dgm:layoutNode name="hierRoot2">
+                  <dgm:alg type="hierRoot"/>
+                  <dgm:shape xmlns:r="http://schemas.openxmlformats.org/officeDocument/2006/relationships" r:blip="">
+                    <dgm:adjLst/>
+                  </dgm:shape>
+                  <dgm:presOf/>
+                  <dgm:constrLst>
+                    <dgm:constr type="bendDist" for="des" ptType="parTrans" refType="sp" fact="0.5"/>
+                  </dgm:constrLst>
+                  <dgm:ruleLst/>
+                  <dgm:layoutNode name="composite2">
+                    <dgm:alg type="composite"/>
                     <dgm:shape xmlns:r="http://schemas.openxmlformats.org/officeDocument/2006/relationships" r:blip="">
                       <dgm:adjLst/>
                     </dgm:shape>
                     <dgm:presOf/>
                     <dgm:constrLst>
-                      <dgm:constr type="alignOff" val="0.65"/>
+                      <dgm:constr type="w" for="ch" forName="background2" refType="w" fact="0.9"/>
+                      <dgm:constr type="h" for="ch" forName="background2" refType="w" refFor="ch" refForName="background2" fact="0.635"/>
+                      <dgm:constr type="t" for="ch" forName="background2"/>
+                      <dgm:constr type="l" for="ch" forName="background2"/>
+                      <dgm:constr type="w" for="ch" forName="text2" refType="w" fact="0.9"/>
+                      <dgm:constr type="h" for="ch" forName="text2" refType="w" refFor="ch" refForName="text2" fact="0.635"/>
+                      <dgm:constr type="t" for="ch" forName="text2" refType="w" fact="0.095"/>
+                      <dgm:constr type="l" for="ch" forName="text2" refType="w" fact="0.1"/>
                     </dgm:constrLst>
-                  </dgm:if>
-                  <dgm:if name="Name114" func="var" arg="hierBranch" op="equ" val="r">
-                    <dgm:alg type="hierRoot">
-                      <dgm:param type="hierAlign" val="tL"/>
-                    </dgm:alg>
+                    <dgm:ruleLst/>
+                    <dgm:layoutNode name="background2" moveWith="text2">
+                      <dgm:alg type="sp"/>
+                      <dgm:shape xmlns:r="http://schemas.openxmlformats.org/officeDocument/2006/relationships" type="roundRect" r:blip="">
+                        <dgm:adjLst>
+                          <dgm:adj idx="1" val="0.1"/>
+                        </dgm:adjLst>
+                      </dgm:shape>
+                      <dgm:presOf/>
+                      <dgm:constrLst/>
+                      <dgm:ruleLst/>
+                    </dgm:layoutNode>
+                    <dgm:layoutNode name="text2" styleLbl="fgAcc2">
+                      <dgm:varLst>
+                        <dgm:chPref val="3"/>
+                      </dgm:varLst>
+                      <dgm:alg type="tx"/>
+                      <dgm:shape xmlns:r="http://schemas.openxmlformats.org/officeDocument/2006/relationships" type="roundRect" r:blip="">
+                        <dgm:adjLst>
+                          <dgm:adj idx="1" val="0.1"/>
+                        </dgm:adjLst>
+                      </dgm:shape>
+                      <dgm:presOf axis="self"/>
+                      <dgm:constrLst>
+                        <dgm:constr type="tMarg" refType="primFontSz" fact="0.3"/>
+                        <dgm:constr type="bMarg" refType="primFontSz" fact="0.3"/>
+                        <dgm:constr type="lMarg" refType="primFontSz" fact="0.3"/>
+                        <dgm:constr type="rMarg" refType="primFontSz" fact="0.3"/>
+                      </dgm:constrLst>
+                      <dgm:ruleLst>
+                        <dgm:rule type="primFontSz" val="5" fact="NaN" max="NaN"/>
+                      </dgm:ruleLst>
+                    </dgm:layoutNode>
+                  </dgm:layoutNode>
+                  <dgm:layoutNode name="hierChild3">
+                    <dgm:choose name="Name12">
+                      <dgm:if name="Name13" func="var" arg="dir" op="equ" val="norm">
+                        <dgm:alg type="hierChild">
+                          <dgm:param type="linDir" val="fromL"/>
+                        </dgm:alg>
+                      </dgm:if>
+                      <dgm:else name="Name14">
+                        <dgm:alg type="hierChild">
+                          <dgm:param type="linDir" val="fromR"/>
+                        </dgm:alg>
+                      </dgm:else>
+                    </dgm:choose>
                     <dgm:shape xmlns:r="http://schemas.openxmlformats.org/officeDocument/2006/relationships" r:blip="">
                       <dgm:adjLst/>
                     </dgm:shape>
                     <dgm:presOf/>
-                    <dgm:constrLst>
-                      <dgm:constr type="alignOff" val="0.65"/>
-                    </dgm:constrLst>
-                  </dgm:if>
-                  <dgm:if name="Name115" func="var" arg="hierBranch" op="equ" val="hang">
-                    <dgm:alg type="hierRoot"/>
-                    <dgm:shape xmlns:r="http://schemas.openxmlformats.org/officeDocument/2006/relationships" r:blip="">
-                      <dgm:adjLst/>
-                    </dgm:shape>
-                    <dgm:presOf/>
-                    <dgm:constrLst>
-                      <dgm:constr type="alignOff" val="0.65"/>
-                    </dgm:constrLst>
-                  </dgm:if>
-                  <dgm:if name="Name116" func="var" arg="hierBranch" op="equ" val="std">
-                    <dgm:alg type="hierRoot"/>
-                    <dgm:shape xmlns:r="http://schemas.openxmlformats.org/officeDocument/2006/relationships" r:blip="">
-                      <dgm:adjLst/>
-                    </dgm:shape>
-                    <dgm:presOf/>
-                    <dgm:constrLst>
-                      <dgm:constr type="alignOff"/>
-                      <dgm:constr type="bendDist" for="des" ptType="parTrans" refType="sp" fact="0.5"/>
-                    </dgm:constrLst>
-                  </dgm:if>
-                  <dgm:if name="Name117" func="var" arg="hierBranch" op="equ" val="init">
-                    <dgm:choose name="Name118">
-                      <dgm:if name="Name119" axis="des" func="maxDepth" op="lte" val="1">
-                        <dgm:alg type="hierRoot">
-                          <dgm:param type="hierAlign" val="tL"/>
-                        </dgm:alg>
-                        <dgm:shape xmlns:r="http://schemas.openxmlformats.org/officeDocument/2006/relationships" r:blip="">
-                          <dgm:adjLst/>
-                        </dgm:shape>
-                        <dgm:presOf/>
-                        <dgm:constrLst>
-                          <dgm:constr type="alignOff" val="0.65"/>
-                        </dgm:constrLst>
-                      </dgm:if>
-                      <dgm:else name="Name120">
-                        <dgm:alg type="hierRoot"/>
-                        <dgm:shape xmlns:r="http://schemas.openxmlformats.org/officeDocument/2006/relationships" r:blip="">
-                          <dgm:adjLst/>
-                        </dgm:shape>
-                        <dgm:presOf/>
-                        <dgm:constrLst>
-                          <dgm:constr type="alignOff"/>
-                          <dgm:constr type="bendDist" for="des" ptType="parTrans" refType="sp" fact="0.5"/>
-                        </dgm:constrLst>
-                      </dgm:else>
-                    </dgm:choose>
-                  </dgm:if>
-                  <dgm:else name="Name121"/>
-                </dgm:choose>
-                <dgm:ruleLst/>
-                <dgm:layoutNode name="rootComposite3">
-                  <dgm:alg type="composite"/>
-                  <dgm:shape xmlns:r="http://schemas.openxmlformats.org/officeDocument/2006/relationships" r:blip="">
-                    <dgm:adjLst/>
-                  </dgm:shape>
-                  <dgm:presOf axis="self" ptType="node" cnt="1"/>
-                  <dgm:choose name="Name122">
-                    <dgm:if name="Name123" func="var" arg="hierBranch" op="equ" val="init">
-                      <dgm:constrLst>
-                        <dgm:constr type="l" for="ch" forName="rootText3"/>
-                        <dgm:constr type="t" for="ch" forName="rootText3"/>
-                        <dgm:constr type="w" for="ch" forName="rootText3" refType="w"/>
-                        <dgm:constr type="h" for="ch" forName="rootText3" refType="h"/>
-                        <dgm:constr type="l" for="ch" forName="rootConnector3"/>
-                        <dgm:constr type="t" for="ch" forName="rootConnector3"/>
-                        <dgm:constr type="w" for="ch" forName="rootConnector3" refType="w" refFor="ch" refForName="rootText3" fact="0.2"/>
-                        <dgm:constr type="h" for="ch" forName="rootConnector3" refType="h" refFor="ch" refForName="rootText3"/>
-                      </dgm:constrLst>
-                    </dgm:if>
-                    <dgm:if name="Name124" func="var" arg="hierBranch" op="equ" val="l">
-                      <dgm:constrLst>
-                        <dgm:constr type="l" for="ch" forName="rootText3"/>
-                        <dgm:constr type="t" for="ch" forName="rootText3"/>
-                        <dgm:constr type="w" for="ch" forName="rootText3" refType="w"/>
-                        <dgm:constr type="h" for="ch" forName="rootText3" refType="h"/>
-                        <dgm:constr type="r" for="ch" forName="rootConnector3" refType="w"/>
-                        <dgm:constr type="t" for="ch" forName="rootConnector3"/>
-                        <dgm:constr type="w" for="ch" forName="rootConnector3" refType="w" refFor="ch" refForName="rootText3" fact="0.2"/>
-                        <dgm:constr type="h" for="ch" forName="rootConnector3" refType="h" refFor="ch" refForName="rootText3"/>
-                      </dgm:constrLst>
-                    </dgm:if>
-                    <dgm:if name="Name125" func="var" arg="hierBranch" op="equ" val="r">
-                      <dgm:constrLst>
-                        <dgm:constr type="l" for="ch" forName="rootText3"/>
-                        <dgm:constr type="t" for="ch" forName="rootText3"/>
-                        <dgm:constr type="w" for="ch" forName="rootText3" refType="w"/>
-                        <dgm:constr type="h" for="ch" forName="rootText3" refType="h"/>
-                        <dgm:constr type="l" for="ch" forName="rootConnector3"/>
-                        <dgm:constr type="t" for="ch" forName="rootConnector3"/>
-                        <dgm:constr type="w" for="ch" forName="rootConnector3" refType="w" refFor="ch" refForName="rootText3" fact="0.2"/>
-                        <dgm:constr type="h" for="ch" forName="rootConnector3" refType="h" refFor="ch" refForName="rootText3"/>
-                      </dgm:constrLst>
-                    </dgm:if>
-                    <dgm:else name="Name126">
-                      <dgm:constrLst>
-                        <dgm:constr type="l" for="ch" forName="rootText3"/>
-                        <dgm:constr type="t" for="ch" forName="rootText3"/>
-                        <dgm:constr type="w" for="ch" forName="rootText3" refType="w"/>
-                        <dgm:constr type="h" for="ch" forName="rootText3" refType="h"/>
-                        <dgm:constr type="r" for="ch" forName="rootConnector3" refType="w"/>
-                        <dgm:constr type="t" for="ch" forName="rootConnector3"/>
-                        <dgm:constr type="w" for="ch" forName="rootConnector3" refType="w" refFor="ch" refForName="rootText3" fact="0.2"/>
-                        <dgm:constr type="h" for="ch" forName="rootConnector3" refType="h" refFor="ch" refForName="rootText3"/>
-                      </dgm:constrLst>
-                    </dgm:else>
-                  </dgm:choose>
-                  <dgm:ruleLst/>
-                  <dgm:layoutNode name="rootText3">
-                    <dgm:varLst>
-                      <dgm:chPref val="3"/>
-                    </dgm:varLst>
-                    <dgm:alg type="tx"/>
-                    <dgm:shape xmlns:r="http://schemas.openxmlformats.org/officeDocument/2006/relationships" type="rect" r:blip="">
-                      <dgm:adjLst/>
-                    </dgm:shape>
-                    <dgm:presOf axis="self" ptType="node" cnt="1"/>
-                    <dgm:constrLst>
-                      <dgm:constr type="primFontSz" val="65"/>
-                      <dgm:constr type="lMarg" refType="primFontSz" fact="0.05"/>
-                      <dgm:constr type="rMarg" refType="primFontSz" fact="0.05"/>
-                      <dgm:constr type="tMarg" refType="primFontSz" fact="0.05"/>
-                      <dgm:constr type="bMarg" refType="primFontSz" fact="0.05"/>
-                    </dgm:constrLst>
-                    <dgm:ruleLst>
-                      <dgm:rule type="primFontSz" val="5" fact="NaN" max="NaN"/>
-                    </dgm:ruleLst>
-                  </dgm:layoutNode>
-                  <dgm:layoutNode name="rootConnector3" moveWith="rootText1">
-                    <dgm:alg type="sp"/>
-                    <dgm:shape xmlns:r="http://schemas.openxmlformats.org/officeDocument/2006/relationships" type="rect" r:blip="" hideGeom="1">
-                      <dgm:adjLst/>
-                    </dgm:shape>
-                    <dgm:presOf axis="self" ptType="node" cnt="1"/>
                     <dgm:constrLst/>
                     <dgm:ruleLst/>
+                    <dgm:forEach name="Name15" axis="ch">
+                      <dgm:forEach name="Name16" axis="self" ptType="parTrans" cnt="1">
+                        <dgm:layoutNode name="Name17">
+                          <dgm:alg type="conn">
+                            <dgm:param type="dim" val="1D"/>
+                            <dgm:param type="endSty" val="noArr"/>
+                            <dgm:param type="connRout" val="bend"/>
+                            <dgm:param type="bendPt" val="end"/>
+                            <dgm:param type="begPts" val="bCtr"/>
+                            <dgm:param type="endPts" val="tCtr"/>
+                            <dgm:param type="srcNode" val="background2"/>
+                            <dgm:param type="dstNode" val="background3"/>
+                          </dgm:alg>
+                          <dgm:shape xmlns:r="http://schemas.openxmlformats.org/officeDocument/2006/relationships" type="conn" r:blip="" zOrderOff="-999">
+                            <dgm:adjLst/>
+                          </dgm:shape>
+                          <dgm:presOf axis="self"/>
+                          <dgm:constrLst>
+                            <dgm:constr type="begPad"/>
+                            <dgm:constr type="endPad"/>
+                          </dgm:constrLst>
+                          <dgm:ruleLst/>
+                        </dgm:layoutNode>
+                      </dgm:forEach>
+                      <dgm:forEach name="Name18" axis="self" ptType="node">
+                        <dgm:layoutNode name="hierRoot3">
+                          <dgm:alg type="hierRoot"/>
+                          <dgm:shape xmlns:r="http://schemas.openxmlformats.org/officeDocument/2006/relationships" r:blip="">
+                            <dgm:adjLst/>
+                          </dgm:shape>
+                          <dgm:presOf/>
+                          <dgm:constrLst>
+                            <dgm:constr type="bendDist" for="des" ptType="parTrans" refType="sp" fact="0.5"/>
+                          </dgm:constrLst>
+                          <dgm:ruleLst/>
+                          <dgm:layoutNode name="composite3">
+                            <dgm:alg type="composite"/>
+                            <dgm:shape xmlns:r="http://schemas.openxmlformats.org/officeDocument/2006/relationships" r:blip="">
+                              <dgm:adjLst/>
+                            </dgm:shape>
+                            <dgm:presOf/>
+                            <dgm:constrLst>
+                              <dgm:constr type="w" for="ch" forName="background3" refType="w" fact="0.9"/>
+                              <dgm:constr type="h" for="ch" forName="background3" refType="w" refFor="ch" refForName="background3" fact="0.635"/>
+                              <dgm:constr type="t" for="ch" forName="background3"/>
+                              <dgm:constr type="l" for="ch" forName="background3"/>
+                              <dgm:constr type="w" for="ch" forName="text3" refType="w" fact="0.9"/>
+                              <dgm:constr type="h" for="ch" forName="text3" refType="w" refFor="ch" refForName="text3" fact="0.635"/>
+                              <dgm:constr type="t" for="ch" forName="text3" refType="w" fact="0.095"/>
+                              <dgm:constr type="l" for="ch" forName="text3" refType="w" fact="0.1"/>
+                            </dgm:constrLst>
+                            <dgm:ruleLst/>
+                            <dgm:layoutNode name="background3" moveWith="text3">
+                              <dgm:alg type="sp"/>
+                              <dgm:shape xmlns:r="http://schemas.openxmlformats.org/officeDocument/2006/relationships" type="roundRect" r:blip="">
+                                <dgm:adjLst>
+                                  <dgm:adj idx="1" val="0.1"/>
+                                </dgm:adjLst>
+                              </dgm:shape>
+                              <dgm:presOf/>
+                              <dgm:constrLst/>
+                              <dgm:ruleLst/>
+                            </dgm:layoutNode>
+                            <dgm:layoutNode name="text3" styleLbl="fgAcc3">
+                              <dgm:varLst>
+                                <dgm:chPref val="3"/>
+                              </dgm:varLst>
+                              <dgm:alg type="tx"/>
+                              <dgm:shape xmlns:r="http://schemas.openxmlformats.org/officeDocument/2006/relationships" type="roundRect" r:blip="">
+                                <dgm:adjLst>
+                                  <dgm:adj idx="1" val="0.1"/>
+                                </dgm:adjLst>
+                              </dgm:shape>
+                              <dgm:presOf axis="self"/>
+                              <dgm:constrLst>
+                                <dgm:constr type="tMarg" refType="primFontSz" fact="0.3"/>
+                                <dgm:constr type="bMarg" refType="primFontSz" fact="0.3"/>
+                                <dgm:constr type="lMarg" refType="primFontSz" fact="0.3"/>
+                                <dgm:constr type="rMarg" refType="primFontSz" fact="0.3"/>
+                              </dgm:constrLst>
+                              <dgm:ruleLst>
+                                <dgm:rule type="primFontSz" val="5" fact="NaN" max="NaN"/>
+                              </dgm:ruleLst>
+                            </dgm:layoutNode>
+                          </dgm:layoutNode>
+                          <dgm:layoutNode name="hierChild4">
+                            <dgm:choose name="Name19">
+                              <dgm:if name="Name20" func="var" arg="dir" op="equ" val="norm">
+                                <dgm:alg type="hierChild">
+                                  <dgm:param type="linDir" val="fromL"/>
+                                </dgm:alg>
+                              </dgm:if>
+                              <dgm:else name="Name21">
+                                <dgm:alg type="hierChild">
+                                  <dgm:param type="linDir" val="fromR"/>
+                                </dgm:alg>
+                              </dgm:else>
+                            </dgm:choose>
+                            <dgm:shape xmlns:r="http://schemas.openxmlformats.org/officeDocument/2006/relationships" r:blip="">
+                              <dgm:adjLst/>
+                            </dgm:shape>
+                            <dgm:presOf/>
+                            <dgm:constrLst/>
+                            <dgm:ruleLst/>
+                            <dgm:forEach name="repeat" axis="ch">
+                              <dgm:forEach name="Name22" axis="self" ptType="parTrans" cnt="1">
+                                <dgm:layoutNode name="Name23">
+                                  <dgm:choose name="Name24">
+                                    <dgm:if name="Name25" axis="self" func="depth" op="lte" val="4">
+                                      <dgm:alg type="conn">
+                                        <dgm:param type="dim" val="1D"/>
+                                        <dgm:param type="endSty" val="noArr"/>
+                                        <dgm:param type="connRout" val="bend"/>
+                                        <dgm:param type="bendPt" val="end"/>
+                                        <dgm:param type="begPts" val="bCtr"/>
+                                        <dgm:param type="endPts" val="tCtr"/>
+                                        <dgm:param type="srcNode" val="background3"/>
+                                        <dgm:param type="dstNode" val="background4"/>
+                                      </dgm:alg>
+                                    </dgm:if>
+                                    <dgm:else name="Name26">
+                                      <dgm:alg type="conn">
+                                        <dgm:param type="dim" val="1D"/>
+                                        <dgm:param type="endSty" val="noArr"/>
+                                        <dgm:param type="connRout" val="bend"/>
+                                        <dgm:param type="bendPt" val="end"/>
+                                        <dgm:param type="begPts" val="bCtr"/>
+                                        <dgm:param type="endPts" val="tCtr"/>
+                                        <dgm:param type="srcNode" val="background4"/>
+                                        <dgm:param type="dstNode" val="background4"/>
+                                      </dgm:alg>
+                                    </dgm:else>
+                                  </dgm:choose>
+                                  <dgm:shape xmlns:r="http://schemas.openxmlformats.org/officeDocument/2006/relationships" type="conn" r:blip="" zOrderOff="-999">
+                                    <dgm:adjLst/>
+                                  </dgm:shape>
+                                  <dgm:presOf axis="self"/>
+                                  <dgm:constrLst>
+                                    <dgm:constr type="begPad"/>
+                                    <dgm:constr type="endPad"/>
+                                  </dgm:constrLst>
+                                  <dgm:ruleLst/>
+                                </dgm:layoutNode>
+                              </dgm:forEach>
+                              <dgm:forEach name="Name27" axis="self" ptType="node">
+                                <dgm:layoutNode name="hierRoot4">
+                                  <dgm:alg type="hierRoot"/>
+                                  <dgm:shape xmlns:r="http://schemas.openxmlformats.org/officeDocument/2006/relationships" r:blip="">
+                                    <dgm:adjLst/>
+                                  </dgm:shape>
+                                  <dgm:presOf/>
+                                  <dgm:constrLst>
+                                    <dgm:constr type="bendDist" for="des" ptType="parTrans" refType="sp" fact="0.5"/>
+                                  </dgm:constrLst>
+                                  <dgm:ruleLst/>
+                                  <dgm:layoutNode name="composite4">
+                                    <dgm:alg type="composite"/>
+                                    <dgm:shape xmlns:r="http://schemas.openxmlformats.org/officeDocument/2006/relationships" r:blip="">
+                                      <dgm:adjLst/>
+                                    </dgm:shape>
+                                    <dgm:presOf/>
+                                    <dgm:constrLst>
+                                      <dgm:constr type="w" for="ch" forName="background4" refType="w" fact="0.9"/>
+                                      <dgm:constr type="h" for="ch" forName="background4" refType="w" refFor="ch" refForName="background4" fact="0.635"/>
+                                      <dgm:constr type="t" for="ch" forName="background4"/>
+                                      <dgm:constr type="l" for="ch" forName="background4"/>
+                                      <dgm:constr type="w" for="ch" forName="text4" refType="w" fact="0.9"/>
+                                      <dgm:constr type="h" for="ch" forName="text4" refType="w" refFor="ch" refForName="text4" fact="0.635"/>
+                                      <dgm:constr type="t" for="ch" forName="text4" refType="w" fact="0.095"/>
+                                      <dgm:constr type="l" for="ch" forName="text4" refType="w" fact="0.1"/>
+                                    </dgm:constrLst>
+                                    <dgm:ruleLst/>
+                                    <dgm:layoutNode name="background4" moveWith="text4">
+                                      <dgm:alg type="sp"/>
+                                      <dgm:shape xmlns:r="http://schemas.openxmlformats.org/officeDocument/2006/relationships" type="roundRect" r:blip="">
+                                        <dgm:adjLst>
+                                          <dgm:adj idx="1" val="0.1"/>
+                                        </dgm:adjLst>
+                                      </dgm:shape>
+                                      <dgm:presOf/>
+                                      <dgm:constrLst/>
+                                      <dgm:ruleLst/>
+                                    </dgm:layoutNode>
+                                    <dgm:layoutNode name="text4" styleLbl="fgAcc4">
+                                      <dgm:varLst>
+                                        <dgm:chPref val="3"/>
+                                      </dgm:varLst>
+                                      <dgm:alg type="tx"/>
+                                      <dgm:shape xmlns:r="http://schemas.openxmlformats.org/officeDocument/2006/relationships" type="roundRect" r:blip="">
+                                        <dgm:adjLst>
+                                          <dgm:adj idx="1" val="0.1"/>
+                                        </dgm:adjLst>
+                                      </dgm:shape>
+                                      <dgm:presOf axis="self"/>
+                                      <dgm:constrLst>
+                                        <dgm:constr type="tMarg" refType="primFontSz" fact="0.3"/>
+                                        <dgm:constr type="bMarg" refType="primFontSz" fact="0.3"/>
+                                        <dgm:constr type="lMarg" refType="primFontSz" fact="0.3"/>
+                                        <dgm:constr type="rMarg" refType="primFontSz" fact="0.3"/>
+                                      </dgm:constrLst>
+                                      <dgm:ruleLst>
+                                        <dgm:rule type="primFontSz" val="5" fact="NaN" max="NaN"/>
+                                      </dgm:ruleLst>
+                                    </dgm:layoutNode>
+                                  </dgm:layoutNode>
+                                  <dgm:layoutNode name="hierChild5">
+                                    <dgm:choose name="Name28">
+                                      <dgm:if name="Name29" func="var" arg="dir" op="equ" val="norm">
+                                        <dgm:alg type="hierChild">
+                                          <dgm:param type="linDir" val="fromL"/>
+                                        </dgm:alg>
+                                      </dgm:if>
+                                      <dgm:else name="Name30">
+                                        <dgm:alg type="hierChild">
+                                          <dgm:param type="linDir" val="fromR"/>
+                                        </dgm:alg>
+                                      </dgm:else>
+                                    </dgm:choose>
+                                    <dgm:shape xmlns:r="http://schemas.openxmlformats.org/officeDocument/2006/relationships" r:blip="">
+                                      <dgm:adjLst/>
+                                    </dgm:shape>
+                                    <dgm:presOf/>
+                                    <dgm:constrLst/>
+                                    <dgm:ruleLst/>
+                                    <dgm:forEach name="Name31" ref="repeat"/>
+                                  </dgm:layoutNode>
+                                </dgm:layoutNode>
+                              </dgm:forEach>
+                            </dgm:forEach>
+                          </dgm:layoutNode>
+                        </dgm:layoutNode>
+                      </dgm:forEach>
+                    </dgm:forEach>
                   </dgm:layoutNode>
                 </dgm:layoutNode>
-                <dgm:layoutNode name="hierChild6">
-                  <dgm:choose name="Name127">
-                    <dgm:if name="Name128" func="var" arg="hierBranch" op="equ" val="l">
-                      <dgm:alg type="hierChild">
-                        <dgm:param type="chAlign" val="r"/>
-                        <dgm:param type="linDir" val="fromT"/>
-                      </dgm:alg>
-                    </dgm:if>
-                    <dgm:if name="Name129" func="var" arg="hierBranch" op="equ" val="r">
-                      <dgm:alg type="hierChild">
-                        <dgm:param type="chAlign" val="l"/>
-                        <dgm:param type="linDir" val="fromT"/>
-                      </dgm:alg>
-                    </dgm:if>
-                    <dgm:if name="Name130" func="var" arg="hierBranch" op="equ" val="hang">
-                      <dgm:choose name="Name131">
-                        <dgm:if name="Name132" func="var" arg="dir" op="equ" val="norm">
-                          <dgm:alg type="hierChild">
-                            <dgm:param type="chAlign" val="l"/>
-                            <dgm:param type="linDir" val="fromL"/>
-                            <dgm:param type="secChAlign" val="t"/>
-                            <dgm:param type="secLinDir" val="fromT"/>
-                          </dgm:alg>
-                        </dgm:if>
-                        <dgm:else name="Name133">
-                          <dgm:alg type="hierChild">
-                            <dgm:param type="chAlign" val="l"/>
-                            <dgm:param type="linDir" val="fromR"/>
-                            <dgm:param type="secChAlign" val="t"/>
-                            <dgm:param type="secLinDir" val="fromT"/>
-                          </dgm:alg>
-                        </dgm:else>
-                      </dgm:choose>
-                    </dgm:if>
-                    <dgm:if name="Name134" func="var" arg="hierBranch" op="equ" val="std">
-                      <dgm:choose name="Name135">
-                        <dgm:if name="Name136" func="var" arg="dir" op="equ" val="norm">
-                          <dgm:alg type="hierChild"/>
-                        </dgm:if>
-                        <dgm:else name="Name137">
-                          <dgm:alg type="hierChild">
-                            <dgm:param type="linDir" val="fromR"/>
-                          </dgm:alg>
-                        </dgm:else>
-                      </dgm:choose>
-                    </dgm:if>
-                    <dgm:if name="Name138" func="var" arg="hierBranch" op="equ" val="init">
-                      <dgm:choose name="Name139">
-                        <dgm:if name="Name140" axis="des" func="maxDepth" op="lte" val="1">
-                          <dgm:alg type="hierChild">
-                            <dgm:param type="chAlign" val="l"/>
-                            <dgm:param type="linDir" val="fromT"/>
-                          </dgm:alg>
-                        </dgm:if>
-                        <dgm:else name="Name141">
-                          <dgm:alg type="hierChild"/>
-                        </dgm:else>
-                      </dgm:choose>
-                    </dgm:if>
-                    <dgm:else name="Name142"/>
-                  </dgm:choose>
-                  <dgm:shape xmlns:r="http://schemas.openxmlformats.org/officeDocument/2006/relationships" r:blip="">
-                    <dgm:adjLst/>
-                  </dgm:shape>
-                  <dgm:presOf/>
-                  <dgm:constrLst/>
-                  <dgm:ruleLst/>
-                  <dgm:forEach name="Name143" ref="rep2a"/>
-                </dgm:layoutNode>
-                <dgm:layoutNode name="hierChild7">
-                  <dgm:choose name="Name144">
-                    <dgm:if name="Name145" func="var" arg="dir" op="equ" val="norm">
-                      <dgm:alg type="hierChild">
-                        <dgm:param type="chAlign" val="l"/>
-                        <dgm:param type="linDir" val="fromL"/>
-                        <dgm:param type="secChAlign" val="t"/>
-                        <dgm:param type="secLinDir" val="fromT"/>
-                      </dgm:alg>
-                    </dgm:if>
-                    <dgm:else name="Name146">
-                      <dgm:alg type="hierChild">
-                        <dgm:param type="chAlign" val="l"/>
-                        <dgm:param type="linDir" val="fromR"/>
-                        <dgm:param type="secChAlign" val="t"/>
-                        <dgm:param type="secLinDir" val="fromT"/>
-                      </dgm:alg>
-                    </dgm:else>
-                  </dgm:choose>
-                  <dgm:shape xmlns:r="http://schemas.openxmlformats.org/officeDocument/2006/relationships" r:blip="">
-                    <dgm:adjLst/>
-                  </dgm:shape>
-                  <dgm:presOf/>
-                  <dgm:constrLst/>
-                  <dgm:ruleLst/>
-                  <dgm:forEach name="Name147" ref="rep2b"/>
-                </dgm:layoutNode>
-              </dgm:layoutNode>
+              </dgm:forEach>
             </dgm:forEach>
           </dgm:layoutNode>
         </dgm:layoutNode>
@@ -6481,7 +6902,7 @@
           <a:p>
             <a:fld id="{5871CF41-0B09-4798-B670-3C9B0936FF95}" type="datetimeFigureOut">
               <a:rPr lang="en-US" smtClean="0"/>
-              <a:t>4/19/2022</a:t>
+              <a:t>4/20/2022</a:t>
             </a:fld>
             <a:endParaRPr lang="en-US" dirty="0"/>
           </a:p>
@@ -7250,7 +7671,7 @@
           <a:p>
             <a:fld id="{168879B2-7B6B-4ED3-89A7-EFC41AFF6308}" type="datetime1">
               <a:rPr lang="en-US" smtClean="0"/>
-              <a:t>4/19/2022</a:t>
+              <a:t>4/20/2022</a:t>
             </a:fld>
             <a:endParaRPr lang="en-US" dirty="0"/>
           </a:p>
@@ -7545,7 +7966,7 @@
           <a:p>
             <a:fld id="{D13D922E-16C5-45A5-8BD3-0351402718B2}" type="datetime1">
               <a:rPr lang="en-US" smtClean="0"/>
-              <a:t>4/19/2022</a:t>
+              <a:t>4/20/2022</a:t>
             </a:fld>
             <a:endParaRPr lang="en-US" dirty="0"/>
           </a:p>
@@ -7793,7 +8214,7 @@
           <a:p>
             <a:fld id="{82CD67D3-2395-4FD4-9A98-81AA333F1BD8}" type="datetime1">
               <a:rPr lang="en-US" smtClean="0"/>
-              <a:t>4/19/2022</a:t>
+              <a:t>4/20/2022</a:t>
             </a:fld>
             <a:endParaRPr lang="en-US" dirty="0"/>
           </a:p>
@@ -8333,7 +8754,7 @@
           <a:p>
             <a:fld id="{AF240796-8FD7-4BFC-BCD7-501896528243}" type="datetime1">
               <a:rPr lang="en-US" smtClean="0"/>
-              <a:t>4/19/2022</a:t>
+              <a:t>4/20/2022</a:t>
             </a:fld>
             <a:endParaRPr lang="en-US" dirty="0"/>
           </a:p>
@@ -8581,7 +9002,7 @@
           <a:p>
             <a:fld id="{1A885E88-666E-4E06-9E57-AC6A213392A6}" type="datetime1">
               <a:rPr lang="en-US" smtClean="0"/>
-              <a:t>4/19/2022</a:t>
+              <a:t>4/20/2022</a:t>
             </a:fld>
             <a:endParaRPr lang="en-US" dirty="0"/>
           </a:p>
@@ -9113,7 +9534,7 @@
           <a:p>
             <a:fld id="{A21AFC83-F2B1-4D61-9586-B026885B3BF4}" type="datetime1">
               <a:rPr lang="en-US" smtClean="0"/>
-              <a:t>4/19/2022</a:t>
+              <a:t>4/20/2022</a:t>
             </a:fld>
             <a:endParaRPr lang="en-US" dirty="0"/>
           </a:p>
@@ -9410,7 +9831,7 @@
           <a:p>
             <a:fld id="{83838B35-254D-4861-8B96-99459CF8DC74}" type="datetime1">
               <a:rPr lang="en-US" smtClean="0"/>
-              <a:t>4/19/2022</a:t>
+              <a:t>4/20/2022</a:t>
             </a:fld>
             <a:endParaRPr lang="en-US" dirty="0"/>
           </a:p>
@@ -9584,7 +10005,7 @@
           <a:p>
             <a:fld id="{A6EC469A-12F8-4E89-8CF3-73DBB3285027}" type="datetime1">
               <a:rPr lang="en-US" smtClean="0"/>
-              <a:t>4/19/2022</a:t>
+              <a:t>4/20/2022</a:t>
             </a:fld>
             <a:endParaRPr lang="en-US" dirty="0"/>
           </a:p>
@@ -9764,7 +10185,7 @@
           <a:p>
             <a:fld id="{628059C2-9CCA-4F32-925B-970394FB80E0}" type="datetime1">
               <a:rPr lang="en-US" smtClean="0"/>
-              <a:t>4/19/2022</a:t>
+              <a:t>4/20/2022</a:t>
             </a:fld>
             <a:endParaRPr lang="en-US" dirty="0"/>
           </a:p>
@@ -9934,7 +10355,7 @@
           <a:p>
             <a:fld id="{660C52F5-8048-431E-8482-A0331EA4D228}" type="datetime1">
               <a:rPr lang="en-US" smtClean="0"/>
-              <a:t>4/19/2022</a:t>
+              <a:t>4/20/2022</a:t>
             </a:fld>
             <a:endParaRPr lang="en-US" dirty="0"/>
           </a:p>
@@ -10185,7 +10606,7 @@
           <a:p>
             <a:fld id="{486170AD-F089-4D08-98A6-C8A46549C169}" type="datetime1">
               <a:rPr lang="en-US" smtClean="0"/>
-              <a:t>4/19/2022</a:t>
+              <a:t>4/20/2022</a:t>
             </a:fld>
             <a:endParaRPr lang="en-US" dirty="0"/>
           </a:p>
@@ -10482,7 +10903,7 @@
           <a:p>
             <a:fld id="{711CB868-61DC-421E-BEB8-F7328E82DFA4}" type="datetime1">
               <a:rPr lang="en-US" smtClean="0"/>
-              <a:t>4/19/2022</a:t>
+              <a:t>4/20/2022</a:t>
             </a:fld>
             <a:endParaRPr lang="en-US" dirty="0"/>
           </a:p>
@@ -10924,7 +11345,7 @@
           <a:p>
             <a:fld id="{7BB28479-CA0A-4649-B8D8-B7190F087862}" type="datetime1">
               <a:rPr lang="en-US" smtClean="0"/>
-              <a:t>4/19/2022</a:t>
+              <a:t>4/20/2022</a:t>
             </a:fld>
             <a:endParaRPr lang="en-US" dirty="0"/>
           </a:p>
@@ -11042,7 +11463,7 @@
           <a:p>
             <a:fld id="{2831BA14-6264-42FF-A13F-963742010587}" type="datetime1">
               <a:rPr lang="en-US" smtClean="0"/>
-              <a:t>4/19/2022</a:t>
+              <a:t>4/20/2022</a:t>
             </a:fld>
             <a:endParaRPr lang="en-US" dirty="0"/>
           </a:p>
@@ -11137,7 +11558,7 @@
           <a:p>
             <a:fld id="{3ACC5F88-4FF1-4E9F-8FBF-4B64ADDE4F04}" type="datetime1">
               <a:rPr lang="en-US" smtClean="0"/>
-              <a:t>4/19/2022</a:t>
+              <a:t>4/20/2022</a:t>
             </a:fld>
             <a:endParaRPr lang="en-US" dirty="0"/>
           </a:p>
@@ -11420,7 +11841,7 @@
           <a:p>
             <a:fld id="{F28D5011-35ED-4083-84E3-4881118724D9}" type="datetime1">
               <a:rPr lang="en-US" smtClean="0"/>
-              <a:t>4/19/2022</a:t>
+              <a:t>4/20/2022</a:t>
             </a:fld>
             <a:endParaRPr lang="en-US" dirty="0"/>
           </a:p>
@@ -11710,7 +12131,7 @@
           <a:p>
             <a:fld id="{5ABB8DBC-6E9A-4258-A085-E422046955A9}" type="datetime1">
               <a:rPr lang="en-US" smtClean="0"/>
-              <a:t>4/19/2022</a:t>
+              <a:t>4/20/2022</a:t>
             </a:fld>
             <a:endParaRPr lang="en-US" dirty="0"/>
           </a:p>
@@ -12240,7 +12661,7 @@
           <a:p>
             <a:fld id="{8A232130-4E83-4A5F-89FE-11C236E74D73}" type="datetime1">
               <a:rPr lang="en-US" smtClean="0"/>
-              <a:t>4/19/2022</a:t>
+              <a:t>4/20/2022</a:t>
             </a:fld>
             <a:endParaRPr lang="en-US" dirty="0"/>
           </a:p>
@@ -13169,8 +13590,8 @@
         </p:nvSpPr>
         <p:spPr>
           <a:xfrm>
-            <a:off x="1484310" y="1639019"/>
-            <a:ext cx="10018713" cy="4347713"/>
+            <a:off x="1484310" y="2366682"/>
+            <a:ext cx="10018713" cy="3620050"/>
           </a:xfrm>
         </p:spPr>
         <p:txBody>
@@ -13204,6 +13625,48 @@
                 <a:cs typeface="Times New Roman" panose="02020603050405020304" pitchFamily="18" charset="0"/>
               </a:rPr>
               <a:t>Providing a simple, yet efficient ways to report security attacks.</a:t>
+            </a:r>
+          </a:p>
+          <a:p>
+            <a:pPr>
+              <a:lnSpc>
+                <a:spcPct val="115000"/>
+              </a:lnSpc>
+            </a:pPr>
+            <a:r>
+              <a:rPr lang="en-US" sz="2600" dirty="0">
+                <a:latin typeface="Times New Roman" panose="02020603050405020304" pitchFamily="18" charset="0"/>
+                <a:cs typeface="Times New Roman" panose="02020603050405020304" pitchFamily="18" charset="0"/>
+              </a:rPr>
+              <a:t>First time to use unity and to make a game.</a:t>
+            </a:r>
+          </a:p>
+          <a:p>
+            <a:pPr>
+              <a:lnSpc>
+                <a:spcPct val="115000"/>
+              </a:lnSpc>
+            </a:pPr>
+            <a:r>
+              <a:rPr lang="en-US" sz="2600" dirty="0">
+                <a:latin typeface="Times New Roman" panose="02020603050405020304" pitchFamily="18" charset="0"/>
+                <a:cs typeface="Times New Roman" panose="02020603050405020304" pitchFamily="18" charset="0"/>
+              </a:rPr>
+              <a:t>Making scenario that can be related to children.</a:t>
+            </a:r>
+          </a:p>
+          <a:p>
+            <a:pPr>
+              <a:lnSpc>
+                <a:spcPct val="115000"/>
+              </a:lnSpc>
+            </a:pPr>
+            <a:r>
+              <a:rPr lang="en-US" sz="2600" dirty="0">
+                <a:latin typeface="Times New Roman" panose="02020603050405020304" pitchFamily="18" charset="0"/>
+                <a:cs typeface="Times New Roman" panose="02020603050405020304" pitchFamily="18" charset="0"/>
+              </a:rPr>
+              <a:t>How to integrate suitable challenges in the game.</a:t>
             </a:r>
           </a:p>
         </p:txBody>
@@ -13395,12 +13858,25 @@
               </a:rPr>
               <a:t>Create Leaderboard for Motivation.</a:t>
             </a:r>
-            <a:endParaRPr lang="en-US" sz="2600" dirty="0">
-              <a:effectLst/>
-              <a:latin typeface="Times New Roman" panose="02020603050405020304" pitchFamily="18" charset="0"/>
-              <a:ea typeface="Times New Roman" panose="02020603050405020304" pitchFamily="18" charset="0"/>
-              <a:cs typeface="Times New Roman" panose="02020603050405020304" pitchFamily="18" charset="0"/>
-            </a:endParaRPr>
+          </a:p>
+          <a:p>
+            <a:r>
+              <a:rPr lang="en-US" sz="2600" dirty="0">
+                <a:effectLst/>
+                <a:latin typeface="Times New Roman" panose="02020603050405020304" pitchFamily="18" charset="0"/>
+                <a:ea typeface="Times New Roman" panose="02020603050405020304" pitchFamily="18" charset="0"/>
+                <a:cs typeface="Times New Roman" panose="02020603050405020304" pitchFamily="18" charset="0"/>
+              </a:rPr>
+              <a:t>Follow</a:t>
+            </a:r>
+            <a:r>
+              <a:rPr lang="en-US" sz="2600" dirty="0">
+                <a:latin typeface="Times New Roman" panose="02020603050405020304" pitchFamily="18" charset="0"/>
+                <a:ea typeface="Times New Roman" panose="02020603050405020304" pitchFamily="18" charset="0"/>
+                <a:cs typeface="Times New Roman" panose="02020603050405020304" pitchFamily="18" charset="0"/>
+              </a:rPr>
+              <a:t>ed online tutorials to gain experience in using unity.</a:t>
+            </a:r>
           </a:p>
         </p:txBody>
       </p:sp>
@@ -13589,7 +14065,7 @@
             <p:ph idx="1"/>
             <p:extLst>
               <p:ext uri="{D42A27DB-BD31-4B8C-83A1-F6EECF244321}">
-                <p14:modId xmlns:p14="http://schemas.microsoft.com/office/powerpoint/2010/main" val="3833057634"/>
+                <p14:modId xmlns:p14="http://schemas.microsoft.com/office/powerpoint/2010/main" val="3662918983"/>
               </p:ext>
             </p:extLst>
           </p:nvPr>
@@ -16045,7 +16521,7 @@
             <p:ph idx="1"/>
             <p:extLst>
               <p:ext uri="{D42A27DB-BD31-4B8C-83A1-F6EECF244321}">
-                <p14:modId xmlns:p14="http://schemas.microsoft.com/office/powerpoint/2010/main" val="1105841735"/>
+                <p14:modId xmlns:p14="http://schemas.microsoft.com/office/powerpoint/2010/main" val="3484268985"/>
               </p:ext>
             </p:extLst>
           </p:nvPr>
